--- a/WeatherStation.pptx
+++ b/WeatherStation.pptx
@@ -190,7 +190,7 @@
           <a:noFill/>
           <a:extLst>
             <a:ext uri="{909E8E84-426E-40dd-AFC4-6F175D3DCCD1}">
-              <a14:hiddenFill xmlns:a14="http://schemas.microsoft.com/office/drawing/2010/main" xmlns="">
+              <a14:hiddenFill xmlns="" xmlns:a14="http://schemas.microsoft.com/office/drawing/2010/main">
                 <a:solidFill>
                   <a:srgbClr val="FFFFFF"/>
                 </a:solidFill>
@@ -250,7 +250,7 @@
             </a:ln>
             <a:extLst>
               <a:ext uri="{91240B29-F687-4f45-9708-019B960494DF}">
-                <a14:hiddenLine xmlns:a14="http://schemas.microsoft.com/office/drawing/2010/main" xmlns="" w="9525">
+                <a14:hiddenLine xmlns="" xmlns:a14="http://schemas.microsoft.com/office/drawing/2010/main" w="9525">
                   <a:solidFill>
                     <a:srgbClr val="000000"/>
                   </a:solidFill>
@@ -340,7 +340,7 @@
             </a:ln>
             <a:extLst>
               <a:ext uri="{91240B29-F687-4f45-9708-019B960494DF}">
-                <a14:hiddenLine xmlns:a14="http://schemas.microsoft.com/office/drawing/2010/main" xmlns="" w="9525">
+                <a14:hiddenLine xmlns="" xmlns:a14="http://schemas.microsoft.com/office/drawing/2010/main" w="9525">
                   <a:solidFill>
                     <a:srgbClr val="000000"/>
                   </a:solidFill>
@@ -430,7 +430,7 @@
             </a:ln>
             <a:extLst>
               <a:ext uri="{91240B29-F687-4f45-9708-019B960494DF}">
-                <a14:hiddenLine xmlns:a14="http://schemas.microsoft.com/office/drawing/2010/main" xmlns="" w="9525">
+                <a14:hiddenLine xmlns="" xmlns:a14="http://schemas.microsoft.com/office/drawing/2010/main" w="9525">
                   <a:solidFill>
                     <a:srgbClr val="000000"/>
                   </a:solidFill>
@@ -464,7 +464,7 @@
             </a:ln>
             <a:extLst>
               <a:ext uri="{91240B29-F687-4f45-9708-019B960494DF}">
-                <a14:hiddenLine xmlns:a14="http://schemas.microsoft.com/office/drawing/2010/main" xmlns="" w="9525">
+                <a14:hiddenLine xmlns="" xmlns:a14="http://schemas.microsoft.com/office/drawing/2010/main" w="9525">
                   <a:solidFill>
                     <a:srgbClr val="000000"/>
                   </a:solidFill>
@@ -554,7 +554,7 @@
             </a:ln>
             <a:extLst>
               <a:ext uri="{91240B29-F687-4f45-9708-019B960494DF}">
-                <a14:hiddenLine xmlns:a14="http://schemas.microsoft.com/office/drawing/2010/main" xmlns="" w="9525">
+                <a14:hiddenLine xmlns="" xmlns:a14="http://schemas.microsoft.com/office/drawing/2010/main" w="9525">
                   <a:solidFill>
                     <a:srgbClr val="000000"/>
                   </a:solidFill>
@@ -616,7 +616,7 @@
             </a:ln>
             <a:extLst>
               <a:ext uri="{91240B29-F687-4f45-9708-019B960494DF}">
-                <a14:hiddenLine xmlns:a14="http://schemas.microsoft.com/office/drawing/2010/main" xmlns="" w="9525">
+                <a14:hiddenLine xmlns="" xmlns:a14="http://schemas.microsoft.com/office/drawing/2010/main" w="9525">
                   <a:solidFill>
                     <a:srgbClr val="000000"/>
                   </a:solidFill>
@@ -678,7 +678,7 @@
             </a:ln>
             <a:extLst>
               <a:ext uri="{91240B29-F687-4f45-9708-019B960494DF}">
-                <a14:hiddenLine xmlns:a14="http://schemas.microsoft.com/office/drawing/2010/main" xmlns="" w="9525">
+                <a14:hiddenLine xmlns="" xmlns:a14="http://schemas.microsoft.com/office/drawing/2010/main" w="9525">
                   <a:solidFill>
                     <a:srgbClr val="000000"/>
                   </a:solidFill>
@@ -768,7 +768,7 @@
             </a:ln>
             <a:extLst>
               <a:ext uri="{91240B29-F687-4f45-9708-019B960494DF}">
-                <a14:hiddenLine xmlns:a14="http://schemas.microsoft.com/office/drawing/2010/main" xmlns="" w="9525">
+                <a14:hiddenLine xmlns="" xmlns:a14="http://schemas.microsoft.com/office/drawing/2010/main" w="9525">
                   <a:solidFill>
                     <a:srgbClr val="000000"/>
                   </a:solidFill>
@@ -830,7 +830,7 @@
             </a:ln>
             <a:extLst>
               <a:ext uri="{91240B29-F687-4f45-9708-019B960494DF}">
-                <a14:hiddenLine xmlns:a14="http://schemas.microsoft.com/office/drawing/2010/main" xmlns="" w="9525">
+                <a14:hiddenLine xmlns="" xmlns:a14="http://schemas.microsoft.com/office/drawing/2010/main" w="9525">
                   <a:solidFill>
                     <a:srgbClr val="000000"/>
                   </a:solidFill>
@@ -892,7 +892,7 @@
             </a:ln>
             <a:extLst>
               <a:ext uri="{91240B29-F687-4f45-9708-019B960494DF}">
-                <a14:hiddenLine xmlns:a14="http://schemas.microsoft.com/office/drawing/2010/main" xmlns="" w="9525">
+                <a14:hiddenLine xmlns="" xmlns:a14="http://schemas.microsoft.com/office/drawing/2010/main" w="9525">
                   <a:solidFill>
                     <a:srgbClr val="000000"/>
                   </a:solidFill>
@@ -982,7 +982,7 @@
             </a:ln>
             <a:extLst>
               <a:ext uri="{91240B29-F687-4f45-9708-019B960494DF}">
-                <a14:hiddenLine xmlns:a14="http://schemas.microsoft.com/office/drawing/2010/main" xmlns="" w="9525">
+                <a14:hiddenLine xmlns="" xmlns:a14="http://schemas.microsoft.com/office/drawing/2010/main" w="9525">
                   <a:solidFill>
                     <a:srgbClr val="000000"/>
                   </a:solidFill>
@@ -1072,7 +1072,7 @@
             </a:ln>
             <a:extLst>
               <a:ext uri="{91240B29-F687-4f45-9708-019B960494DF}">
-                <a14:hiddenLine xmlns:a14="http://schemas.microsoft.com/office/drawing/2010/main" xmlns="" w="9525">
+                <a14:hiddenLine xmlns="" xmlns:a14="http://schemas.microsoft.com/office/drawing/2010/main" w="9525">
                   <a:solidFill>
                     <a:srgbClr val="000000"/>
                   </a:solidFill>
@@ -1134,7 +1134,7 @@
             </a:ln>
             <a:extLst>
               <a:ext uri="{91240B29-F687-4f45-9708-019B960494DF}">
-                <a14:hiddenLine xmlns:a14="http://schemas.microsoft.com/office/drawing/2010/main" xmlns="" w="9525">
+                <a14:hiddenLine xmlns="" xmlns:a14="http://schemas.microsoft.com/office/drawing/2010/main" w="9525">
                   <a:solidFill>
                     <a:srgbClr val="000000"/>
                   </a:solidFill>
@@ -1244,7 +1244,7 @@
             </a:ln>
             <a:extLst>
               <a:ext uri="{91240B29-F687-4f45-9708-019B960494DF}">
-                <a14:hiddenLine xmlns:a14="http://schemas.microsoft.com/office/drawing/2010/main" xmlns="" w="9525">
+                <a14:hiddenLine xmlns="" xmlns:a14="http://schemas.microsoft.com/office/drawing/2010/main" w="9525">
                   <a:solidFill>
                     <a:srgbClr val="000000"/>
                   </a:solidFill>
@@ -1306,7 +1306,7 @@
             </a:ln>
             <a:extLst>
               <a:ext uri="{91240B29-F687-4f45-9708-019B960494DF}">
-                <a14:hiddenLine xmlns:a14="http://schemas.microsoft.com/office/drawing/2010/main" xmlns="" w="9525">
+                <a14:hiddenLine xmlns="" xmlns:a14="http://schemas.microsoft.com/office/drawing/2010/main" w="9525">
                   <a:solidFill>
                     <a:srgbClr val="000000"/>
                   </a:solidFill>
@@ -1396,7 +1396,7 @@
             </a:ln>
             <a:extLst>
               <a:ext uri="{91240B29-F687-4f45-9708-019B960494DF}">
-                <a14:hiddenLine xmlns:a14="http://schemas.microsoft.com/office/drawing/2010/main" xmlns="" w="9525">
+                <a14:hiddenLine xmlns="" xmlns:a14="http://schemas.microsoft.com/office/drawing/2010/main" w="9525">
                   <a:solidFill>
                     <a:srgbClr val="000000"/>
                   </a:solidFill>
@@ -1486,7 +1486,7 @@
             </a:ln>
             <a:extLst>
               <a:ext uri="{91240B29-F687-4f45-9708-019B960494DF}">
-                <a14:hiddenLine xmlns:a14="http://schemas.microsoft.com/office/drawing/2010/main" xmlns="" w="9525">
+                <a14:hiddenLine xmlns="" xmlns:a14="http://schemas.microsoft.com/office/drawing/2010/main" w="9525">
                   <a:solidFill>
                     <a:srgbClr val="000000"/>
                   </a:solidFill>
@@ -1548,7 +1548,7 @@
             </a:ln>
             <a:extLst>
               <a:ext uri="{91240B29-F687-4f45-9708-019B960494DF}">
-                <a14:hiddenLine xmlns:a14="http://schemas.microsoft.com/office/drawing/2010/main" xmlns="" w="9525">
+                <a14:hiddenLine xmlns="" xmlns:a14="http://schemas.microsoft.com/office/drawing/2010/main" w="9525">
                   <a:solidFill>
                     <a:srgbClr val="000000"/>
                   </a:solidFill>
@@ -1638,7 +1638,7 @@
             </a:ln>
             <a:extLst>
               <a:ext uri="{91240B29-F687-4f45-9708-019B960494DF}">
-                <a14:hiddenLine xmlns:a14="http://schemas.microsoft.com/office/drawing/2010/main" xmlns="" w="9525">
+                <a14:hiddenLine xmlns="" xmlns:a14="http://schemas.microsoft.com/office/drawing/2010/main" w="9525">
                   <a:solidFill>
                     <a:srgbClr val="000000"/>
                   </a:solidFill>
@@ -1728,7 +1728,7 @@
             </a:ln>
             <a:extLst>
               <a:ext uri="{91240B29-F687-4f45-9708-019B960494DF}">
-                <a14:hiddenLine xmlns:a14="http://schemas.microsoft.com/office/drawing/2010/main" xmlns="" w="9525">
+                <a14:hiddenLine xmlns="" xmlns:a14="http://schemas.microsoft.com/office/drawing/2010/main" w="9525">
                   <a:solidFill>
                     <a:srgbClr val="000000"/>
                   </a:solidFill>
@@ -1784,7 +1784,7 @@
             </a:ln>
             <a:extLst>
               <a:ext uri="{91240B29-F687-4f45-9708-019B960494DF}">
-                <a14:hiddenLine xmlns:a14="http://schemas.microsoft.com/office/drawing/2010/main" xmlns="" w="9525">
+                <a14:hiddenLine xmlns="" xmlns:a14="http://schemas.microsoft.com/office/drawing/2010/main" w="9525">
                   <a:solidFill>
                     <a:srgbClr val="000000"/>
                   </a:solidFill>
@@ -1874,7 +1874,7 @@
             </a:ln>
             <a:extLst>
               <a:ext uri="{91240B29-F687-4f45-9708-019B960494DF}">
-                <a14:hiddenLine xmlns:a14="http://schemas.microsoft.com/office/drawing/2010/main" xmlns="" w="9525">
+                <a14:hiddenLine xmlns="" xmlns:a14="http://schemas.microsoft.com/office/drawing/2010/main" w="9525">
                   <a:solidFill>
                     <a:srgbClr val="000000"/>
                   </a:solidFill>
@@ -1930,7 +1930,7 @@
             </a:ln>
             <a:extLst>
               <a:ext uri="{91240B29-F687-4f45-9708-019B960494DF}">
-                <a14:hiddenLine xmlns:a14="http://schemas.microsoft.com/office/drawing/2010/main" xmlns="" w="9525">
+                <a14:hiddenLine xmlns="" xmlns:a14="http://schemas.microsoft.com/office/drawing/2010/main" w="9525">
                   <a:solidFill>
                     <a:srgbClr val="000000"/>
                   </a:solidFill>
@@ -2020,7 +2020,7 @@
             </a:ln>
             <a:extLst>
               <a:ext uri="{91240B29-F687-4f45-9708-019B960494DF}">
-                <a14:hiddenLine xmlns:a14="http://schemas.microsoft.com/office/drawing/2010/main" xmlns="" w="9525">
+                <a14:hiddenLine xmlns="" xmlns:a14="http://schemas.microsoft.com/office/drawing/2010/main" w="9525">
                   <a:solidFill>
                     <a:srgbClr val="000000"/>
                   </a:solidFill>
@@ -2088,7 +2088,7 @@
             </a:ln>
             <a:extLst>
               <a:ext uri="{91240B29-F687-4f45-9708-019B960494DF}">
-                <a14:hiddenLine xmlns:a14="http://schemas.microsoft.com/office/drawing/2010/main" xmlns="" w="9525">
+                <a14:hiddenLine xmlns="" xmlns:a14="http://schemas.microsoft.com/office/drawing/2010/main" w="9525">
                   <a:solidFill>
                     <a:srgbClr val="000000"/>
                   </a:solidFill>
@@ -2178,7 +2178,7 @@
             </a:ln>
             <a:extLst>
               <a:ext uri="{91240B29-F687-4f45-9708-019B960494DF}">
-                <a14:hiddenLine xmlns:a14="http://schemas.microsoft.com/office/drawing/2010/main" xmlns="" w="9525">
+                <a14:hiddenLine xmlns="" xmlns:a14="http://schemas.microsoft.com/office/drawing/2010/main" w="9525">
                   <a:solidFill>
                     <a:srgbClr val="000000"/>
                   </a:solidFill>
@@ -2246,7 +2246,7 @@
             </a:ln>
             <a:extLst>
               <a:ext uri="{91240B29-F687-4f45-9708-019B960494DF}">
-                <a14:hiddenLine xmlns:a14="http://schemas.microsoft.com/office/drawing/2010/main" xmlns="" w="9525">
+                <a14:hiddenLine xmlns="" xmlns:a14="http://schemas.microsoft.com/office/drawing/2010/main" w="9525">
                   <a:solidFill>
                     <a:srgbClr val="000000"/>
                   </a:solidFill>
@@ -2336,7 +2336,7 @@
             </a:ln>
             <a:extLst>
               <a:ext uri="{91240B29-F687-4f45-9708-019B960494DF}">
-                <a14:hiddenLine xmlns:a14="http://schemas.microsoft.com/office/drawing/2010/main" xmlns="" w="9525">
+                <a14:hiddenLine xmlns="" xmlns:a14="http://schemas.microsoft.com/office/drawing/2010/main" w="9525">
                   <a:solidFill>
                     <a:srgbClr val="000000"/>
                   </a:solidFill>
@@ -2370,7 +2370,7 @@
             </a:ln>
             <a:extLst>
               <a:ext uri="{91240B29-F687-4f45-9708-019B960494DF}">
-                <a14:hiddenLine xmlns:a14="http://schemas.microsoft.com/office/drawing/2010/main" xmlns="" w="9525">
+                <a14:hiddenLine xmlns="" xmlns:a14="http://schemas.microsoft.com/office/drawing/2010/main" w="9525">
                   <a:solidFill>
                     <a:srgbClr val="000000"/>
                   </a:solidFill>
@@ -2460,7 +2460,7 @@
             </a:ln>
             <a:extLst>
               <a:ext uri="{91240B29-F687-4f45-9708-019B960494DF}">
-                <a14:hiddenLine xmlns:a14="http://schemas.microsoft.com/office/drawing/2010/main" xmlns="" w="9525">
+                <a14:hiddenLine xmlns="" xmlns:a14="http://schemas.microsoft.com/office/drawing/2010/main" w="9525">
                   <a:solidFill>
                     <a:srgbClr val="000000"/>
                   </a:solidFill>
@@ -2522,7 +2522,7 @@
             </a:ln>
             <a:extLst>
               <a:ext uri="{91240B29-F687-4f45-9708-019B960494DF}">
-                <a14:hiddenLine xmlns:a14="http://schemas.microsoft.com/office/drawing/2010/main" xmlns="" w="9525">
+                <a14:hiddenLine xmlns="" xmlns:a14="http://schemas.microsoft.com/office/drawing/2010/main" w="9525">
                   <a:solidFill>
                     <a:srgbClr val="000000"/>
                   </a:solidFill>
@@ -2584,7 +2584,7 @@
             </a:ln>
             <a:extLst>
               <a:ext uri="{91240B29-F687-4f45-9708-019B960494DF}">
-                <a14:hiddenLine xmlns:a14="http://schemas.microsoft.com/office/drawing/2010/main" xmlns="" w="9525">
+                <a14:hiddenLine xmlns="" xmlns:a14="http://schemas.microsoft.com/office/drawing/2010/main" w="9525">
                   <a:solidFill>
                     <a:srgbClr val="000000"/>
                   </a:solidFill>
@@ -2674,7 +2674,7 @@
             </a:ln>
             <a:extLst>
               <a:ext uri="{91240B29-F687-4f45-9708-019B960494DF}">
-                <a14:hiddenLine xmlns:a14="http://schemas.microsoft.com/office/drawing/2010/main" xmlns="" w="9525">
+                <a14:hiddenLine xmlns="" xmlns:a14="http://schemas.microsoft.com/office/drawing/2010/main" w="9525">
                   <a:solidFill>
                     <a:srgbClr val="000000"/>
                   </a:solidFill>
@@ -2742,7 +2742,7 @@
             </a:ln>
             <a:extLst>
               <a:ext uri="{91240B29-F687-4f45-9708-019B960494DF}">
-                <a14:hiddenLine xmlns:a14="http://schemas.microsoft.com/office/drawing/2010/main" xmlns="" w="9525">
+                <a14:hiddenLine xmlns="" xmlns:a14="http://schemas.microsoft.com/office/drawing/2010/main" w="9525">
                   <a:solidFill>
                     <a:srgbClr val="000000"/>
                   </a:solidFill>
@@ -2804,7 +2804,7 @@
             </a:ln>
             <a:extLst>
               <a:ext uri="{91240B29-F687-4f45-9708-019B960494DF}">
-                <a14:hiddenLine xmlns:a14="http://schemas.microsoft.com/office/drawing/2010/main" xmlns="" w="9525">
+                <a14:hiddenLine xmlns="" xmlns:a14="http://schemas.microsoft.com/office/drawing/2010/main" w="9525">
                   <a:solidFill>
                     <a:srgbClr val="000000"/>
                   </a:solidFill>
@@ -2894,7 +2894,7 @@
             </a:ln>
             <a:extLst>
               <a:ext uri="{91240B29-F687-4f45-9708-019B960494DF}">
-                <a14:hiddenLine xmlns:a14="http://schemas.microsoft.com/office/drawing/2010/main" xmlns="" w="9525">
+                <a14:hiddenLine xmlns="" xmlns:a14="http://schemas.microsoft.com/office/drawing/2010/main" w="9525">
                   <a:solidFill>
                     <a:srgbClr val="000000"/>
                   </a:solidFill>
@@ -2956,7 +2956,7 @@
             </a:ln>
             <a:extLst>
               <a:ext uri="{91240B29-F687-4f45-9708-019B960494DF}">
-                <a14:hiddenLine xmlns:a14="http://schemas.microsoft.com/office/drawing/2010/main" xmlns="" w="9525">
+                <a14:hiddenLine xmlns="" xmlns:a14="http://schemas.microsoft.com/office/drawing/2010/main" w="9525">
                   <a:solidFill>
                     <a:srgbClr val="000000"/>
                   </a:solidFill>
@@ -3046,7 +3046,7 @@
             </a:ln>
             <a:extLst>
               <a:ext uri="{91240B29-F687-4f45-9708-019B960494DF}">
-                <a14:hiddenLine xmlns:a14="http://schemas.microsoft.com/office/drawing/2010/main" xmlns="" w="9525">
+                <a14:hiddenLine xmlns="" xmlns:a14="http://schemas.microsoft.com/office/drawing/2010/main" w="9525">
                   <a:solidFill>
                     <a:srgbClr val="000000"/>
                   </a:solidFill>
@@ -3108,7 +3108,7 @@
             </a:ln>
             <a:extLst>
               <a:ext uri="{91240B29-F687-4f45-9708-019B960494DF}">
-                <a14:hiddenLine xmlns:a14="http://schemas.microsoft.com/office/drawing/2010/main" xmlns="" w="9525">
+                <a14:hiddenLine xmlns="" xmlns:a14="http://schemas.microsoft.com/office/drawing/2010/main" w="9525">
                   <a:solidFill>
                     <a:srgbClr val="000000"/>
                   </a:solidFill>
@@ -3198,7 +3198,7 @@
             </a:ln>
             <a:extLst>
               <a:ext uri="{91240B29-F687-4f45-9708-019B960494DF}">
-                <a14:hiddenLine xmlns:a14="http://schemas.microsoft.com/office/drawing/2010/main" xmlns="" w="9525">
+                <a14:hiddenLine xmlns="" xmlns:a14="http://schemas.microsoft.com/office/drawing/2010/main" w="9525">
                   <a:solidFill>
                     <a:srgbClr val="000000"/>
                   </a:solidFill>
@@ -3232,7 +3232,7 @@
             </a:ln>
             <a:extLst>
               <a:ext uri="{91240B29-F687-4f45-9708-019B960494DF}">
-                <a14:hiddenLine xmlns:a14="http://schemas.microsoft.com/office/drawing/2010/main" xmlns="" w="9525">
+                <a14:hiddenLine xmlns="" xmlns:a14="http://schemas.microsoft.com/office/drawing/2010/main" w="9525">
                   <a:solidFill>
                     <a:srgbClr val="000000"/>
                   </a:solidFill>
@@ -3297,7 +3297,7 @@
             </a:ln>
             <a:extLst>
               <a:ext uri="{91240B29-F687-4f45-9708-019B960494DF}">
-                <a14:hiddenLine xmlns:a14="http://schemas.microsoft.com/office/drawing/2010/main" xmlns="" w="9525">
+                <a14:hiddenLine xmlns="" xmlns:a14="http://schemas.microsoft.com/office/drawing/2010/main" w="9525">
                   <a:solidFill>
                     <a:srgbClr val="000000"/>
                   </a:solidFill>
@@ -3387,7 +3387,7 @@
             </a:ln>
             <a:extLst>
               <a:ext uri="{91240B29-F687-4f45-9708-019B960494DF}">
-                <a14:hiddenLine xmlns:a14="http://schemas.microsoft.com/office/drawing/2010/main" xmlns="" w="9525">
+                <a14:hiddenLine xmlns="" xmlns:a14="http://schemas.microsoft.com/office/drawing/2010/main" w="9525">
                   <a:solidFill>
                     <a:srgbClr val="000000"/>
                   </a:solidFill>
@@ -3449,7 +3449,7 @@
             </a:ln>
             <a:extLst>
               <a:ext uri="{91240B29-F687-4f45-9708-019B960494DF}">
-                <a14:hiddenLine xmlns:a14="http://schemas.microsoft.com/office/drawing/2010/main" xmlns="" w="9525">
+                <a14:hiddenLine xmlns="" xmlns:a14="http://schemas.microsoft.com/office/drawing/2010/main" w="9525">
                   <a:solidFill>
                     <a:srgbClr val="000000"/>
                   </a:solidFill>
@@ -3539,7 +3539,7 @@
             </a:ln>
             <a:extLst>
               <a:ext uri="{91240B29-F687-4f45-9708-019B960494DF}">
-                <a14:hiddenLine xmlns:a14="http://schemas.microsoft.com/office/drawing/2010/main" xmlns="" w="9525">
+                <a14:hiddenLine xmlns="" xmlns:a14="http://schemas.microsoft.com/office/drawing/2010/main" w="9525">
                   <a:solidFill>
                     <a:srgbClr val="000000"/>
                   </a:solidFill>
@@ -3629,7 +3629,7 @@
             </a:ln>
             <a:extLst>
               <a:ext uri="{91240B29-F687-4f45-9708-019B960494DF}">
-                <a14:hiddenLine xmlns:a14="http://schemas.microsoft.com/office/drawing/2010/main" xmlns="" w="9525">
+                <a14:hiddenLine xmlns="" xmlns:a14="http://schemas.microsoft.com/office/drawing/2010/main" w="9525">
                   <a:solidFill>
                     <a:srgbClr val="000000"/>
                   </a:solidFill>
@@ -3694,7 +3694,7 @@
             </a:ln>
             <a:extLst>
               <a:ext uri="{91240B29-F687-4f45-9708-019B960494DF}">
-                <a14:hiddenLine xmlns:a14="http://schemas.microsoft.com/office/drawing/2010/main" xmlns="" w="9525">
+                <a14:hiddenLine xmlns="" xmlns:a14="http://schemas.microsoft.com/office/drawing/2010/main" w="9525">
                   <a:solidFill>
                     <a:srgbClr val="000000"/>
                   </a:solidFill>
@@ -3756,7 +3756,7 @@
             </a:ln>
             <a:extLst>
               <a:ext uri="{91240B29-F687-4f45-9708-019B960494DF}">
-                <a14:hiddenLine xmlns:a14="http://schemas.microsoft.com/office/drawing/2010/main" xmlns="" w="9525">
+                <a14:hiddenLine xmlns="" xmlns:a14="http://schemas.microsoft.com/office/drawing/2010/main" w="9525">
                   <a:solidFill>
                     <a:srgbClr val="000000"/>
                   </a:solidFill>
@@ -3846,7 +3846,7 @@
             </a:ln>
             <a:extLst>
               <a:ext uri="{91240B29-F687-4f45-9708-019B960494DF}">
-                <a14:hiddenLine xmlns:a14="http://schemas.microsoft.com/office/drawing/2010/main" xmlns="" w="9525">
+                <a14:hiddenLine xmlns="" xmlns:a14="http://schemas.microsoft.com/office/drawing/2010/main" w="9525">
                   <a:solidFill>
                     <a:srgbClr val="000000"/>
                   </a:solidFill>
@@ -3936,7 +3936,7 @@
             </a:ln>
             <a:extLst>
               <a:ext uri="{91240B29-F687-4f45-9708-019B960494DF}">
-                <a14:hiddenLine xmlns:a14="http://schemas.microsoft.com/office/drawing/2010/main" xmlns="" w="9525">
+                <a14:hiddenLine xmlns="" xmlns:a14="http://schemas.microsoft.com/office/drawing/2010/main" w="9525">
                   <a:solidFill>
                     <a:srgbClr val="000000"/>
                   </a:solidFill>
@@ -3998,7 +3998,7 @@
             </a:ln>
             <a:extLst>
               <a:ext uri="{91240B29-F687-4f45-9708-019B960494DF}">
-                <a14:hiddenLine xmlns:a14="http://schemas.microsoft.com/office/drawing/2010/main" xmlns="" w="9525">
+                <a14:hiddenLine xmlns="" xmlns:a14="http://schemas.microsoft.com/office/drawing/2010/main" w="9525">
                   <a:solidFill>
                     <a:srgbClr val="000000"/>
                   </a:solidFill>
@@ -4118,7 +4118,7 @@
             </a:ln>
             <a:extLst>
               <a:ext uri="{91240B29-F687-4f45-9708-019B960494DF}">
-                <a14:hiddenLine xmlns:a14="http://schemas.microsoft.com/office/drawing/2010/main" xmlns="" w="9525">
+                <a14:hiddenLine xmlns="" xmlns:a14="http://schemas.microsoft.com/office/drawing/2010/main" w="9525">
                   <a:solidFill>
                     <a:srgbClr val="000000"/>
                   </a:solidFill>
@@ -4186,7 +4186,7 @@
             </a:ln>
             <a:extLst>
               <a:ext uri="{91240B29-F687-4f45-9708-019B960494DF}">
-                <a14:hiddenLine xmlns:a14="http://schemas.microsoft.com/office/drawing/2010/main" xmlns="" w="9525">
+                <a14:hiddenLine xmlns="" xmlns:a14="http://schemas.microsoft.com/office/drawing/2010/main" w="9525">
                   <a:solidFill>
                     <a:srgbClr val="000000"/>
                   </a:solidFill>
@@ -4276,7 +4276,7 @@
             </a:ln>
             <a:extLst>
               <a:ext uri="{91240B29-F687-4f45-9708-019B960494DF}">
-                <a14:hiddenLine xmlns:a14="http://schemas.microsoft.com/office/drawing/2010/main" xmlns="" w="9525">
+                <a14:hiddenLine xmlns="" xmlns:a14="http://schemas.microsoft.com/office/drawing/2010/main" w="9525">
                   <a:solidFill>
                     <a:srgbClr val="000000"/>
                   </a:solidFill>
@@ -9083,7 +9083,7 @@
           <a:noFill/>
           <a:extLst>
             <a:ext uri="{909E8E84-426E-40dd-AFC4-6F175D3DCCD1}">
-              <a14:hiddenFill xmlns:a14="http://schemas.microsoft.com/office/drawing/2010/main" xmlns="">
+              <a14:hiddenFill xmlns="" xmlns:a14="http://schemas.microsoft.com/office/drawing/2010/main">
                 <a:solidFill>
                   <a:srgbClr val="FFFFFF"/>
                 </a:solidFill>
@@ -9157,7 +9157,7 @@
               </a:ln>
               <a:extLst>
                 <a:ext uri="{91240B29-F687-4f45-9708-019B960494DF}">
-                  <a14:hiddenLine xmlns:a14="http://schemas.microsoft.com/office/drawing/2010/main" xmlns="" w="9525">
+                  <a14:hiddenLine xmlns="" xmlns:a14="http://schemas.microsoft.com/office/drawing/2010/main" w="9525">
                     <a:solidFill>
                       <a:srgbClr val="000000"/>
                     </a:solidFill>
@@ -9247,7 +9247,7 @@
               </a:ln>
               <a:extLst>
                 <a:ext uri="{91240B29-F687-4f45-9708-019B960494DF}">
-                  <a14:hiddenLine xmlns:a14="http://schemas.microsoft.com/office/drawing/2010/main" xmlns="" w="9525">
+                  <a14:hiddenLine xmlns="" xmlns:a14="http://schemas.microsoft.com/office/drawing/2010/main" w="9525">
                     <a:solidFill>
                       <a:srgbClr val="000000"/>
                     </a:solidFill>
@@ -9337,7 +9337,7 @@
               </a:ln>
               <a:extLst>
                 <a:ext uri="{91240B29-F687-4f45-9708-019B960494DF}">
-                  <a14:hiddenLine xmlns:a14="http://schemas.microsoft.com/office/drawing/2010/main" xmlns="" w="9525">
+                  <a14:hiddenLine xmlns="" xmlns:a14="http://schemas.microsoft.com/office/drawing/2010/main" w="9525">
                     <a:solidFill>
                       <a:srgbClr val="000000"/>
                     </a:solidFill>
@@ -9399,7 +9399,7 @@
               </a:ln>
               <a:extLst>
                 <a:ext uri="{91240B29-F687-4f45-9708-019B960494DF}">
-                  <a14:hiddenLine xmlns:a14="http://schemas.microsoft.com/office/drawing/2010/main" xmlns="" w="9525">
+                  <a14:hiddenLine xmlns="" xmlns:a14="http://schemas.microsoft.com/office/drawing/2010/main" w="9525">
                     <a:solidFill>
                       <a:srgbClr val="000000"/>
                     </a:solidFill>
@@ -9489,7 +9489,7 @@
               </a:ln>
               <a:extLst>
                 <a:ext uri="{91240B29-F687-4f45-9708-019B960494DF}">
-                  <a14:hiddenLine xmlns:a14="http://schemas.microsoft.com/office/drawing/2010/main" xmlns="" w="9525">
+                  <a14:hiddenLine xmlns="" xmlns:a14="http://schemas.microsoft.com/office/drawing/2010/main" w="9525">
                     <a:solidFill>
                       <a:srgbClr val="000000"/>
                     </a:solidFill>
@@ -9551,7 +9551,7 @@
               </a:ln>
               <a:extLst>
                 <a:ext uri="{91240B29-F687-4f45-9708-019B960494DF}">
-                  <a14:hiddenLine xmlns:a14="http://schemas.microsoft.com/office/drawing/2010/main" xmlns="" w="9525">
+                  <a14:hiddenLine xmlns="" xmlns:a14="http://schemas.microsoft.com/office/drawing/2010/main" w="9525">
                     <a:solidFill>
                       <a:srgbClr val="000000"/>
                     </a:solidFill>
@@ -9613,7 +9613,7 @@
               </a:ln>
               <a:extLst>
                 <a:ext uri="{91240B29-F687-4f45-9708-019B960494DF}">
-                  <a14:hiddenLine xmlns:a14="http://schemas.microsoft.com/office/drawing/2010/main" xmlns="" w="9525">
+                  <a14:hiddenLine xmlns="" xmlns:a14="http://schemas.microsoft.com/office/drawing/2010/main" w="9525">
                     <a:solidFill>
                       <a:srgbClr val="000000"/>
                     </a:solidFill>
@@ -9703,7 +9703,7 @@
               </a:ln>
               <a:extLst>
                 <a:ext uri="{91240B29-F687-4f45-9708-019B960494DF}">
-                  <a14:hiddenLine xmlns:a14="http://schemas.microsoft.com/office/drawing/2010/main" xmlns="" w="9525">
+                  <a14:hiddenLine xmlns="" xmlns:a14="http://schemas.microsoft.com/office/drawing/2010/main" w="9525">
                     <a:solidFill>
                       <a:srgbClr val="000000"/>
                     </a:solidFill>
@@ -9793,7 +9793,7 @@
               </a:ln>
               <a:extLst>
                 <a:ext uri="{91240B29-F687-4f45-9708-019B960494DF}">
-                  <a14:hiddenLine xmlns:a14="http://schemas.microsoft.com/office/drawing/2010/main" xmlns="" w="9525">
+                  <a14:hiddenLine xmlns="" xmlns:a14="http://schemas.microsoft.com/office/drawing/2010/main" w="9525">
                     <a:solidFill>
                       <a:srgbClr val="000000"/>
                     </a:solidFill>
@@ -9855,7 +9855,7 @@
               </a:ln>
               <a:extLst>
                 <a:ext uri="{91240B29-F687-4f45-9708-019B960494DF}">
-                  <a14:hiddenLine xmlns:a14="http://schemas.microsoft.com/office/drawing/2010/main" xmlns="" w="9525">
+                  <a14:hiddenLine xmlns="" xmlns:a14="http://schemas.microsoft.com/office/drawing/2010/main" w="9525">
                     <a:solidFill>
                       <a:srgbClr val="000000"/>
                     </a:solidFill>
@@ -9965,7 +9965,7 @@
               </a:ln>
               <a:extLst>
                 <a:ext uri="{91240B29-F687-4f45-9708-019B960494DF}">
-                  <a14:hiddenLine xmlns:a14="http://schemas.microsoft.com/office/drawing/2010/main" xmlns="" w="9525">
+                  <a14:hiddenLine xmlns="" xmlns:a14="http://schemas.microsoft.com/office/drawing/2010/main" w="9525">
                     <a:solidFill>
                       <a:srgbClr val="000000"/>
                     </a:solidFill>
@@ -10049,7 +10049,7 @@
               </a:ln>
               <a:extLst>
                 <a:ext uri="{91240B29-F687-4f45-9708-019B960494DF}">
-                  <a14:hiddenLine xmlns:a14="http://schemas.microsoft.com/office/drawing/2010/main" xmlns="" w="9525">
+                  <a14:hiddenLine xmlns="" xmlns:a14="http://schemas.microsoft.com/office/drawing/2010/main" w="9525">
                     <a:solidFill>
                       <a:srgbClr val="000000"/>
                     </a:solidFill>
@@ -10111,7 +10111,7 @@
               </a:ln>
               <a:extLst>
                 <a:ext uri="{91240B29-F687-4f45-9708-019B960494DF}">
-                  <a14:hiddenLine xmlns:a14="http://schemas.microsoft.com/office/drawing/2010/main" xmlns="" w="9525">
+                  <a14:hiddenLine xmlns="" xmlns:a14="http://schemas.microsoft.com/office/drawing/2010/main" w="9525">
                     <a:solidFill>
                       <a:srgbClr val="000000"/>
                     </a:solidFill>
@@ -10173,7 +10173,7 @@
               </a:ln>
               <a:extLst>
                 <a:ext uri="{91240B29-F687-4f45-9708-019B960494DF}">
-                  <a14:hiddenLine xmlns:a14="http://schemas.microsoft.com/office/drawing/2010/main" xmlns="" w="9525">
+                  <a14:hiddenLine xmlns="" xmlns:a14="http://schemas.microsoft.com/office/drawing/2010/main" w="9525">
                     <a:solidFill>
                       <a:srgbClr val="000000"/>
                     </a:solidFill>
@@ -10263,7 +10263,7 @@
               </a:ln>
               <a:extLst>
                 <a:ext uri="{91240B29-F687-4f45-9708-019B960494DF}">
-                  <a14:hiddenLine xmlns:a14="http://schemas.microsoft.com/office/drawing/2010/main" xmlns="" w="9525">
+                  <a14:hiddenLine xmlns="" xmlns:a14="http://schemas.microsoft.com/office/drawing/2010/main" w="9525">
                     <a:solidFill>
                       <a:srgbClr val="000000"/>
                     </a:solidFill>
@@ -10297,7 +10297,7 @@
               </a:ln>
               <a:extLst>
                 <a:ext uri="{91240B29-F687-4f45-9708-019B960494DF}">
-                  <a14:hiddenLine xmlns:a14="http://schemas.microsoft.com/office/drawing/2010/main" xmlns="" w="9525">
+                  <a14:hiddenLine xmlns="" xmlns:a14="http://schemas.microsoft.com/office/drawing/2010/main" w="9525">
                     <a:solidFill>
                       <a:srgbClr val="000000"/>
                     </a:solidFill>
@@ -10362,7 +10362,7 @@
               </a:ln>
               <a:extLst>
                 <a:ext uri="{91240B29-F687-4f45-9708-019B960494DF}">
-                  <a14:hiddenLine xmlns:a14="http://schemas.microsoft.com/office/drawing/2010/main" xmlns="" w="9525">
+                  <a14:hiddenLine xmlns="" xmlns:a14="http://schemas.microsoft.com/office/drawing/2010/main" w="9525">
                     <a:solidFill>
                       <a:srgbClr val="000000"/>
                     </a:solidFill>
@@ -10452,7 +10452,7 @@
               </a:ln>
               <a:extLst>
                 <a:ext uri="{91240B29-F687-4f45-9708-019B960494DF}">
-                  <a14:hiddenLine xmlns:a14="http://schemas.microsoft.com/office/drawing/2010/main" xmlns="" w="9525">
+                  <a14:hiddenLine xmlns="" xmlns:a14="http://schemas.microsoft.com/office/drawing/2010/main" w="9525">
                     <a:solidFill>
                       <a:srgbClr val="000000"/>
                     </a:solidFill>
@@ -10514,7 +10514,7 @@
               </a:ln>
               <a:extLst>
                 <a:ext uri="{91240B29-F687-4f45-9708-019B960494DF}">
-                  <a14:hiddenLine xmlns:a14="http://schemas.microsoft.com/office/drawing/2010/main" xmlns="" w="9525">
+                  <a14:hiddenLine xmlns="" xmlns:a14="http://schemas.microsoft.com/office/drawing/2010/main" w="9525">
                     <a:solidFill>
                       <a:srgbClr val="000000"/>
                     </a:solidFill>
@@ -10604,7 +10604,7 @@
               </a:ln>
               <a:extLst>
                 <a:ext uri="{91240B29-F687-4f45-9708-019B960494DF}">
-                  <a14:hiddenLine xmlns:a14="http://schemas.microsoft.com/office/drawing/2010/main" xmlns="" w="9525">
+                  <a14:hiddenLine xmlns="" xmlns:a14="http://schemas.microsoft.com/office/drawing/2010/main" w="9525">
                     <a:solidFill>
                       <a:srgbClr val="000000"/>
                     </a:solidFill>
@@ -10669,7 +10669,7 @@
               </a:ln>
               <a:extLst>
                 <a:ext uri="{91240B29-F687-4f45-9708-019B960494DF}">
-                  <a14:hiddenLine xmlns:a14="http://schemas.microsoft.com/office/drawing/2010/main" xmlns="" w="9525">
+                  <a14:hiddenLine xmlns="" xmlns:a14="http://schemas.microsoft.com/office/drawing/2010/main" w="9525">
                     <a:solidFill>
                       <a:srgbClr val="000000"/>
                     </a:solidFill>
@@ -10731,7 +10731,7 @@
               </a:ln>
               <a:extLst>
                 <a:ext uri="{91240B29-F687-4f45-9708-019B960494DF}">
-                  <a14:hiddenLine xmlns:a14="http://schemas.microsoft.com/office/drawing/2010/main" xmlns="" w="9525">
+                  <a14:hiddenLine xmlns="" xmlns:a14="http://schemas.microsoft.com/office/drawing/2010/main" w="9525">
                     <a:solidFill>
                       <a:srgbClr val="000000"/>
                     </a:solidFill>
@@ -10821,7 +10821,7 @@
               </a:ln>
               <a:extLst>
                 <a:ext uri="{91240B29-F687-4f45-9708-019B960494DF}">
-                  <a14:hiddenLine xmlns:a14="http://schemas.microsoft.com/office/drawing/2010/main" xmlns="" w="9525">
+                  <a14:hiddenLine xmlns="" xmlns:a14="http://schemas.microsoft.com/office/drawing/2010/main" w="9525">
                     <a:solidFill>
                       <a:srgbClr val="000000"/>
                     </a:solidFill>
@@ -10911,7 +10911,7 @@
               </a:ln>
               <a:extLst>
                 <a:ext uri="{91240B29-F687-4f45-9708-019B960494DF}">
-                  <a14:hiddenLine xmlns:a14="http://schemas.microsoft.com/office/drawing/2010/main" xmlns="" w="9525">
+                  <a14:hiddenLine xmlns="" xmlns:a14="http://schemas.microsoft.com/office/drawing/2010/main" w="9525">
                     <a:solidFill>
                       <a:srgbClr val="000000"/>
                     </a:solidFill>
@@ -10976,7 +10976,7 @@
               </a:ln>
               <a:extLst>
                 <a:ext uri="{91240B29-F687-4f45-9708-019B960494DF}">
-                  <a14:hiddenLine xmlns:a14="http://schemas.microsoft.com/office/drawing/2010/main" xmlns="" w="9525">
+                  <a14:hiddenLine xmlns="" xmlns:a14="http://schemas.microsoft.com/office/drawing/2010/main" w="9525">
                     <a:solidFill>
                       <a:srgbClr val="000000"/>
                     </a:solidFill>
@@ -11096,7 +11096,7 @@
               </a:ln>
               <a:extLst>
                 <a:ext uri="{91240B29-F687-4f45-9708-019B960494DF}">
-                  <a14:hiddenLine xmlns:a14="http://schemas.microsoft.com/office/drawing/2010/main" xmlns="" w="9525">
+                  <a14:hiddenLine xmlns="" xmlns:a14="http://schemas.microsoft.com/office/drawing/2010/main" w="9525">
                     <a:solidFill>
                       <a:srgbClr val="000000"/>
                     </a:solidFill>
@@ -11194,7 +11194,7 @@
               </a:ln>
               <a:extLst>
                 <a:ext uri="{91240B29-F687-4f45-9708-019B960494DF}">
-                  <a14:hiddenLine xmlns:a14="http://schemas.microsoft.com/office/drawing/2010/main" xmlns="" w="9525">
+                  <a14:hiddenLine xmlns="" xmlns:a14="http://schemas.microsoft.com/office/drawing/2010/main" w="9525">
                     <a:solidFill>
                       <a:srgbClr val="000000"/>
                     </a:solidFill>
@@ -11309,7 +11309,7 @@
               </a:ln>
               <a:extLst>
                 <a:ext uri="{91240B29-F687-4f45-9708-019B960494DF}">
-                  <a14:hiddenLine xmlns:a14="http://schemas.microsoft.com/office/drawing/2010/main" xmlns="" w="9525">
+                  <a14:hiddenLine xmlns="" xmlns:a14="http://schemas.microsoft.com/office/drawing/2010/main" w="9525">
                     <a:solidFill>
                       <a:srgbClr val="000000"/>
                     </a:solidFill>
@@ -11399,7 +11399,7 @@
               </a:ln>
               <a:extLst>
                 <a:ext uri="{91240B29-F687-4f45-9708-019B960494DF}">
-                  <a14:hiddenLine xmlns:a14="http://schemas.microsoft.com/office/drawing/2010/main" xmlns="" w="9525">
+                  <a14:hiddenLine xmlns="" xmlns:a14="http://schemas.microsoft.com/office/drawing/2010/main" w="9525">
                     <a:solidFill>
                       <a:srgbClr val="000000"/>
                     </a:solidFill>
@@ -11464,7 +11464,7 @@
               </a:ln>
               <a:extLst>
                 <a:ext uri="{91240B29-F687-4f45-9708-019B960494DF}">
-                  <a14:hiddenLine xmlns:a14="http://schemas.microsoft.com/office/drawing/2010/main" xmlns="" w="9525">
+                  <a14:hiddenLine xmlns="" xmlns:a14="http://schemas.microsoft.com/office/drawing/2010/main" w="9525">
                     <a:solidFill>
                       <a:srgbClr val="000000"/>
                     </a:solidFill>
@@ -11554,7 +11554,7 @@
               </a:ln>
               <a:extLst>
                 <a:ext uri="{91240B29-F687-4f45-9708-019B960494DF}">
-                  <a14:hiddenLine xmlns:a14="http://schemas.microsoft.com/office/drawing/2010/main" xmlns="" w="9525">
+                  <a14:hiddenLine xmlns="" xmlns:a14="http://schemas.microsoft.com/office/drawing/2010/main" w="9525">
                     <a:solidFill>
                       <a:srgbClr val="000000"/>
                     </a:solidFill>
@@ -11622,7 +11622,7 @@
               </a:ln>
               <a:extLst>
                 <a:ext uri="{91240B29-F687-4f45-9708-019B960494DF}">
-                  <a14:hiddenLine xmlns:a14="http://schemas.microsoft.com/office/drawing/2010/main" xmlns="" w="9525">
+                  <a14:hiddenLine xmlns="" xmlns:a14="http://schemas.microsoft.com/office/drawing/2010/main" w="9525">
                     <a:solidFill>
                       <a:srgbClr val="000000"/>
                     </a:solidFill>
@@ -11712,7 +11712,7 @@
               </a:ln>
               <a:extLst>
                 <a:ext uri="{91240B29-F687-4f45-9708-019B960494DF}">
-                  <a14:hiddenLine xmlns:a14="http://schemas.microsoft.com/office/drawing/2010/main" xmlns="" w="9525">
+                  <a14:hiddenLine xmlns="" xmlns:a14="http://schemas.microsoft.com/office/drawing/2010/main" w="9525">
                     <a:solidFill>
                       <a:srgbClr val="000000"/>
                     </a:solidFill>
@@ -11780,7 +11780,7 @@
               </a:ln>
               <a:extLst>
                 <a:ext uri="{91240B29-F687-4f45-9708-019B960494DF}">
-                  <a14:hiddenLine xmlns:a14="http://schemas.microsoft.com/office/drawing/2010/main" xmlns="" w="9525">
+                  <a14:hiddenLine xmlns="" xmlns:a14="http://schemas.microsoft.com/office/drawing/2010/main" w="9525">
                     <a:solidFill>
                       <a:srgbClr val="000000"/>
                     </a:solidFill>
@@ -11870,7 +11870,7 @@
               </a:ln>
               <a:extLst>
                 <a:ext uri="{91240B29-F687-4f45-9708-019B960494DF}">
-                  <a14:hiddenLine xmlns:a14="http://schemas.microsoft.com/office/drawing/2010/main" xmlns="" w="9525">
+                  <a14:hiddenLine xmlns="" xmlns:a14="http://schemas.microsoft.com/office/drawing/2010/main" w="9525">
                     <a:solidFill>
                       <a:srgbClr val="000000"/>
                     </a:solidFill>
@@ -11904,7 +11904,7 @@
               </a:ln>
               <a:extLst>
                 <a:ext uri="{91240B29-F687-4f45-9708-019B960494DF}">
-                  <a14:hiddenLine xmlns:a14="http://schemas.microsoft.com/office/drawing/2010/main" xmlns="" w="9525">
+                  <a14:hiddenLine xmlns="" xmlns:a14="http://schemas.microsoft.com/office/drawing/2010/main" w="9525">
                     <a:solidFill>
                       <a:srgbClr val="000000"/>
                     </a:solidFill>
@@ -12774,7 +12774,7 @@
             </a:ln>
             <a:extLst>
               <a:ext uri="{91240B29-F687-4f45-9708-019B960494DF}">
-                <a14:hiddenLine xmlns="" xmlns:a16="http://schemas.microsoft.com/office/drawing/2014/main" xmlns:p14="http://schemas.microsoft.com/office/powerpoint/2010/main" xmlns:a14="http://schemas.microsoft.com/office/drawing/2010/main" w="9525">
+                <a14:hiddenLine xmlns:a14="http://schemas.microsoft.com/office/drawing/2010/main" xmlns:p14="http://schemas.microsoft.com/office/powerpoint/2010/main" xmlns:a16="http://schemas.microsoft.com/office/drawing/2014/main" xmlns="" w="9525">
                   <a:solidFill>
                     <a:srgbClr val="000000"/>
                   </a:solidFill>
@@ -12879,7 +12879,7 @@
             </a:ln>
             <a:extLst>
               <a:ext uri="{91240B29-F687-4f45-9708-019B960494DF}">
-                <a14:hiddenLine xmlns="" xmlns:a16="http://schemas.microsoft.com/office/drawing/2014/main" xmlns:p14="http://schemas.microsoft.com/office/powerpoint/2010/main" xmlns:a14="http://schemas.microsoft.com/office/drawing/2010/main" w="9525">
+                <a14:hiddenLine xmlns:a14="http://schemas.microsoft.com/office/drawing/2010/main" xmlns:p14="http://schemas.microsoft.com/office/powerpoint/2010/main" xmlns:a16="http://schemas.microsoft.com/office/drawing/2014/main" xmlns="" w="9525">
                   <a:solidFill>
                     <a:srgbClr val="000000"/>
                   </a:solidFill>
@@ -12984,7 +12984,7 @@
             </a:ln>
             <a:extLst>
               <a:ext uri="{91240B29-F687-4f45-9708-019B960494DF}">
-                <a14:hiddenLine xmlns="" xmlns:a16="http://schemas.microsoft.com/office/drawing/2014/main" xmlns:p14="http://schemas.microsoft.com/office/powerpoint/2010/main" xmlns:a14="http://schemas.microsoft.com/office/drawing/2010/main" w="9525">
+                <a14:hiddenLine xmlns:a14="http://schemas.microsoft.com/office/drawing/2010/main" xmlns:p14="http://schemas.microsoft.com/office/powerpoint/2010/main" xmlns:a16="http://schemas.microsoft.com/office/drawing/2014/main" xmlns="" w="9525">
                   <a:solidFill>
                     <a:srgbClr val="000000"/>
                   </a:solidFill>
@@ -13061,7 +13061,7 @@
             </a:ln>
             <a:extLst>
               <a:ext uri="{91240B29-F687-4f45-9708-019B960494DF}">
-                <a14:hiddenLine xmlns="" xmlns:a16="http://schemas.microsoft.com/office/drawing/2014/main" xmlns:p14="http://schemas.microsoft.com/office/powerpoint/2010/main" xmlns:a14="http://schemas.microsoft.com/office/drawing/2010/main" w="9525">
+                <a14:hiddenLine xmlns:a14="http://schemas.microsoft.com/office/drawing/2010/main" xmlns:p14="http://schemas.microsoft.com/office/powerpoint/2010/main" xmlns:a16="http://schemas.microsoft.com/office/drawing/2014/main" xmlns="" w="9525">
                   <a:solidFill>
                     <a:srgbClr val="000000"/>
                   </a:solidFill>
@@ -13166,7 +13166,7 @@
             </a:ln>
             <a:extLst>
               <a:ext uri="{91240B29-F687-4f45-9708-019B960494DF}">
-                <a14:hiddenLine xmlns="" xmlns:a16="http://schemas.microsoft.com/office/drawing/2014/main" xmlns:p14="http://schemas.microsoft.com/office/powerpoint/2010/main" xmlns:a14="http://schemas.microsoft.com/office/drawing/2010/main" w="9525">
+                <a14:hiddenLine xmlns:a14="http://schemas.microsoft.com/office/drawing/2010/main" xmlns:p14="http://schemas.microsoft.com/office/powerpoint/2010/main" xmlns:a16="http://schemas.microsoft.com/office/drawing/2014/main" xmlns="" w="9525">
                   <a:solidFill>
                     <a:srgbClr val="000000"/>
                   </a:solidFill>
@@ -13243,7 +13243,7 @@
             </a:ln>
             <a:extLst>
               <a:ext uri="{91240B29-F687-4f45-9708-019B960494DF}">
-                <a14:hiddenLine xmlns="" xmlns:a16="http://schemas.microsoft.com/office/drawing/2014/main" xmlns:p14="http://schemas.microsoft.com/office/powerpoint/2010/main" xmlns:a14="http://schemas.microsoft.com/office/drawing/2010/main" w="9525">
+                <a14:hiddenLine xmlns:a14="http://schemas.microsoft.com/office/drawing/2010/main" xmlns:p14="http://schemas.microsoft.com/office/powerpoint/2010/main" xmlns:a16="http://schemas.microsoft.com/office/drawing/2014/main" xmlns="" w="9525">
                   <a:solidFill>
                     <a:srgbClr val="000000"/>
                   </a:solidFill>
@@ -13320,7 +13320,7 @@
             </a:ln>
             <a:extLst>
               <a:ext uri="{91240B29-F687-4f45-9708-019B960494DF}">
-                <a14:hiddenLine xmlns="" xmlns:a16="http://schemas.microsoft.com/office/drawing/2014/main" xmlns:p14="http://schemas.microsoft.com/office/powerpoint/2010/main" xmlns:a14="http://schemas.microsoft.com/office/drawing/2010/main" w="9525">
+                <a14:hiddenLine xmlns:a14="http://schemas.microsoft.com/office/drawing/2010/main" xmlns:p14="http://schemas.microsoft.com/office/powerpoint/2010/main" xmlns:a16="http://schemas.microsoft.com/office/drawing/2014/main" xmlns="" w="9525">
                   <a:solidFill>
                     <a:srgbClr val="000000"/>
                   </a:solidFill>
@@ -13425,7 +13425,7 @@
             </a:ln>
             <a:extLst>
               <a:ext uri="{91240B29-F687-4f45-9708-019B960494DF}">
-                <a14:hiddenLine xmlns="" xmlns:a16="http://schemas.microsoft.com/office/drawing/2014/main" xmlns:p14="http://schemas.microsoft.com/office/powerpoint/2010/main" xmlns:a14="http://schemas.microsoft.com/office/drawing/2010/main" w="9525">
+                <a14:hiddenLine xmlns:a14="http://schemas.microsoft.com/office/drawing/2010/main" xmlns:p14="http://schemas.microsoft.com/office/powerpoint/2010/main" xmlns:a16="http://schemas.microsoft.com/office/drawing/2014/main" xmlns="" w="9525">
                   <a:solidFill>
                     <a:srgbClr val="000000"/>
                   </a:solidFill>
@@ -13530,7 +13530,7 @@
             </a:ln>
             <a:extLst>
               <a:ext uri="{91240B29-F687-4f45-9708-019B960494DF}">
-                <a14:hiddenLine xmlns="" xmlns:a16="http://schemas.microsoft.com/office/drawing/2014/main" xmlns:p14="http://schemas.microsoft.com/office/powerpoint/2010/main" xmlns:a14="http://schemas.microsoft.com/office/drawing/2010/main" w="9525">
+                <a14:hiddenLine xmlns:a14="http://schemas.microsoft.com/office/drawing/2010/main" xmlns:p14="http://schemas.microsoft.com/office/powerpoint/2010/main" xmlns:a16="http://schemas.microsoft.com/office/drawing/2014/main" xmlns="" w="9525">
                   <a:solidFill>
                     <a:srgbClr val="000000"/>
                   </a:solidFill>
@@ -13607,7 +13607,7 @@
             </a:ln>
             <a:extLst>
               <a:ext uri="{91240B29-F687-4f45-9708-019B960494DF}">
-                <a14:hiddenLine xmlns="" xmlns:a16="http://schemas.microsoft.com/office/drawing/2014/main" xmlns:p14="http://schemas.microsoft.com/office/powerpoint/2010/main" xmlns:a14="http://schemas.microsoft.com/office/drawing/2010/main" w="9525">
+                <a14:hiddenLine xmlns:a14="http://schemas.microsoft.com/office/drawing/2010/main" xmlns:p14="http://schemas.microsoft.com/office/powerpoint/2010/main" xmlns:a16="http://schemas.microsoft.com/office/drawing/2014/main" xmlns="" w="9525">
                   <a:solidFill>
                     <a:srgbClr val="000000"/>
                   </a:solidFill>
@@ -13732,7 +13732,7 @@
             </a:ln>
             <a:extLst>
               <a:ext uri="{91240B29-F687-4f45-9708-019B960494DF}">
-                <a14:hiddenLine xmlns="" xmlns:a16="http://schemas.microsoft.com/office/drawing/2014/main" xmlns:p14="http://schemas.microsoft.com/office/powerpoint/2010/main" xmlns:a14="http://schemas.microsoft.com/office/drawing/2010/main" w="9525">
+                <a14:hiddenLine xmlns:a14="http://schemas.microsoft.com/office/drawing/2010/main" xmlns:p14="http://schemas.microsoft.com/office/powerpoint/2010/main" xmlns:a16="http://schemas.microsoft.com/office/drawing/2014/main" xmlns="" w="9525">
                   <a:solidFill>
                     <a:srgbClr val="000000"/>
                   </a:solidFill>
@@ -13846,7 +13846,7 @@
             </a:ln>
             <a:extLst>
               <a:ext uri="{91240B29-F687-4f45-9708-019B960494DF}">
-                <a14:hiddenLine xmlns="" xmlns:a16="http://schemas.microsoft.com/office/drawing/2014/main" xmlns:p14="http://schemas.microsoft.com/office/powerpoint/2010/main" xmlns:a14="http://schemas.microsoft.com/office/drawing/2010/main" w="9525">
+                <a14:hiddenLine xmlns:a14="http://schemas.microsoft.com/office/drawing/2010/main" xmlns:p14="http://schemas.microsoft.com/office/powerpoint/2010/main" xmlns:a16="http://schemas.microsoft.com/office/drawing/2014/main" xmlns="" w="9525">
                   <a:solidFill>
                     <a:srgbClr val="000000"/>
                   </a:solidFill>
@@ -13923,7 +13923,7 @@
             </a:ln>
             <a:extLst>
               <a:ext uri="{91240B29-F687-4f45-9708-019B960494DF}">
-                <a14:hiddenLine xmlns="" xmlns:a16="http://schemas.microsoft.com/office/drawing/2014/main" xmlns:p14="http://schemas.microsoft.com/office/powerpoint/2010/main" xmlns:a14="http://schemas.microsoft.com/office/drawing/2010/main" w="9525">
+                <a14:hiddenLine xmlns:a14="http://schemas.microsoft.com/office/drawing/2010/main" xmlns:p14="http://schemas.microsoft.com/office/powerpoint/2010/main" xmlns:a16="http://schemas.microsoft.com/office/drawing/2014/main" xmlns="" w="9525">
                   <a:solidFill>
                     <a:srgbClr val="000000"/>
                   </a:solidFill>
@@ -14000,7 +14000,7 @@
             </a:ln>
             <a:extLst>
               <a:ext uri="{91240B29-F687-4f45-9708-019B960494DF}">
-                <a14:hiddenLine xmlns="" xmlns:a16="http://schemas.microsoft.com/office/drawing/2014/main" xmlns:p14="http://schemas.microsoft.com/office/powerpoint/2010/main" xmlns:a14="http://schemas.microsoft.com/office/drawing/2010/main" w="9525">
+                <a14:hiddenLine xmlns:a14="http://schemas.microsoft.com/office/drawing/2010/main" xmlns:p14="http://schemas.microsoft.com/office/powerpoint/2010/main" xmlns:a16="http://schemas.microsoft.com/office/drawing/2014/main" xmlns="" w="9525">
                   <a:solidFill>
                     <a:srgbClr val="000000"/>
                   </a:solidFill>
@@ -14105,7 +14105,7 @@
             </a:ln>
             <a:extLst>
               <a:ext uri="{91240B29-F687-4f45-9708-019B960494DF}">
-                <a14:hiddenLine xmlns="" xmlns:a16="http://schemas.microsoft.com/office/drawing/2014/main" xmlns:p14="http://schemas.microsoft.com/office/powerpoint/2010/main" xmlns:a14="http://schemas.microsoft.com/office/drawing/2010/main" w="9525">
+                <a14:hiddenLine xmlns:a14="http://schemas.microsoft.com/office/drawing/2010/main" xmlns:p14="http://schemas.microsoft.com/office/powerpoint/2010/main" xmlns:a16="http://schemas.microsoft.com/office/drawing/2014/main" xmlns="" w="9525">
                   <a:solidFill>
                     <a:srgbClr val="000000"/>
                   </a:solidFill>
@@ -14154,7 +14154,7 @@
             </a:ln>
             <a:extLst>
               <a:ext uri="{91240B29-F687-4f45-9708-019B960494DF}">
-                <a14:hiddenLine xmlns="" xmlns:a16="http://schemas.microsoft.com/office/drawing/2014/main" xmlns:p14="http://schemas.microsoft.com/office/powerpoint/2010/main" xmlns:a14="http://schemas.microsoft.com/office/drawing/2010/main" w="9525">
+                <a14:hiddenLine xmlns:a14="http://schemas.microsoft.com/office/drawing/2010/main" xmlns:p14="http://schemas.microsoft.com/office/powerpoint/2010/main" xmlns:a16="http://schemas.microsoft.com/office/drawing/2014/main" xmlns="" w="9525">
                   <a:solidFill>
                     <a:srgbClr val="000000"/>
                   </a:solidFill>
@@ -14234,7 +14234,7 @@
             </a:ln>
             <a:extLst>
               <a:ext uri="{91240B29-F687-4f45-9708-019B960494DF}">
-                <a14:hiddenLine xmlns="" xmlns:a16="http://schemas.microsoft.com/office/drawing/2014/main" xmlns:p14="http://schemas.microsoft.com/office/powerpoint/2010/main" xmlns:a14="http://schemas.microsoft.com/office/drawing/2010/main" w="9525">
+                <a14:hiddenLine xmlns:a14="http://schemas.microsoft.com/office/drawing/2010/main" xmlns:p14="http://schemas.microsoft.com/office/powerpoint/2010/main" xmlns:a16="http://schemas.microsoft.com/office/drawing/2014/main" xmlns="" w="9525">
                   <a:solidFill>
                     <a:srgbClr val="000000"/>
                   </a:solidFill>
@@ -14339,7 +14339,7 @@
             </a:ln>
             <a:extLst>
               <a:ext uri="{91240B29-F687-4f45-9708-019B960494DF}">
-                <a14:hiddenLine xmlns="" xmlns:a16="http://schemas.microsoft.com/office/drawing/2014/main" xmlns:p14="http://schemas.microsoft.com/office/powerpoint/2010/main" xmlns:a14="http://schemas.microsoft.com/office/drawing/2010/main" w="9525">
+                <a14:hiddenLine xmlns:a14="http://schemas.microsoft.com/office/drawing/2010/main" xmlns:p14="http://schemas.microsoft.com/office/powerpoint/2010/main" xmlns:a16="http://schemas.microsoft.com/office/drawing/2014/main" xmlns="" w="9525">
                   <a:solidFill>
                     <a:srgbClr val="000000"/>
                   </a:solidFill>
@@ -14416,7 +14416,7 @@
             </a:ln>
             <a:extLst>
               <a:ext uri="{91240B29-F687-4f45-9708-019B960494DF}">
-                <a14:hiddenLine xmlns="" xmlns:a16="http://schemas.microsoft.com/office/drawing/2014/main" xmlns:p14="http://schemas.microsoft.com/office/powerpoint/2010/main" xmlns:a14="http://schemas.microsoft.com/office/drawing/2010/main" w="9525">
+                <a14:hiddenLine xmlns:a14="http://schemas.microsoft.com/office/drawing/2010/main" xmlns:p14="http://schemas.microsoft.com/office/powerpoint/2010/main" xmlns:a16="http://schemas.microsoft.com/office/drawing/2014/main" xmlns="" w="9525">
                   <a:solidFill>
                     <a:srgbClr val="000000"/>
                   </a:solidFill>
@@ -14521,7 +14521,7 @@
             </a:ln>
             <a:extLst>
               <a:ext uri="{91240B29-F687-4f45-9708-019B960494DF}">
-                <a14:hiddenLine xmlns="" xmlns:a16="http://schemas.microsoft.com/office/drawing/2014/main" xmlns:p14="http://schemas.microsoft.com/office/powerpoint/2010/main" xmlns:a14="http://schemas.microsoft.com/office/drawing/2010/main" w="9525">
+                <a14:hiddenLine xmlns:a14="http://schemas.microsoft.com/office/drawing/2010/main" xmlns:p14="http://schemas.microsoft.com/office/powerpoint/2010/main" xmlns:a16="http://schemas.microsoft.com/office/drawing/2014/main" xmlns="" w="9525">
                   <a:solidFill>
                     <a:srgbClr val="000000"/>
                   </a:solidFill>
@@ -14601,7 +14601,7 @@
             </a:ln>
             <a:extLst>
               <a:ext uri="{91240B29-F687-4f45-9708-019B960494DF}">
-                <a14:hiddenLine xmlns="" xmlns:a16="http://schemas.microsoft.com/office/drawing/2014/main" xmlns:p14="http://schemas.microsoft.com/office/powerpoint/2010/main" xmlns:a14="http://schemas.microsoft.com/office/drawing/2010/main" w="9525">
+                <a14:hiddenLine xmlns:a14="http://schemas.microsoft.com/office/drawing/2010/main" xmlns:p14="http://schemas.microsoft.com/office/powerpoint/2010/main" xmlns:a16="http://schemas.microsoft.com/office/drawing/2014/main" xmlns="" w="9525">
                   <a:solidFill>
                     <a:srgbClr val="000000"/>
                   </a:solidFill>
@@ -14678,7 +14678,7 @@
             </a:ln>
             <a:extLst>
               <a:ext uri="{91240B29-F687-4f45-9708-019B960494DF}">
-                <a14:hiddenLine xmlns="" xmlns:a16="http://schemas.microsoft.com/office/drawing/2014/main" xmlns:p14="http://schemas.microsoft.com/office/powerpoint/2010/main" xmlns:a14="http://schemas.microsoft.com/office/drawing/2010/main" w="9525">
+                <a14:hiddenLine xmlns:a14="http://schemas.microsoft.com/office/drawing/2010/main" xmlns:p14="http://schemas.microsoft.com/office/powerpoint/2010/main" xmlns:a16="http://schemas.microsoft.com/office/drawing/2014/main" xmlns="" w="9525">
                   <a:solidFill>
                     <a:srgbClr val="000000"/>
                   </a:solidFill>
@@ -14783,7 +14783,7 @@
             </a:ln>
             <a:extLst>
               <a:ext uri="{91240B29-F687-4f45-9708-019B960494DF}">
-                <a14:hiddenLine xmlns="" xmlns:a16="http://schemas.microsoft.com/office/drawing/2014/main" xmlns:p14="http://schemas.microsoft.com/office/powerpoint/2010/main" xmlns:a14="http://schemas.microsoft.com/office/drawing/2010/main" w="9525">
+                <a14:hiddenLine xmlns:a14="http://schemas.microsoft.com/office/drawing/2010/main" xmlns:p14="http://schemas.microsoft.com/office/powerpoint/2010/main" xmlns:a16="http://schemas.microsoft.com/office/drawing/2014/main" xmlns="" w="9525">
                   <a:solidFill>
                     <a:srgbClr val="000000"/>
                   </a:solidFill>
@@ -14888,7 +14888,7 @@
             </a:ln>
             <a:extLst>
               <a:ext uri="{91240B29-F687-4f45-9708-019B960494DF}">
-                <a14:hiddenLine xmlns="" xmlns:a16="http://schemas.microsoft.com/office/drawing/2014/main" xmlns:p14="http://schemas.microsoft.com/office/powerpoint/2010/main" xmlns:a14="http://schemas.microsoft.com/office/drawing/2010/main" w="9525">
+                <a14:hiddenLine xmlns:a14="http://schemas.microsoft.com/office/drawing/2010/main" xmlns:p14="http://schemas.microsoft.com/office/powerpoint/2010/main" xmlns:a16="http://schemas.microsoft.com/office/drawing/2014/main" xmlns="" w="9525">
                   <a:solidFill>
                     <a:srgbClr val="000000"/>
                   </a:solidFill>
@@ -14968,7 +14968,7 @@
             </a:ln>
             <a:extLst>
               <a:ext uri="{91240B29-F687-4f45-9708-019B960494DF}">
-                <a14:hiddenLine xmlns="" xmlns:a16="http://schemas.microsoft.com/office/drawing/2014/main" xmlns:p14="http://schemas.microsoft.com/office/powerpoint/2010/main" xmlns:a14="http://schemas.microsoft.com/office/drawing/2010/main" w="9525">
+                <a14:hiddenLine xmlns:a14="http://schemas.microsoft.com/office/drawing/2010/main" xmlns:p14="http://schemas.microsoft.com/office/powerpoint/2010/main" xmlns:a16="http://schemas.microsoft.com/office/drawing/2014/main" xmlns="" w="9525">
                   <a:solidFill>
                     <a:srgbClr val="000000"/>
                   </a:solidFill>
@@ -15103,7 +15103,7 @@
             </a:ln>
             <a:extLst>
               <a:ext uri="{91240B29-F687-4f45-9708-019B960494DF}">
-                <a14:hiddenLine xmlns="" xmlns:a16="http://schemas.microsoft.com/office/drawing/2014/main" xmlns:p14="http://schemas.microsoft.com/office/powerpoint/2010/main" xmlns:a14="http://schemas.microsoft.com/office/drawing/2010/main" w="9525">
+                <a14:hiddenLine xmlns:a14="http://schemas.microsoft.com/office/drawing/2010/main" xmlns:p14="http://schemas.microsoft.com/office/powerpoint/2010/main" xmlns:a16="http://schemas.microsoft.com/office/drawing/2014/main" xmlns="" w="9525">
                   <a:solidFill>
                     <a:srgbClr val="000000"/>
                   </a:solidFill>
@@ -15632,7 +15632,7 @@
             </a:ln>
             <a:extLst>
               <a:ext uri="{91240B29-F687-4f45-9708-019B960494DF}">
-                <a14:hiddenLine xmlns="" xmlns:a16="http://schemas.microsoft.com/office/drawing/2014/main" xmlns:p14="http://schemas.microsoft.com/office/powerpoint/2010/main" xmlns:a14="http://schemas.microsoft.com/office/drawing/2010/main" w="9525">
+                <a14:hiddenLine xmlns:a14="http://schemas.microsoft.com/office/drawing/2010/main" xmlns:p14="http://schemas.microsoft.com/office/powerpoint/2010/main" xmlns:a16="http://schemas.microsoft.com/office/drawing/2014/main" xmlns="" w="9525">
                   <a:solidFill>
                     <a:srgbClr val="000000"/>
                   </a:solidFill>
@@ -15737,7 +15737,7 @@
             </a:ln>
             <a:extLst>
               <a:ext uri="{91240B29-F687-4f45-9708-019B960494DF}">
-                <a14:hiddenLine xmlns="" xmlns:a16="http://schemas.microsoft.com/office/drawing/2014/main" xmlns:p14="http://schemas.microsoft.com/office/powerpoint/2010/main" xmlns:a14="http://schemas.microsoft.com/office/drawing/2010/main" w="9525">
+                <a14:hiddenLine xmlns:a14="http://schemas.microsoft.com/office/drawing/2010/main" xmlns:p14="http://schemas.microsoft.com/office/powerpoint/2010/main" xmlns:a16="http://schemas.microsoft.com/office/drawing/2014/main" xmlns="" w="9525">
                   <a:solidFill>
                     <a:srgbClr val="000000"/>
                   </a:solidFill>
@@ -15842,7 +15842,7 @@
             </a:ln>
             <a:extLst>
               <a:ext uri="{91240B29-F687-4f45-9708-019B960494DF}">
-                <a14:hiddenLine xmlns="" xmlns:a16="http://schemas.microsoft.com/office/drawing/2014/main" xmlns:p14="http://schemas.microsoft.com/office/powerpoint/2010/main" xmlns:a14="http://schemas.microsoft.com/office/drawing/2010/main" w="9525">
+                <a14:hiddenLine xmlns:a14="http://schemas.microsoft.com/office/drawing/2010/main" xmlns:p14="http://schemas.microsoft.com/office/powerpoint/2010/main" xmlns:a16="http://schemas.microsoft.com/office/drawing/2014/main" xmlns="" w="9525">
                   <a:solidFill>
                     <a:srgbClr val="000000"/>
                   </a:solidFill>
@@ -15919,7 +15919,7 @@
             </a:ln>
             <a:extLst>
               <a:ext uri="{91240B29-F687-4f45-9708-019B960494DF}">
-                <a14:hiddenLine xmlns="" xmlns:a16="http://schemas.microsoft.com/office/drawing/2014/main" xmlns:p14="http://schemas.microsoft.com/office/powerpoint/2010/main" xmlns:a14="http://schemas.microsoft.com/office/drawing/2010/main" w="9525">
+                <a14:hiddenLine xmlns:a14="http://schemas.microsoft.com/office/drawing/2010/main" xmlns:p14="http://schemas.microsoft.com/office/powerpoint/2010/main" xmlns:a16="http://schemas.microsoft.com/office/drawing/2014/main" xmlns="" w="9525">
                   <a:solidFill>
                     <a:srgbClr val="000000"/>
                   </a:solidFill>
@@ -16024,7 +16024,7 @@
             </a:ln>
             <a:extLst>
               <a:ext uri="{91240B29-F687-4f45-9708-019B960494DF}">
-                <a14:hiddenLine xmlns="" xmlns:a16="http://schemas.microsoft.com/office/drawing/2014/main" xmlns:p14="http://schemas.microsoft.com/office/powerpoint/2010/main" xmlns:a14="http://schemas.microsoft.com/office/drawing/2010/main" w="9525">
+                <a14:hiddenLine xmlns:a14="http://schemas.microsoft.com/office/drawing/2010/main" xmlns:p14="http://schemas.microsoft.com/office/powerpoint/2010/main" xmlns:a16="http://schemas.microsoft.com/office/drawing/2014/main" xmlns="" w="9525">
                   <a:solidFill>
                     <a:srgbClr val="000000"/>
                   </a:solidFill>
@@ -16101,7 +16101,7 @@
             </a:ln>
             <a:extLst>
               <a:ext uri="{91240B29-F687-4f45-9708-019B960494DF}">
-                <a14:hiddenLine xmlns="" xmlns:a16="http://schemas.microsoft.com/office/drawing/2014/main" xmlns:p14="http://schemas.microsoft.com/office/powerpoint/2010/main" xmlns:a14="http://schemas.microsoft.com/office/drawing/2010/main" w="9525">
+                <a14:hiddenLine xmlns:a14="http://schemas.microsoft.com/office/drawing/2010/main" xmlns:p14="http://schemas.microsoft.com/office/powerpoint/2010/main" xmlns:a16="http://schemas.microsoft.com/office/drawing/2014/main" xmlns="" w="9525">
                   <a:solidFill>
                     <a:srgbClr val="000000"/>
                   </a:solidFill>
@@ -16178,7 +16178,7 @@
             </a:ln>
             <a:extLst>
               <a:ext uri="{91240B29-F687-4f45-9708-019B960494DF}">
-                <a14:hiddenLine xmlns="" xmlns:a16="http://schemas.microsoft.com/office/drawing/2014/main" xmlns:p14="http://schemas.microsoft.com/office/powerpoint/2010/main" xmlns:a14="http://schemas.microsoft.com/office/drawing/2010/main" w="9525">
+                <a14:hiddenLine xmlns:a14="http://schemas.microsoft.com/office/drawing/2010/main" xmlns:p14="http://schemas.microsoft.com/office/powerpoint/2010/main" xmlns:a16="http://schemas.microsoft.com/office/drawing/2014/main" xmlns="" w="9525">
                   <a:solidFill>
                     <a:srgbClr val="000000"/>
                   </a:solidFill>
@@ -16283,7 +16283,7 @@
             </a:ln>
             <a:extLst>
               <a:ext uri="{91240B29-F687-4f45-9708-019B960494DF}">
-                <a14:hiddenLine xmlns="" xmlns:a16="http://schemas.microsoft.com/office/drawing/2014/main" xmlns:p14="http://schemas.microsoft.com/office/powerpoint/2010/main" xmlns:a14="http://schemas.microsoft.com/office/drawing/2010/main" w="9525">
+                <a14:hiddenLine xmlns:a14="http://schemas.microsoft.com/office/drawing/2010/main" xmlns:p14="http://schemas.microsoft.com/office/powerpoint/2010/main" xmlns:a16="http://schemas.microsoft.com/office/drawing/2014/main" xmlns="" w="9525">
                   <a:solidFill>
                     <a:srgbClr val="000000"/>
                   </a:solidFill>
@@ -16388,7 +16388,7 @@
             </a:ln>
             <a:extLst>
               <a:ext uri="{91240B29-F687-4f45-9708-019B960494DF}">
-                <a14:hiddenLine xmlns="" xmlns:a16="http://schemas.microsoft.com/office/drawing/2014/main" xmlns:p14="http://schemas.microsoft.com/office/powerpoint/2010/main" xmlns:a14="http://schemas.microsoft.com/office/drawing/2010/main" w="9525">
+                <a14:hiddenLine xmlns:a14="http://schemas.microsoft.com/office/drawing/2010/main" xmlns:p14="http://schemas.microsoft.com/office/powerpoint/2010/main" xmlns:a16="http://schemas.microsoft.com/office/drawing/2014/main" xmlns="" w="9525">
                   <a:solidFill>
                     <a:srgbClr val="000000"/>
                   </a:solidFill>
@@ -16465,7 +16465,7 @@
             </a:ln>
             <a:extLst>
               <a:ext uri="{91240B29-F687-4f45-9708-019B960494DF}">
-                <a14:hiddenLine xmlns="" xmlns:a16="http://schemas.microsoft.com/office/drawing/2014/main" xmlns:p14="http://schemas.microsoft.com/office/powerpoint/2010/main" xmlns:a14="http://schemas.microsoft.com/office/drawing/2010/main" w="9525">
+                <a14:hiddenLine xmlns:a14="http://schemas.microsoft.com/office/drawing/2010/main" xmlns:p14="http://schemas.microsoft.com/office/powerpoint/2010/main" xmlns:a16="http://schemas.microsoft.com/office/drawing/2014/main" xmlns="" w="9525">
                   <a:solidFill>
                     <a:srgbClr val="000000"/>
                   </a:solidFill>
@@ -16590,7 +16590,7 @@
             </a:ln>
             <a:extLst>
               <a:ext uri="{91240B29-F687-4f45-9708-019B960494DF}">
-                <a14:hiddenLine xmlns="" xmlns:a16="http://schemas.microsoft.com/office/drawing/2014/main" xmlns:p14="http://schemas.microsoft.com/office/powerpoint/2010/main" xmlns:a14="http://schemas.microsoft.com/office/drawing/2010/main" w="9525">
+                <a14:hiddenLine xmlns:a14="http://schemas.microsoft.com/office/drawing/2010/main" xmlns:p14="http://schemas.microsoft.com/office/powerpoint/2010/main" xmlns:a16="http://schemas.microsoft.com/office/drawing/2014/main" xmlns="" w="9525">
                   <a:solidFill>
                     <a:srgbClr val="000000"/>
                   </a:solidFill>
@@ -16704,7 +16704,7 @@
             </a:ln>
             <a:extLst>
               <a:ext uri="{91240B29-F687-4f45-9708-019B960494DF}">
-                <a14:hiddenLine xmlns="" xmlns:a16="http://schemas.microsoft.com/office/drawing/2014/main" xmlns:p14="http://schemas.microsoft.com/office/powerpoint/2010/main" xmlns:a14="http://schemas.microsoft.com/office/drawing/2010/main" w="9525">
+                <a14:hiddenLine xmlns:a14="http://schemas.microsoft.com/office/drawing/2010/main" xmlns:p14="http://schemas.microsoft.com/office/powerpoint/2010/main" xmlns:a16="http://schemas.microsoft.com/office/drawing/2014/main" xmlns="" w="9525">
                   <a:solidFill>
                     <a:srgbClr val="000000"/>
                   </a:solidFill>
@@ -16781,7 +16781,7 @@
             </a:ln>
             <a:extLst>
               <a:ext uri="{91240B29-F687-4f45-9708-019B960494DF}">
-                <a14:hiddenLine xmlns="" xmlns:a16="http://schemas.microsoft.com/office/drawing/2014/main" xmlns:p14="http://schemas.microsoft.com/office/powerpoint/2010/main" xmlns:a14="http://schemas.microsoft.com/office/drawing/2010/main" w="9525">
+                <a14:hiddenLine xmlns:a14="http://schemas.microsoft.com/office/drawing/2010/main" xmlns:p14="http://schemas.microsoft.com/office/powerpoint/2010/main" xmlns:a16="http://schemas.microsoft.com/office/drawing/2014/main" xmlns="" w="9525">
                   <a:solidFill>
                     <a:srgbClr val="000000"/>
                   </a:solidFill>
@@ -16858,7 +16858,7 @@
             </a:ln>
             <a:extLst>
               <a:ext uri="{91240B29-F687-4f45-9708-019B960494DF}">
-                <a14:hiddenLine xmlns="" xmlns:a16="http://schemas.microsoft.com/office/drawing/2014/main" xmlns:p14="http://schemas.microsoft.com/office/powerpoint/2010/main" xmlns:a14="http://schemas.microsoft.com/office/drawing/2010/main" w="9525">
+                <a14:hiddenLine xmlns:a14="http://schemas.microsoft.com/office/drawing/2010/main" xmlns:p14="http://schemas.microsoft.com/office/powerpoint/2010/main" xmlns:a16="http://schemas.microsoft.com/office/drawing/2014/main" xmlns="" w="9525">
                   <a:solidFill>
                     <a:srgbClr val="000000"/>
                   </a:solidFill>
@@ -16963,7 +16963,7 @@
             </a:ln>
             <a:extLst>
               <a:ext uri="{91240B29-F687-4f45-9708-019B960494DF}">
-                <a14:hiddenLine xmlns="" xmlns:a16="http://schemas.microsoft.com/office/drawing/2014/main" xmlns:p14="http://schemas.microsoft.com/office/powerpoint/2010/main" xmlns:a14="http://schemas.microsoft.com/office/drawing/2010/main" w="9525">
+                <a14:hiddenLine xmlns:a14="http://schemas.microsoft.com/office/drawing/2010/main" xmlns:p14="http://schemas.microsoft.com/office/powerpoint/2010/main" xmlns:a16="http://schemas.microsoft.com/office/drawing/2014/main" xmlns="" w="9525">
                   <a:solidFill>
                     <a:srgbClr val="000000"/>
                   </a:solidFill>
@@ -17012,7 +17012,7 @@
             </a:ln>
             <a:extLst>
               <a:ext uri="{91240B29-F687-4f45-9708-019B960494DF}">
-                <a14:hiddenLine xmlns="" xmlns:a16="http://schemas.microsoft.com/office/drawing/2014/main" xmlns:p14="http://schemas.microsoft.com/office/powerpoint/2010/main" xmlns:a14="http://schemas.microsoft.com/office/drawing/2010/main" w="9525">
+                <a14:hiddenLine xmlns:a14="http://schemas.microsoft.com/office/drawing/2010/main" xmlns:p14="http://schemas.microsoft.com/office/powerpoint/2010/main" xmlns:a16="http://schemas.microsoft.com/office/drawing/2014/main" xmlns="" w="9525">
                   <a:solidFill>
                     <a:srgbClr val="000000"/>
                   </a:solidFill>
@@ -17092,7 +17092,7 @@
             </a:ln>
             <a:extLst>
               <a:ext uri="{91240B29-F687-4f45-9708-019B960494DF}">
-                <a14:hiddenLine xmlns="" xmlns:a16="http://schemas.microsoft.com/office/drawing/2014/main" xmlns:p14="http://schemas.microsoft.com/office/powerpoint/2010/main" xmlns:a14="http://schemas.microsoft.com/office/drawing/2010/main" w="9525">
+                <a14:hiddenLine xmlns:a14="http://schemas.microsoft.com/office/drawing/2010/main" xmlns:p14="http://schemas.microsoft.com/office/powerpoint/2010/main" xmlns:a16="http://schemas.microsoft.com/office/drawing/2014/main" xmlns="" w="9525">
                   <a:solidFill>
                     <a:srgbClr val="000000"/>
                   </a:solidFill>
@@ -17197,7 +17197,7 @@
             </a:ln>
             <a:extLst>
               <a:ext uri="{91240B29-F687-4f45-9708-019B960494DF}">
-                <a14:hiddenLine xmlns="" xmlns:a16="http://schemas.microsoft.com/office/drawing/2014/main" xmlns:p14="http://schemas.microsoft.com/office/powerpoint/2010/main" xmlns:a14="http://schemas.microsoft.com/office/drawing/2010/main" w="9525">
+                <a14:hiddenLine xmlns:a14="http://schemas.microsoft.com/office/drawing/2010/main" xmlns:p14="http://schemas.microsoft.com/office/powerpoint/2010/main" xmlns:a16="http://schemas.microsoft.com/office/drawing/2014/main" xmlns="" w="9525">
                   <a:solidFill>
                     <a:srgbClr val="000000"/>
                   </a:solidFill>
@@ -17274,7 +17274,7 @@
             </a:ln>
             <a:extLst>
               <a:ext uri="{91240B29-F687-4f45-9708-019B960494DF}">
-                <a14:hiddenLine xmlns="" xmlns:a16="http://schemas.microsoft.com/office/drawing/2014/main" xmlns:p14="http://schemas.microsoft.com/office/powerpoint/2010/main" xmlns:a14="http://schemas.microsoft.com/office/drawing/2010/main" w="9525">
+                <a14:hiddenLine xmlns:a14="http://schemas.microsoft.com/office/drawing/2010/main" xmlns:p14="http://schemas.microsoft.com/office/powerpoint/2010/main" xmlns:a16="http://schemas.microsoft.com/office/drawing/2014/main" xmlns="" w="9525">
                   <a:solidFill>
                     <a:srgbClr val="000000"/>
                   </a:solidFill>
@@ -17379,7 +17379,7 @@
             </a:ln>
             <a:extLst>
               <a:ext uri="{91240B29-F687-4f45-9708-019B960494DF}">
-                <a14:hiddenLine xmlns="" xmlns:a16="http://schemas.microsoft.com/office/drawing/2014/main" xmlns:p14="http://schemas.microsoft.com/office/powerpoint/2010/main" xmlns:a14="http://schemas.microsoft.com/office/drawing/2010/main" w="9525">
+                <a14:hiddenLine xmlns:a14="http://schemas.microsoft.com/office/drawing/2010/main" xmlns:p14="http://schemas.microsoft.com/office/powerpoint/2010/main" xmlns:a16="http://schemas.microsoft.com/office/drawing/2014/main" xmlns="" w="9525">
                   <a:solidFill>
                     <a:srgbClr val="000000"/>
                   </a:solidFill>
@@ -17459,7 +17459,7 @@
             </a:ln>
             <a:extLst>
               <a:ext uri="{91240B29-F687-4f45-9708-019B960494DF}">
-                <a14:hiddenLine xmlns="" xmlns:a16="http://schemas.microsoft.com/office/drawing/2014/main" xmlns:p14="http://schemas.microsoft.com/office/powerpoint/2010/main" xmlns:a14="http://schemas.microsoft.com/office/drawing/2010/main" w="9525">
+                <a14:hiddenLine xmlns:a14="http://schemas.microsoft.com/office/drawing/2010/main" xmlns:p14="http://schemas.microsoft.com/office/powerpoint/2010/main" xmlns:a16="http://schemas.microsoft.com/office/drawing/2014/main" xmlns="" w="9525">
                   <a:solidFill>
                     <a:srgbClr val="000000"/>
                   </a:solidFill>
@@ -17536,7 +17536,7 @@
             </a:ln>
             <a:extLst>
               <a:ext uri="{91240B29-F687-4f45-9708-019B960494DF}">
-                <a14:hiddenLine xmlns="" xmlns:a16="http://schemas.microsoft.com/office/drawing/2014/main" xmlns:p14="http://schemas.microsoft.com/office/powerpoint/2010/main" xmlns:a14="http://schemas.microsoft.com/office/drawing/2010/main" w="9525">
+                <a14:hiddenLine xmlns:a14="http://schemas.microsoft.com/office/drawing/2010/main" xmlns:p14="http://schemas.microsoft.com/office/powerpoint/2010/main" xmlns:a16="http://schemas.microsoft.com/office/drawing/2014/main" xmlns="" w="9525">
                   <a:solidFill>
                     <a:srgbClr val="000000"/>
                   </a:solidFill>
@@ -17641,7 +17641,7 @@
             </a:ln>
             <a:extLst>
               <a:ext uri="{91240B29-F687-4f45-9708-019B960494DF}">
-                <a14:hiddenLine xmlns="" xmlns:a16="http://schemas.microsoft.com/office/drawing/2014/main" xmlns:p14="http://schemas.microsoft.com/office/powerpoint/2010/main" xmlns:a14="http://schemas.microsoft.com/office/drawing/2010/main" w="9525">
+                <a14:hiddenLine xmlns:a14="http://schemas.microsoft.com/office/drawing/2010/main" xmlns:p14="http://schemas.microsoft.com/office/powerpoint/2010/main" xmlns:a16="http://schemas.microsoft.com/office/drawing/2014/main" xmlns="" w="9525">
                   <a:solidFill>
                     <a:srgbClr val="000000"/>
                   </a:solidFill>
@@ -17746,7 +17746,7 @@
             </a:ln>
             <a:extLst>
               <a:ext uri="{91240B29-F687-4f45-9708-019B960494DF}">
-                <a14:hiddenLine xmlns="" xmlns:a16="http://schemas.microsoft.com/office/drawing/2014/main" xmlns:p14="http://schemas.microsoft.com/office/powerpoint/2010/main" xmlns:a14="http://schemas.microsoft.com/office/drawing/2010/main" w="9525">
+                <a14:hiddenLine xmlns:a14="http://schemas.microsoft.com/office/drawing/2010/main" xmlns:p14="http://schemas.microsoft.com/office/powerpoint/2010/main" xmlns:a16="http://schemas.microsoft.com/office/drawing/2014/main" xmlns="" w="9525">
                   <a:solidFill>
                     <a:srgbClr val="000000"/>
                   </a:solidFill>
@@ -17826,7 +17826,7 @@
             </a:ln>
             <a:extLst>
               <a:ext uri="{91240B29-F687-4f45-9708-019B960494DF}">
-                <a14:hiddenLine xmlns="" xmlns:a16="http://schemas.microsoft.com/office/drawing/2014/main" xmlns:p14="http://schemas.microsoft.com/office/powerpoint/2010/main" xmlns:a14="http://schemas.microsoft.com/office/drawing/2010/main" w="9525">
+                <a14:hiddenLine xmlns:a14="http://schemas.microsoft.com/office/drawing/2010/main" xmlns:p14="http://schemas.microsoft.com/office/powerpoint/2010/main" xmlns:a16="http://schemas.microsoft.com/office/drawing/2014/main" xmlns="" w="9525">
                   <a:solidFill>
                     <a:srgbClr val="000000"/>
                   </a:solidFill>
@@ -17961,7 +17961,7 @@
             </a:ln>
             <a:extLst>
               <a:ext uri="{91240B29-F687-4f45-9708-019B960494DF}">
-                <a14:hiddenLine xmlns="" xmlns:a16="http://schemas.microsoft.com/office/drawing/2014/main" xmlns:p14="http://schemas.microsoft.com/office/powerpoint/2010/main" xmlns:a14="http://schemas.microsoft.com/office/drawing/2010/main" w="9525">
+                <a14:hiddenLine xmlns:a14="http://schemas.microsoft.com/office/drawing/2010/main" xmlns:p14="http://schemas.microsoft.com/office/powerpoint/2010/main" xmlns:a16="http://schemas.microsoft.com/office/drawing/2014/main" xmlns="" w="9525">
                   <a:solidFill>
                     <a:srgbClr val="000000"/>
                   </a:solidFill>
@@ -18318,7 +18318,7 @@
             </a:ln>
             <a:extLst>
               <a:ext uri="{91240B29-F687-4f45-9708-019B960494DF}">
-                <a14:hiddenLine xmlns:a14="http://schemas.microsoft.com/office/drawing/2010/main" xmlns:p14="http://schemas.microsoft.com/office/powerpoint/2010/main" xmlns:a16="http://schemas.microsoft.com/office/drawing/2014/main" xmlns="" w="9525">
+                <a14:hiddenLine xmlns="" xmlns:a16="http://schemas.microsoft.com/office/drawing/2014/main" xmlns:p14="http://schemas.microsoft.com/office/powerpoint/2010/main" xmlns:a14="http://schemas.microsoft.com/office/drawing/2010/main" w="9525">
                   <a:solidFill>
                     <a:srgbClr val="000000"/>
                   </a:solidFill>
@@ -18423,7 +18423,7 @@
             </a:ln>
             <a:extLst>
               <a:ext uri="{91240B29-F687-4f45-9708-019B960494DF}">
-                <a14:hiddenLine xmlns:a14="http://schemas.microsoft.com/office/drawing/2010/main" xmlns:p14="http://schemas.microsoft.com/office/powerpoint/2010/main" xmlns:a16="http://schemas.microsoft.com/office/drawing/2014/main" xmlns="" w="9525">
+                <a14:hiddenLine xmlns="" xmlns:a16="http://schemas.microsoft.com/office/drawing/2014/main" xmlns:p14="http://schemas.microsoft.com/office/powerpoint/2010/main" xmlns:a14="http://schemas.microsoft.com/office/drawing/2010/main" w="9525">
                   <a:solidFill>
                     <a:srgbClr val="000000"/>
                   </a:solidFill>
@@ -18528,7 +18528,7 @@
             </a:ln>
             <a:extLst>
               <a:ext uri="{91240B29-F687-4f45-9708-019B960494DF}">
-                <a14:hiddenLine xmlns:a14="http://schemas.microsoft.com/office/drawing/2010/main" xmlns:p14="http://schemas.microsoft.com/office/powerpoint/2010/main" xmlns:a16="http://schemas.microsoft.com/office/drawing/2014/main" xmlns="" w="9525">
+                <a14:hiddenLine xmlns="" xmlns:a16="http://schemas.microsoft.com/office/drawing/2014/main" xmlns:p14="http://schemas.microsoft.com/office/powerpoint/2010/main" xmlns:a14="http://schemas.microsoft.com/office/drawing/2010/main" w="9525">
                   <a:solidFill>
                     <a:srgbClr val="000000"/>
                   </a:solidFill>
@@ -18605,7 +18605,7 @@
             </a:ln>
             <a:extLst>
               <a:ext uri="{91240B29-F687-4f45-9708-019B960494DF}">
-                <a14:hiddenLine xmlns:a14="http://schemas.microsoft.com/office/drawing/2010/main" xmlns:p14="http://schemas.microsoft.com/office/powerpoint/2010/main" xmlns:a16="http://schemas.microsoft.com/office/drawing/2014/main" xmlns="" w="9525">
+                <a14:hiddenLine xmlns="" xmlns:a16="http://schemas.microsoft.com/office/drawing/2014/main" xmlns:p14="http://schemas.microsoft.com/office/powerpoint/2010/main" xmlns:a14="http://schemas.microsoft.com/office/drawing/2010/main" w="9525">
                   <a:solidFill>
                     <a:srgbClr val="000000"/>
                   </a:solidFill>
@@ -18710,7 +18710,7 @@
             </a:ln>
             <a:extLst>
               <a:ext uri="{91240B29-F687-4f45-9708-019B960494DF}">
-                <a14:hiddenLine xmlns:a14="http://schemas.microsoft.com/office/drawing/2010/main" xmlns:p14="http://schemas.microsoft.com/office/powerpoint/2010/main" xmlns:a16="http://schemas.microsoft.com/office/drawing/2014/main" xmlns="" w="9525">
+                <a14:hiddenLine xmlns="" xmlns:a16="http://schemas.microsoft.com/office/drawing/2014/main" xmlns:p14="http://schemas.microsoft.com/office/powerpoint/2010/main" xmlns:a14="http://schemas.microsoft.com/office/drawing/2010/main" w="9525">
                   <a:solidFill>
                     <a:srgbClr val="000000"/>
                   </a:solidFill>
@@ -18787,7 +18787,7 @@
             </a:ln>
             <a:extLst>
               <a:ext uri="{91240B29-F687-4f45-9708-019B960494DF}">
-                <a14:hiddenLine xmlns:a14="http://schemas.microsoft.com/office/drawing/2010/main" xmlns:p14="http://schemas.microsoft.com/office/powerpoint/2010/main" xmlns:a16="http://schemas.microsoft.com/office/drawing/2014/main" xmlns="" w="9525">
+                <a14:hiddenLine xmlns="" xmlns:a16="http://schemas.microsoft.com/office/drawing/2014/main" xmlns:p14="http://schemas.microsoft.com/office/powerpoint/2010/main" xmlns:a14="http://schemas.microsoft.com/office/drawing/2010/main" w="9525">
                   <a:solidFill>
                     <a:srgbClr val="000000"/>
                   </a:solidFill>
@@ -18864,7 +18864,7 @@
             </a:ln>
             <a:extLst>
               <a:ext uri="{91240B29-F687-4f45-9708-019B960494DF}">
-                <a14:hiddenLine xmlns:a14="http://schemas.microsoft.com/office/drawing/2010/main" xmlns:p14="http://schemas.microsoft.com/office/powerpoint/2010/main" xmlns:a16="http://schemas.microsoft.com/office/drawing/2014/main" xmlns="" w="9525">
+                <a14:hiddenLine xmlns="" xmlns:a16="http://schemas.microsoft.com/office/drawing/2014/main" xmlns:p14="http://schemas.microsoft.com/office/powerpoint/2010/main" xmlns:a14="http://schemas.microsoft.com/office/drawing/2010/main" w="9525">
                   <a:solidFill>
                     <a:srgbClr val="000000"/>
                   </a:solidFill>
@@ -18969,7 +18969,7 @@
             </a:ln>
             <a:extLst>
               <a:ext uri="{91240B29-F687-4f45-9708-019B960494DF}">
-                <a14:hiddenLine xmlns:a14="http://schemas.microsoft.com/office/drawing/2010/main" xmlns:p14="http://schemas.microsoft.com/office/powerpoint/2010/main" xmlns:a16="http://schemas.microsoft.com/office/drawing/2014/main" xmlns="" w="9525">
+                <a14:hiddenLine xmlns="" xmlns:a16="http://schemas.microsoft.com/office/drawing/2014/main" xmlns:p14="http://schemas.microsoft.com/office/powerpoint/2010/main" xmlns:a14="http://schemas.microsoft.com/office/drawing/2010/main" w="9525">
                   <a:solidFill>
                     <a:srgbClr val="000000"/>
                   </a:solidFill>
@@ -19074,7 +19074,7 @@
             </a:ln>
             <a:extLst>
               <a:ext uri="{91240B29-F687-4f45-9708-019B960494DF}">
-                <a14:hiddenLine xmlns:a14="http://schemas.microsoft.com/office/drawing/2010/main" xmlns:p14="http://schemas.microsoft.com/office/powerpoint/2010/main" xmlns:a16="http://schemas.microsoft.com/office/drawing/2014/main" xmlns="" w="9525">
+                <a14:hiddenLine xmlns="" xmlns:a16="http://schemas.microsoft.com/office/drawing/2014/main" xmlns:p14="http://schemas.microsoft.com/office/powerpoint/2010/main" xmlns:a14="http://schemas.microsoft.com/office/drawing/2010/main" w="9525">
                   <a:solidFill>
                     <a:srgbClr val="000000"/>
                   </a:solidFill>
@@ -19151,7 +19151,7 @@
             </a:ln>
             <a:extLst>
               <a:ext uri="{91240B29-F687-4f45-9708-019B960494DF}">
-                <a14:hiddenLine xmlns:a14="http://schemas.microsoft.com/office/drawing/2010/main" xmlns:p14="http://schemas.microsoft.com/office/powerpoint/2010/main" xmlns:a16="http://schemas.microsoft.com/office/drawing/2014/main" xmlns="" w="9525">
+                <a14:hiddenLine xmlns="" xmlns:a16="http://schemas.microsoft.com/office/drawing/2014/main" xmlns:p14="http://schemas.microsoft.com/office/powerpoint/2010/main" xmlns:a14="http://schemas.microsoft.com/office/drawing/2010/main" w="9525">
                   <a:solidFill>
                     <a:srgbClr val="000000"/>
                   </a:solidFill>
@@ -19276,7 +19276,7 @@
             </a:ln>
             <a:extLst>
               <a:ext uri="{91240B29-F687-4f45-9708-019B960494DF}">
-                <a14:hiddenLine xmlns:a14="http://schemas.microsoft.com/office/drawing/2010/main" xmlns:p14="http://schemas.microsoft.com/office/powerpoint/2010/main" xmlns:a16="http://schemas.microsoft.com/office/drawing/2014/main" xmlns="" w="9525">
+                <a14:hiddenLine xmlns="" xmlns:a16="http://schemas.microsoft.com/office/drawing/2014/main" xmlns:p14="http://schemas.microsoft.com/office/powerpoint/2010/main" xmlns:a14="http://schemas.microsoft.com/office/drawing/2010/main" w="9525">
                   <a:solidFill>
                     <a:srgbClr val="000000"/>
                   </a:solidFill>
@@ -19390,7 +19390,7 @@
             </a:ln>
             <a:extLst>
               <a:ext uri="{91240B29-F687-4f45-9708-019B960494DF}">
-                <a14:hiddenLine xmlns:a14="http://schemas.microsoft.com/office/drawing/2010/main" xmlns:p14="http://schemas.microsoft.com/office/powerpoint/2010/main" xmlns:a16="http://schemas.microsoft.com/office/drawing/2014/main" xmlns="" w="9525">
+                <a14:hiddenLine xmlns="" xmlns:a16="http://schemas.microsoft.com/office/drawing/2014/main" xmlns:p14="http://schemas.microsoft.com/office/powerpoint/2010/main" xmlns:a14="http://schemas.microsoft.com/office/drawing/2010/main" w="9525">
                   <a:solidFill>
                     <a:srgbClr val="000000"/>
                   </a:solidFill>
@@ -19467,7 +19467,7 @@
             </a:ln>
             <a:extLst>
               <a:ext uri="{91240B29-F687-4f45-9708-019B960494DF}">
-                <a14:hiddenLine xmlns:a14="http://schemas.microsoft.com/office/drawing/2010/main" xmlns:p14="http://schemas.microsoft.com/office/powerpoint/2010/main" xmlns:a16="http://schemas.microsoft.com/office/drawing/2014/main" xmlns="" w="9525">
+                <a14:hiddenLine xmlns="" xmlns:a16="http://schemas.microsoft.com/office/drawing/2014/main" xmlns:p14="http://schemas.microsoft.com/office/powerpoint/2010/main" xmlns:a14="http://schemas.microsoft.com/office/drawing/2010/main" w="9525">
                   <a:solidFill>
                     <a:srgbClr val="000000"/>
                   </a:solidFill>
@@ -19544,7 +19544,7 @@
             </a:ln>
             <a:extLst>
               <a:ext uri="{91240B29-F687-4f45-9708-019B960494DF}">
-                <a14:hiddenLine xmlns:a14="http://schemas.microsoft.com/office/drawing/2010/main" xmlns:p14="http://schemas.microsoft.com/office/powerpoint/2010/main" xmlns:a16="http://schemas.microsoft.com/office/drawing/2014/main" xmlns="" w="9525">
+                <a14:hiddenLine xmlns="" xmlns:a16="http://schemas.microsoft.com/office/drawing/2014/main" xmlns:p14="http://schemas.microsoft.com/office/powerpoint/2010/main" xmlns:a14="http://schemas.microsoft.com/office/drawing/2010/main" w="9525">
                   <a:solidFill>
                     <a:srgbClr val="000000"/>
                   </a:solidFill>
@@ -19649,7 +19649,7 @@
             </a:ln>
             <a:extLst>
               <a:ext uri="{91240B29-F687-4f45-9708-019B960494DF}">
-                <a14:hiddenLine xmlns:a14="http://schemas.microsoft.com/office/drawing/2010/main" xmlns:p14="http://schemas.microsoft.com/office/powerpoint/2010/main" xmlns:a16="http://schemas.microsoft.com/office/drawing/2014/main" xmlns="" w="9525">
+                <a14:hiddenLine xmlns="" xmlns:a16="http://schemas.microsoft.com/office/drawing/2014/main" xmlns:p14="http://schemas.microsoft.com/office/powerpoint/2010/main" xmlns:a14="http://schemas.microsoft.com/office/drawing/2010/main" w="9525">
                   <a:solidFill>
                     <a:srgbClr val="000000"/>
                   </a:solidFill>
@@ -19698,7 +19698,7 @@
             </a:ln>
             <a:extLst>
               <a:ext uri="{91240B29-F687-4f45-9708-019B960494DF}">
-                <a14:hiddenLine xmlns:a14="http://schemas.microsoft.com/office/drawing/2010/main" xmlns:p14="http://schemas.microsoft.com/office/powerpoint/2010/main" xmlns:a16="http://schemas.microsoft.com/office/drawing/2014/main" xmlns="" w="9525">
+                <a14:hiddenLine xmlns="" xmlns:a16="http://schemas.microsoft.com/office/drawing/2014/main" xmlns:p14="http://schemas.microsoft.com/office/powerpoint/2010/main" xmlns:a14="http://schemas.microsoft.com/office/drawing/2010/main" w="9525">
                   <a:solidFill>
                     <a:srgbClr val="000000"/>
                   </a:solidFill>
@@ -19778,7 +19778,7 @@
             </a:ln>
             <a:extLst>
               <a:ext uri="{91240B29-F687-4f45-9708-019B960494DF}">
-                <a14:hiddenLine xmlns:a14="http://schemas.microsoft.com/office/drawing/2010/main" xmlns:p14="http://schemas.microsoft.com/office/powerpoint/2010/main" xmlns:a16="http://schemas.microsoft.com/office/drawing/2014/main" xmlns="" w="9525">
+                <a14:hiddenLine xmlns="" xmlns:a16="http://schemas.microsoft.com/office/drawing/2014/main" xmlns:p14="http://schemas.microsoft.com/office/powerpoint/2010/main" xmlns:a14="http://schemas.microsoft.com/office/drawing/2010/main" w="9525">
                   <a:solidFill>
                     <a:srgbClr val="000000"/>
                   </a:solidFill>
@@ -19883,7 +19883,7 @@
             </a:ln>
             <a:extLst>
               <a:ext uri="{91240B29-F687-4f45-9708-019B960494DF}">
-                <a14:hiddenLine xmlns:a14="http://schemas.microsoft.com/office/drawing/2010/main" xmlns:p14="http://schemas.microsoft.com/office/powerpoint/2010/main" xmlns:a16="http://schemas.microsoft.com/office/drawing/2014/main" xmlns="" w="9525">
+                <a14:hiddenLine xmlns="" xmlns:a16="http://schemas.microsoft.com/office/drawing/2014/main" xmlns:p14="http://schemas.microsoft.com/office/powerpoint/2010/main" xmlns:a14="http://schemas.microsoft.com/office/drawing/2010/main" w="9525">
                   <a:solidFill>
                     <a:srgbClr val="000000"/>
                   </a:solidFill>
@@ -19960,7 +19960,7 @@
             </a:ln>
             <a:extLst>
               <a:ext uri="{91240B29-F687-4f45-9708-019B960494DF}">
-                <a14:hiddenLine xmlns:a14="http://schemas.microsoft.com/office/drawing/2010/main" xmlns:p14="http://schemas.microsoft.com/office/powerpoint/2010/main" xmlns:a16="http://schemas.microsoft.com/office/drawing/2014/main" xmlns="" w="9525">
+                <a14:hiddenLine xmlns="" xmlns:a16="http://schemas.microsoft.com/office/drawing/2014/main" xmlns:p14="http://schemas.microsoft.com/office/powerpoint/2010/main" xmlns:a14="http://schemas.microsoft.com/office/drawing/2010/main" w="9525">
                   <a:solidFill>
                     <a:srgbClr val="000000"/>
                   </a:solidFill>
@@ -20065,7 +20065,7 @@
             </a:ln>
             <a:extLst>
               <a:ext uri="{91240B29-F687-4f45-9708-019B960494DF}">
-                <a14:hiddenLine xmlns:a14="http://schemas.microsoft.com/office/drawing/2010/main" xmlns:p14="http://schemas.microsoft.com/office/powerpoint/2010/main" xmlns:a16="http://schemas.microsoft.com/office/drawing/2014/main" xmlns="" w="9525">
+                <a14:hiddenLine xmlns="" xmlns:a16="http://schemas.microsoft.com/office/drawing/2014/main" xmlns:p14="http://schemas.microsoft.com/office/powerpoint/2010/main" xmlns:a14="http://schemas.microsoft.com/office/drawing/2010/main" w="9525">
                   <a:solidFill>
                     <a:srgbClr val="000000"/>
                   </a:solidFill>
@@ -20145,7 +20145,7 @@
             </a:ln>
             <a:extLst>
               <a:ext uri="{91240B29-F687-4f45-9708-019B960494DF}">
-                <a14:hiddenLine xmlns:a14="http://schemas.microsoft.com/office/drawing/2010/main" xmlns:p14="http://schemas.microsoft.com/office/powerpoint/2010/main" xmlns:a16="http://schemas.microsoft.com/office/drawing/2014/main" xmlns="" w="9525">
+                <a14:hiddenLine xmlns="" xmlns:a16="http://schemas.microsoft.com/office/drawing/2014/main" xmlns:p14="http://schemas.microsoft.com/office/powerpoint/2010/main" xmlns:a14="http://schemas.microsoft.com/office/drawing/2010/main" w="9525">
                   <a:solidFill>
                     <a:srgbClr val="000000"/>
                   </a:solidFill>
@@ -20222,7 +20222,7 @@
             </a:ln>
             <a:extLst>
               <a:ext uri="{91240B29-F687-4f45-9708-019B960494DF}">
-                <a14:hiddenLine xmlns:a14="http://schemas.microsoft.com/office/drawing/2010/main" xmlns:p14="http://schemas.microsoft.com/office/powerpoint/2010/main" xmlns:a16="http://schemas.microsoft.com/office/drawing/2014/main" xmlns="" w="9525">
+                <a14:hiddenLine xmlns="" xmlns:a16="http://schemas.microsoft.com/office/drawing/2014/main" xmlns:p14="http://schemas.microsoft.com/office/powerpoint/2010/main" xmlns:a14="http://schemas.microsoft.com/office/drawing/2010/main" w="9525">
                   <a:solidFill>
                     <a:srgbClr val="000000"/>
                   </a:solidFill>
@@ -20327,7 +20327,7 @@
             </a:ln>
             <a:extLst>
               <a:ext uri="{91240B29-F687-4f45-9708-019B960494DF}">
-                <a14:hiddenLine xmlns:a14="http://schemas.microsoft.com/office/drawing/2010/main" xmlns:p14="http://schemas.microsoft.com/office/powerpoint/2010/main" xmlns:a16="http://schemas.microsoft.com/office/drawing/2014/main" xmlns="" w="9525">
+                <a14:hiddenLine xmlns="" xmlns:a16="http://schemas.microsoft.com/office/drawing/2014/main" xmlns:p14="http://schemas.microsoft.com/office/powerpoint/2010/main" xmlns:a14="http://schemas.microsoft.com/office/drawing/2010/main" w="9525">
                   <a:solidFill>
                     <a:srgbClr val="000000"/>
                   </a:solidFill>
@@ -20432,7 +20432,7 @@
             </a:ln>
             <a:extLst>
               <a:ext uri="{91240B29-F687-4f45-9708-019B960494DF}">
-                <a14:hiddenLine xmlns:a14="http://schemas.microsoft.com/office/drawing/2010/main" xmlns:p14="http://schemas.microsoft.com/office/powerpoint/2010/main" xmlns:a16="http://schemas.microsoft.com/office/drawing/2014/main" xmlns="" w="9525">
+                <a14:hiddenLine xmlns="" xmlns:a16="http://schemas.microsoft.com/office/drawing/2014/main" xmlns:p14="http://schemas.microsoft.com/office/powerpoint/2010/main" xmlns:a14="http://schemas.microsoft.com/office/drawing/2010/main" w="9525">
                   <a:solidFill>
                     <a:srgbClr val="000000"/>
                   </a:solidFill>
@@ -20512,7 +20512,7 @@
             </a:ln>
             <a:extLst>
               <a:ext uri="{91240B29-F687-4f45-9708-019B960494DF}">
-                <a14:hiddenLine xmlns:a14="http://schemas.microsoft.com/office/drawing/2010/main" xmlns:p14="http://schemas.microsoft.com/office/powerpoint/2010/main" xmlns:a16="http://schemas.microsoft.com/office/drawing/2014/main" xmlns="" w="9525">
+                <a14:hiddenLine xmlns="" xmlns:a16="http://schemas.microsoft.com/office/drawing/2014/main" xmlns:p14="http://schemas.microsoft.com/office/powerpoint/2010/main" xmlns:a14="http://schemas.microsoft.com/office/drawing/2010/main" w="9525">
                   <a:solidFill>
                     <a:srgbClr val="000000"/>
                   </a:solidFill>
@@ -20647,7 +20647,7 @@
             </a:ln>
             <a:extLst>
               <a:ext uri="{91240B29-F687-4f45-9708-019B960494DF}">
-                <a14:hiddenLine xmlns:a14="http://schemas.microsoft.com/office/drawing/2010/main" xmlns:p14="http://schemas.microsoft.com/office/powerpoint/2010/main" xmlns:a16="http://schemas.microsoft.com/office/drawing/2014/main" xmlns="" w="9525">
+                <a14:hiddenLine xmlns="" xmlns:a16="http://schemas.microsoft.com/office/drawing/2014/main" xmlns:p14="http://schemas.microsoft.com/office/powerpoint/2010/main" xmlns:a14="http://schemas.microsoft.com/office/drawing/2010/main" w="9525">
                   <a:solidFill>
                     <a:srgbClr val="000000"/>
                   </a:solidFill>
@@ -21326,7 +21326,7 @@
             </a:ln>
             <a:extLst>
               <a:ext uri="{91240B29-F687-4f45-9708-019B960494DF}">
-                <a14:hiddenLine xmlns="" xmlns:a16="http://schemas.microsoft.com/office/drawing/2014/main" xmlns:p14="http://schemas.microsoft.com/office/powerpoint/2010/main" xmlns:a14="http://schemas.microsoft.com/office/drawing/2010/main" w="9525">
+                <a14:hiddenLine xmlns:a14="http://schemas.microsoft.com/office/drawing/2010/main" xmlns:p14="http://schemas.microsoft.com/office/powerpoint/2010/main" xmlns:a16="http://schemas.microsoft.com/office/drawing/2014/main" xmlns="" w="9525">
                   <a:solidFill>
                     <a:srgbClr val="000000"/>
                   </a:solidFill>
@@ -21431,7 +21431,7 @@
             </a:ln>
             <a:extLst>
               <a:ext uri="{91240B29-F687-4f45-9708-019B960494DF}">
-                <a14:hiddenLine xmlns="" xmlns:a16="http://schemas.microsoft.com/office/drawing/2014/main" xmlns:p14="http://schemas.microsoft.com/office/powerpoint/2010/main" xmlns:a14="http://schemas.microsoft.com/office/drawing/2010/main" w="9525">
+                <a14:hiddenLine xmlns:a14="http://schemas.microsoft.com/office/drawing/2010/main" xmlns:p14="http://schemas.microsoft.com/office/powerpoint/2010/main" xmlns:a16="http://schemas.microsoft.com/office/drawing/2014/main" xmlns="" w="9525">
                   <a:solidFill>
                     <a:srgbClr val="000000"/>
                   </a:solidFill>
@@ -21536,7 +21536,7 @@
             </a:ln>
             <a:extLst>
               <a:ext uri="{91240B29-F687-4f45-9708-019B960494DF}">
-                <a14:hiddenLine xmlns="" xmlns:a16="http://schemas.microsoft.com/office/drawing/2014/main" xmlns:p14="http://schemas.microsoft.com/office/powerpoint/2010/main" xmlns:a14="http://schemas.microsoft.com/office/drawing/2010/main" w="9525">
+                <a14:hiddenLine xmlns:a14="http://schemas.microsoft.com/office/drawing/2010/main" xmlns:p14="http://schemas.microsoft.com/office/powerpoint/2010/main" xmlns:a16="http://schemas.microsoft.com/office/drawing/2014/main" xmlns="" w="9525">
                   <a:solidFill>
                     <a:srgbClr val="000000"/>
                   </a:solidFill>
@@ -21613,7 +21613,7 @@
             </a:ln>
             <a:extLst>
               <a:ext uri="{91240B29-F687-4f45-9708-019B960494DF}">
-                <a14:hiddenLine xmlns="" xmlns:a16="http://schemas.microsoft.com/office/drawing/2014/main" xmlns:p14="http://schemas.microsoft.com/office/powerpoint/2010/main" xmlns:a14="http://schemas.microsoft.com/office/drawing/2010/main" w="9525">
+                <a14:hiddenLine xmlns:a14="http://schemas.microsoft.com/office/drawing/2010/main" xmlns:p14="http://schemas.microsoft.com/office/powerpoint/2010/main" xmlns:a16="http://schemas.microsoft.com/office/drawing/2014/main" xmlns="" w="9525">
                   <a:solidFill>
                     <a:srgbClr val="000000"/>
                   </a:solidFill>
@@ -21718,7 +21718,7 @@
             </a:ln>
             <a:extLst>
               <a:ext uri="{91240B29-F687-4f45-9708-019B960494DF}">
-                <a14:hiddenLine xmlns="" xmlns:a16="http://schemas.microsoft.com/office/drawing/2014/main" xmlns:p14="http://schemas.microsoft.com/office/powerpoint/2010/main" xmlns:a14="http://schemas.microsoft.com/office/drawing/2010/main" w="9525">
+                <a14:hiddenLine xmlns:a14="http://schemas.microsoft.com/office/drawing/2010/main" xmlns:p14="http://schemas.microsoft.com/office/powerpoint/2010/main" xmlns:a16="http://schemas.microsoft.com/office/drawing/2014/main" xmlns="" w="9525">
                   <a:solidFill>
                     <a:srgbClr val="000000"/>
                   </a:solidFill>
@@ -21795,7 +21795,7 @@
             </a:ln>
             <a:extLst>
               <a:ext uri="{91240B29-F687-4f45-9708-019B960494DF}">
-                <a14:hiddenLine xmlns="" xmlns:a16="http://schemas.microsoft.com/office/drawing/2014/main" xmlns:p14="http://schemas.microsoft.com/office/powerpoint/2010/main" xmlns:a14="http://schemas.microsoft.com/office/drawing/2010/main" w="9525">
+                <a14:hiddenLine xmlns:a14="http://schemas.microsoft.com/office/drawing/2010/main" xmlns:p14="http://schemas.microsoft.com/office/powerpoint/2010/main" xmlns:a16="http://schemas.microsoft.com/office/drawing/2014/main" xmlns="" w="9525">
                   <a:solidFill>
                     <a:srgbClr val="000000"/>
                   </a:solidFill>
@@ -21872,7 +21872,7 @@
             </a:ln>
             <a:extLst>
               <a:ext uri="{91240B29-F687-4f45-9708-019B960494DF}">
-                <a14:hiddenLine xmlns="" xmlns:a16="http://schemas.microsoft.com/office/drawing/2014/main" xmlns:p14="http://schemas.microsoft.com/office/powerpoint/2010/main" xmlns:a14="http://schemas.microsoft.com/office/drawing/2010/main" w="9525">
+                <a14:hiddenLine xmlns:a14="http://schemas.microsoft.com/office/drawing/2010/main" xmlns:p14="http://schemas.microsoft.com/office/powerpoint/2010/main" xmlns:a16="http://schemas.microsoft.com/office/drawing/2014/main" xmlns="" w="9525">
                   <a:solidFill>
                     <a:srgbClr val="000000"/>
                   </a:solidFill>
@@ -21977,7 +21977,7 @@
             </a:ln>
             <a:extLst>
               <a:ext uri="{91240B29-F687-4f45-9708-019B960494DF}">
-                <a14:hiddenLine xmlns="" xmlns:a16="http://schemas.microsoft.com/office/drawing/2014/main" xmlns:p14="http://schemas.microsoft.com/office/powerpoint/2010/main" xmlns:a14="http://schemas.microsoft.com/office/drawing/2010/main" w="9525">
+                <a14:hiddenLine xmlns:a14="http://schemas.microsoft.com/office/drawing/2010/main" xmlns:p14="http://schemas.microsoft.com/office/powerpoint/2010/main" xmlns:a16="http://schemas.microsoft.com/office/drawing/2014/main" xmlns="" w="9525">
                   <a:solidFill>
                     <a:srgbClr val="000000"/>
                   </a:solidFill>
@@ -22082,7 +22082,7 @@
             </a:ln>
             <a:extLst>
               <a:ext uri="{91240B29-F687-4f45-9708-019B960494DF}">
-                <a14:hiddenLine xmlns="" xmlns:a16="http://schemas.microsoft.com/office/drawing/2014/main" xmlns:p14="http://schemas.microsoft.com/office/powerpoint/2010/main" xmlns:a14="http://schemas.microsoft.com/office/drawing/2010/main" w="9525">
+                <a14:hiddenLine xmlns:a14="http://schemas.microsoft.com/office/drawing/2010/main" xmlns:p14="http://schemas.microsoft.com/office/powerpoint/2010/main" xmlns:a16="http://schemas.microsoft.com/office/drawing/2014/main" xmlns="" w="9525">
                   <a:solidFill>
                     <a:srgbClr val="000000"/>
                   </a:solidFill>
@@ -22159,7 +22159,7 @@
             </a:ln>
             <a:extLst>
               <a:ext uri="{91240B29-F687-4f45-9708-019B960494DF}">
-                <a14:hiddenLine xmlns="" xmlns:a16="http://schemas.microsoft.com/office/drawing/2014/main" xmlns:p14="http://schemas.microsoft.com/office/powerpoint/2010/main" xmlns:a14="http://schemas.microsoft.com/office/drawing/2010/main" w="9525">
+                <a14:hiddenLine xmlns:a14="http://schemas.microsoft.com/office/drawing/2010/main" xmlns:p14="http://schemas.microsoft.com/office/powerpoint/2010/main" xmlns:a16="http://schemas.microsoft.com/office/drawing/2014/main" xmlns="" w="9525">
                   <a:solidFill>
                     <a:srgbClr val="000000"/>
                   </a:solidFill>
@@ -22284,7 +22284,7 @@
             </a:ln>
             <a:extLst>
               <a:ext uri="{91240B29-F687-4f45-9708-019B960494DF}">
-                <a14:hiddenLine xmlns="" xmlns:a16="http://schemas.microsoft.com/office/drawing/2014/main" xmlns:p14="http://schemas.microsoft.com/office/powerpoint/2010/main" xmlns:a14="http://schemas.microsoft.com/office/drawing/2010/main" w="9525">
+                <a14:hiddenLine xmlns:a14="http://schemas.microsoft.com/office/drawing/2010/main" xmlns:p14="http://schemas.microsoft.com/office/powerpoint/2010/main" xmlns:a16="http://schemas.microsoft.com/office/drawing/2014/main" xmlns="" w="9525">
                   <a:solidFill>
                     <a:srgbClr val="000000"/>
                   </a:solidFill>
@@ -22398,7 +22398,7 @@
             </a:ln>
             <a:extLst>
               <a:ext uri="{91240B29-F687-4f45-9708-019B960494DF}">
-                <a14:hiddenLine xmlns="" xmlns:a16="http://schemas.microsoft.com/office/drawing/2014/main" xmlns:p14="http://schemas.microsoft.com/office/powerpoint/2010/main" xmlns:a14="http://schemas.microsoft.com/office/drawing/2010/main" w="9525">
+                <a14:hiddenLine xmlns:a14="http://schemas.microsoft.com/office/drawing/2010/main" xmlns:p14="http://schemas.microsoft.com/office/powerpoint/2010/main" xmlns:a16="http://schemas.microsoft.com/office/drawing/2014/main" xmlns="" w="9525">
                   <a:solidFill>
                     <a:srgbClr val="000000"/>
                   </a:solidFill>
@@ -22475,7 +22475,7 @@
             </a:ln>
             <a:extLst>
               <a:ext uri="{91240B29-F687-4f45-9708-019B960494DF}">
-                <a14:hiddenLine xmlns="" xmlns:a16="http://schemas.microsoft.com/office/drawing/2014/main" xmlns:p14="http://schemas.microsoft.com/office/powerpoint/2010/main" xmlns:a14="http://schemas.microsoft.com/office/drawing/2010/main" w="9525">
+                <a14:hiddenLine xmlns:a14="http://schemas.microsoft.com/office/drawing/2010/main" xmlns:p14="http://schemas.microsoft.com/office/powerpoint/2010/main" xmlns:a16="http://schemas.microsoft.com/office/drawing/2014/main" xmlns="" w="9525">
                   <a:solidFill>
                     <a:srgbClr val="000000"/>
                   </a:solidFill>
@@ -22552,7 +22552,7 @@
             </a:ln>
             <a:extLst>
               <a:ext uri="{91240B29-F687-4f45-9708-019B960494DF}">
-                <a14:hiddenLine xmlns="" xmlns:a16="http://schemas.microsoft.com/office/drawing/2014/main" xmlns:p14="http://schemas.microsoft.com/office/powerpoint/2010/main" xmlns:a14="http://schemas.microsoft.com/office/drawing/2010/main" w="9525">
+                <a14:hiddenLine xmlns:a14="http://schemas.microsoft.com/office/drawing/2010/main" xmlns:p14="http://schemas.microsoft.com/office/powerpoint/2010/main" xmlns:a16="http://schemas.microsoft.com/office/drawing/2014/main" xmlns="" w="9525">
                   <a:solidFill>
                     <a:srgbClr val="000000"/>
                   </a:solidFill>
@@ -22657,7 +22657,7 @@
             </a:ln>
             <a:extLst>
               <a:ext uri="{91240B29-F687-4f45-9708-019B960494DF}">
-                <a14:hiddenLine xmlns="" xmlns:a16="http://schemas.microsoft.com/office/drawing/2014/main" xmlns:p14="http://schemas.microsoft.com/office/powerpoint/2010/main" xmlns:a14="http://schemas.microsoft.com/office/drawing/2010/main" w="9525">
+                <a14:hiddenLine xmlns:a14="http://schemas.microsoft.com/office/drawing/2010/main" xmlns:p14="http://schemas.microsoft.com/office/powerpoint/2010/main" xmlns:a16="http://schemas.microsoft.com/office/drawing/2014/main" xmlns="" w="9525">
                   <a:solidFill>
                     <a:srgbClr val="000000"/>
                   </a:solidFill>
@@ -22706,7 +22706,7 @@
             </a:ln>
             <a:extLst>
               <a:ext uri="{91240B29-F687-4f45-9708-019B960494DF}">
-                <a14:hiddenLine xmlns="" xmlns:a16="http://schemas.microsoft.com/office/drawing/2014/main" xmlns:p14="http://schemas.microsoft.com/office/powerpoint/2010/main" xmlns:a14="http://schemas.microsoft.com/office/drawing/2010/main" w="9525">
+                <a14:hiddenLine xmlns:a14="http://schemas.microsoft.com/office/drawing/2010/main" xmlns:p14="http://schemas.microsoft.com/office/powerpoint/2010/main" xmlns:a16="http://schemas.microsoft.com/office/drawing/2014/main" xmlns="" w="9525">
                   <a:solidFill>
                     <a:srgbClr val="000000"/>
                   </a:solidFill>
@@ -22786,7 +22786,7 @@
             </a:ln>
             <a:extLst>
               <a:ext uri="{91240B29-F687-4f45-9708-019B960494DF}">
-                <a14:hiddenLine xmlns="" xmlns:a16="http://schemas.microsoft.com/office/drawing/2014/main" xmlns:p14="http://schemas.microsoft.com/office/powerpoint/2010/main" xmlns:a14="http://schemas.microsoft.com/office/drawing/2010/main" w="9525">
+                <a14:hiddenLine xmlns:a14="http://schemas.microsoft.com/office/drawing/2010/main" xmlns:p14="http://schemas.microsoft.com/office/powerpoint/2010/main" xmlns:a16="http://schemas.microsoft.com/office/drawing/2014/main" xmlns="" w="9525">
                   <a:solidFill>
                     <a:srgbClr val="000000"/>
                   </a:solidFill>
@@ -22891,7 +22891,7 @@
             </a:ln>
             <a:extLst>
               <a:ext uri="{91240B29-F687-4f45-9708-019B960494DF}">
-                <a14:hiddenLine xmlns="" xmlns:a16="http://schemas.microsoft.com/office/drawing/2014/main" xmlns:p14="http://schemas.microsoft.com/office/powerpoint/2010/main" xmlns:a14="http://schemas.microsoft.com/office/drawing/2010/main" w="9525">
+                <a14:hiddenLine xmlns:a14="http://schemas.microsoft.com/office/drawing/2010/main" xmlns:p14="http://schemas.microsoft.com/office/powerpoint/2010/main" xmlns:a16="http://schemas.microsoft.com/office/drawing/2014/main" xmlns="" w="9525">
                   <a:solidFill>
                     <a:srgbClr val="000000"/>
                   </a:solidFill>
@@ -22968,7 +22968,7 @@
             </a:ln>
             <a:extLst>
               <a:ext uri="{91240B29-F687-4f45-9708-019B960494DF}">
-                <a14:hiddenLine xmlns="" xmlns:a16="http://schemas.microsoft.com/office/drawing/2014/main" xmlns:p14="http://schemas.microsoft.com/office/powerpoint/2010/main" xmlns:a14="http://schemas.microsoft.com/office/drawing/2010/main" w="9525">
+                <a14:hiddenLine xmlns:a14="http://schemas.microsoft.com/office/drawing/2010/main" xmlns:p14="http://schemas.microsoft.com/office/powerpoint/2010/main" xmlns:a16="http://schemas.microsoft.com/office/drawing/2014/main" xmlns="" w="9525">
                   <a:solidFill>
                     <a:srgbClr val="000000"/>
                   </a:solidFill>
@@ -23073,7 +23073,7 @@
             </a:ln>
             <a:extLst>
               <a:ext uri="{91240B29-F687-4f45-9708-019B960494DF}">
-                <a14:hiddenLine xmlns="" xmlns:a16="http://schemas.microsoft.com/office/drawing/2014/main" xmlns:p14="http://schemas.microsoft.com/office/powerpoint/2010/main" xmlns:a14="http://schemas.microsoft.com/office/drawing/2010/main" w="9525">
+                <a14:hiddenLine xmlns:a14="http://schemas.microsoft.com/office/drawing/2010/main" xmlns:p14="http://schemas.microsoft.com/office/powerpoint/2010/main" xmlns:a16="http://schemas.microsoft.com/office/drawing/2014/main" xmlns="" w="9525">
                   <a:solidFill>
                     <a:srgbClr val="000000"/>
                   </a:solidFill>
@@ -23153,7 +23153,7 @@
             </a:ln>
             <a:extLst>
               <a:ext uri="{91240B29-F687-4f45-9708-019B960494DF}">
-                <a14:hiddenLine xmlns="" xmlns:a16="http://schemas.microsoft.com/office/drawing/2014/main" xmlns:p14="http://schemas.microsoft.com/office/powerpoint/2010/main" xmlns:a14="http://schemas.microsoft.com/office/drawing/2010/main" w="9525">
+                <a14:hiddenLine xmlns:a14="http://schemas.microsoft.com/office/drawing/2010/main" xmlns:p14="http://schemas.microsoft.com/office/powerpoint/2010/main" xmlns:a16="http://schemas.microsoft.com/office/drawing/2014/main" xmlns="" w="9525">
                   <a:solidFill>
                     <a:srgbClr val="000000"/>
                   </a:solidFill>
@@ -23230,7 +23230,7 @@
             </a:ln>
             <a:extLst>
               <a:ext uri="{91240B29-F687-4f45-9708-019B960494DF}">
-                <a14:hiddenLine xmlns="" xmlns:a16="http://schemas.microsoft.com/office/drawing/2014/main" xmlns:p14="http://schemas.microsoft.com/office/powerpoint/2010/main" xmlns:a14="http://schemas.microsoft.com/office/drawing/2010/main" w="9525">
+                <a14:hiddenLine xmlns:a14="http://schemas.microsoft.com/office/drawing/2010/main" xmlns:p14="http://schemas.microsoft.com/office/powerpoint/2010/main" xmlns:a16="http://schemas.microsoft.com/office/drawing/2014/main" xmlns="" w="9525">
                   <a:solidFill>
                     <a:srgbClr val="000000"/>
                   </a:solidFill>
@@ -23335,7 +23335,7 @@
             </a:ln>
             <a:extLst>
               <a:ext uri="{91240B29-F687-4f45-9708-019B960494DF}">
-                <a14:hiddenLine xmlns="" xmlns:a16="http://schemas.microsoft.com/office/drawing/2014/main" xmlns:p14="http://schemas.microsoft.com/office/powerpoint/2010/main" xmlns:a14="http://schemas.microsoft.com/office/drawing/2010/main" w="9525">
+                <a14:hiddenLine xmlns:a14="http://schemas.microsoft.com/office/drawing/2010/main" xmlns:p14="http://schemas.microsoft.com/office/powerpoint/2010/main" xmlns:a16="http://schemas.microsoft.com/office/drawing/2014/main" xmlns="" w="9525">
                   <a:solidFill>
                     <a:srgbClr val="000000"/>
                   </a:solidFill>
@@ -23440,7 +23440,7 @@
             </a:ln>
             <a:extLst>
               <a:ext uri="{91240B29-F687-4f45-9708-019B960494DF}">
-                <a14:hiddenLine xmlns="" xmlns:a16="http://schemas.microsoft.com/office/drawing/2014/main" xmlns:p14="http://schemas.microsoft.com/office/powerpoint/2010/main" xmlns:a14="http://schemas.microsoft.com/office/drawing/2010/main" w="9525">
+                <a14:hiddenLine xmlns:a14="http://schemas.microsoft.com/office/drawing/2010/main" xmlns:p14="http://schemas.microsoft.com/office/powerpoint/2010/main" xmlns:a16="http://schemas.microsoft.com/office/drawing/2014/main" xmlns="" w="9525">
                   <a:solidFill>
                     <a:srgbClr val="000000"/>
                   </a:solidFill>
@@ -23520,7 +23520,7 @@
             </a:ln>
             <a:extLst>
               <a:ext uri="{91240B29-F687-4f45-9708-019B960494DF}">
-                <a14:hiddenLine xmlns="" xmlns:a16="http://schemas.microsoft.com/office/drawing/2014/main" xmlns:p14="http://schemas.microsoft.com/office/powerpoint/2010/main" xmlns:a14="http://schemas.microsoft.com/office/drawing/2010/main" w="9525">
+                <a14:hiddenLine xmlns:a14="http://schemas.microsoft.com/office/drawing/2010/main" xmlns:p14="http://schemas.microsoft.com/office/powerpoint/2010/main" xmlns:a16="http://schemas.microsoft.com/office/drawing/2014/main" xmlns="" w="9525">
                   <a:solidFill>
                     <a:srgbClr val="000000"/>
                   </a:solidFill>
@@ -23655,7 +23655,7 @@
             </a:ln>
             <a:extLst>
               <a:ext uri="{91240B29-F687-4f45-9708-019B960494DF}">
-                <a14:hiddenLine xmlns="" xmlns:a16="http://schemas.microsoft.com/office/drawing/2014/main" xmlns:p14="http://schemas.microsoft.com/office/powerpoint/2010/main" xmlns:a14="http://schemas.microsoft.com/office/drawing/2010/main" w="9525">
+                <a14:hiddenLine xmlns:a14="http://schemas.microsoft.com/office/drawing/2010/main" xmlns:p14="http://schemas.microsoft.com/office/powerpoint/2010/main" xmlns:a16="http://schemas.microsoft.com/office/drawing/2014/main" xmlns="" w="9525">
                   <a:solidFill>
                     <a:srgbClr val="000000"/>
                   </a:solidFill>
@@ -24322,7 +24322,7 @@
             </a:ln>
             <a:extLst>
               <a:ext uri="{91240B29-F687-4f45-9708-019B960494DF}">
-                <a14:hiddenLine xmlns="" xmlns:a16="http://schemas.microsoft.com/office/drawing/2014/main" xmlns:p14="http://schemas.microsoft.com/office/powerpoint/2010/main" xmlns:a14="http://schemas.microsoft.com/office/drawing/2010/main" w="9525">
+                <a14:hiddenLine xmlns:a14="http://schemas.microsoft.com/office/drawing/2010/main" xmlns:p14="http://schemas.microsoft.com/office/powerpoint/2010/main" xmlns:a16="http://schemas.microsoft.com/office/drawing/2014/main" xmlns="" w="9525">
                   <a:solidFill>
                     <a:srgbClr val="000000"/>
                   </a:solidFill>
@@ -24427,7 +24427,7 @@
             </a:ln>
             <a:extLst>
               <a:ext uri="{91240B29-F687-4f45-9708-019B960494DF}">
-                <a14:hiddenLine xmlns="" xmlns:a16="http://schemas.microsoft.com/office/drawing/2014/main" xmlns:p14="http://schemas.microsoft.com/office/powerpoint/2010/main" xmlns:a14="http://schemas.microsoft.com/office/drawing/2010/main" w="9525">
+                <a14:hiddenLine xmlns:a14="http://schemas.microsoft.com/office/drawing/2010/main" xmlns:p14="http://schemas.microsoft.com/office/powerpoint/2010/main" xmlns:a16="http://schemas.microsoft.com/office/drawing/2014/main" xmlns="" w="9525">
                   <a:solidFill>
                     <a:srgbClr val="000000"/>
                   </a:solidFill>
@@ -24532,7 +24532,7 @@
             </a:ln>
             <a:extLst>
               <a:ext uri="{91240B29-F687-4f45-9708-019B960494DF}">
-                <a14:hiddenLine xmlns="" xmlns:a16="http://schemas.microsoft.com/office/drawing/2014/main" xmlns:p14="http://schemas.microsoft.com/office/powerpoint/2010/main" xmlns:a14="http://schemas.microsoft.com/office/drawing/2010/main" w="9525">
+                <a14:hiddenLine xmlns:a14="http://schemas.microsoft.com/office/drawing/2010/main" xmlns:p14="http://schemas.microsoft.com/office/powerpoint/2010/main" xmlns:a16="http://schemas.microsoft.com/office/drawing/2014/main" xmlns="" w="9525">
                   <a:solidFill>
                     <a:srgbClr val="000000"/>
                   </a:solidFill>
@@ -24609,7 +24609,7 @@
             </a:ln>
             <a:extLst>
               <a:ext uri="{91240B29-F687-4f45-9708-019B960494DF}">
-                <a14:hiddenLine xmlns="" xmlns:a16="http://schemas.microsoft.com/office/drawing/2014/main" xmlns:p14="http://schemas.microsoft.com/office/powerpoint/2010/main" xmlns:a14="http://schemas.microsoft.com/office/drawing/2010/main" w="9525">
+                <a14:hiddenLine xmlns:a14="http://schemas.microsoft.com/office/drawing/2010/main" xmlns:p14="http://schemas.microsoft.com/office/powerpoint/2010/main" xmlns:a16="http://schemas.microsoft.com/office/drawing/2014/main" xmlns="" w="9525">
                   <a:solidFill>
                     <a:srgbClr val="000000"/>
                   </a:solidFill>
@@ -24714,7 +24714,7 @@
             </a:ln>
             <a:extLst>
               <a:ext uri="{91240B29-F687-4f45-9708-019B960494DF}">
-                <a14:hiddenLine xmlns="" xmlns:a16="http://schemas.microsoft.com/office/drawing/2014/main" xmlns:p14="http://schemas.microsoft.com/office/powerpoint/2010/main" xmlns:a14="http://schemas.microsoft.com/office/drawing/2010/main" w="9525">
+                <a14:hiddenLine xmlns:a14="http://schemas.microsoft.com/office/drawing/2010/main" xmlns:p14="http://schemas.microsoft.com/office/powerpoint/2010/main" xmlns:a16="http://schemas.microsoft.com/office/drawing/2014/main" xmlns="" w="9525">
                   <a:solidFill>
                     <a:srgbClr val="000000"/>
                   </a:solidFill>
@@ -24791,7 +24791,7 @@
             </a:ln>
             <a:extLst>
               <a:ext uri="{91240B29-F687-4f45-9708-019B960494DF}">
-                <a14:hiddenLine xmlns="" xmlns:a16="http://schemas.microsoft.com/office/drawing/2014/main" xmlns:p14="http://schemas.microsoft.com/office/powerpoint/2010/main" xmlns:a14="http://schemas.microsoft.com/office/drawing/2010/main" w="9525">
+                <a14:hiddenLine xmlns:a14="http://schemas.microsoft.com/office/drawing/2010/main" xmlns:p14="http://schemas.microsoft.com/office/powerpoint/2010/main" xmlns:a16="http://schemas.microsoft.com/office/drawing/2014/main" xmlns="" w="9525">
                   <a:solidFill>
                     <a:srgbClr val="000000"/>
                   </a:solidFill>
@@ -24868,7 +24868,7 @@
             </a:ln>
             <a:extLst>
               <a:ext uri="{91240B29-F687-4f45-9708-019B960494DF}">
-                <a14:hiddenLine xmlns="" xmlns:a16="http://schemas.microsoft.com/office/drawing/2014/main" xmlns:p14="http://schemas.microsoft.com/office/powerpoint/2010/main" xmlns:a14="http://schemas.microsoft.com/office/drawing/2010/main" w="9525">
+                <a14:hiddenLine xmlns:a14="http://schemas.microsoft.com/office/drawing/2010/main" xmlns:p14="http://schemas.microsoft.com/office/powerpoint/2010/main" xmlns:a16="http://schemas.microsoft.com/office/drawing/2014/main" xmlns="" w="9525">
                   <a:solidFill>
                     <a:srgbClr val="000000"/>
                   </a:solidFill>
@@ -24973,7 +24973,7 @@
             </a:ln>
             <a:extLst>
               <a:ext uri="{91240B29-F687-4f45-9708-019B960494DF}">
-                <a14:hiddenLine xmlns="" xmlns:a16="http://schemas.microsoft.com/office/drawing/2014/main" xmlns:p14="http://schemas.microsoft.com/office/powerpoint/2010/main" xmlns:a14="http://schemas.microsoft.com/office/drawing/2010/main" w="9525">
+                <a14:hiddenLine xmlns:a14="http://schemas.microsoft.com/office/drawing/2010/main" xmlns:p14="http://schemas.microsoft.com/office/powerpoint/2010/main" xmlns:a16="http://schemas.microsoft.com/office/drawing/2014/main" xmlns="" w="9525">
                   <a:solidFill>
                     <a:srgbClr val="000000"/>
                   </a:solidFill>
@@ -25078,7 +25078,7 @@
             </a:ln>
             <a:extLst>
               <a:ext uri="{91240B29-F687-4f45-9708-019B960494DF}">
-                <a14:hiddenLine xmlns="" xmlns:a16="http://schemas.microsoft.com/office/drawing/2014/main" xmlns:p14="http://schemas.microsoft.com/office/powerpoint/2010/main" xmlns:a14="http://schemas.microsoft.com/office/drawing/2010/main" w="9525">
+                <a14:hiddenLine xmlns:a14="http://schemas.microsoft.com/office/drawing/2010/main" xmlns:p14="http://schemas.microsoft.com/office/powerpoint/2010/main" xmlns:a16="http://schemas.microsoft.com/office/drawing/2014/main" xmlns="" w="9525">
                   <a:solidFill>
                     <a:srgbClr val="000000"/>
                   </a:solidFill>
@@ -25155,7 +25155,7 @@
             </a:ln>
             <a:extLst>
               <a:ext uri="{91240B29-F687-4f45-9708-019B960494DF}">
-                <a14:hiddenLine xmlns="" xmlns:a16="http://schemas.microsoft.com/office/drawing/2014/main" xmlns:p14="http://schemas.microsoft.com/office/powerpoint/2010/main" xmlns:a14="http://schemas.microsoft.com/office/drawing/2010/main" w="9525">
+                <a14:hiddenLine xmlns:a14="http://schemas.microsoft.com/office/drawing/2010/main" xmlns:p14="http://schemas.microsoft.com/office/powerpoint/2010/main" xmlns:a16="http://schemas.microsoft.com/office/drawing/2014/main" xmlns="" w="9525">
                   <a:solidFill>
                     <a:srgbClr val="000000"/>
                   </a:solidFill>
@@ -25280,7 +25280,7 @@
             </a:ln>
             <a:extLst>
               <a:ext uri="{91240B29-F687-4f45-9708-019B960494DF}">
-                <a14:hiddenLine xmlns="" xmlns:a16="http://schemas.microsoft.com/office/drawing/2014/main" xmlns:p14="http://schemas.microsoft.com/office/powerpoint/2010/main" xmlns:a14="http://schemas.microsoft.com/office/drawing/2010/main" w="9525">
+                <a14:hiddenLine xmlns:a14="http://schemas.microsoft.com/office/drawing/2010/main" xmlns:p14="http://schemas.microsoft.com/office/powerpoint/2010/main" xmlns:a16="http://schemas.microsoft.com/office/drawing/2014/main" xmlns="" w="9525">
                   <a:solidFill>
                     <a:srgbClr val="000000"/>
                   </a:solidFill>
@@ -25394,7 +25394,7 @@
             </a:ln>
             <a:extLst>
               <a:ext uri="{91240B29-F687-4f45-9708-019B960494DF}">
-                <a14:hiddenLine xmlns="" xmlns:a16="http://schemas.microsoft.com/office/drawing/2014/main" xmlns:p14="http://schemas.microsoft.com/office/powerpoint/2010/main" xmlns:a14="http://schemas.microsoft.com/office/drawing/2010/main" w="9525">
+                <a14:hiddenLine xmlns:a14="http://schemas.microsoft.com/office/drawing/2010/main" xmlns:p14="http://schemas.microsoft.com/office/powerpoint/2010/main" xmlns:a16="http://schemas.microsoft.com/office/drawing/2014/main" xmlns="" w="9525">
                   <a:solidFill>
                     <a:srgbClr val="000000"/>
                   </a:solidFill>
@@ -25471,7 +25471,7 @@
             </a:ln>
             <a:extLst>
               <a:ext uri="{91240B29-F687-4f45-9708-019B960494DF}">
-                <a14:hiddenLine xmlns="" xmlns:a16="http://schemas.microsoft.com/office/drawing/2014/main" xmlns:p14="http://schemas.microsoft.com/office/powerpoint/2010/main" xmlns:a14="http://schemas.microsoft.com/office/drawing/2010/main" w="9525">
+                <a14:hiddenLine xmlns:a14="http://schemas.microsoft.com/office/drawing/2010/main" xmlns:p14="http://schemas.microsoft.com/office/powerpoint/2010/main" xmlns:a16="http://schemas.microsoft.com/office/drawing/2014/main" xmlns="" w="9525">
                   <a:solidFill>
                     <a:srgbClr val="000000"/>
                   </a:solidFill>
@@ -25548,7 +25548,7 @@
             </a:ln>
             <a:extLst>
               <a:ext uri="{91240B29-F687-4f45-9708-019B960494DF}">
-                <a14:hiddenLine xmlns="" xmlns:a16="http://schemas.microsoft.com/office/drawing/2014/main" xmlns:p14="http://schemas.microsoft.com/office/powerpoint/2010/main" xmlns:a14="http://schemas.microsoft.com/office/drawing/2010/main" w="9525">
+                <a14:hiddenLine xmlns:a14="http://schemas.microsoft.com/office/drawing/2010/main" xmlns:p14="http://schemas.microsoft.com/office/powerpoint/2010/main" xmlns:a16="http://schemas.microsoft.com/office/drawing/2014/main" xmlns="" w="9525">
                   <a:solidFill>
                     <a:srgbClr val="000000"/>
                   </a:solidFill>
@@ -25653,7 +25653,7 @@
             </a:ln>
             <a:extLst>
               <a:ext uri="{91240B29-F687-4f45-9708-019B960494DF}">
-                <a14:hiddenLine xmlns="" xmlns:a16="http://schemas.microsoft.com/office/drawing/2014/main" xmlns:p14="http://schemas.microsoft.com/office/powerpoint/2010/main" xmlns:a14="http://schemas.microsoft.com/office/drawing/2010/main" w="9525">
+                <a14:hiddenLine xmlns:a14="http://schemas.microsoft.com/office/drawing/2010/main" xmlns:p14="http://schemas.microsoft.com/office/powerpoint/2010/main" xmlns:a16="http://schemas.microsoft.com/office/drawing/2014/main" xmlns="" w="9525">
                   <a:solidFill>
                     <a:srgbClr val="000000"/>
                   </a:solidFill>
@@ -25702,7 +25702,7 @@
             </a:ln>
             <a:extLst>
               <a:ext uri="{91240B29-F687-4f45-9708-019B960494DF}">
-                <a14:hiddenLine xmlns="" xmlns:a16="http://schemas.microsoft.com/office/drawing/2014/main" xmlns:p14="http://schemas.microsoft.com/office/powerpoint/2010/main" xmlns:a14="http://schemas.microsoft.com/office/drawing/2010/main" w="9525">
+                <a14:hiddenLine xmlns:a14="http://schemas.microsoft.com/office/drawing/2010/main" xmlns:p14="http://schemas.microsoft.com/office/powerpoint/2010/main" xmlns:a16="http://schemas.microsoft.com/office/drawing/2014/main" xmlns="" w="9525">
                   <a:solidFill>
                     <a:srgbClr val="000000"/>
                   </a:solidFill>
@@ -25782,7 +25782,7 @@
             </a:ln>
             <a:extLst>
               <a:ext uri="{91240B29-F687-4f45-9708-019B960494DF}">
-                <a14:hiddenLine xmlns="" xmlns:a16="http://schemas.microsoft.com/office/drawing/2014/main" xmlns:p14="http://schemas.microsoft.com/office/powerpoint/2010/main" xmlns:a14="http://schemas.microsoft.com/office/drawing/2010/main" w="9525">
+                <a14:hiddenLine xmlns:a14="http://schemas.microsoft.com/office/drawing/2010/main" xmlns:p14="http://schemas.microsoft.com/office/powerpoint/2010/main" xmlns:a16="http://schemas.microsoft.com/office/drawing/2014/main" xmlns="" w="9525">
                   <a:solidFill>
                     <a:srgbClr val="000000"/>
                   </a:solidFill>
@@ -25887,7 +25887,7 @@
             </a:ln>
             <a:extLst>
               <a:ext uri="{91240B29-F687-4f45-9708-019B960494DF}">
-                <a14:hiddenLine xmlns="" xmlns:a16="http://schemas.microsoft.com/office/drawing/2014/main" xmlns:p14="http://schemas.microsoft.com/office/powerpoint/2010/main" xmlns:a14="http://schemas.microsoft.com/office/drawing/2010/main" w="9525">
+                <a14:hiddenLine xmlns:a14="http://schemas.microsoft.com/office/drawing/2010/main" xmlns:p14="http://schemas.microsoft.com/office/powerpoint/2010/main" xmlns:a16="http://schemas.microsoft.com/office/drawing/2014/main" xmlns="" w="9525">
                   <a:solidFill>
                     <a:srgbClr val="000000"/>
                   </a:solidFill>
@@ -25964,7 +25964,7 @@
             </a:ln>
             <a:extLst>
               <a:ext uri="{91240B29-F687-4f45-9708-019B960494DF}">
-                <a14:hiddenLine xmlns="" xmlns:a16="http://schemas.microsoft.com/office/drawing/2014/main" xmlns:p14="http://schemas.microsoft.com/office/powerpoint/2010/main" xmlns:a14="http://schemas.microsoft.com/office/drawing/2010/main" w="9525">
+                <a14:hiddenLine xmlns:a14="http://schemas.microsoft.com/office/drawing/2010/main" xmlns:p14="http://schemas.microsoft.com/office/powerpoint/2010/main" xmlns:a16="http://schemas.microsoft.com/office/drawing/2014/main" xmlns="" w="9525">
                   <a:solidFill>
                     <a:srgbClr val="000000"/>
                   </a:solidFill>
@@ -26069,7 +26069,7 @@
             </a:ln>
             <a:extLst>
               <a:ext uri="{91240B29-F687-4f45-9708-019B960494DF}">
-                <a14:hiddenLine xmlns="" xmlns:a16="http://schemas.microsoft.com/office/drawing/2014/main" xmlns:p14="http://schemas.microsoft.com/office/powerpoint/2010/main" xmlns:a14="http://schemas.microsoft.com/office/drawing/2010/main" w="9525">
+                <a14:hiddenLine xmlns:a14="http://schemas.microsoft.com/office/drawing/2010/main" xmlns:p14="http://schemas.microsoft.com/office/powerpoint/2010/main" xmlns:a16="http://schemas.microsoft.com/office/drawing/2014/main" xmlns="" w="9525">
                   <a:solidFill>
                     <a:srgbClr val="000000"/>
                   </a:solidFill>
@@ -26149,7 +26149,7 @@
             </a:ln>
             <a:extLst>
               <a:ext uri="{91240B29-F687-4f45-9708-019B960494DF}">
-                <a14:hiddenLine xmlns="" xmlns:a16="http://schemas.microsoft.com/office/drawing/2014/main" xmlns:p14="http://schemas.microsoft.com/office/powerpoint/2010/main" xmlns:a14="http://schemas.microsoft.com/office/drawing/2010/main" w="9525">
+                <a14:hiddenLine xmlns:a14="http://schemas.microsoft.com/office/drawing/2010/main" xmlns:p14="http://schemas.microsoft.com/office/powerpoint/2010/main" xmlns:a16="http://schemas.microsoft.com/office/drawing/2014/main" xmlns="" w="9525">
                   <a:solidFill>
                     <a:srgbClr val="000000"/>
                   </a:solidFill>
@@ -26226,7 +26226,7 @@
             </a:ln>
             <a:extLst>
               <a:ext uri="{91240B29-F687-4f45-9708-019B960494DF}">
-                <a14:hiddenLine xmlns="" xmlns:a16="http://schemas.microsoft.com/office/drawing/2014/main" xmlns:p14="http://schemas.microsoft.com/office/powerpoint/2010/main" xmlns:a14="http://schemas.microsoft.com/office/drawing/2010/main" w="9525">
+                <a14:hiddenLine xmlns:a14="http://schemas.microsoft.com/office/drawing/2010/main" xmlns:p14="http://schemas.microsoft.com/office/powerpoint/2010/main" xmlns:a16="http://schemas.microsoft.com/office/drawing/2014/main" xmlns="" w="9525">
                   <a:solidFill>
                     <a:srgbClr val="000000"/>
                   </a:solidFill>
@@ -26331,7 +26331,7 @@
             </a:ln>
             <a:extLst>
               <a:ext uri="{91240B29-F687-4f45-9708-019B960494DF}">
-                <a14:hiddenLine xmlns="" xmlns:a16="http://schemas.microsoft.com/office/drawing/2014/main" xmlns:p14="http://schemas.microsoft.com/office/powerpoint/2010/main" xmlns:a14="http://schemas.microsoft.com/office/drawing/2010/main" w="9525">
+                <a14:hiddenLine xmlns:a14="http://schemas.microsoft.com/office/drawing/2010/main" xmlns:p14="http://schemas.microsoft.com/office/powerpoint/2010/main" xmlns:a16="http://schemas.microsoft.com/office/drawing/2014/main" xmlns="" w="9525">
                   <a:solidFill>
                     <a:srgbClr val="000000"/>
                   </a:solidFill>
@@ -26436,7 +26436,7 @@
             </a:ln>
             <a:extLst>
               <a:ext uri="{91240B29-F687-4f45-9708-019B960494DF}">
-                <a14:hiddenLine xmlns="" xmlns:a16="http://schemas.microsoft.com/office/drawing/2014/main" xmlns:p14="http://schemas.microsoft.com/office/powerpoint/2010/main" xmlns:a14="http://schemas.microsoft.com/office/drawing/2010/main" w="9525">
+                <a14:hiddenLine xmlns:a14="http://schemas.microsoft.com/office/drawing/2010/main" xmlns:p14="http://schemas.microsoft.com/office/powerpoint/2010/main" xmlns:a16="http://schemas.microsoft.com/office/drawing/2014/main" xmlns="" w="9525">
                   <a:solidFill>
                     <a:srgbClr val="000000"/>
                   </a:solidFill>
@@ -26516,7 +26516,7 @@
             </a:ln>
             <a:extLst>
               <a:ext uri="{91240B29-F687-4f45-9708-019B960494DF}">
-                <a14:hiddenLine xmlns="" xmlns:a16="http://schemas.microsoft.com/office/drawing/2014/main" xmlns:p14="http://schemas.microsoft.com/office/powerpoint/2010/main" xmlns:a14="http://schemas.microsoft.com/office/drawing/2010/main" w="9525">
+                <a14:hiddenLine xmlns:a14="http://schemas.microsoft.com/office/drawing/2010/main" xmlns:p14="http://schemas.microsoft.com/office/powerpoint/2010/main" xmlns:a16="http://schemas.microsoft.com/office/drawing/2014/main" xmlns="" w="9525">
                   <a:solidFill>
                     <a:srgbClr val="000000"/>
                   </a:solidFill>
@@ -26651,7 +26651,7 @@
             </a:ln>
             <a:extLst>
               <a:ext uri="{91240B29-F687-4f45-9708-019B960494DF}">
-                <a14:hiddenLine xmlns="" xmlns:a16="http://schemas.microsoft.com/office/drawing/2014/main" xmlns:p14="http://schemas.microsoft.com/office/powerpoint/2010/main" xmlns:a14="http://schemas.microsoft.com/office/drawing/2010/main" w="9525">
+                <a14:hiddenLine xmlns:a14="http://schemas.microsoft.com/office/drawing/2010/main" xmlns:p14="http://schemas.microsoft.com/office/powerpoint/2010/main" xmlns:a16="http://schemas.microsoft.com/office/drawing/2014/main" xmlns="" w="9525">
                   <a:solidFill>
                     <a:srgbClr val="000000"/>
                   </a:solidFill>
@@ -27439,140 +27439,6 @@
       </p:grpSpPr>
       <p:sp>
         <p:nvSpPr>
-          <p:cNvPr id="12" name="CasellaDiTesto 11">
-            <a:extLst>
-              <a:ext uri="{FF2B5EF4-FFF2-40B4-BE49-F238E27FC236}">
-                <a16:creationId xmlns:a16="http://schemas.microsoft.com/office/drawing/2014/main" id="{9749643E-826E-4756-99F0-332D9769AFC9}"/>
-              </a:ext>
-            </a:extLst>
-          </p:cNvPr>
-          <p:cNvSpPr txBox="1"/>
-          <p:nvPr/>
-        </p:nvSpPr>
-        <p:spPr>
-          <a:xfrm>
-            <a:off x="1713390" y="2263806"/>
-            <a:ext cx="310719" cy="923330"/>
-          </a:xfrm>
-          <a:prstGeom prst="rect">
-            <a:avLst/>
-          </a:prstGeom>
-          <a:noFill/>
-        </p:spPr>
-        <p:txBody>
-          <a:bodyPr wrap="square" rtlCol="0">
-            <a:spAutoFit/>
-          </a:bodyPr>
-          <a:lstStyle/>
-          <a:p>
-            <a:endParaRPr lang="it-IT" dirty="0">
-              <a:solidFill>
-                <a:schemeClr val="bg1"/>
-              </a:solidFill>
-            </a:endParaRPr>
-          </a:p>
-          <a:p>
-            <a:endParaRPr lang="it-IT" dirty="0">
-              <a:solidFill>
-                <a:schemeClr val="bg1"/>
-              </a:solidFill>
-            </a:endParaRPr>
-          </a:p>
-          <a:p>
-            <a:endParaRPr lang="it-IT" dirty="0">
-              <a:solidFill>
-                <a:schemeClr val="bg1"/>
-              </a:solidFill>
-            </a:endParaRPr>
-          </a:p>
-        </p:txBody>
-      </p:sp>
-      <p:sp>
-        <p:nvSpPr>
-          <p:cNvPr id="15" name="CasellaDiTesto 14">
-            <a:extLst>
-              <a:ext uri="{FF2B5EF4-FFF2-40B4-BE49-F238E27FC236}">
-                <a16:creationId xmlns:a16="http://schemas.microsoft.com/office/drawing/2014/main" id="{D1D69F88-3367-4FB4-B40A-BDC70A50780A}"/>
-              </a:ext>
-            </a:extLst>
-          </p:cNvPr>
-          <p:cNvSpPr txBox="1"/>
-          <p:nvPr/>
-        </p:nvSpPr>
-        <p:spPr>
-          <a:xfrm>
-            <a:off x="685801" y="1790700"/>
-            <a:ext cx="396444" cy="923330"/>
-          </a:xfrm>
-          <a:prstGeom prst="rect">
-            <a:avLst/>
-          </a:prstGeom>
-          <a:noFill/>
-        </p:spPr>
-        <p:txBody>
-          <a:bodyPr wrap="square" rtlCol="0">
-            <a:spAutoFit/>
-          </a:bodyPr>
-          <a:lstStyle/>
-          <a:p>
-            <a:endParaRPr lang="it-IT" dirty="0">
-              <a:solidFill>
-                <a:schemeClr val="bg1"/>
-              </a:solidFill>
-            </a:endParaRPr>
-          </a:p>
-          <a:p>
-            <a:endParaRPr lang="it-IT" dirty="0">
-              <a:solidFill>
-                <a:schemeClr val="bg1"/>
-              </a:solidFill>
-            </a:endParaRPr>
-          </a:p>
-          <a:p>
-            <a:endParaRPr lang="it-IT" dirty="0">
-              <a:solidFill>
-                <a:schemeClr val="bg1"/>
-              </a:solidFill>
-            </a:endParaRPr>
-          </a:p>
-        </p:txBody>
-      </p:sp>
-      <p:pic>
-        <p:nvPicPr>
-          <p:cNvPr id="19" name="Segnaposto contenuto 18" descr="Immagine che contiene testo, metro da misura&#10;&#10;Descrizione generata automaticamente">
-            <a:extLst>
-              <a:ext uri="{FF2B5EF4-FFF2-40B4-BE49-F238E27FC236}">
-                <a16:creationId xmlns:a16="http://schemas.microsoft.com/office/drawing/2014/main" id="{83158DCB-FD50-4906-9B6D-8BE4D7581F09}"/>
-              </a:ext>
-            </a:extLst>
-          </p:cNvPr>
-          <p:cNvPicPr>
-            <a:picLocks noGrp="1" noChangeAspect="1"/>
-          </p:cNvPicPr>
-          <p:nvPr>
-            <p:ph idx="1"/>
-          </p:nvPr>
-        </p:nvPicPr>
-        <p:blipFill rotWithShape="1">
-          <a:blip r:embed="rId2">
-            <a:extLst>
-              <a:ext uri="{28A0092B-C50C-407E-A947-70E740481C1C}">
-                <a14:useLocalDpi xmlns:a14="http://schemas.microsoft.com/office/drawing/2010/main" val="0"/>
-              </a:ext>
-            </a:extLst>
-          </a:blip>
-          <a:srcRect t="18387" b="32138"/>
-          <a:stretch/>
-        </p:blipFill>
-        <p:spPr>
-          <a:xfrm>
-            <a:off x="1644566" y="2074785"/>
-            <a:ext cx="8902868" cy="3291185"/>
-          </a:xfrm>
-        </p:spPr>
-      </p:pic>
-      <p:sp>
-        <p:nvSpPr>
           <p:cNvPr id="20" name="CasellaDiTesto 19">
             <a:extLst>
               <a:ext uri="{FF2B5EF4-FFF2-40B4-BE49-F238E27FC236}">
@@ -27619,6 +27485,410 @@
           </a:p>
         </p:txBody>
       </p:sp>
+      <p:pic>
+        <p:nvPicPr>
+          <p:cNvPr id="3" name="Picture 2" descr="A picture containing table&#10;&#10;Description automatically generated">
+            <a:extLst>
+              <a:ext uri="{FF2B5EF4-FFF2-40B4-BE49-F238E27FC236}">
+                <a16:creationId xmlns:a16="http://schemas.microsoft.com/office/drawing/2014/main" id="{0EF3CB58-639F-48DD-BBC2-0B3CFF16363E}"/>
+              </a:ext>
+            </a:extLst>
+          </p:cNvPr>
+          <p:cNvPicPr>
+            <a:picLocks noChangeAspect="1"/>
+          </p:cNvPicPr>
+          <p:nvPr/>
+        </p:nvPicPr>
+        <p:blipFill>
+          <a:blip r:embed="rId2">
+            <a:extLst>
+              <a:ext uri="{28A0092B-C50C-407E-A947-70E740481C1C}">
+                <a14:useLocalDpi xmlns:a14="http://schemas.microsoft.com/office/drawing/2010/main" val="0"/>
+              </a:ext>
+            </a:extLst>
+          </a:blip>
+          <a:stretch>
+            <a:fillRect/>
+          </a:stretch>
+        </p:blipFill>
+        <p:spPr>
+          <a:xfrm>
+            <a:off x="2276475" y="2074785"/>
+            <a:ext cx="8724900" cy="3286125"/>
+          </a:xfrm>
+          <a:prstGeom prst="rect">
+            <a:avLst/>
+          </a:prstGeom>
+        </p:spPr>
+      </p:pic>
+      <p:sp>
+        <p:nvSpPr>
+          <p:cNvPr id="9" name="TextBox 8">
+            <a:extLst>
+              <a:ext uri="{FF2B5EF4-FFF2-40B4-BE49-F238E27FC236}">
+                <a16:creationId xmlns:a16="http://schemas.microsoft.com/office/drawing/2014/main" id="{5FFD3D74-00FA-4BFD-B1E9-2397D04AC31C}"/>
+              </a:ext>
+            </a:extLst>
+          </p:cNvPr>
+          <p:cNvSpPr txBox="1"/>
+          <p:nvPr/>
+        </p:nvSpPr>
+        <p:spPr>
+          <a:xfrm>
+            <a:off x="947093" y="2359284"/>
+            <a:ext cx="1546757" cy="369332"/>
+          </a:xfrm>
+          <a:prstGeom prst="rect">
+            <a:avLst/>
+          </a:prstGeom>
+          <a:noFill/>
+        </p:spPr>
+        <p:txBody>
+          <a:bodyPr wrap="square">
+            <a:spAutoFit/>
+          </a:bodyPr>
+          <a:lstStyle/>
+          <a:p>
+            <a:r>
+              <a:rPr lang="it-IT" dirty="0" err="1"/>
+              <a:t>BTNUpdate</a:t>
+            </a:r>
+            <a:endParaRPr lang="it-IT" dirty="0"/>
+          </a:p>
+        </p:txBody>
+      </p:sp>
+      <p:sp>
+        <p:nvSpPr>
+          <p:cNvPr id="16" name="TextBox 15">
+            <a:extLst>
+              <a:ext uri="{FF2B5EF4-FFF2-40B4-BE49-F238E27FC236}">
+                <a16:creationId xmlns:a16="http://schemas.microsoft.com/office/drawing/2014/main" id="{C069060A-1882-4972-9F02-DF00B839A6C9}"/>
+              </a:ext>
+            </a:extLst>
+          </p:cNvPr>
+          <p:cNvSpPr txBox="1"/>
+          <p:nvPr/>
+        </p:nvSpPr>
+        <p:spPr>
+          <a:xfrm>
+            <a:off x="931648" y="2757567"/>
+            <a:ext cx="6103620" cy="369332"/>
+          </a:xfrm>
+          <a:prstGeom prst="rect">
+            <a:avLst/>
+          </a:prstGeom>
+          <a:noFill/>
+        </p:spPr>
+        <p:txBody>
+          <a:bodyPr wrap="square">
+            <a:spAutoFit/>
+          </a:bodyPr>
+          <a:lstStyle/>
+          <a:p>
+            <a:r>
+              <a:rPr lang="it-IT" dirty="0" err="1"/>
+              <a:t>LDRUpdate</a:t>
+            </a:r>
+            <a:endParaRPr lang="it-IT" dirty="0"/>
+          </a:p>
+        </p:txBody>
+      </p:sp>
+      <p:sp>
+        <p:nvSpPr>
+          <p:cNvPr id="17" name="TextBox 16">
+            <a:extLst>
+              <a:ext uri="{FF2B5EF4-FFF2-40B4-BE49-F238E27FC236}">
+                <a16:creationId xmlns:a16="http://schemas.microsoft.com/office/drawing/2014/main" id="{CC1C3E2A-C809-40D9-9230-B4145A03FC3A}"/>
+              </a:ext>
+            </a:extLst>
+          </p:cNvPr>
+          <p:cNvSpPr txBox="1"/>
+          <p:nvPr/>
+        </p:nvSpPr>
+        <p:spPr>
+          <a:xfrm>
+            <a:off x="912495" y="3164088"/>
+            <a:ext cx="6103620" cy="369332"/>
+          </a:xfrm>
+          <a:prstGeom prst="rect">
+            <a:avLst/>
+          </a:prstGeom>
+          <a:noFill/>
+        </p:spPr>
+        <p:txBody>
+          <a:bodyPr wrap="square">
+            <a:spAutoFit/>
+          </a:bodyPr>
+          <a:lstStyle/>
+          <a:p>
+            <a:r>
+              <a:rPr lang="it-IT" dirty="0" err="1"/>
+              <a:t>WLUpdate</a:t>
+            </a:r>
+            <a:endParaRPr lang="it-IT" dirty="0"/>
+          </a:p>
+        </p:txBody>
+      </p:sp>
+      <p:sp>
+        <p:nvSpPr>
+          <p:cNvPr id="21" name="TextBox 20">
+            <a:extLst>
+              <a:ext uri="{FF2B5EF4-FFF2-40B4-BE49-F238E27FC236}">
+                <a16:creationId xmlns:a16="http://schemas.microsoft.com/office/drawing/2014/main" id="{1CD975A2-972F-42EE-964F-B55CBBC279F7}"/>
+              </a:ext>
+            </a:extLst>
+          </p:cNvPr>
+          <p:cNvSpPr txBox="1"/>
+          <p:nvPr/>
+        </p:nvSpPr>
+        <p:spPr>
+          <a:xfrm>
+            <a:off x="912495" y="3549702"/>
+            <a:ext cx="6103620" cy="369332"/>
+          </a:xfrm>
+          <a:prstGeom prst="rect">
+            <a:avLst/>
+          </a:prstGeom>
+          <a:noFill/>
+        </p:spPr>
+        <p:txBody>
+          <a:bodyPr wrap="square">
+            <a:spAutoFit/>
+          </a:bodyPr>
+          <a:lstStyle/>
+          <a:p>
+            <a:r>
+              <a:rPr lang="it-IT" dirty="0" err="1"/>
+              <a:t>DHTUpdate</a:t>
+            </a:r>
+            <a:endParaRPr lang="it-IT" dirty="0"/>
+          </a:p>
+        </p:txBody>
+      </p:sp>
+      <p:sp>
+        <p:nvSpPr>
+          <p:cNvPr id="22" name="TextBox 21">
+            <a:extLst>
+              <a:ext uri="{FF2B5EF4-FFF2-40B4-BE49-F238E27FC236}">
+                <a16:creationId xmlns:a16="http://schemas.microsoft.com/office/drawing/2014/main" id="{85377053-3DCE-454F-8941-421A475F55FC}"/>
+              </a:ext>
+            </a:extLst>
+          </p:cNvPr>
+          <p:cNvSpPr txBox="1"/>
+          <p:nvPr/>
+        </p:nvSpPr>
+        <p:spPr>
+          <a:xfrm>
+            <a:off x="931648" y="3948745"/>
+            <a:ext cx="6103620" cy="369332"/>
+          </a:xfrm>
+          <a:prstGeom prst="rect">
+            <a:avLst/>
+          </a:prstGeom>
+          <a:noFill/>
+        </p:spPr>
+        <p:txBody>
+          <a:bodyPr wrap="square">
+            <a:spAutoFit/>
+          </a:bodyPr>
+          <a:lstStyle/>
+          <a:p>
+            <a:r>
+              <a:rPr lang="it-IT" dirty="0" err="1"/>
+              <a:t>LedBlink</a:t>
+            </a:r>
+            <a:endParaRPr lang="it-IT" dirty="0"/>
+          </a:p>
+        </p:txBody>
+      </p:sp>
+      <p:sp>
+        <p:nvSpPr>
+          <p:cNvPr id="23" name="TextBox 22">
+            <a:extLst>
+              <a:ext uri="{FF2B5EF4-FFF2-40B4-BE49-F238E27FC236}">
+                <a16:creationId xmlns:a16="http://schemas.microsoft.com/office/drawing/2014/main" id="{8C499A52-AA7F-43C7-B8BA-4E08197B9438}"/>
+              </a:ext>
+            </a:extLst>
+          </p:cNvPr>
+          <p:cNvSpPr txBox="1"/>
+          <p:nvPr/>
+        </p:nvSpPr>
+        <p:spPr>
+          <a:xfrm>
+            <a:off x="931648" y="4337965"/>
+            <a:ext cx="6103620" cy="369332"/>
+          </a:xfrm>
+          <a:prstGeom prst="rect">
+            <a:avLst/>
+          </a:prstGeom>
+          <a:noFill/>
+        </p:spPr>
+        <p:txBody>
+          <a:bodyPr wrap="square">
+            <a:spAutoFit/>
+          </a:bodyPr>
+          <a:lstStyle/>
+          <a:p>
+            <a:r>
+              <a:rPr lang="it-IT" dirty="0" err="1"/>
+              <a:t>SerialPrint</a:t>
+            </a:r>
+            <a:endParaRPr lang="it-IT" dirty="0"/>
+          </a:p>
+        </p:txBody>
+      </p:sp>
+      <p:sp>
+        <p:nvSpPr>
+          <p:cNvPr id="25" name="TextBox 24">
+            <a:extLst>
+              <a:ext uri="{FF2B5EF4-FFF2-40B4-BE49-F238E27FC236}">
+                <a16:creationId xmlns:a16="http://schemas.microsoft.com/office/drawing/2014/main" id="{C2F66743-FDB7-4EC7-A50F-AF87A6F6ADE8}"/>
+              </a:ext>
+            </a:extLst>
+          </p:cNvPr>
+          <p:cNvSpPr txBox="1"/>
+          <p:nvPr/>
+        </p:nvSpPr>
+        <p:spPr>
+          <a:xfrm>
+            <a:off x="931648" y="4732511"/>
+            <a:ext cx="6103620" cy="369332"/>
+          </a:xfrm>
+          <a:prstGeom prst="rect">
+            <a:avLst/>
+          </a:prstGeom>
+          <a:noFill/>
+        </p:spPr>
+        <p:txBody>
+          <a:bodyPr wrap="square">
+            <a:spAutoFit/>
+          </a:bodyPr>
+          <a:lstStyle/>
+          <a:p>
+            <a:r>
+              <a:rPr lang="it-IT" dirty="0" err="1"/>
+              <a:t>LCDPrint</a:t>
+            </a:r>
+            <a:endParaRPr lang="it-IT" dirty="0"/>
+          </a:p>
+        </p:txBody>
+      </p:sp>
+      <p:sp>
+        <p:nvSpPr>
+          <p:cNvPr id="26" name="TextBox 25">
+            <a:extLst>
+              <a:ext uri="{FF2B5EF4-FFF2-40B4-BE49-F238E27FC236}">
+                <a16:creationId xmlns:a16="http://schemas.microsoft.com/office/drawing/2014/main" id="{423DE9FB-95FB-4712-8576-1D41908631BA}"/>
+              </a:ext>
+            </a:extLst>
+          </p:cNvPr>
+          <p:cNvSpPr txBox="1"/>
+          <p:nvPr/>
+        </p:nvSpPr>
+        <p:spPr>
+          <a:xfrm>
+            <a:off x="3228975" y="5083439"/>
+            <a:ext cx="841375" cy="307777"/>
+          </a:xfrm>
+          <a:prstGeom prst="rect">
+            <a:avLst/>
+          </a:prstGeom>
+          <a:noFill/>
+        </p:spPr>
+        <p:txBody>
+          <a:bodyPr wrap="square">
+            <a:spAutoFit/>
+          </a:bodyPr>
+          <a:lstStyle/>
+          <a:p>
+            <a:r>
+              <a:rPr lang="it-IT" sz="1400" dirty="0">
+                <a:solidFill>
+                  <a:schemeClr val="bg1"/>
+                </a:solidFill>
+              </a:rPr>
+              <a:t>200ms</a:t>
+            </a:r>
+          </a:p>
+        </p:txBody>
+      </p:sp>
+      <p:sp>
+        <p:nvSpPr>
+          <p:cNvPr id="27" name="TextBox 26">
+            <a:extLst>
+              <a:ext uri="{FF2B5EF4-FFF2-40B4-BE49-F238E27FC236}">
+                <a16:creationId xmlns:a16="http://schemas.microsoft.com/office/drawing/2014/main" id="{33D03EA0-F667-4271-A459-BC1DCF277FCB}"/>
+              </a:ext>
+            </a:extLst>
+          </p:cNvPr>
+          <p:cNvSpPr txBox="1"/>
+          <p:nvPr/>
+        </p:nvSpPr>
+        <p:spPr>
+          <a:xfrm>
+            <a:off x="2432050" y="5090322"/>
+            <a:ext cx="841375" cy="307777"/>
+          </a:xfrm>
+          <a:prstGeom prst="rect">
+            <a:avLst/>
+          </a:prstGeom>
+          <a:noFill/>
+        </p:spPr>
+        <p:txBody>
+          <a:bodyPr wrap="square">
+            <a:spAutoFit/>
+          </a:bodyPr>
+          <a:lstStyle/>
+          <a:p>
+            <a:r>
+              <a:rPr lang="it-IT" sz="1400" dirty="0">
+                <a:solidFill>
+                  <a:schemeClr val="bg1"/>
+                </a:solidFill>
+              </a:rPr>
+              <a:t>0ms</a:t>
+            </a:r>
+          </a:p>
+        </p:txBody>
+      </p:sp>
+      <p:cxnSp>
+        <p:nvCxnSpPr>
+          <p:cNvPr id="29" name="Straight Connector 28">
+            <a:extLst>
+              <a:ext uri="{FF2B5EF4-FFF2-40B4-BE49-F238E27FC236}">
+                <a16:creationId xmlns:a16="http://schemas.microsoft.com/office/drawing/2014/main" id="{7BCE62C8-6689-4F16-A463-0ED321F583CA}"/>
+              </a:ext>
+            </a:extLst>
+          </p:cNvPr>
+          <p:cNvCxnSpPr>
+            <a:cxnSpLocks/>
+          </p:cNvCxnSpPr>
+          <p:nvPr/>
+        </p:nvCxnSpPr>
+        <p:spPr>
+          <a:xfrm>
+            <a:off x="3336924" y="2327635"/>
+            <a:ext cx="0" cy="2774208"/>
+          </a:xfrm>
+          <a:prstGeom prst="line">
+            <a:avLst/>
+          </a:prstGeom>
+        </p:spPr>
+        <p:style>
+          <a:lnRef idx="1">
+            <a:schemeClr val="dk1"/>
+          </a:lnRef>
+          <a:fillRef idx="0">
+            <a:schemeClr val="dk1"/>
+          </a:fillRef>
+          <a:effectRef idx="0">
+            <a:schemeClr val="dk1"/>
+          </a:effectRef>
+          <a:fontRef idx="minor">
+            <a:schemeClr val="tx1"/>
+          </a:fontRef>
+        </p:style>
+      </p:cxnSp>
     </p:spTree>
     <p:extLst>
       <p:ext uri="{BB962C8B-B14F-4D97-AF65-F5344CB8AC3E}">

--- a/WeatherStation.pptx
+++ b/WeatherStation.pptx
@@ -190,7 +190,7 @@
           <a:noFill/>
           <a:extLst>
             <a:ext uri="{909E8E84-426E-40dd-AFC4-6F175D3DCCD1}">
-              <a14:hiddenFill xmlns="" xmlns:a14="http://schemas.microsoft.com/office/drawing/2010/main">
+              <a14:hiddenFill xmlns:a14="http://schemas.microsoft.com/office/drawing/2010/main" xmlns="">
                 <a:solidFill>
                   <a:srgbClr val="FFFFFF"/>
                 </a:solidFill>
@@ -250,7 +250,7 @@
             </a:ln>
             <a:extLst>
               <a:ext uri="{91240B29-F687-4f45-9708-019B960494DF}">
-                <a14:hiddenLine xmlns="" xmlns:a14="http://schemas.microsoft.com/office/drawing/2010/main" w="9525">
+                <a14:hiddenLine xmlns:a14="http://schemas.microsoft.com/office/drawing/2010/main" xmlns="" w="9525">
                   <a:solidFill>
                     <a:srgbClr val="000000"/>
                   </a:solidFill>
@@ -340,7 +340,7 @@
             </a:ln>
             <a:extLst>
               <a:ext uri="{91240B29-F687-4f45-9708-019B960494DF}">
-                <a14:hiddenLine xmlns="" xmlns:a14="http://schemas.microsoft.com/office/drawing/2010/main" w="9525">
+                <a14:hiddenLine xmlns:a14="http://schemas.microsoft.com/office/drawing/2010/main" xmlns="" w="9525">
                   <a:solidFill>
                     <a:srgbClr val="000000"/>
                   </a:solidFill>
@@ -430,7 +430,7 @@
             </a:ln>
             <a:extLst>
               <a:ext uri="{91240B29-F687-4f45-9708-019B960494DF}">
-                <a14:hiddenLine xmlns="" xmlns:a14="http://schemas.microsoft.com/office/drawing/2010/main" w="9525">
+                <a14:hiddenLine xmlns:a14="http://schemas.microsoft.com/office/drawing/2010/main" xmlns="" w="9525">
                   <a:solidFill>
                     <a:srgbClr val="000000"/>
                   </a:solidFill>
@@ -464,7 +464,7 @@
             </a:ln>
             <a:extLst>
               <a:ext uri="{91240B29-F687-4f45-9708-019B960494DF}">
-                <a14:hiddenLine xmlns="" xmlns:a14="http://schemas.microsoft.com/office/drawing/2010/main" w="9525">
+                <a14:hiddenLine xmlns:a14="http://schemas.microsoft.com/office/drawing/2010/main" xmlns="" w="9525">
                   <a:solidFill>
                     <a:srgbClr val="000000"/>
                   </a:solidFill>
@@ -554,7 +554,7 @@
             </a:ln>
             <a:extLst>
               <a:ext uri="{91240B29-F687-4f45-9708-019B960494DF}">
-                <a14:hiddenLine xmlns="" xmlns:a14="http://schemas.microsoft.com/office/drawing/2010/main" w="9525">
+                <a14:hiddenLine xmlns:a14="http://schemas.microsoft.com/office/drawing/2010/main" xmlns="" w="9525">
                   <a:solidFill>
                     <a:srgbClr val="000000"/>
                   </a:solidFill>
@@ -616,7 +616,7 @@
             </a:ln>
             <a:extLst>
               <a:ext uri="{91240B29-F687-4f45-9708-019B960494DF}">
-                <a14:hiddenLine xmlns="" xmlns:a14="http://schemas.microsoft.com/office/drawing/2010/main" w="9525">
+                <a14:hiddenLine xmlns:a14="http://schemas.microsoft.com/office/drawing/2010/main" xmlns="" w="9525">
                   <a:solidFill>
                     <a:srgbClr val="000000"/>
                   </a:solidFill>
@@ -678,7 +678,7 @@
             </a:ln>
             <a:extLst>
               <a:ext uri="{91240B29-F687-4f45-9708-019B960494DF}">
-                <a14:hiddenLine xmlns="" xmlns:a14="http://schemas.microsoft.com/office/drawing/2010/main" w="9525">
+                <a14:hiddenLine xmlns:a14="http://schemas.microsoft.com/office/drawing/2010/main" xmlns="" w="9525">
                   <a:solidFill>
                     <a:srgbClr val="000000"/>
                   </a:solidFill>
@@ -768,7 +768,7 @@
             </a:ln>
             <a:extLst>
               <a:ext uri="{91240B29-F687-4f45-9708-019B960494DF}">
-                <a14:hiddenLine xmlns="" xmlns:a14="http://schemas.microsoft.com/office/drawing/2010/main" w="9525">
+                <a14:hiddenLine xmlns:a14="http://schemas.microsoft.com/office/drawing/2010/main" xmlns="" w="9525">
                   <a:solidFill>
                     <a:srgbClr val="000000"/>
                   </a:solidFill>
@@ -830,7 +830,7 @@
             </a:ln>
             <a:extLst>
               <a:ext uri="{91240B29-F687-4f45-9708-019B960494DF}">
-                <a14:hiddenLine xmlns="" xmlns:a14="http://schemas.microsoft.com/office/drawing/2010/main" w="9525">
+                <a14:hiddenLine xmlns:a14="http://schemas.microsoft.com/office/drawing/2010/main" xmlns="" w="9525">
                   <a:solidFill>
                     <a:srgbClr val="000000"/>
                   </a:solidFill>
@@ -892,7 +892,7 @@
             </a:ln>
             <a:extLst>
               <a:ext uri="{91240B29-F687-4f45-9708-019B960494DF}">
-                <a14:hiddenLine xmlns="" xmlns:a14="http://schemas.microsoft.com/office/drawing/2010/main" w="9525">
+                <a14:hiddenLine xmlns:a14="http://schemas.microsoft.com/office/drawing/2010/main" xmlns="" w="9525">
                   <a:solidFill>
                     <a:srgbClr val="000000"/>
                   </a:solidFill>
@@ -982,7 +982,7 @@
             </a:ln>
             <a:extLst>
               <a:ext uri="{91240B29-F687-4f45-9708-019B960494DF}">
-                <a14:hiddenLine xmlns="" xmlns:a14="http://schemas.microsoft.com/office/drawing/2010/main" w="9525">
+                <a14:hiddenLine xmlns:a14="http://schemas.microsoft.com/office/drawing/2010/main" xmlns="" w="9525">
                   <a:solidFill>
                     <a:srgbClr val="000000"/>
                   </a:solidFill>
@@ -1072,7 +1072,7 @@
             </a:ln>
             <a:extLst>
               <a:ext uri="{91240B29-F687-4f45-9708-019B960494DF}">
-                <a14:hiddenLine xmlns="" xmlns:a14="http://schemas.microsoft.com/office/drawing/2010/main" w="9525">
+                <a14:hiddenLine xmlns:a14="http://schemas.microsoft.com/office/drawing/2010/main" xmlns="" w="9525">
                   <a:solidFill>
                     <a:srgbClr val="000000"/>
                   </a:solidFill>
@@ -1134,7 +1134,7 @@
             </a:ln>
             <a:extLst>
               <a:ext uri="{91240B29-F687-4f45-9708-019B960494DF}">
-                <a14:hiddenLine xmlns="" xmlns:a14="http://schemas.microsoft.com/office/drawing/2010/main" w="9525">
+                <a14:hiddenLine xmlns:a14="http://schemas.microsoft.com/office/drawing/2010/main" xmlns="" w="9525">
                   <a:solidFill>
                     <a:srgbClr val="000000"/>
                   </a:solidFill>
@@ -1244,7 +1244,7 @@
             </a:ln>
             <a:extLst>
               <a:ext uri="{91240B29-F687-4f45-9708-019B960494DF}">
-                <a14:hiddenLine xmlns="" xmlns:a14="http://schemas.microsoft.com/office/drawing/2010/main" w="9525">
+                <a14:hiddenLine xmlns:a14="http://schemas.microsoft.com/office/drawing/2010/main" xmlns="" w="9525">
                   <a:solidFill>
                     <a:srgbClr val="000000"/>
                   </a:solidFill>
@@ -1306,7 +1306,7 @@
             </a:ln>
             <a:extLst>
               <a:ext uri="{91240B29-F687-4f45-9708-019B960494DF}">
-                <a14:hiddenLine xmlns="" xmlns:a14="http://schemas.microsoft.com/office/drawing/2010/main" w="9525">
+                <a14:hiddenLine xmlns:a14="http://schemas.microsoft.com/office/drawing/2010/main" xmlns="" w="9525">
                   <a:solidFill>
                     <a:srgbClr val="000000"/>
                   </a:solidFill>
@@ -1396,7 +1396,7 @@
             </a:ln>
             <a:extLst>
               <a:ext uri="{91240B29-F687-4f45-9708-019B960494DF}">
-                <a14:hiddenLine xmlns="" xmlns:a14="http://schemas.microsoft.com/office/drawing/2010/main" w="9525">
+                <a14:hiddenLine xmlns:a14="http://schemas.microsoft.com/office/drawing/2010/main" xmlns="" w="9525">
                   <a:solidFill>
                     <a:srgbClr val="000000"/>
                   </a:solidFill>
@@ -1486,7 +1486,7 @@
             </a:ln>
             <a:extLst>
               <a:ext uri="{91240B29-F687-4f45-9708-019B960494DF}">
-                <a14:hiddenLine xmlns="" xmlns:a14="http://schemas.microsoft.com/office/drawing/2010/main" w="9525">
+                <a14:hiddenLine xmlns:a14="http://schemas.microsoft.com/office/drawing/2010/main" xmlns="" w="9525">
                   <a:solidFill>
                     <a:srgbClr val="000000"/>
                   </a:solidFill>
@@ -1548,7 +1548,7 @@
             </a:ln>
             <a:extLst>
               <a:ext uri="{91240B29-F687-4f45-9708-019B960494DF}">
-                <a14:hiddenLine xmlns="" xmlns:a14="http://schemas.microsoft.com/office/drawing/2010/main" w="9525">
+                <a14:hiddenLine xmlns:a14="http://schemas.microsoft.com/office/drawing/2010/main" xmlns="" w="9525">
                   <a:solidFill>
                     <a:srgbClr val="000000"/>
                   </a:solidFill>
@@ -1638,7 +1638,7 @@
             </a:ln>
             <a:extLst>
               <a:ext uri="{91240B29-F687-4f45-9708-019B960494DF}">
-                <a14:hiddenLine xmlns="" xmlns:a14="http://schemas.microsoft.com/office/drawing/2010/main" w="9525">
+                <a14:hiddenLine xmlns:a14="http://schemas.microsoft.com/office/drawing/2010/main" xmlns="" w="9525">
                   <a:solidFill>
                     <a:srgbClr val="000000"/>
                   </a:solidFill>
@@ -1728,7 +1728,7 @@
             </a:ln>
             <a:extLst>
               <a:ext uri="{91240B29-F687-4f45-9708-019B960494DF}">
-                <a14:hiddenLine xmlns="" xmlns:a14="http://schemas.microsoft.com/office/drawing/2010/main" w="9525">
+                <a14:hiddenLine xmlns:a14="http://schemas.microsoft.com/office/drawing/2010/main" xmlns="" w="9525">
                   <a:solidFill>
                     <a:srgbClr val="000000"/>
                   </a:solidFill>
@@ -1784,7 +1784,7 @@
             </a:ln>
             <a:extLst>
               <a:ext uri="{91240B29-F687-4f45-9708-019B960494DF}">
-                <a14:hiddenLine xmlns="" xmlns:a14="http://schemas.microsoft.com/office/drawing/2010/main" w="9525">
+                <a14:hiddenLine xmlns:a14="http://schemas.microsoft.com/office/drawing/2010/main" xmlns="" w="9525">
                   <a:solidFill>
                     <a:srgbClr val="000000"/>
                   </a:solidFill>
@@ -1874,7 +1874,7 @@
             </a:ln>
             <a:extLst>
               <a:ext uri="{91240B29-F687-4f45-9708-019B960494DF}">
-                <a14:hiddenLine xmlns="" xmlns:a14="http://schemas.microsoft.com/office/drawing/2010/main" w="9525">
+                <a14:hiddenLine xmlns:a14="http://schemas.microsoft.com/office/drawing/2010/main" xmlns="" w="9525">
                   <a:solidFill>
                     <a:srgbClr val="000000"/>
                   </a:solidFill>
@@ -1930,7 +1930,7 @@
             </a:ln>
             <a:extLst>
               <a:ext uri="{91240B29-F687-4f45-9708-019B960494DF}">
-                <a14:hiddenLine xmlns="" xmlns:a14="http://schemas.microsoft.com/office/drawing/2010/main" w="9525">
+                <a14:hiddenLine xmlns:a14="http://schemas.microsoft.com/office/drawing/2010/main" xmlns="" w="9525">
                   <a:solidFill>
                     <a:srgbClr val="000000"/>
                   </a:solidFill>
@@ -2020,7 +2020,7 @@
             </a:ln>
             <a:extLst>
               <a:ext uri="{91240B29-F687-4f45-9708-019B960494DF}">
-                <a14:hiddenLine xmlns="" xmlns:a14="http://schemas.microsoft.com/office/drawing/2010/main" w="9525">
+                <a14:hiddenLine xmlns:a14="http://schemas.microsoft.com/office/drawing/2010/main" xmlns="" w="9525">
                   <a:solidFill>
                     <a:srgbClr val="000000"/>
                   </a:solidFill>
@@ -2088,7 +2088,7 @@
             </a:ln>
             <a:extLst>
               <a:ext uri="{91240B29-F687-4f45-9708-019B960494DF}">
-                <a14:hiddenLine xmlns="" xmlns:a14="http://schemas.microsoft.com/office/drawing/2010/main" w="9525">
+                <a14:hiddenLine xmlns:a14="http://schemas.microsoft.com/office/drawing/2010/main" xmlns="" w="9525">
                   <a:solidFill>
                     <a:srgbClr val="000000"/>
                   </a:solidFill>
@@ -2178,7 +2178,7 @@
             </a:ln>
             <a:extLst>
               <a:ext uri="{91240B29-F687-4f45-9708-019B960494DF}">
-                <a14:hiddenLine xmlns="" xmlns:a14="http://schemas.microsoft.com/office/drawing/2010/main" w="9525">
+                <a14:hiddenLine xmlns:a14="http://schemas.microsoft.com/office/drawing/2010/main" xmlns="" w="9525">
                   <a:solidFill>
                     <a:srgbClr val="000000"/>
                   </a:solidFill>
@@ -2246,7 +2246,7 @@
             </a:ln>
             <a:extLst>
               <a:ext uri="{91240B29-F687-4f45-9708-019B960494DF}">
-                <a14:hiddenLine xmlns="" xmlns:a14="http://schemas.microsoft.com/office/drawing/2010/main" w="9525">
+                <a14:hiddenLine xmlns:a14="http://schemas.microsoft.com/office/drawing/2010/main" xmlns="" w="9525">
                   <a:solidFill>
                     <a:srgbClr val="000000"/>
                   </a:solidFill>
@@ -2336,7 +2336,7 @@
             </a:ln>
             <a:extLst>
               <a:ext uri="{91240B29-F687-4f45-9708-019B960494DF}">
-                <a14:hiddenLine xmlns="" xmlns:a14="http://schemas.microsoft.com/office/drawing/2010/main" w="9525">
+                <a14:hiddenLine xmlns:a14="http://schemas.microsoft.com/office/drawing/2010/main" xmlns="" w="9525">
                   <a:solidFill>
                     <a:srgbClr val="000000"/>
                   </a:solidFill>
@@ -2370,7 +2370,7 @@
             </a:ln>
             <a:extLst>
               <a:ext uri="{91240B29-F687-4f45-9708-019B960494DF}">
-                <a14:hiddenLine xmlns="" xmlns:a14="http://schemas.microsoft.com/office/drawing/2010/main" w="9525">
+                <a14:hiddenLine xmlns:a14="http://schemas.microsoft.com/office/drawing/2010/main" xmlns="" w="9525">
                   <a:solidFill>
                     <a:srgbClr val="000000"/>
                   </a:solidFill>
@@ -2460,7 +2460,7 @@
             </a:ln>
             <a:extLst>
               <a:ext uri="{91240B29-F687-4f45-9708-019B960494DF}">
-                <a14:hiddenLine xmlns="" xmlns:a14="http://schemas.microsoft.com/office/drawing/2010/main" w="9525">
+                <a14:hiddenLine xmlns:a14="http://schemas.microsoft.com/office/drawing/2010/main" xmlns="" w="9525">
                   <a:solidFill>
                     <a:srgbClr val="000000"/>
                   </a:solidFill>
@@ -2522,7 +2522,7 @@
             </a:ln>
             <a:extLst>
               <a:ext uri="{91240B29-F687-4f45-9708-019B960494DF}">
-                <a14:hiddenLine xmlns="" xmlns:a14="http://schemas.microsoft.com/office/drawing/2010/main" w="9525">
+                <a14:hiddenLine xmlns:a14="http://schemas.microsoft.com/office/drawing/2010/main" xmlns="" w="9525">
                   <a:solidFill>
                     <a:srgbClr val="000000"/>
                   </a:solidFill>
@@ -2584,7 +2584,7 @@
             </a:ln>
             <a:extLst>
               <a:ext uri="{91240B29-F687-4f45-9708-019B960494DF}">
-                <a14:hiddenLine xmlns="" xmlns:a14="http://schemas.microsoft.com/office/drawing/2010/main" w="9525">
+                <a14:hiddenLine xmlns:a14="http://schemas.microsoft.com/office/drawing/2010/main" xmlns="" w="9525">
                   <a:solidFill>
                     <a:srgbClr val="000000"/>
                   </a:solidFill>
@@ -2674,7 +2674,7 @@
             </a:ln>
             <a:extLst>
               <a:ext uri="{91240B29-F687-4f45-9708-019B960494DF}">
-                <a14:hiddenLine xmlns="" xmlns:a14="http://schemas.microsoft.com/office/drawing/2010/main" w="9525">
+                <a14:hiddenLine xmlns:a14="http://schemas.microsoft.com/office/drawing/2010/main" xmlns="" w="9525">
                   <a:solidFill>
                     <a:srgbClr val="000000"/>
                   </a:solidFill>
@@ -2742,7 +2742,7 @@
             </a:ln>
             <a:extLst>
               <a:ext uri="{91240B29-F687-4f45-9708-019B960494DF}">
-                <a14:hiddenLine xmlns="" xmlns:a14="http://schemas.microsoft.com/office/drawing/2010/main" w="9525">
+                <a14:hiddenLine xmlns:a14="http://schemas.microsoft.com/office/drawing/2010/main" xmlns="" w="9525">
                   <a:solidFill>
                     <a:srgbClr val="000000"/>
                   </a:solidFill>
@@ -2804,7 +2804,7 @@
             </a:ln>
             <a:extLst>
               <a:ext uri="{91240B29-F687-4f45-9708-019B960494DF}">
-                <a14:hiddenLine xmlns="" xmlns:a14="http://schemas.microsoft.com/office/drawing/2010/main" w="9525">
+                <a14:hiddenLine xmlns:a14="http://schemas.microsoft.com/office/drawing/2010/main" xmlns="" w="9525">
                   <a:solidFill>
                     <a:srgbClr val="000000"/>
                   </a:solidFill>
@@ -2894,7 +2894,7 @@
             </a:ln>
             <a:extLst>
               <a:ext uri="{91240B29-F687-4f45-9708-019B960494DF}">
-                <a14:hiddenLine xmlns="" xmlns:a14="http://schemas.microsoft.com/office/drawing/2010/main" w="9525">
+                <a14:hiddenLine xmlns:a14="http://schemas.microsoft.com/office/drawing/2010/main" xmlns="" w="9525">
                   <a:solidFill>
                     <a:srgbClr val="000000"/>
                   </a:solidFill>
@@ -2956,7 +2956,7 @@
             </a:ln>
             <a:extLst>
               <a:ext uri="{91240B29-F687-4f45-9708-019B960494DF}">
-                <a14:hiddenLine xmlns="" xmlns:a14="http://schemas.microsoft.com/office/drawing/2010/main" w="9525">
+                <a14:hiddenLine xmlns:a14="http://schemas.microsoft.com/office/drawing/2010/main" xmlns="" w="9525">
                   <a:solidFill>
                     <a:srgbClr val="000000"/>
                   </a:solidFill>
@@ -3046,7 +3046,7 @@
             </a:ln>
             <a:extLst>
               <a:ext uri="{91240B29-F687-4f45-9708-019B960494DF}">
-                <a14:hiddenLine xmlns="" xmlns:a14="http://schemas.microsoft.com/office/drawing/2010/main" w="9525">
+                <a14:hiddenLine xmlns:a14="http://schemas.microsoft.com/office/drawing/2010/main" xmlns="" w="9525">
                   <a:solidFill>
                     <a:srgbClr val="000000"/>
                   </a:solidFill>
@@ -3108,7 +3108,7 @@
             </a:ln>
             <a:extLst>
               <a:ext uri="{91240B29-F687-4f45-9708-019B960494DF}">
-                <a14:hiddenLine xmlns="" xmlns:a14="http://schemas.microsoft.com/office/drawing/2010/main" w="9525">
+                <a14:hiddenLine xmlns:a14="http://schemas.microsoft.com/office/drawing/2010/main" xmlns="" w="9525">
                   <a:solidFill>
                     <a:srgbClr val="000000"/>
                   </a:solidFill>
@@ -3198,7 +3198,7 @@
             </a:ln>
             <a:extLst>
               <a:ext uri="{91240B29-F687-4f45-9708-019B960494DF}">
-                <a14:hiddenLine xmlns="" xmlns:a14="http://schemas.microsoft.com/office/drawing/2010/main" w="9525">
+                <a14:hiddenLine xmlns:a14="http://schemas.microsoft.com/office/drawing/2010/main" xmlns="" w="9525">
                   <a:solidFill>
                     <a:srgbClr val="000000"/>
                   </a:solidFill>
@@ -3232,7 +3232,7 @@
             </a:ln>
             <a:extLst>
               <a:ext uri="{91240B29-F687-4f45-9708-019B960494DF}">
-                <a14:hiddenLine xmlns="" xmlns:a14="http://schemas.microsoft.com/office/drawing/2010/main" w="9525">
+                <a14:hiddenLine xmlns:a14="http://schemas.microsoft.com/office/drawing/2010/main" xmlns="" w="9525">
                   <a:solidFill>
                     <a:srgbClr val="000000"/>
                   </a:solidFill>
@@ -3297,7 +3297,7 @@
             </a:ln>
             <a:extLst>
               <a:ext uri="{91240B29-F687-4f45-9708-019B960494DF}">
-                <a14:hiddenLine xmlns="" xmlns:a14="http://schemas.microsoft.com/office/drawing/2010/main" w="9525">
+                <a14:hiddenLine xmlns:a14="http://schemas.microsoft.com/office/drawing/2010/main" xmlns="" w="9525">
                   <a:solidFill>
                     <a:srgbClr val="000000"/>
                   </a:solidFill>
@@ -3387,7 +3387,7 @@
             </a:ln>
             <a:extLst>
               <a:ext uri="{91240B29-F687-4f45-9708-019B960494DF}">
-                <a14:hiddenLine xmlns="" xmlns:a14="http://schemas.microsoft.com/office/drawing/2010/main" w="9525">
+                <a14:hiddenLine xmlns:a14="http://schemas.microsoft.com/office/drawing/2010/main" xmlns="" w="9525">
                   <a:solidFill>
                     <a:srgbClr val="000000"/>
                   </a:solidFill>
@@ -3449,7 +3449,7 @@
             </a:ln>
             <a:extLst>
               <a:ext uri="{91240B29-F687-4f45-9708-019B960494DF}">
-                <a14:hiddenLine xmlns="" xmlns:a14="http://schemas.microsoft.com/office/drawing/2010/main" w="9525">
+                <a14:hiddenLine xmlns:a14="http://schemas.microsoft.com/office/drawing/2010/main" xmlns="" w="9525">
                   <a:solidFill>
                     <a:srgbClr val="000000"/>
                   </a:solidFill>
@@ -3539,7 +3539,7 @@
             </a:ln>
             <a:extLst>
               <a:ext uri="{91240B29-F687-4f45-9708-019B960494DF}">
-                <a14:hiddenLine xmlns="" xmlns:a14="http://schemas.microsoft.com/office/drawing/2010/main" w="9525">
+                <a14:hiddenLine xmlns:a14="http://schemas.microsoft.com/office/drawing/2010/main" xmlns="" w="9525">
                   <a:solidFill>
                     <a:srgbClr val="000000"/>
                   </a:solidFill>
@@ -3629,7 +3629,7 @@
             </a:ln>
             <a:extLst>
               <a:ext uri="{91240B29-F687-4f45-9708-019B960494DF}">
-                <a14:hiddenLine xmlns="" xmlns:a14="http://schemas.microsoft.com/office/drawing/2010/main" w="9525">
+                <a14:hiddenLine xmlns:a14="http://schemas.microsoft.com/office/drawing/2010/main" xmlns="" w="9525">
                   <a:solidFill>
                     <a:srgbClr val="000000"/>
                   </a:solidFill>
@@ -3694,7 +3694,7 @@
             </a:ln>
             <a:extLst>
               <a:ext uri="{91240B29-F687-4f45-9708-019B960494DF}">
-                <a14:hiddenLine xmlns="" xmlns:a14="http://schemas.microsoft.com/office/drawing/2010/main" w="9525">
+                <a14:hiddenLine xmlns:a14="http://schemas.microsoft.com/office/drawing/2010/main" xmlns="" w="9525">
                   <a:solidFill>
                     <a:srgbClr val="000000"/>
                   </a:solidFill>
@@ -3756,7 +3756,7 @@
             </a:ln>
             <a:extLst>
               <a:ext uri="{91240B29-F687-4f45-9708-019B960494DF}">
-                <a14:hiddenLine xmlns="" xmlns:a14="http://schemas.microsoft.com/office/drawing/2010/main" w="9525">
+                <a14:hiddenLine xmlns:a14="http://schemas.microsoft.com/office/drawing/2010/main" xmlns="" w="9525">
                   <a:solidFill>
                     <a:srgbClr val="000000"/>
                   </a:solidFill>
@@ -3846,7 +3846,7 @@
             </a:ln>
             <a:extLst>
               <a:ext uri="{91240B29-F687-4f45-9708-019B960494DF}">
-                <a14:hiddenLine xmlns="" xmlns:a14="http://schemas.microsoft.com/office/drawing/2010/main" w="9525">
+                <a14:hiddenLine xmlns:a14="http://schemas.microsoft.com/office/drawing/2010/main" xmlns="" w="9525">
                   <a:solidFill>
                     <a:srgbClr val="000000"/>
                   </a:solidFill>
@@ -3936,7 +3936,7 @@
             </a:ln>
             <a:extLst>
               <a:ext uri="{91240B29-F687-4f45-9708-019B960494DF}">
-                <a14:hiddenLine xmlns="" xmlns:a14="http://schemas.microsoft.com/office/drawing/2010/main" w="9525">
+                <a14:hiddenLine xmlns:a14="http://schemas.microsoft.com/office/drawing/2010/main" xmlns="" w="9525">
                   <a:solidFill>
                     <a:srgbClr val="000000"/>
                   </a:solidFill>
@@ -3998,7 +3998,7 @@
             </a:ln>
             <a:extLst>
               <a:ext uri="{91240B29-F687-4f45-9708-019B960494DF}">
-                <a14:hiddenLine xmlns="" xmlns:a14="http://schemas.microsoft.com/office/drawing/2010/main" w="9525">
+                <a14:hiddenLine xmlns:a14="http://schemas.microsoft.com/office/drawing/2010/main" xmlns="" w="9525">
                   <a:solidFill>
                     <a:srgbClr val="000000"/>
                   </a:solidFill>
@@ -4118,7 +4118,7 @@
             </a:ln>
             <a:extLst>
               <a:ext uri="{91240B29-F687-4f45-9708-019B960494DF}">
-                <a14:hiddenLine xmlns="" xmlns:a14="http://schemas.microsoft.com/office/drawing/2010/main" w="9525">
+                <a14:hiddenLine xmlns:a14="http://schemas.microsoft.com/office/drawing/2010/main" xmlns="" w="9525">
                   <a:solidFill>
                     <a:srgbClr val="000000"/>
                   </a:solidFill>
@@ -4186,7 +4186,7 @@
             </a:ln>
             <a:extLst>
               <a:ext uri="{91240B29-F687-4f45-9708-019B960494DF}">
-                <a14:hiddenLine xmlns="" xmlns:a14="http://schemas.microsoft.com/office/drawing/2010/main" w="9525">
+                <a14:hiddenLine xmlns:a14="http://schemas.microsoft.com/office/drawing/2010/main" xmlns="" w="9525">
                   <a:solidFill>
                     <a:srgbClr val="000000"/>
                   </a:solidFill>
@@ -4276,7 +4276,7 @@
             </a:ln>
             <a:extLst>
               <a:ext uri="{91240B29-F687-4f45-9708-019B960494DF}">
-                <a14:hiddenLine xmlns="" xmlns:a14="http://schemas.microsoft.com/office/drawing/2010/main" w="9525">
+                <a14:hiddenLine xmlns:a14="http://schemas.microsoft.com/office/drawing/2010/main" xmlns="" w="9525">
                   <a:solidFill>
                     <a:srgbClr val="000000"/>
                   </a:solidFill>
@@ -4416,7 +4416,7 @@
           <a:p>
             <a:fld id="{0BA725EB-DF43-46B3-AADC-E7AD98B09667}" type="datetimeFigureOut">
               <a:rPr lang="it-IT" smtClean="0"/>
-              <a:t>30/04/2021</a:t>
+              <a:t>01/05/2021</a:t>
             </a:fld>
             <a:endParaRPr lang="it-IT"/>
           </a:p>
@@ -4683,7 +4683,7 @@
           <a:p>
             <a:fld id="{0BA725EB-DF43-46B3-AADC-E7AD98B09667}" type="datetimeFigureOut">
               <a:rPr lang="it-IT" smtClean="0"/>
-              <a:t>30/04/2021</a:t>
+              <a:t>01/05/2021</a:t>
             </a:fld>
             <a:endParaRPr lang="it-IT"/>
           </a:p>
@@ -4879,7 +4879,7 @@
           <a:p>
             <a:fld id="{0BA725EB-DF43-46B3-AADC-E7AD98B09667}" type="datetimeFigureOut">
               <a:rPr lang="it-IT" smtClean="0"/>
-              <a:t>30/04/2021</a:t>
+              <a:t>01/05/2021</a:t>
             </a:fld>
             <a:endParaRPr lang="it-IT"/>
           </a:p>
@@ -5142,7 +5142,7 @@
           <a:p>
             <a:fld id="{0BA725EB-DF43-46B3-AADC-E7AD98B09667}" type="datetimeFigureOut">
               <a:rPr lang="it-IT" smtClean="0"/>
-              <a:t>30/04/2021</a:t>
+              <a:t>01/05/2021</a:t>
             </a:fld>
             <a:endParaRPr lang="it-IT"/>
           </a:p>
@@ -5576,7 +5576,7 @@
           <a:p>
             <a:fld id="{0BA725EB-DF43-46B3-AADC-E7AD98B09667}" type="datetimeFigureOut">
               <a:rPr lang="it-IT" smtClean="0"/>
-              <a:t>30/04/2021</a:t>
+              <a:t>01/05/2021</a:t>
             </a:fld>
             <a:endParaRPr lang="it-IT"/>
           </a:p>
@@ -6122,7 +6122,7 @@
           <a:p>
             <a:fld id="{0BA725EB-DF43-46B3-AADC-E7AD98B09667}" type="datetimeFigureOut">
               <a:rPr lang="it-IT" smtClean="0"/>
-              <a:t>30/04/2021</a:t>
+              <a:t>01/05/2021</a:t>
             </a:fld>
             <a:endParaRPr lang="it-IT"/>
           </a:p>
@@ -6842,7 +6842,7 @@
           <a:p>
             <a:fld id="{0BA725EB-DF43-46B3-AADC-E7AD98B09667}" type="datetimeFigureOut">
               <a:rPr lang="it-IT" smtClean="0"/>
-              <a:t>30/04/2021</a:t>
+              <a:t>01/05/2021</a:t>
             </a:fld>
             <a:endParaRPr lang="it-IT"/>
           </a:p>
@@ -7012,7 +7012,7 @@
           <a:p>
             <a:fld id="{0BA725EB-DF43-46B3-AADC-E7AD98B09667}" type="datetimeFigureOut">
               <a:rPr lang="it-IT" smtClean="0"/>
-              <a:t>30/04/2021</a:t>
+              <a:t>01/05/2021</a:t>
             </a:fld>
             <a:endParaRPr lang="it-IT"/>
           </a:p>
@@ -7192,7 +7192,7 @@
           <a:p>
             <a:fld id="{0BA725EB-DF43-46B3-AADC-E7AD98B09667}" type="datetimeFigureOut">
               <a:rPr lang="it-IT" smtClean="0"/>
-              <a:t>30/04/2021</a:t>
+              <a:t>01/05/2021</a:t>
             </a:fld>
             <a:endParaRPr lang="it-IT"/>
           </a:p>
@@ -7362,7 +7362,7 @@
           <a:p>
             <a:fld id="{0BA725EB-DF43-46B3-AADC-E7AD98B09667}" type="datetimeFigureOut">
               <a:rPr lang="it-IT" smtClean="0"/>
-              <a:t>30/04/2021</a:t>
+              <a:t>01/05/2021</a:t>
             </a:fld>
             <a:endParaRPr lang="it-IT"/>
           </a:p>
@@ -7612,7 +7612,7 @@
           <a:p>
             <a:fld id="{0BA725EB-DF43-46B3-AADC-E7AD98B09667}" type="datetimeFigureOut">
               <a:rPr lang="it-IT" smtClean="0"/>
-              <a:t>30/04/2021</a:t>
+              <a:t>01/05/2021</a:t>
             </a:fld>
             <a:endParaRPr lang="it-IT"/>
           </a:p>
@@ -7844,7 +7844,7 @@
           <a:p>
             <a:fld id="{0BA725EB-DF43-46B3-AADC-E7AD98B09667}" type="datetimeFigureOut">
               <a:rPr lang="it-IT" smtClean="0"/>
-              <a:t>30/04/2021</a:t>
+              <a:t>01/05/2021</a:t>
             </a:fld>
             <a:endParaRPr lang="it-IT"/>
           </a:p>
@@ -8225,7 +8225,7 @@
           <a:p>
             <a:fld id="{0BA725EB-DF43-46B3-AADC-E7AD98B09667}" type="datetimeFigureOut">
               <a:rPr lang="it-IT" smtClean="0"/>
-              <a:t>30/04/2021</a:t>
+              <a:t>01/05/2021</a:t>
             </a:fld>
             <a:endParaRPr lang="it-IT"/>
           </a:p>
@@ -8343,7 +8343,7 @@
           <a:p>
             <a:fld id="{0BA725EB-DF43-46B3-AADC-E7AD98B09667}" type="datetimeFigureOut">
               <a:rPr lang="it-IT" smtClean="0"/>
-              <a:t>30/04/2021</a:t>
+              <a:t>01/05/2021</a:t>
             </a:fld>
             <a:endParaRPr lang="it-IT"/>
           </a:p>
@@ -8438,7 +8438,7 @@
           <a:p>
             <a:fld id="{0BA725EB-DF43-46B3-AADC-E7AD98B09667}" type="datetimeFigureOut">
               <a:rPr lang="it-IT" smtClean="0"/>
-              <a:t>30/04/2021</a:t>
+              <a:t>01/05/2021</a:t>
             </a:fld>
             <a:endParaRPr lang="it-IT"/>
           </a:p>
@@ -8687,7 +8687,7 @@
           <a:p>
             <a:fld id="{0BA725EB-DF43-46B3-AADC-E7AD98B09667}" type="datetimeFigureOut">
               <a:rPr lang="it-IT" smtClean="0"/>
-              <a:t>30/04/2021</a:t>
+              <a:t>01/05/2021</a:t>
             </a:fld>
             <a:endParaRPr lang="it-IT"/>
           </a:p>
@@ -8967,7 +8967,7 @@
           <a:p>
             <a:fld id="{0BA725EB-DF43-46B3-AADC-E7AD98B09667}" type="datetimeFigureOut">
               <a:rPr lang="it-IT" smtClean="0"/>
-              <a:t>30/04/2021</a:t>
+              <a:t>01/05/2021</a:t>
             </a:fld>
             <a:endParaRPr lang="it-IT"/>
           </a:p>
@@ -9083,7 +9083,7 @@
           <a:noFill/>
           <a:extLst>
             <a:ext uri="{909E8E84-426E-40dd-AFC4-6F175D3DCCD1}">
-              <a14:hiddenFill xmlns="" xmlns:a14="http://schemas.microsoft.com/office/drawing/2010/main">
+              <a14:hiddenFill xmlns:a14="http://schemas.microsoft.com/office/drawing/2010/main" xmlns="">
                 <a:solidFill>
                   <a:srgbClr val="FFFFFF"/>
                 </a:solidFill>
@@ -9157,7 +9157,7 @@
               </a:ln>
               <a:extLst>
                 <a:ext uri="{91240B29-F687-4f45-9708-019B960494DF}">
-                  <a14:hiddenLine xmlns="" xmlns:a14="http://schemas.microsoft.com/office/drawing/2010/main" w="9525">
+                  <a14:hiddenLine xmlns:a14="http://schemas.microsoft.com/office/drawing/2010/main" xmlns="" w="9525">
                     <a:solidFill>
                       <a:srgbClr val="000000"/>
                     </a:solidFill>
@@ -9247,7 +9247,7 @@
               </a:ln>
               <a:extLst>
                 <a:ext uri="{91240B29-F687-4f45-9708-019B960494DF}">
-                  <a14:hiddenLine xmlns="" xmlns:a14="http://schemas.microsoft.com/office/drawing/2010/main" w="9525">
+                  <a14:hiddenLine xmlns:a14="http://schemas.microsoft.com/office/drawing/2010/main" xmlns="" w="9525">
                     <a:solidFill>
                       <a:srgbClr val="000000"/>
                     </a:solidFill>
@@ -9337,7 +9337,7 @@
               </a:ln>
               <a:extLst>
                 <a:ext uri="{91240B29-F687-4f45-9708-019B960494DF}">
-                  <a14:hiddenLine xmlns="" xmlns:a14="http://schemas.microsoft.com/office/drawing/2010/main" w="9525">
+                  <a14:hiddenLine xmlns:a14="http://schemas.microsoft.com/office/drawing/2010/main" xmlns="" w="9525">
                     <a:solidFill>
                       <a:srgbClr val="000000"/>
                     </a:solidFill>
@@ -9399,7 +9399,7 @@
               </a:ln>
               <a:extLst>
                 <a:ext uri="{91240B29-F687-4f45-9708-019B960494DF}">
-                  <a14:hiddenLine xmlns="" xmlns:a14="http://schemas.microsoft.com/office/drawing/2010/main" w="9525">
+                  <a14:hiddenLine xmlns:a14="http://schemas.microsoft.com/office/drawing/2010/main" xmlns="" w="9525">
                     <a:solidFill>
                       <a:srgbClr val="000000"/>
                     </a:solidFill>
@@ -9489,7 +9489,7 @@
               </a:ln>
               <a:extLst>
                 <a:ext uri="{91240B29-F687-4f45-9708-019B960494DF}">
-                  <a14:hiddenLine xmlns="" xmlns:a14="http://schemas.microsoft.com/office/drawing/2010/main" w="9525">
+                  <a14:hiddenLine xmlns:a14="http://schemas.microsoft.com/office/drawing/2010/main" xmlns="" w="9525">
                     <a:solidFill>
                       <a:srgbClr val="000000"/>
                     </a:solidFill>
@@ -9551,7 +9551,7 @@
               </a:ln>
               <a:extLst>
                 <a:ext uri="{91240B29-F687-4f45-9708-019B960494DF}">
-                  <a14:hiddenLine xmlns="" xmlns:a14="http://schemas.microsoft.com/office/drawing/2010/main" w="9525">
+                  <a14:hiddenLine xmlns:a14="http://schemas.microsoft.com/office/drawing/2010/main" xmlns="" w="9525">
                     <a:solidFill>
                       <a:srgbClr val="000000"/>
                     </a:solidFill>
@@ -9613,7 +9613,7 @@
               </a:ln>
               <a:extLst>
                 <a:ext uri="{91240B29-F687-4f45-9708-019B960494DF}">
-                  <a14:hiddenLine xmlns="" xmlns:a14="http://schemas.microsoft.com/office/drawing/2010/main" w="9525">
+                  <a14:hiddenLine xmlns:a14="http://schemas.microsoft.com/office/drawing/2010/main" xmlns="" w="9525">
                     <a:solidFill>
                       <a:srgbClr val="000000"/>
                     </a:solidFill>
@@ -9703,7 +9703,7 @@
               </a:ln>
               <a:extLst>
                 <a:ext uri="{91240B29-F687-4f45-9708-019B960494DF}">
-                  <a14:hiddenLine xmlns="" xmlns:a14="http://schemas.microsoft.com/office/drawing/2010/main" w="9525">
+                  <a14:hiddenLine xmlns:a14="http://schemas.microsoft.com/office/drawing/2010/main" xmlns="" w="9525">
                     <a:solidFill>
                       <a:srgbClr val="000000"/>
                     </a:solidFill>
@@ -9793,7 +9793,7 @@
               </a:ln>
               <a:extLst>
                 <a:ext uri="{91240B29-F687-4f45-9708-019B960494DF}">
-                  <a14:hiddenLine xmlns="" xmlns:a14="http://schemas.microsoft.com/office/drawing/2010/main" w="9525">
+                  <a14:hiddenLine xmlns:a14="http://schemas.microsoft.com/office/drawing/2010/main" xmlns="" w="9525">
                     <a:solidFill>
                       <a:srgbClr val="000000"/>
                     </a:solidFill>
@@ -9855,7 +9855,7 @@
               </a:ln>
               <a:extLst>
                 <a:ext uri="{91240B29-F687-4f45-9708-019B960494DF}">
-                  <a14:hiddenLine xmlns="" xmlns:a14="http://schemas.microsoft.com/office/drawing/2010/main" w="9525">
+                  <a14:hiddenLine xmlns:a14="http://schemas.microsoft.com/office/drawing/2010/main" xmlns="" w="9525">
                     <a:solidFill>
                       <a:srgbClr val="000000"/>
                     </a:solidFill>
@@ -9965,7 +9965,7 @@
               </a:ln>
               <a:extLst>
                 <a:ext uri="{91240B29-F687-4f45-9708-019B960494DF}">
-                  <a14:hiddenLine xmlns="" xmlns:a14="http://schemas.microsoft.com/office/drawing/2010/main" w="9525">
+                  <a14:hiddenLine xmlns:a14="http://schemas.microsoft.com/office/drawing/2010/main" xmlns="" w="9525">
                     <a:solidFill>
                       <a:srgbClr val="000000"/>
                     </a:solidFill>
@@ -10049,7 +10049,7 @@
               </a:ln>
               <a:extLst>
                 <a:ext uri="{91240B29-F687-4f45-9708-019B960494DF}">
-                  <a14:hiddenLine xmlns="" xmlns:a14="http://schemas.microsoft.com/office/drawing/2010/main" w="9525">
+                  <a14:hiddenLine xmlns:a14="http://schemas.microsoft.com/office/drawing/2010/main" xmlns="" w="9525">
                     <a:solidFill>
                       <a:srgbClr val="000000"/>
                     </a:solidFill>
@@ -10111,7 +10111,7 @@
               </a:ln>
               <a:extLst>
                 <a:ext uri="{91240B29-F687-4f45-9708-019B960494DF}">
-                  <a14:hiddenLine xmlns="" xmlns:a14="http://schemas.microsoft.com/office/drawing/2010/main" w="9525">
+                  <a14:hiddenLine xmlns:a14="http://schemas.microsoft.com/office/drawing/2010/main" xmlns="" w="9525">
                     <a:solidFill>
                       <a:srgbClr val="000000"/>
                     </a:solidFill>
@@ -10173,7 +10173,7 @@
               </a:ln>
               <a:extLst>
                 <a:ext uri="{91240B29-F687-4f45-9708-019B960494DF}">
-                  <a14:hiddenLine xmlns="" xmlns:a14="http://schemas.microsoft.com/office/drawing/2010/main" w="9525">
+                  <a14:hiddenLine xmlns:a14="http://schemas.microsoft.com/office/drawing/2010/main" xmlns="" w="9525">
                     <a:solidFill>
                       <a:srgbClr val="000000"/>
                     </a:solidFill>
@@ -10263,7 +10263,7 @@
               </a:ln>
               <a:extLst>
                 <a:ext uri="{91240B29-F687-4f45-9708-019B960494DF}">
-                  <a14:hiddenLine xmlns="" xmlns:a14="http://schemas.microsoft.com/office/drawing/2010/main" w="9525">
+                  <a14:hiddenLine xmlns:a14="http://schemas.microsoft.com/office/drawing/2010/main" xmlns="" w="9525">
                     <a:solidFill>
                       <a:srgbClr val="000000"/>
                     </a:solidFill>
@@ -10297,7 +10297,7 @@
               </a:ln>
               <a:extLst>
                 <a:ext uri="{91240B29-F687-4f45-9708-019B960494DF}">
-                  <a14:hiddenLine xmlns="" xmlns:a14="http://schemas.microsoft.com/office/drawing/2010/main" w="9525">
+                  <a14:hiddenLine xmlns:a14="http://schemas.microsoft.com/office/drawing/2010/main" xmlns="" w="9525">
                     <a:solidFill>
                       <a:srgbClr val="000000"/>
                     </a:solidFill>
@@ -10362,7 +10362,7 @@
               </a:ln>
               <a:extLst>
                 <a:ext uri="{91240B29-F687-4f45-9708-019B960494DF}">
-                  <a14:hiddenLine xmlns="" xmlns:a14="http://schemas.microsoft.com/office/drawing/2010/main" w="9525">
+                  <a14:hiddenLine xmlns:a14="http://schemas.microsoft.com/office/drawing/2010/main" xmlns="" w="9525">
                     <a:solidFill>
                       <a:srgbClr val="000000"/>
                     </a:solidFill>
@@ -10452,7 +10452,7 @@
               </a:ln>
               <a:extLst>
                 <a:ext uri="{91240B29-F687-4f45-9708-019B960494DF}">
-                  <a14:hiddenLine xmlns="" xmlns:a14="http://schemas.microsoft.com/office/drawing/2010/main" w="9525">
+                  <a14:hiddenLine xmlns:a14="http://schemas.microsoft.com/office/drawing/2010/main" xmlns="" w="9525">
                     <a:solidFill>
                       <a:srgbClr val="000000"/>
                     </a:solidFill>
@@ -10514,7 +10514,7 @@
               </a:ln>
               <a:extLst>
                 <a:ext uri="{91240B29-F687-4f45-9708-019B960494DF}">
-                  <a14:hiddenLine xmlns="" xmlns:a14="http://schemas.microsoft.com/office/drawing/2010/main" w="9525">
+                  <a14:hiddenLine xmlns:a14="http://schemas.microsoft.com/office/drawing/2010/main" xmlns="" w="9525">
                     <a:solidFill>
                       <a:srgbClr val="000000"/>
                     </a:solidFill>
@@ -10604,7 +10604,7 @@
               </a:ln>
               <a:extLst>
                 <a:ext uri="{91240B29-F687-4f45-9708-019B960494DF}">
-                  <a14:hiddenLine xmlns="" xmlns:a14="http://schemas.microsoft.com/office/drawing/2010/main" w="9525">
+                  <a14:hiddenLine xmlns:a14="http://schemas.microsoft.com/office/drawing/2010/main" xmlns="" w="9525">
                     <a:solidFill>
                       <a:srgbClr val="000000"/>
                     </a:solidFill>
@@ -10669,7 +10669,7 @@
               </a:ln>
               <a:extLst>
                 <a:ext uri="{91240B29-F687-4f45-9708-019B960494DF}">
-                  <a14:hiddenLine xmlns="" xmlns:a14="http://schemas.microsoft.com/office/drawing/2010/main" w="9525">
+                  <a14:hiddenLine xmlns:a14="http://schemas.microsoft.com/office/drawing/2010/main" xmlns="" w="9525">
                     <a:solidFill>
                       <a:srgbClr val="000000"/>
                     </a:solidFill>
@@ -10731,7 +10731,7 @@
               </a:ln>
               <a:extLst>
                 <a:ext uri="{91240B29-F687-4f45-9708-019B960494DF}">
-                  <a14:hiddenLine xmlns="" xmlns:a14="http://schemas.microsoft.com/office/drawing/2010/main" w="9525">
+                  <a14:hiddenLine xmlns:a14="http://schemas.microsoft.com/office/drawing/2010/main" xmlns="" w="9525">
                     <a:solidFill>
                       <a:srgbClr val="000000"/>
                     </a:solidFill>
@@ -10821,7 +10821,7 @@
               </a:ln>
               <a:extLst>
                 <a:ext uri="{91240B29-F687-4f45-9708-019B960494DF}">
-                  <a14:hiddenLine xmlns="" xmlns:a14="http://schemas.microsoft.com/office/drawing/2010/main" w="9525">
+                  <a14:hiddenLine xmlns:a14="http://schemas.microsoft.com/office/drawing/2010/main" xmlns="" w="9525">
                     <a:solidFill>
                       <a:srgbClr val="000000"/>
                     </a:solidFill>
@@ -10911,7 +10911,7 @@
               </a:ln>
               <a:extLst>
                 <a:ext uri="{91240B29-F687-4f45-9708-019B960494DF}">
-                  <a14:hiddenLine xmlns="" xmlns:a14="http://schemas.microsoft.com/office/drawing/2010/main" w="9525">
+                  <a14:hiddenLine xmlns:a14="http://schemas.microsoft.com/office/drawing/2010/main" xmlns="" w="9525">
                     <a:solidFill>
                       <a:srgbClr val="000000"/>
                     </a:solidFill>
@@ -10976,7 +10976,7 @@
               </a:ln>
               <a:extLst>
                 <a:ext uri="{91240B29-F687-4f45-9708-019B960494DF}">
-                  <a14:hiddenLine xmlns="" xmlns:a14="http://schemas.microsoft.com/office/drawing/2010/main" w="9525">
+                  <a14:hiddenLine xmlns:a14="http://schemas.microsoft.com/office/drawing/2010/main" xmlns="" w="9525">
                     <a:solidFill>
                       <a:srgbClr val="000000"/>
                     </a:solidFill>
@@ -11096,7 +11096,7 @@
               </a:ln>
               <a:extLst>
                 <a:ext uri="{91240B29-F687-4f45-9708-019B960494DF}">
-                  <a14:hiddenLine xmlns="" xmlns:a14="http://schemas.microsoft.com/office/drawing/2010/main" w="9525">
+                  <a14:hiddenLine xmlns:a14="http://schemas.microsoft.com/office/drawing/2010/main" xmlns="" w="9525">
                     <a:solidFill>
                       <a:srgbClr val="000000"/>
                     </a:solidFill>
@@ -11194,7 +11194,7 @@
               </a:ln>
               <a:extLst>
                 <a:ext uri="{91240B29-F687-4f45-9708-019B960494DF}">
-                  <a14:hiddenLine xmlns="" xmlns:a14="http://schemas.microsoft.com/office/drawing/2010/main" w="9525">
+                  <a14:hiddenLine xmlns:a14="http://schemas.microsoft.com/office/drawing/2010/main" xmlns="" w="9525">
                     <a:solidFill>
                       <a:srgbClr val="000000"/>
                     </a:solidFill>
@@ -11309,7 +11309,7 @@
               </a:ln>
               <a:extLst>
                 <a:ext uri="{91240B29-F687-4f45-9708-019B960494DF}">
-                  <a14:hiddenLine xmlns="" xmlns:a14="http://schemas.microsoft.com/office/drawing/2010/main" w="9525">
+                  <a14:hiddenLine xmlns:a14="http://schemas.microsoft.com/office/drawing/2010/main" xmlns="" w="9525">
                     <a:solidFill>
                       <a:srgbClr val="000000"/>
                     </a:solidFill>
@@ -11399,7 +11399,7 @@
               </a:ln>
               <a:extLst>
                 <a:ext uri="{91240B29-F687-4f45-9708-019B960494DF}">
-                  <a14:hiddenLine xmlns="" xmlns:a14="http://schemas.microsoft.com/office/drawing/2010/main" w="9525">
+                  <a14:hiddenLine xmlns:a14="http://schemas.microsoft.com/office/drawing/2010/main" xmlns="" w="9525">
                     <a:solidFill>
                       <a:srgbClr val="000000"/>
                     </a:solidFill>
@@ -11464,7 +11464,7 @@
               </a:ln>
               <a:extLst>
                 <a:ext uri="{91240B29-F687-4f45-9708-019B960494DF}">
-                  <a14:hiddenLine xmlns="" xmlns:a14="http://schemas.microsoft.com/office/drawing/2010/main" w="9525">
+                  <a14:hiddenLine xmlns:a14="http://schemas.microsoft.com/office/drawing/2010/main" xmlns="" w="9525">
                     <a:solidFill>
                       <a:srgbClr val="000000"/>
                     </a:solidFill>
@@ -11554,7 +11554,7 @@
               </a:ln>
               <a:extLst>
                 <a:ext uri="{91240B29-F687-4f45-9708-019B960494DF}">
-                  <a14:hiddenLine xmlns="" xmlns:a14="http://schemas.microsoft.com/office/drawing/2010/main" w="9525">
+                  <a14:hiddenLine xmlns:a14="http://schemas.microsoft.com/office/drawing/2010/main" xmlns="" w="9525">
                     <a:solidFill>
                       <a:srgbClr val="000000"/>
                     </a:solidFill>
@@ -11622,7 +11622,7 @@
               </a:ln>
               <a:extLst>
                 <a:ext uri="{91240B29-F687-4f45-9708-019B960494DF}">
-                  <a14:hiddenLine xmlns="" xmlns:a14="http://schemas.microsoft.com/office/drawing/2010/main" w="9525">
+                  <a14:hiddenLine xmlns:a14="http://schemas.microsoft.com/office/drawing/2010/main" xmlns="" w="9525">
                     <a:solidFill>
                       <a:srgbClr val="000000"/>
                     </a:solidFill>
@@ -11712,7 +11712,7 @@
               </a:ln>
               <a:extLst>
                 <a:ext uri="{91240B29-F687-4f45-9708-019B960494DF}">
-                  <a14:hiddenLine xmlns="" xmlns:a14="http://schemas.microsoft.com/office/drawing/2010/main" w="9525">
+                  <a14:hiddenLine xmlns:a14="http://schemas.microsoft.com/office/drawing/2010/main" xmlns="" w="9525">
                     <a:solidFill>
                       <a:srgbClr val="000000"/>
                     </a:solidFill>
@@ -11780,7 +11780,7 @@
               </a:ln>
               <a:extLst>
                 <a:ext uri="{91240B29-F687-4f45-9708-019B960494DF}">
-                  <a14:hiddenLine xmlns="" xmlns:a14="http://schemas.microsoft.com/office/drawing/2010/main" w="9525">
+                  <a14:hiddenLine xmlns:a14="http://schemas.microsoft.com/office/drawing/2010/main" xmlns="" w="9525">
                     <a:solidFill>
                       <a:srgbClr val="000000"/>
                     </a:solidFill>
@@ -11870,7 +11870,7 @@
               </a:ln>
               <a:extLst>
                 <a:ext uri="{91240B29-F687-4f45-9708-019B960494DF}">
-                  <a14:hiddenLine xmlns="" xmlns:a14="http://schemas.microsoft.com/office/drawing/2010/main" w="9525">
+                  <a14:hiddenLine xmlns:a14="http://schemas.microsoft.com/office/drawing/2010/main" xmlns="" w="9525">
                     <a:solidFill>
                       <a:srgbClr val="000000"/>
                     </a:solidFill>
@@ -11904,7 +11904,7 @@
               </a:ln>
               <a:extLst>
                 <a:ext uri="{91240B29-F687-4f45-9708-019B960494DF}">
-                  <a14:hiddenLine xmlns="" xmlns:a14="http://schemas.microsoft.com/office/drawing/2010/main" w="9525">
+                  <a14:hiddenLine xmlns:a14="http://schemas.microsoft.com/office/drawing/2010/main" xmlns="" w="9525">
                     <a:solidFill>
                       <a:srgbClr val="000000"/>
                     </a:solidFill>
@@ -12044,7 +12044,7 @@
           <a:p>
             <a:fld id="{0BA725EB-DF43-46B3-AADC-E7AD98B09667}" type="datetimeFigureOut">
               <a:rPr lang="it-IT" smtClean="0"/>
-              <a:t>30/04/2021</a:t>
+              <a:t>01/05/2021</a:t>
             </a:fld>
             <a:endParaRPr lang="it-IT"/>
           </a:p>
@@ -12774,7 +12774,7 @@
             </a:ln>
             <a:extLst>
               <a:ext uri="{91240B29-F687-4f45-9708-019B960494DF}">
-                <a14:hiddenLine xmlns:a14="http://schemas.microsoft.com/office/drawing/2010/main" xmlns:p14="http://schemas.microsoft.com/office/powerpoint/2010/main" xmlns:a16="http://schemas.microsoft.com/office/drawing/2014/main" xmlns="" w="9525">
+                <a14:hiddenLine xmlns="" xmlns:a16="http://schemas.microsoft.com/office/drawing/2014/main" xmlns:p14="http://schemas.microsoft.com/office/powerpoint/2010/main" xmlns:a14="http://schemas.microsoft.com/office/drawing/2010/main" w="9525">
                   <a:solidFill>
                     <a:srgbClr val="000000"/>
                   </a:solidFill>
@@ -12879,7 +12879,7 @@
             </a:ln>
             <a:extLst>
               <a:ext uri="{91240B29-F687-4f45-9708-019B960494DF}">
-                <a14:hiddenLine xmlns:a14="http://schemas.microsoft.com/office/drawing/2010/main" xmlns:p14="http://schemas.microsoft.com/office/powerpoint/2010/main" xmlns:a16="http://schemas.microsoft.com/office/drawing/2014/main" xmlns="" w="9525">
+                <a14:hiddenLine xmlns="" xmlns:a16="http://schemas.microsoft.com/office/drawing/2014/main" xmlns:p14="http://schemas.microsoft.com/office/powerpoint/2010/main" xmlns:a14="http://schemas.microsoft.com/office/drawing/2010/main" w="9525">
                   <a:solidFill>
                     <a:srgbClr val="000000"/>
                   </a:solidFill>
@@ -12984,7 +12984,7 @@
             </a:ln>
             <a:extLst>
               <a:ext uri="{91240B29-F687-4f45-9708-019B960494DF}">
-                <a14:hiddenLine xmlns:a14="http://schemas.microsoft.com/office/drawing/2010/main" xmlns:p14="http://schemas.microsoft.com/office/powerpoint/2010/main" xmlns:a16="http://schemas.microsoft.com/office/drawing/2014/main" xmlns="" w="9525">
+                <a14:hiddenLine xmlns="" xmlns:a16="http://schemas.microsoft.com/office/drawing/2014/main" xmlns:p14="http://schemas.microsoft.com/office/powerpoint/2010/main" xmlns:a14="http://schemas.microsoft.com/office/drawing/2010/main" w="9525">
                   <a:solidFill>
                     <a:srgbClr val="000000"/>
                   </a:solidFill>
@@ -13061,7 +13061,7 @@
             </a:ln>
             <a:extLst>
               <a:ext uri="{91240B29-F687-4f45-9708-019B960494DF}">
-                <a14:hiddenLine xmlns:a14="http://schemas.microsoft.com/office/drawing/2010/main" xmlns:p14="http://schemas.microsoft.com/office/powerpoint/2010/main" xmlns:a16="http://schemas.microsoft.com/office/drawing/2014/main" xmlns="" w="9525">
+                <a14:hiddenLine xmlns="" xmlns:a16="http://schemas.microsoft.com/office/drawing/2014/main" xmlns:p14="http://schemas.microsoft.com/office/powerpoint/2010/main" xmlns:a14="http://schemas.microsoft.com/office/drawing/2010/main" w="9525">
                   <a:solidFill>
                     <a:srgbClr val="000000"/>
                   </a:solidFill>
@@ -13166,7 +13166,7 @@
             </a:ln>
             <a:extLst>
               <a:ext uri="{91240B29-F687-4f45-9708-019B960494DF}">
-                <a14:hiddenLine xmlns:a14="http://schemas.microsoft.com/office/drawing/2010/main" xmlns:p14="http://schemas.microsoft.com/office/powerpoint/2010/main" xmlns:a16="http://schemas.microsoft.com/office/drawing/2014/main" xmlns="" w="9525">
+                <a14:hiddenLine xmlns="" xmlns:a16="http://schemas.microsoft.com/office/drawing/2014/main" xmlns:p14="http://schemas.microsoft.com/office/powerpoint/2010/main" xmlns:a14="http://schemas.microsoft.com/office/drawing/2010/main" w="9525">
                   <a:solidFill>
                     <a:srgbClr val="000000"/>
                   </a:solidFill>
@@ -13243,7 +13243,7 @@
             </a:ln>
             <a:extLst>
               <a:ext uri="{91240B29-F687-4f45-9708-019B960494DF}">
-                <a14:hiddenLine xmlns:a14="http://schemas.microsoft.com/office/drawing/2010/main" xmlns:p14="http://schemas.microsoft.com/office/powerpoint/2010/main" xmlns:a16="http://schemas.microsoft.com/office/drawing/2014/main" xmlns="" w="9525">
+                <a14:hiddenLine xmlns="" xmlns:a16="http://schemas.microsoft.com/office/drawing/2014/main" xmlns:p14="http://schemas.microsoft.com/office/powerpoint/2010/main" xmlns:a14="http://schemas.microsoft.com/office/drawing/2010/main" w="9525">
                   <a:solidFill>
                     <a:srgbClr val="000000"/>
                   </a:solidFill>
@@ -13320,7 +13320,7 @@
             </a:ln>
             <a:extLst>
               <a:ext uri="{91240B29-F687-4f45-9708-019B960494DF}">
-                <a14:hiddenLine xmlns:a14="http://schemas.microsoft.com/office/drawing/2010/main" xmlns:p14="http://schemas.microsoft.com/office/powerpoint/2010/main" xmlns:a16="http://schemas.microsoft.com/office/drawing/2014/main" xmlns="" w="9525">
+                <a14:hiddenLine xmlns="" xmlns:a16="http://schemas.microsoft.com/office/drawing/2014/main" xmlns:p14="http://schemas.microsoft.com/office/powerpoint/2010/main" xmlns:a14="http://schemas.microsoft.com/office/drawing/2010/main" w="9525">
                   <a:solidFill>
                     <a:srgbClr val="000000"/>
                   </a:solidFill>
@@ -13425,7 +13425,7 @@
             </a:ln>
             <a:extLst>
               <a:ext uri="{91240B29-F687-4f45-9708-019B960494DF}">
-                <a14:hiddenLine xmlns:a14="http://schemas.microsoft.com/office/drawing/2010/main" xmlns:p14="http://schemas.microsoft.com/office/powerpoint/2010/main" xmlns:a16="http://schemas.microsoft.com/office/drawing/2014/main" xmlns="" w="9525">
+                <a14:hiddenLine xmlns="" xmlns:a16="http://schemas.microsoft.com/office/drawing/2014/main" xmlns:p14="http://schemas.microsoft.com/office/powerpoint/2010/main" xmlns:a14="http://schemas.microsoft.com/office/drawing/2010/main" w="9525">
                   <a:solidFill>
                     <a:srgbClr val="000000"/>
                   </a:solidFill>
@@ -13530,7 +13530,7 @@
             </a:ln>
             <a:extLst>
               <a:ext uri="{91240B29-F687-4f45-9708-019B960494DF}">
-                <a14:hiddenLine xmlns:a14="http://schemas.microsoft.com/office/drawing/2010/main" xmlns:p14="http://schemas.microsoft.com/office/powerpoint/2010/main" xmlns:a16="http://schemas.microsoft.com/office/drawing/2014/main" xmlns="" w="9525">
+                <a14:hiddenLine xmlns="" xmlns:a16="http://schemas.microsoft.com/office/drawing/2014/main" xmlns:p14="http://schemas.microsoft.com/office/powerpoint/2010/main" xmlns:a14="http://schemas.microsoft.com/office/drawing/2010/main" w="9525">
                   <a:solidFill>
                     <a:srgbClr val="000000"/>
                   </a:solidFill>
@@ -13607,7 +13607,7 @@
             </a:ln>
             <a:extLst>
               <a:ext uri="{91240B29-F687-4f45-9708-019B960494DF}">
-                <a14:hiddenLine xmlns:a14="http://schemas.microsoft.com/office/drawing/2010/main" xmlns:p14="http://schemas.microsoft.com/office/powerpoint/2010/main" xmlns:a16="http://schemas.microsoft.com/office/drawing/2014/main" xmlns="" w="9525">
+                <a14:hiddenLine xmlns="" xmlns:a16="http://schemas.microsoft.com/office/drawing/2014/main" xmlns:p14="http://schemas.microsoft.com/office/powerpoint/2010/main" xmlns:a14="http://schemas.microsoft.com/office/drawing/2010/main" w="9525">
                   <a:solidFill>
                     <a:srgbClr val="000000"/>
                   </a:solidFill>
@@ -13732,7 +13732,7 @@
             </a:ln>
             <a:extLst>
               <a:ext uri="{91240B29-F687-4f45-9708-019B960494DF}">
-                <a14:hiddenLine xmlns:a14="http://schemas.microsoft.com/office/drawing/2010/main" xmlns:p14="http://schemas.microsoft.com/office/powerpoint/2010/main" xmlns:a16="http://schemas.microsoft.com/office/drawing/2014/main" xmlns="" w="9525">
+                <a14:hiddenLine xmlns="" xmlns:a16="http://schemas.microsoft.com/office/drawing/2014/main" xmlns:p14="http://schemas.microsoft.com/office/powerpoint/2010/main" xmlns:a14="http://schemas.microsoft.com/office/drawing/2010/main" w="9525">
                   <a:solidFill>
                     <a:srgbClr val="000000"/>
                   </a:solidFill>
@@ -13846,7 +13846,7 @@
             </a:ln>
             <a:extLst>
               <a:ext uri="{91240B29-F687-4f45-9708-019B960494DF}">
-                <a14:hiddenLine xmlns:a14="http://schemas.microsoft.com/office/drawing/2010/main" xmlns:p14="http://schemas.microsoft.com/office/powerpoint/2010/main" xmlns:a16="http://schemas.microsoft.com/office/drawing/2014/main" xmlns="" w="9525">
+                <a14:hiddenLine xmlns="" xmlns:a16="http://schemas.microsoft.com/office/drawing/2014/main" xmlns:p14="http://schemas.microsoft.com/office/powerpoint/2010/main" xmlns:a14="http://schemas.microsoft.com/office/drawing/2010/main" w="9525">
                   <a:solidFill>
                     <a:srgbClr val="000000"/>
                   </a:solidFill>
@@ -13923,7 +13923,7 @@
             </a:ln>
             <a:extLst>
               <a:ext uri="{91240B29-F687-4f45-9708-019B960494DF}">
-                <a14:hiddenLine xmlns:a14="http://schemas.microsoft.com/office/drawing/2010/main" xmlns:p14="http://schemas.microsoft.com/office/powerpoint/2010/main" xmlns:a16="http://schemas.microsoft.com/office/drawing/2014/main" xmlns="" w="9525">
+                <a14:hiddenLine xmlns="" xmlns:a16="http://schemas.microsoft.com/office/drawing/2014/main" xmlns:p14="http://schemas.microsoft.com/office/powerpoint/2010/main" xmlns:a14="http://schemas.microsoft.com/office/drawing/2010/main" w="9525">
                   <a:solidFill>
                     <a:srgbClr val="000000"/>
                   </a:solidFill>
@@ -14000,7 +14000,7 @@
             </a:ln>
             <a:extLst>
               <a:ext uri="{91240B29-F687-4f45-9708-019B960494DF}">
-                <a14:hiddenLine xmlns:a14="http://schemas.microsoft.com/office/drawing/2010/main" xmlns:p14="http://schemas.microsoft.com/office/powerpoint/2010/main" xmlns:a16="http://schemas.microsoft.com/office/drawing/2014/main" xmlns="" w="9525">
+                <a14:hiddenLine xmlns="" xmlns:a16="http://schemas.microsoft.com/office/drawing/2014/main" xmlns:p14="http://schemas.microsoft.com/office/powerpoint/2010/main" xmlns:a14="http://schemas.microsoft.com/office/drawing/2010/main" w="9525">
                   <a:solidFill>
                     <a:srgbClr val="000000"/>
                   </a:solidFill>
@@ -14105,7 +14105,7 @@
             </a:ln>
             <a:extLst>
               <a:ext uri="{91240B29-F687-4f45-9708-019B960494DF}">
-                <a14:hiddenLine xmlns:a14="http://schemas.microsoft.com/office/drawing/2010/main" xmlns:p14="http://schemas.microsoft.com/office/powerpoint/2010/main" xmlns:a16="http://schemas.microsoft.com/office/drawing/2014/main" xmlns="" w="9525">
+                <a14:hiddenLine xmlns="" xmlns:a16="http://schemas.microsoft.com/office/drawing/2014/main" xmlns:p14="http://schemas.microsoft.com/office/powerpoint/2010/main" xmlns:a14="http://schemas.microsoft.com/office/drawing/2010/main" w="9525">
                   <a:solidFill>
                     <a:srgbClr val="000000"/>
                   </a:solidFill>
@@ -14154,7 +14154,7 @@
             </a:ln>
             <a:extLst>
               <a:ext uri="{91240B29-F687-4f45-9708-019B960494DF}">
-                <a14:hiddenLine xmlns:a14="http://schemas.microsoft.com/office/drawing/2010/main" xmlns:p14="http://schemas.microsoft.com/office/powerpoint/2010/main" xmlns:a16="http://schemas.microsoft.com/office/drawing/2014/main" xmlns="" w="9525">
+                <a14:hiddenLine xmlns="" xmlns:a16="http://schemas.microsoft.com/office/drawing/2014/main" xmlns:p14="http://schemas.microsoft.com/office/powerpoint/2010/main" xmlns:a14="http://schemas.microsoft.com/office/drawing/2010/main" w="9525">
                   <a:solidFill>
                     <a:srgbClr val="000000"/>
                   </a:solidFill>
@@ -14234,7 +14234,7 @@
             </a:ln>
             <a:extLst>
               <a:ext uri="{91240B29-F687-4f45-9708-019B960494DF}">
-                <a14:hiddenLine xmlns:a14="http://schemas.microsoft.com/office/drawing/2010/main" xmlns:p14="http://schemas.microsoft.com/office/powerpoint/2010/main" xmlns:a16="http://schemas.microsoft.com/office/drawing/2014/main" xmlns="" w="9525">
+                <a14:hiddenLine xmlns="" xmlns:a16="http://schemas.microsoft.com/office/drawing/2014/main" xmlns:p14="http://schemas.microsoft.com/office/powerpoint/2010/main" xmlns:a14="http://schemas.microsoft.com/office/drawing/2010/main" w="9525">
                   <a:solidFill>
                     <a:srgbClr val="000000"/>
                   </a:solidFill>
@@ -14339,7 +14339,7 @@
             </a:ln>
             <a:extLst>
               <a:ext uri="{91240B29-F687-4f45-9708-019B960494DF}">
-                <a14:hiddenLine xmlns:a14="http://schemas.microsoft.com/office/drawing/2010/main" xmlns:p14="http://schemas.microsoft.com/office/powerpoint/2010/main" xmlns:a16="http://schemas.microsoft.com/office/drawing/2014/main" xmlns="" w="9525">
+                <a14:hiddenLine xmlns="" xmlns:a16="http://schemas.microsoft.com/office/drawing/2014/main" xmlns:p14="http://schemas.microsoft.com/office/powerpoint/2010/main" xmlns:a14="http://schemas.microsoft.com/office/drawing/2010/main" w="9525">
                   <a:solidFill>
                     <a:srgbClr val="000000"/>
                   </a:solidFill>
@@ -14416,7 +14416,7 @@
             </a:ln>
             <a:extLst>
               <a:ext uri="{91240B29-F687-4f45-9708-019B960494DF}">
-                <a14:hiddenLine xmlns:a14="http://schemas.microsoft.com/office/drawing/2010/main" xmlns:p14="http://schemas.microsoft.com/office/powerpoint/2010/main" xmlns:a16="http://schemas.microsoft.com/office/drawing/2014/main" xmlns="" w="9525">
+                <a14:hiddenLine xmlns="" xmlns:a16="http://schemas.microsoft.com/office/drawing/2014/main" xmlns:p14="http://schemas.microsoft.com/office/powerpoint/2010/main" xmlns:a14="http://schemas.microsoft.com/office/drawing/2010/main" w="9525">
                   <a:solidFill>
                     <a:srgbClr val="000000"/>
                   </a:solidFill>
@@ -14521,7 +14521,7 @@
             </a:ln>
             <a:extLst>
               <a:ext uri="{91240B29-F687-4f45-9708-019B960494DF}">
-                <a14:hiddenLine xmlns:a14="http://schemas.microsoft.com/office/drawing/2010/main" xmlns:p14="http://schemas.microsoft.com/office/powerpoint/2010/main" xmlns:a16="http://schemas.microsoft.com/office/drawing/2014/main" xmlns="" w="9525">
+                <a14:hiddenLine xmlns="" xmlns:a16="http://schemas.microsoft.com/office/drawing/2014/main" xmlns:p14="http://schemas.microsoft.com/office/powerpoint/2010/main" xmlns:a14="http://schemas.microsoft.com/office/drawing/2010/main" w="9525">
                   <a:solidFill>
                     <a:srgbClr val="000000"/>
                   </a:solidFill>
@@ -14601,7 +14601,7 @@
             </a:ln>
             <a:extLst>
               <a:ext uri="{91240B29-F687-4f45-9708-019B960494DF}">
-                <a14:hiddenLine xmlns:a14="http://schemas.microsoft.com/office/drawing/2010/main" xmlns:p14="http://schemas.microsoft.com/office/powerpoint/2010/main" xmlns:a16="http://schemas.microsoft.com/office/drawing/2014/main" xmlns="" w="9525">
+                <a14:hiddenLine xmlns="" xmlns:a16="http://schemas.microsoft.com/office/drawing/2014/main" xmlns:p14="http://schemas.microsoft.com/office/powerpoint/2010/main" xmlns:a14="http://schemas.microsoft.com/office/drawing/2010/main" w="9525">
                   <a:solidFill>
                     <a:srgbClr val="000000"/>
                   </a:solidFill>
@@ -14678,7 +14678,7 @@
             </a:ln>
             <a:extLst>
               <a:ext uri="{91240B29-F687-4f45-9708-019B960494DF}">
-                <a14:hiddenLine xmlns:a14="http://schemas.microsoft.com/office/drawing/2010/main" xmlns:p14="http://schemas.microsoft.com/office/powerpoint/2010/main" xmlns:a16="http://schemas.microsoft.com/office/drawing/2014/main" xmlns="" w="9525">
+                <a14:hiddenLine xmlns="" xmlns:a16="http://schemas.microsoft.com/office/drawing/2014/main" xmlns:p14="http://schemas.microsoft.com/office/powerpoint/2010/main" xmlns:a14="http://schemas.microsoft.com/office/drawing/2010/main" w="9525">
                   <a:solidFill>
                     <a:srgbClr val="000000"/>
                   </a:solidFill>
@@ -14783,7 +14783,7 @@
             </a:ln>
             <a:extLst>
               <a:ext uri="{91240B29-F687-4f45-9708-019B960494DF}">
-                <a14:hiddenLine xmlns:a14="http://schemas.microsoft.com/office/drawing/2010/main" xmlns:p14="http://schemas.microsoft.com/office/powerpoint/2010/main" xmlns:a16="http://schemas.microsoft.com/office/drawing/2014/main" xmlns="" w="9525">
+                <a14:hiddenLine xmlns="" xmlns:a16="http://schemas.microsoft.com/office/drawing/2014/main" xmlns:p14="http://schemas.microsoft.com/office/powerpoint/2010/main" xmlns:a14="http://schemas.microsoft.com/office/drawing/2010/main" w="9525">
                   <a:solidFill>
                     <a:srgbClr val="000000"/>
                   </a:solidFill>
@@ -14888,7 +14888,7 @@
             </a:ln>
             <a:extLst>
               <a:ext uri="{91240B29-F687-4f45-9708-019B960494DF}">
-                <a14:hiddenLine xmlns:a14="http://schemas.microsoft.com/office/drawing/2010/main" xmlns:p14="http://schemas.microsoft.com/office/powerpoint/2010/main" xmlns:a16="http://schemas.microsoft.com/office/drawing/2014/main" xmlns="" w="9525">
+                <a14:hiddenLine xmlns="" xmlns:a16="http://schemas.microsoft.com/office/drawing/2014/main" xmlns:p14="http://schemas.microsoft.com/office/powerpoint/2010/main" xmlns:a14="http://schemas.microsoft.com/office/drawing/2010/main" w="9525">
                   <a:solidFill>
                     <a:srgbClr val="000000"/>
                   </a:solidFill>
@@ -14968,7 +14968,7 @@
             </a:ln>
             <a:extLst>
               <a:ext uri="{91240B29-F687-4f45-9708-019B960494DF}">
-                <a14:hiddenLine xmlns:a14="http://schemas.microsoft.com/office/drawing/2010/main" xmlns:p14="http://schemas.microsoft.com/office/powerpoint/2010/main" xmlns:a16="http://schemas.microsoft.com/office/drawing/2014/main" xmlns="" w="9525">
+                <a14:hiddenLine xmlns="" xmlns:a16="http://schemas.microsoft.com/office/drawing/2014/main" xmlns:p14="http://schemas.microsoft.com/office/powerpoint/2010/main" xmlns:a14="http://schemas.microsoft.com/office/drawing/2010/main" w="9525">
                   <a:solidFill>
                     <a:srgbClr val="000000"/>
                   </a:solidFill>
@@ -15103,7 +15103,7 @@
             </a:ln>
             <a:extLst>
               <a:ext uri="{91240B29-F687-4f45-9708-019B960494DF}">
-                <a14:hiddenLine xmlns:a14="http://schemas.microsoft.com/office/drawing/2010/main" xmlns:p14="http://schemas.microsoft.com/office/powerpoint/2010/main" xmlns:a16="http://schemas.microsoft.com/office/drawing/2014/main" xmlns="" w="9525">
+                <a14:hiddenLine xmlns="" xmlns:a16="http://schemas.microsoft.com/office/drawing/2014/main" xmlns:p14="http://schemas.microsoft.com/office/powerpoint/2010/main" xmlns:a14="http://schemas.microsoft.com/office/drawing/2010/main" w="9525">
                   <a:solidFill>
                     <a:srgbClr val="000000"/>
                   </a:solidFill>
@@ -15632,7 +15632,7 @@
             </a:ln>
             <a:extLst>
               <a:ext uri="{91240B29-F687-4f45-9708-019B960494DF}">
-                <a14:hiddenLine xmlns:a14="http://schemas.microsoft.com/office/drawing/2010/main" xmlns:p14="http://schemas.microsoft.com/office/powerpoint/2010/main" xmlns:a16="http://schemas.microsoft.com/office/drawing/2014/main" xmlns="" w="9525">
+                <a14:hiddenLine xmlns="" xmlns:a16="http://schemas.microsoft.com/office/drawing/2014/main" xmlns:p14="http://schemas.microsoft.com/office/powerpoint/2010/main" xmlns:a14="http://schemas.microsoft.com/office/drawing/2010/main" w="9525">
                   <a:solidFill>
                     <a:srgbClr val="000000"/>
                   </a:solidFill>
@@ -15737,7 +15737,7 @@
             </a:ln>
             <a:extLst>
               <a:ext uri="{91240B29-F687-4f45-9708-019B960494DF}">
-                <a14:hiddenLine xmlns:a14="http://schemas.microsoft.com/office/drawing/2010/main" xmlns:p14="http://schemas.microsoft.com/office/powerpoint/2010/main" xmlns:a16="http://schemas.microsoft.com/office/drawing/2014/main" xmlns="" w="9525">
+                <a14:hiddenLine xmlns="" xmlns:a16="http://schemas.microsoft.com/office/drawing/2014/main" xmlns:p14="http://schemas.microsoft.com/office/powerpoint/2010/main" xmlns:a14="http://schemas.microsoft.com/office/drawing/2010/main" w="9525">
                   <a:solidFill>
                     <a:srgbClr val="000000"/>
                   </a:solidFill>
@@ -15842,7 +15842,7 @@
             </a:ln>
             <a:extLst>
               <a:ext uri="{91240B29-F687-4f45-9708-019B960494DF}">
-                <a14:hiddenLine xmlns:a14="http://schemas.microsoft.com/office/drawing/2010/main" xmlns:p14="http://schemas.microsoft.com/office/powerpoint/2010/main" xmlns:a16="http://schemas.microsoft.com/office/drawing/2014/main" xmlns="" w="9525">
+                <a14:hiddenLine xmlns="" xmlns:a16="http://schemas.microsoft.com/office/drawing/2014/main" xmlns:p14="http://schemas.microsoft.com/office/powerpoint/2010/main" xmlns:a14="http://schemas.microsoft.com/office/drawing/2010/main" w="9525">
                   <a:solidFill>
                     <a:srgbClr val="000000"/>
                   </a:solidFill>
@@ -15919,7 +15919,7 @@
             </a:ln>
             <a:extLst>
               <a:ext uri="{91240B29-F687-4f45-9708-019B960494DF}">
-                <a14:hiddenLine xmlns:a14="http://schemas.microsoft.com/office/drawing/2010/main" xmlns:p14="http://schemas.microsoft.com/office/powerpoint/2010/main" xmlns:a16="http://schemas.microsoft.com/office/drawing/2014/main" xmlns="" w="9525">
+                <a14:hiddenLine xmlns="" xmlns:a16="http://schemas.microsoft.com/office/drawing/2014/main" xmlns:p14="http://schemas.microsoft.com/office/powerpoint/2010/main" xmlns:a14="http://schemas.microsoft.com/office/drawing/2010/main" w="9525">
                   <a:solidFill>
                     <a:srgbClr val="000000"/>
                   </a:solidFill>
@@ -16024,7 +16024,7 @@
             </a:ln>
             <a:extLst>
               <a:ext uri="{91240B29-F687-4f45-9708-019B960494DF}">
-                <a14:hiddenLine xmlns:a14="http://schemas.microsoft.com/office/drawing/2010/main" xmlns:p14="http://schemas.microsoft.com/office/powerpoint/2010/main" xmlns:a16="http://schemas.microsoft.com/office/drawing/2014/main" xmlns="" w="9525">
+                <a14:hiddenLine xmlns="" xmlns:a16="http://schemas.microsoft.com/office/drawing/2014/main" xmlns:p14="http://schemas.microsoft.com/office/powerpoint/2010/main" xmlns:a14="http://schemas.microsoft.com/office/drawing/2010/main" w="9525">
                   <a:solidFill>
                     <a:srgbClr val="000000"/>
                   </a:solidFill>
@@ -16101,7 +16101,7 @@
             </a:ln>
             <a:extLst>
               <a:ext uri="{91240B29-F687-4f45-9708-019B960494DF}">
-                <a14:hiddenLine xmlns:a14="http://schemas.microsoft.com/office/drawing/2010/main" xmlns:p14="http://schemas.microsoft.com/office/powerpoint/2010/main" xmlns:a16="http://schemas.microsoft.com/office/drawing/2014/main" xmlns="" w="9525">
+                <a14:hiddenLine xmlns="" xmlns:a16="http://schemas.microsoft.com/office/drawing/2014/main" xmlns:p14="http://schemas.microsoft.com/office/powerpoint/2010/main" xmlns:a14="http://schemas.microsoft.com/office/drawing/2010/main" w="9525">
                   <a:solidFill>
                     <a:srgbClr val="000000"/>
                   </a:solidFill>
@@ -16178,7 +16178,7 @@
             </a:ln>
             <a:extLst>
               <a:ext uri="{91240B29-F687-4f45-9708-019B960494DF}">
-                <a14:hiddenLine xmlns:a14="http://schemas.microsoft.com/office/drawing/2010/main" xmlns:p14="http://schemas.microsoft.com/office/powerpoint/2010/main" xmlns:a16="http://schemas.microsoft.com/office/drawing/2014/main" xmlns="" w="9525">
+                <a14:hiddenLine xmlns="" xmlns:a16="http://schemas.microsoft.com/office/drawing/2014/main" xmlns:p14="http://schemas.microsoft.com/office/powerpoint/2010/main" xmlns:a14="http://schemas.microsoft.com/office/drawing/2010/main" w="9525">
                   <a:solidFill>
                     <a:srgbClr val="000000"/>
                   </a:solidFill>
@@ -16283,7 +16283,7 @@
             </a:ln>
             <a:extLst>
               <a:ext uri="{91240B29-F687-4f45-9708-019B960494DF}">
-                <a14:hiddenLine xmlns:a14="http://schemas.microsoft.com/office/drawing/2010/main" xmlns:p14="http://schemas.microsoft.com/office/powerpoint/2010/main" xmlns:a16="http://schemas.microsoft.com/office/drawing/2014/main" xmlns="" w="9525">
+                <a14:hiddenLine xmlns="" xmlns:a16="http://schemas.microsoft.com/office/drawing/2014/main" xmlns:p14="http://schemas.microsoft.com/office/powerpoint/2010/main" xmlns:a14="http://schemas.microsoft.com/office/drawing/2010/main" w="9525">
                   <a:solidFill>
                     <a:srgbClr val="000000"/>
                   </a:solidFill>
@@ -16388,7 +16388,7 @@
             </a:ln>
             <a:extLst>
               <a:ext uri="{91240B29-F687-4f45-9708-019B960494DF}">
-                <a14:hiddenLine xmlns:a14="http://schemas.microsoft.com/office/drawing/2010/main" xmlns:p14="http://schemas.microsoft.com/office/powerpoint/2010/main" xmlns:a16="http://schemas.microsoft.com/office/drawing/2014/main" xmlns="" w="9525">
+                <a14:hiddenLine xmlns="" xmlns:a16="http://schemas.microsoft.com/office/drawing/2014/main" xmlns:p14="http://schemas.microsoft.com/office/powerpoint/2010/main" xmlns:a14="http://schemas.microsoft.com/office/drawing/2010/main" w="9525">
                   <a:solidFill>
                     <a:srgbClr val="000000"/>
                   </a:solidFill>
@@ -16465,7 +16465,7 @@
             </a:ln>
             <a:extLst>
               <a:ext uri="{91240B29-F687-4f45-9708-019B960494DF}">
-                <a14:hiddenLine xmlns:a14="http://schemas.microsoft.com/office/drawing/2010/main" xmlns:p14="http://schemas.microsoft.com/office/powerpoint/2010/main" xmlns:a16="http://schemas.microsoft.com/office/drawing/2014/main" xmlns="" w="9525">
+                <a14:hiddenLine xmlns="" xmlns:a16="http://schemas.microsoft.com/office/drawing/2014/main" xmlns:p14="http://schemas.microsoft.com/office/powerpoint/2010/main" xmlns:a14="http://schemas.microsoft.com/office/drawing/2010/main" w="9525">
                   <a:solidFill>
                     <a:srgbClr val="000000"/>
                   </a:solidFill>
@@ -16590,7 +16590,7 @@
             </a:ln>
             <a:extLst>
               <a:ext uri="{91240B29-F687-4f45-9708-019B960494DF}">
-                <a14:hiddenLine xmlns:a14="http://schemas.microsoft.com/office/drawing/2010/main" xmlns:p14="http://schemas.microsoft.com/office/powerpoint/2010/main" xmlns:a16="http://schemas.microsoft.com/office/drawing/2014/main" xmlns="" w="9525">
+                <a14:hiddenLine xmlns="" xmlns:a16="http://schemas.microsoft.com/office/drawing/2014/main" xmlns:p14="http://schemas.microsoft.com/office/powerpoint/2010/main" xmlns:a14="http://schemas.microsoft.com/office/drawing/2010/main" w="9525">
                   <a:solidFill>
                     <a:srgbClr val="000000"/>
                   </a:solidFill>
@@ -16704,7 +16704,7 @@
             </a:ln>
             <a:extLst>
               <a:ext uri="{91240B29-F687-4f45-9708-019B960494DF}">
-                <a14:hiddenLine xmlns:a14="http://schemas.microsoft.com/office/drawing/2010/main" xmlns:p14="http://schemas.microsoft.com/office/powerpoint/2010/main" xmlns:a16="http://schemas.microsoft.com/office/drawing/2014/main" xmlns="" w="9525">
+                <a14:hiddenLine xmlns="" xmlns:a16="http://schemas.microsoft.com/office/drawing/2014/main" xmlns:p14="http://schemas.microsoft.com/office/powerpoint/2010/main" xmlns:a14="http://schemas.microsoft.com/office/drawing/2010/main" w="9525">
                   <a:solidFill>
                     <a:srgbClr val="000000"/>
                   </a:solidFill>
@@ -16781,7 +16781,7 @@
             </a:ln>
             <a:extLst>
               <a:ext uri="{91240B29-F687-4f45-9708-019B960494DF}">
-                <a14:hiddenLine xmlns:a14="http://schemas.microsoft.com/office/drawing/2010/main" xmlns:p14="http://schemas.microsoft.com/office/powerpoint/2010/main" xmlns:a16="http://schemas.microsoft.com/office/drawing/2014/main" xmlns="" w="9525">
+                <a14:hiddenLine xmlns="" xmlns:a16="http://schemas.microsoft.com/office/drawing/2014/main" xmlns:p14="http://schemas.microsoft.com/office/powerpoint/2010/main" xmlns:a14="http://schemas.microsoft.com/office/drawing/2010/main" w="9525">
                   <a:solidFill>
                     <a:srgbClr val="000000"/>
                   </a:solidFill>
@@ -16858,7 +16858,7 @@
             </a:ln>
             <a:extLst>
               <a:ext uri="{91240B29-F687-4f45-9708-019B960494DF}">
-                <a14:hiddenLine xmlns:a14="http://schemas.microsoft.com/office/drawing/2010/main" xmlns:p14="http://schemas.microsoft.com/office/powerpoint/2010/main" xmlns:a16="http://schemas.microsoft.com/office/drawing/2014/main" xmlns="" w="9525">
+                <a14:hiddenLine xmlns="" xmlns:a16="http://schemas.microsoft.com/office/drawing/2014/main" xmlns:p14="http://schemas.microsoft.com/office/powerpoint/2010/main" xmlns:a14="http://schemas.microsoft.com/office/drawing/2010/main" w="9525">
                   <a:solidFill>
                     <a:srgbClr val="000000"/>
                   </a:solidFill>
@@ -16963,7 +16963,7 @@
             </a:ln>
             <a:extLst>
               <a:ext uri="{91240B29-F687-4f45-9708-019B960494DF}">
-                <a14:hiddenLine xmlns:a14="http://schemas.microsoft.com/office/drawing/2010/main" xmlns:p14="http://schemas.microsoft.com/office/powerpoint/2010/main" xmlns:a16="http://schemas.microsoft.com/office/drawing/2014/main" xmlns="" w="9525">
+                <a14:hiddenLine xmlns="" xmlns:a16="http://schemas.microsoft.com/office/drawing/2014/main" xmlns:p14="http://schemas.microsoft.com/office/powerpoint/2010/main" xmlns:a14="http://schemas.microsoft.com/office/drawing/2010/main" w="9525">
                   <a:solidFill>
                     <a:srgbClr val="000000"/>
                   </a:solidFill>
@@ -17012,7 +17012,7 @@
             </a:ln>
             <a:extLst>
               <a:ext uri="{91240B29-F687-4f45-9708-019B960494DF}">
-                <a14:hiddenLine xmlns:a14="http://schemas.microsoft.com/office/drawing/2010/main" xmlns:p14="http://schemas.microsoft.com/office/powerpoint/2010/main" xmlns:a16="http://schemas.microsoft.com/office/drawing/2014/main" xmlns="" w="9525">
+                <a14:hiddenLine xmlns="" xmlns:a16="http://schemas.microsoft.com/office/drawing/2014/main" xmlns:p14="http://schemas.microsoft.com/office/powerpoint/2010/main" xmlns:a14="http://schemas.microsoft.com/office/drawing/2010/main" w="9525">
                   <a:solidFill>
                     <a:srgbClr val="000000"/>
                   </a:solidFill>
@@ -17092,7 +17092,7 @@
             </a:ln>
             <a:extLst>
               <a:ext uri="{91240B29-F687-4f45-9708-019B960494DF}">
-                <a14:hiddenLine xmlns:a14="http://schemas.microsoft.com/office/drawing/2010/main" xmlns:p14="http://schemas.microsoft.com/office/powerpoint/2010/main" xmlns:a16="http://schemas.microsoft.com/office/drawing/2014/main" xmlns="" w="9525">
+                <a14:hiddenLine xmlns="" xmlns:a16="http://schemas.microsoft.com/office/drawing/2014/main" xmlns:p14="http://schemas.microsoft.com/office/powerpoint/2010/main" xmlns:a14="http://schemas.microsoft.com/office/drawing/2010/main" w="9525">
                   <a:solidFill>
                     <a:srgbClr val="000000"/>
                   </a:solidFill>
@@ -17197,7 +17197,7 @@
             </a:ln>
             <a:extLst>
               <a:ext uri="{91240B29-F687-4f45-9708-019B960494DF}">
-                <a14:hiddenLine xmlns:a14="http://schemas.microsoft.com/office/drawing/2010/main" xmlns:p14="http://schemas.microsoft.com/office/powerpoint/2010/main" xmlns:a16="http://schemas.microsoft.com/office/drawing/2014/main" xmlns="" w="9525">
+                <a14:hiddenLine xmlns="" xmlns:a16="http://schemas.microsoft.com/office/drawing/2014/main" xmlns:p14="http://schemas.microsoft.com/office/powerpoint/2010/main" xmlns:a14="http://schemas.microsoft.com/office/drawing/2010/main" w="9525">
                   <a:solidFill>
                     <a:srgbClr val="000000"/>
                   </a:solidFill>
@@ -17274,7 +17274,7 @@
             </a:ln>
             <a:extLst>
               <a:ext uri="{91240B29-F687-4f45-9708-019B960494DF}">
-                <a14:hiddenLine xmlns:a14="http://schemas.microsoft.com/office/drawing/2010/main" xmlns:p14="http://schemas.microsoft.com/office/powerpoint/2010/main" xmlns:a16="http://schemas.microsoft.com/office/drawing/2014/main" xmlns="" w="9525">
+                <a14:hiddenLine xmlns="" xmlns:a16="http://schemas.microsoft.com/office/drawing/2014/main" xmlns:p14="http://schemas.microsoft.com/office/powerpoint/2010/main" xmlns:a14="http://schemas.microsoft.com/office/drawing/2010/main" w="9525">
                   <a:solidFill>
                     <a:srgbClr val="000000"/>
                   </a:solidFill>
@@ -17379,7 +17379,7 @@
             </a:ln>
             <a:extLst>
               <a:ext uri="{91240B29-F687-4f45-9708-019B960494DF}">
-                <a14:hiddenLine xmlns:a14="http://schemas.microsoft.com/office/drawing/2010/main" xmlns:p14="http://schemas.microsoft.com/office/powerpoint/2010/main" xmlns:a16="http://schemas.microsoft.com/office/drawing/2014/main" xmlns="" w="9525">
+                <a14:hiddenLine xmlns="" xmlns:a16="http://schemas.microsoft.com/office/drawing/2014/main" xmlns:p14="http://schemas.microsoft.com/office/powerpoint/2010/main" xmlns:a14="http://schemas.microsoft.com/office/drawing/2010/main" w="9525">
                   <a:solidFill>
                     <a:srgbClr val="000000"/>
                   </a:solidFill>
@@ -17459,7 +17459,7 @@
             </a:ln>
             <a:extLst>
               <a:ext uri="{91240B29-F687-4f45-9708-019B960494DF}">
-                <a14:hiddenLine xmlns:a14="http://schemas.microsoft.com/office/drawing/2010/main" xmlns:p14="http://schemas.microsoft.com/office/powerpoint/2010/main" xmlns:a16="http://schemas.microsoft.com/office/drawing/2014/main" xmlns="" w="9525">
+                <a14:hiddenLine xmlns="" xmlns:a16="http://schemas.microsoft.com/office/drawing/2014/main" xmlns:p14="http://schemas.microsoft.com/office/powerpoint/2010/main" xmlns:a14="http://schemas.microsoft.com/office/drawing/2010/main" w="9525">
                   <a:solidFill>
                     <a:srgbClr val="000000"/>
                   </a:solidFill>
@@ -17536,7 +17536,7 @@
             </a:ln>
             <a:extLst>
               <a:ext uri="{91240B29-F687-4f45-9708-019B960494DF}">
-                <a14:hiddenLine xmlns:a14="http://schemas.microsoft.com/office/drawing/2010/main" xmlns:p14="http://schemas.microsoft.com/office/powerpoint/2010/main" xmlns:a16="http://schemas.microsoft.com/office/drawing/2014/main" xmlns="" w="9525">
+                <a14:hiddenLine xmlns="" xmlns:a16="http://schemas.microsoft.com/office/drawing/2014/main" xmlns:p14="http://schemas.microsoft.com/office/powerpoint/2010/main" xmlns:a14="http://schemas.microsoft.com/office/drawing/2010/main" w="9525">
                   <a:solidFill>
                     <a:srgbClr val="000000"/>
                   </a:solidFill>
@@ -17641,7 +17641,7 @@
             </a:ln>
             <a:extLst>
               <a:ext uri="{91240B29-F687-4f45-9708-019B960494DF}">
-                <a14:hiddenLine xmlns:a14="http://schemas.microsoft.com/office/drawing/2010/main" xmlns:p14="http://schemas.microsoft.com/office/powerpoint/2010/main" xmlns:a16="http://schemas.microsoft.com/office/drawing/2014/main" xmlns="" w="9525">
+                <a14:hiddenLine xmlns="" xmlns:a16="http://schemas.microsoft.com/office/drawing/2014/main" xmlns:p14="http://schemas.microsoft.com/office/powerpoint/2010/main" xmlns:a14="http://schemas.microsoft.com/office/drawing/2010/main" w="9525">
                   <a:solidFill>
                     <a:srgbClr val="000000"/>
                   </a:solidFill>
@@ -17746,7 +17746,7 @@
             </a:ln>
             <a:extLst>
               <a:ext uri="{91240B29-F687-4f45-9708-019B960494DF}">
-                <a14:hiddenLine xmlns:a14="http://schemas.microsoft.com/office/drawing/2010/main" xmlns:p14="http://schemas.microsoft.com/office/powerpoint/2010/main" xmlns:a16="http://schemas.microsoft.com/office/drawing/2014/main" xmlns="" w="9525">
+                <a14:hiddenLine xmlns="" xmlns:a16="http://schemas.microsoft.com/office/drawing/2014/main" xmlns:p14="http://schemas.microsoft.com/office/powerpoint/2010/main" xmlns:a14="http://schemas.microsoft.com/office/drawing/2010/main" w="9525">
                   <a:solidFill>
                     <a:srgbClr val="000000"/>
                   </a:solidFill>
@@ -17826,7 +17826,7 @@
             </a:ln>
             <a:extLst>
               <a:ext uri="{91240B29-F687-4f45-9708-019B960494DF}">
-                <a14:hiddenLine xmlns:a14="http://schemas.microsoft.com/office/drawing/2010/main" xmlns:p14="http://schemas.microsoft.com/office/powerpoint/2010/main" xmlns:a16="http://schemas.microsoft.com/office/drawing/2014/main" xmlns="" w="9525">
+                <a14:hiddenLine xmlns="" xmlns:a16="http://schemas.microsoft.com/office/drawing/2014/main" xmlns:p14="http://schemas.microsoft.com/office/powerpoint/2010/main" xmlns:a14="http://schemas.microsoft.com/office/drawing/2010/main" w="9525">
                   <a:solidFill>
                     <a:srgbClr val="000000"/>
                   </a:solidFill>
@@ -17961,7 +17961,7 @@
             </a:ln>
             <a:extLst>
               <a:ext uri="{91240B29-F687-4f45-9708-019B960494DF}">
-                <a14:hiddenLine xmlns:a14="http://schemas.microsoft.com/office/drawing/2010/main" xmlns:p14="http://schemas.microsoft.com/office/powerpoint/2010/main" xmlns:a16="http://schemas.microsoft.com/office/drawing/2014/main" xmlns="" w="9525">
+                <a14:hiddenLine xmlns="" xmlns:a16="http://schemas.microsoft.com/office/drawing/2014/main" xmlns:p14="http://schemas.microsoft.com/office/powerpoint/2010/main" xmlns:a14="http://schemas.microsoft.com/office/drawing/2010/main" w="9525">
                   <a:solidFill>
                     <a:srgbClr val="000000"/>
                   </a:solidFill>
@@ -18134,7 +18134,7 @@
             <a:pPr algn="ctr"/>
             <a:r>
               <a:rPr lang="it-IT" dirty="0"/>
-              <a:t>COMPONENTS SCHEME</a:t>
+              <a:t>COMPONENT SCHEME</a:t>
             </a:r>
           </a:p>
         </p:txBody>
@@ -18318,7 +18318,7 @@
             </a:ln>
             <a:extLst>
               <a:ext uri="{91240B29-F687-4f45-9708-019B960494DF}">
-                <a14:hiddenLine xmlns="" xmlns:a16="http://schemas.microsoft.com/office/drawing/2014/main" xmlns:p14="http://schemas.microsoft.com/office/powerpoint/2010/main" xmlns:a14="http://schemas.microsoft.com/office/drawing/2010/main" w="9525">
+                <a14:hiddenLine xmlns:a14="http://schemas.microsoft.com/office/drawing/2010/main" xmlns:p14="http://schemas.microsoft.com/office/powerpoint/2010/main" xmlns:a16="http://schemas.microsoft.com/office/drawing/2014/main" xmlns="" w="9525">
                   <a:solidFill>
                     <a:srgbClr val="000000"/>
                   </a:solidFill>
@@ -18423,7 +18423,7 @@
             </a:ln>
             <a:extLst>
               <a:ext uri="{91240B29-F687-4f45-9708-019B960494DF}">
-                <a14:hiddenLine xmlns="" xmlns:a16="http://schemas.microsoft.com/office/drawing/2014/main" xmlns:p14="http://schemas.microsoft.com/office/powerpoint/2010/main" xmlns:a14="http://schemas.microsoft.com/office/drawing/2010/main" w="9525">
+                <a14:hiddenLine xmlns:a14="http://schemas.microsoft.com/office/drawing/2010/main" xmlns:p14="http://schemas.microsoft.com/office/powerpoint/2010/main" xmlns:a16="http://schemas.microsoft.com/office/drawing/2014/main" xmlns="" w="9525">
                   <a:solidFill>
                     <a:srgbClr val="000000"/>
                   </a:solidFill>
@@ -18528,7 +18528,7 @@
             </a:ln>
             <a:extLst>
               <a:ext uri="{91240B29-F687-4f45-9708-019B960494DF}">
-                <a14:hiddenLine xmlns="" xmlns:a16="http://schemas.microsoft.com/office/drawing/2014/main" xmlns:p14="http://schemas.microsoft.com/office/powerpoint/2010/main" xmlns:a14="http://schemas.microsoft.com/office/drawing/2010/main" w="9525">
+                <a14:hiddenLine xmlns:a14="http://schemas.microsoft.com/office/drawing/2010/main" xmlns:p14="http://schemas.microsoft.com/office/powerpoint/2010/main" xmlns:a16="http://schemas.microsoft.com/office/drawing/2014/main" xmlns="" w="9525">
                   <a:solidFill>
                     <a:srgbClr val="000000"/>
                   </a:solidFill>
@@ -18605,7 +18605,7 @@
             </a:ln>
             <a:extLst>
               <a:ext uri="{91240B29-F687-4f45-9708-019B960494DF}">
-                <a14:hiddenLine xmlns="" xmlns:a16="http://schemas.microsoft.com/office/drawing/2014/main" xmlns:p14="http://schemas.microsoft.com/office/powerpoint/2010/main" xmlns:a14="http://schemas.microsoft.com/office/drawing/2010/main" w="9525">
+                <a14:hiddenLine xmlns:a14="http://schemas.microsoft.com/office/drawing/2010/main" xmlns:p14="http://schemas.microsoft.com/office/powerpoint/2010/main" xmlns:a16="http://schemas.microsoft.com/office/drawing/2014/main" xmlns="" w="9525">
                   <a:solidFill>
                     <a:srgbClr val="000000"/>
                   </a:solidFill>
@@ -18710,7 +18710,7 @@
             </a:ln>
             <a:extLst>
               <a:ext uri="{91240B29-F687-4f45-9708-019B960494DF}">
-                <a14:hiddenLine xmlns="" xmlns:a16="http://schemas.microsoft.com/office/drawing/2014/main" xmlns:p14="http://schemas.microsoft.com/office/powerpoint/2010/main" xmlns:a14="http://schemas.microsoft.com/office/drawing/2010/main" w="9525">
+                <a14:hiddenLine xmlns:a14="http://schemas.microsoft.com/office/drawing/2010/main" xmlns:p14="http://schemas.microsoft.com/office/powerpoint/2010/main" xmlns:a16="http://schemas.microsoft.com/office/drawing/2014/main" xmlns="" w="9525">
                   <a:solidFill>
                     <a:srgbClr val="000000"/>
                   </a:solidFill>
@@ -18787,7 +18787,7 @@
             </a:ln>
             <a:extLst>
               <a:ext uri="{91240B29-F687-4f45-9708-019B960494DF}">
-                <a14:hiddenLine xmlns="" xmlns:a16="http://schemas.microsoft.com/office/drawing/2014/main" xmlns:p14="http://schemas.microsoft.com/office/powerpoint/2010/main" xmlns:a14="http://schemas.microsoft.com/office/drawing/2010/main" w="9525">
+                <a14:hiddenLine xmlns:a14="http://schemas.microsoft.com/office/drawing/2010/main" xmlns:p14="http://schemas.microsoft.com/office/powerpoint/2010/main" xmlns:a16="http://schemas.microsoft.com/office/drawing/2014/main" xmlns="" w="9525">
                   <a:solidFill>
                     <a:srgbClr val="000000"/>
                   </a:solidFill>
@@ -18864,7 +18864,7 @@
             </a:ln>
             <a:extLst>
               <a:ext uri="{91240B29-F687-4f45-9708-019B960494DF}">
-                <a14:hiddenLine xmlns="" xmlns:a16="http://schemas.microsoft.com/office/drawing/2014/main" xmlns:p14="http://schemas.microsoft.com/office/powerpoint/2010/main" xmlns:a14="http://schemas.microsoft.com/office/drawing/2010/main" w="9525">
+                <a14:hiddenLine xmlns:a14="http://schemas.microsoft.com/office/drawing/2010/main" xmlns:p14="http://schemas.microsoft.com/office/powerpoint/2010/main" xmlns:a16="http://schemas.microsoft.com/office/drawing/2014/main" xmlns="" w="9525">
                   <a:solidFill>
                     <a:srgbClr val="000000"/>
                   </a:solidFill>
@@ -18969,7 +18969,7 @@
             </a:ln>
             <a:extLst>
               <a:ext uri="{91240B29-F687-4f45-9708-019B960494DF}">
-                <a14:hiddenLine xmlns="" xmlns:a16="http://schemas.microsoft.com/office/drawing/2014/main" xmlns:p14="http://schemas.microsoft.com/office/powerpoint/2010/main" xmlns:a14="http://schemas.microsoft.com/office/drawing/2010/main" w="9525">
+                <a14:hiddenLine xmlns:a14="http://schemas.microsoft.com/office/drawing/2010/main" xmlns:p14="http://schemas.microsoft.com/office/powerpoint/2010/main" xmlns:a16="http://schemas.microsoft.com/office/drawing/2014/main" xmlns="" w="9525">
                   <a:solidFill>
                     <a:srgbClr val="000000"/>
                   </a:solidFill>
@@ -19074,7 +19074,7 @@
             </a:ln>
             <a:extLst>
               <a:ext uri="{91240B29-F687-4f45-9708-019B960494DF}">
-                <a14:hiddenLine xmlns="" xmlns:a16="http://schemas.microsoft.com/office/drawing/2014/main" xmlns:p14="http://schemas.microsoft.com/office/powerpoint/2010/main" xmlns:a14="http://schemas.microsoft.com/office/drawing/2010/main" w="9525">
+                <a14:hiddenLine xmlns:a14="http://schemas.microsoft.com/office/drawing/2010/main" xmlns:p14="http://schemas.microsoft.com/office/powerpoint/2010/main" xmlns:a16="http://schemas.microsoft.com/office/drawing/2014/main" xmlns="" w="9525">
                   <a:solidFill>
                     <a:srgbClr val="000000"/>
                   </a:solidFill>
@@ -19151,7 +19151,7 @@
             </a:ln>
             <a:extLst>
               <a:ext uri="{91240B29-F687-4f45-9708-019B960494DF}">
-                <a14:hiddenLine xmlns="" xmlns:a16="http://schemas.microsoft.com/office/drawing/2014/main" xmlns:p14="http://schemas.microsoft.com/office/powerpoint/2010/main" xmlns:a14="http://schemas.microsoft.com/office/drawing/2010/main" w="9525">
+                <a14:hiddenLine xmlns:a14="http://schemas.microsoft.com/office/drawing/2010/main" xmlns:p14="http://schemas.microsoft.com/office/powerpoint/2010/main" xmlns:a16="http://schemas.microsoft.com/office/drawing/2014/main" xmlns="" w="9525">
                   <a:solidFill>
                     <a:srgbClr val="000000"/>
                   </a:solidFill>
@@ -19276,7 +19276,7 @@
             </a:ln>
             <a:extLst>
               <a:ext uri="{91240B29-F687-4f45-9708-019B960494DF}">
-                <a14:hiddenLine xmlns="" xmlns:a16="http://schemas.microsoft.com/office/drawing/2014/main" xmlns:p14="http://schemas.microsoft.com/office/powerpoint/2010/main" xmlns:a14="http://schemas.microsoft.com/office/drawing/2010/main" w="9525">
+                <a14:hiddenLine xmlns:a14="http://schemas.microsoft.com/office/drawing/2010/main" xmlns:p14="http://schemas.microsoft.com/office/powerpoint/2010/main" xmlns:a16="http://schemas.microsoft.com/office/drawing/2014/main" xmlns="" w="9525">
                   <a:solidFill>
                     <a:srgbClr val="000000"/>
                   </a:solidFill>
@@ -19390,7 +19390,7 @@
             </a:ln>
             <a:extLst>
               <a:ext uri="{91240B29-F687-4f45-9708-019B960494DF}">
-                <a14:hiddenLine xmlns="" xmlns:a16="http://schemas.microsoft.com/office/drawing/2014/main" xmlns:p14="http://schemas.microsoft.com/office/powerpoint/2010/main" xmlns:a14="http://schemas.microsoft.com/office/drawing/2010/main" w="9525">
+                <a14:hiddenLine xmlns:a14="http://schemas.microsoft.com/office/drawing/2010/main" xmlns:p14="http://schemas.microsoft.com/office/powerpoint/2010/main" xmlns:a16="http://schemas.microsoft.com/office/drawing/2014/main" xmlns="" w="9525">
                   <a:solidFill>
                     <a:srgbClr val="000000"/>
                   </a:solidFill>
@@ -19467,7 +19467,7 @@
             </a:ln>
             <a:extLst>
               <a:ext uri="{91240B29-F687-4f45-9708-019B960494DF}">
-                <a14:hiddenLine xmlns="" xmlns:a16="http://schemas.microsoft.com/office/drawing/2014/main" xmlns:p14="http://schemas.microsoft.com/office/powerpoint/2010/main" xmlns:a14="http://schemas.microsoft.com/office/drawing/2010/main" w="9525">
+                <a14:hiddenLine xmlns:a14="http://schemas.microsoft.com/office/drawing/2010/main" xmlns:p14="http://schemas.microsoft.com/office/powerpoint/2010/main" xmlns:a16="http://schemas.microsoft.com/office/drawing/2014/main" xmlns="" w="9525">
                   <a:solidFill>
                     <a:srgbClr val="000000"/>
                   </a:solidFill>
@@ -19544,7 +19544,7 @@
             </a:ln>
             <a:extLst>
               <a:ext uri="{91240B29-F687-4f45-9708-019B960494DF}">
-                <a14:hiddenLine xmlns="" xmlns:a16="http://schemas.microsoft.com/office/drawing/2014/main" xmlns:p14="http://schemas.microsoft.com/office/powerpoint/2010/main" xmlns:a14="http://schemas.microsoft.com/office/drawing/2010/main" w="9525">
+                <a14:hiddenLine xmlns:a14="http://schemas.microsoft.com/office/drawing/2010/main" xmlns:p14="http://schemas.microsoft.com/office/powerpoint/2010/main" xmlns:a16="http://schemas.microsoft.com/office/drawing/2014/main" xmlns="" w="9525">
                   <a:solidFill>
                     <a:srgbClr val="000000"/>
                   </a:solidFill>
@@ -19649,7 +19649,7 @@
             </a:ln>
             <a:extLst>
               <a:ext uri="{91240B29-F687-4f45-9708-019B960494DF}">
-                <a14:hiddenLine xmlns="" xmlns:a16="http://schemas.microsoft.com/office/drawing/2014/main" xmlns:p14="http://schemas.microsoft.com/office/powerpoint/2010/main" xmlns:a14="http://schemas.microsoft.com/office/drawing/2010/main" w="9525">
+                <a14:hiddenLine xmlns:a14="http://schemas.microsoft.com/office/drawing/2010/main" xmlns:p14="http://schemas.microsoft.com/office/powerpoint/2010/main" xmlns:a16="http://schemas.microsoft.com/office/drawing/2014/main" xmlns="" w="9525">
                   <a:solidFill>
                     <a:srgbClr val="000000"/>
                   </a:solidFill>
@@ -19698,7 +19698,7 @@
             </a:ln>
             <a:extLst>
               <a:ext uri="{91240B29-F687-4f45-9708-019B960494DF}">
-                <a14:hiddenLine xmlns="" xmlns:a16="http://schemas.microsoft.com/office/drawing/2014/main" xmlns:p14="http://schemas.microsoft.com/office/powerpoint/2010/main" xmlns:a14="http://schemas.microsoft.com/office/drawing/2010/main" w="9525">
+                <a14:hiddenLine xmlns:a14="http://schemas.microsoft.com/office/drawing/2010/main" xmlns:p14="http://schemas.microsoft.com/office/powerpoint/2010/main" xmlns:a16="http://schemas.microsoft.com/office/drawing/2014/main" xmlns="" w="9525">
                   <a:solidFill>
                     <a:srgbClr val="000000"/>
                   </a:solidFill>
@@ -19778,7 +19778,7 @@
             </a:ln>
             <a:extLst>
               <a:ext uri="{91240B29-F687-4f45-9708-019B960494DF}">
-                <a14:hiddenLine xmlns="" xmlns:a16="http://schemas.microsoft.com/office/drawing/2014/main" xmlns:p14="http://schemas.microsoft.com/office/powerpoint/2010/main" xmlns:a14="http://schemas.microsoft.com/office/drawing/2010/main" w="9525">
+                <a14:hiddenLine xmlns:a14="http://schemas.microsoft.com/office/drawing/2010/main" xmlns:p14="http://schemas.microsoft.com/office/powerpoint/2010/main" xmlns:a16="http://schemas.microsoft.com/office/drawing/2014/main" xmlns="" w="9525">
                   <a:solidFill>
                     <a:srgbClr val="000000"/>
                   </a:solidFill>
@@ -19883,7 +19883,7 @@
             </a:ln>
             <a:extLst>
               <a:ext uri="{91240B29-F687-4f45-9708-019B960494DF}">
-                <a14:hiddenLine xmlns="" xmlns:a16="http://schemas.microsoft.com/office/drawing/2014/main" xmlns:p14="http://schemas.microsoft.com/office/powerpoint/2010/main" xmlns:a14="http://schemas.microsoft.com/office/drawing/2010/main" w="9525">
+                <a14:hiddenLine xmlns:a14="http://schemas.microsoft.com/office/drawing/2010/main" xmlns:p14="http://schemas.microsoft.com/office/powerpoint/2010/main" xmlns:a16="http://schemas.microsoft.com/office/drawing/2014/main" xmlns="" w="9525">
                   <a:solidFill>
                     <a:srgbClr val="000000"/>
                   </a:solidFill>
@@ -19960,7 +19960,7 @@
             </a:ln>
             <a:extLst>
               <a:ext uri="{91240B29-F687-4f45-9708-019B960494DF}">
-                <a14:hiddenLine xmlns="" xmlns:a16="http://schemas.microsoft.com/office/drawing/2014/main" xmlns:p14="http://schemas.microsoft.com/office/powerpoint/2010/main" xmlns:a14="http://schemas.microsoft.com/office/drawing/2010/main" w="9525">
+                <a14:hiddenLine xmlns:a14="http://schemas.microsoft.com/office/drawing/2010/main" xmlns:p14="http://schemas.microsoft.com/office/powerpoint/2010/main" xmlns:a16="http://schemas.microsoft.com/office/drawing/2014/main" xmlns="" w="9525">
                   <a:solidFill>
                     <a:srgbClr val="000000"/>
                   </a:solidFill>
@@ -20065,7 +20065,7 @@
             </a:ln>
             <a:extLst>
               <a:ext uri="{91240B29-F687-4f45-9708-019B960494DF}">
-                <a14:hiddenLine xmlns="" xmlns:a16="http://schemas.microsoft.com/office/drawing/2014/main" xmlns:p14="http://schemas.microsoft.com/office/powerpoint/2010/main" xmlns:a14="http://schemas.microsoft.com/office/drawing/2010/main" w="9525">
+                <a14:hiddenLine xmlns:a14="http://schemas.microsoft.com/office/drawing/2010/main" xmlns:p14="http://schemas.microsoft.com/office/powerpoint/2010/main" xmlns:a16="http://schemas.microsoft.com/office/drawing/2014/main" xmlns="" w="9525">
                   <a:solidFill>
                     <a:srgbClr val="000000"/>
                   </a:solidFill>
@@ -20145,7 +20145,7 @@
             </a:ln>
             <a:extLst>
               <a:ext uri="{91240B29-F687-4f45-9708-019B960494DF}">
-                <a14:hiddenLine xmlns="" xmlns:a16="http://schemas.microsoft.com/office/drawing/2014/main" xmlns:p14="http://schemas.microsoft.com/office/powerpoint/2010/main" xmlns:a14="http://schemas.microsoft.com/office/drawing/2010/main" w="9525">
+                <a14:hiddenLine xmlns:a14="http://schemas.microsoft.com/office/drawing/2010/main" xmlns:p14="http://schemas.microsoft.com/office/powerpoint/2010/main" xmlns:a16="http://schemas.microsoft.com/office/drawing/2014/main" xmlns="" w="9525">
                   <a:solidFill>
                     <a:srgbClr val="000000"/>
                   </a:solidFill>
@@ -20222,7 +20222,7 @@
             </a:ln>
             <a:extLst>
               <a:ext uri="{91240B29-F687-4f45-9708-019B960494DF}">
-                <a14:hiddenLine xmlns="" xmlns:a16="http://schemas.microsoft.com/office/drawing/2014/main" xmlns:p14="http://schemas.microsoft.com/office/powerpoint/2010/main" xmlns:a14="http://schemas.microsoft.com/office/drawing/2010/main" w="9525">
+                <a14:hiddenLine xmlns:a14="http://schemas.microsoft.com/office/drawing/2010/main" xmlns:p14="http://schemas.microsoft.com/office/powerpoint/2010/main" xmlns:a16="http://schemas.microsoft.com/office/drawing/2014/main" xmlns="" w="9525">
                   <a:solidFill>
                     <a:srgbClr val="000000"/>
                   </a:solidFill>
@@ -20327,7 +20327,7 @@
             </a:ln>
             <a:extLst>
               <a:ext uri="{91240B29-F687-4f45-9708-019B960494DF}">
-                <a14:hiddenLine xmlns="" xmlns:a16="http://schemas.microsoft.com/office/drawing/2014/main" xmlns:p14="http://schemas.microsoft.com/office/powerpoint/2010/main" xmlns:a14="http://schemas.microsoft.com/office/drawing/2010/main" w="9525">
+                <a14:hiddenLine xmlns:a14="http://schemas.microsoft.com/office/drawing/2010/main" xmlns:p14="http://schemas.microsoft.com/office/powerpoint/2010/main" xmlns:a16="http://schemas.microsoft.com/office/drawing/2014/main" xmlns="" w="9525">
                   <a:solidFill>
                     <a:srgbClr val="000000"/>
                   </a:solidFill>
@@ -20432,7 +20432,7 @@
             </a:ln>
             <a:extLst>
               <a:ext uri="{91240B29-F687-4f45-9708-019B960494DF}">
-                <a14:hiddenLine xmlns="" xmlns:a16="http://schemas.microsoft.com/office/drawing/2014/main" xmlns:p14="http://schemas.microsoft.com/office/powerpoint/2010/main" xmlns:a14="http://schemas.microsoft.com/office/drawing/2010/main" w="9525">
+                <a14:hiddenLine xmlns:a14="http://schemas.microsoft.com/office/drawing/2010/main" xmlns:p14="http://schemas.microsoft.com/office/powerpoint/2010/main" xmlns:a16="http://schemas.microsoft.com/office/drawing/2014/main" xmlns="" w="9525">
                   <a:solidFill>
                     <a:srgbClr val="000000"/>
                   </a:solidFill>
@@ -20512,7 +20512,7 @@
             </a:ln>
             <a:extLst>
               <a:ext uri="{91240B29-F687-4f45-9708-019B960494DF}">
-                <a14:hiddenLine xmlns="" xmlns:a16="http://schemas.microsoft.com/office/drawing/2014/main" xmlns:p14="http://schemas.microsoft.com/office/powerpoint/2010/main" xmlns:a14="http://schemas.microsoft.com/office/drawing/2010/main" w="9525">
+                <a14:hiddenLine xmlns:a14="http://schemas.microsoft.com/office/drawing/2010/main" xmlns:p14="http://schemas.microsoft.com/office/powerpoint/2010/main" xmlns:a16="http://schemas.microsoft.com/office/drawing/2014/main" xmlns="" w="9525">
                   <a:solidFill>
                     <a:srgbClr val="000000"/>
                   </a:solidFill>
@@ -20647,7 +20647,7 @@
             </a:ln>
             <a:extLst>
               <a:ext uri="{91240B29-F687-4f45-9708-019B960494DF}">
-                <a14:hiddenLine xmlns="" xmlns:a16="http://schemas.microsoft.com/office/drawing/2014/main" xmlns:p14="http://schemas.microsoft.com/office/powerpoint/2010/main" xmlns:a14="http://schemas.microsoft.com/office/drawing/2010/main" w="9525">
+                <a14:hiddenLine xmlns:a14="http://schemas.microsoft.com/office/drawing/2010/main" xmlns:p14="http://schemas.microsoft.com/office/powerpoint/2010/main" xmlns:a16="http://schemas.microsoft.com/office/drawing/2014/main" xmlns="" w="9525">
                   <a:solidFill>
                     <a:srgbClr val="000000"/>
                   </a:solidFill>
@@ -21326,7 +21326,7 @@
             </a:ln>
             <a:extLst>
               <a:ext uri="{91240B29-F687-4f45-9708-019B960494DF}">
-                <a14:hiddenLine xmlns:a14="http://schemas.microsoft.com/office/drawing/2010/main" xmlns:p14="http://schemas.microsoft.com/office/powerpoint/2010/main" xmlns:a16="http://schemas.microsoft.com/office/drawing/2014/main" xmlns="" w="9525">
+                <a14:hiddenLine xmlns="" xmlns:a16="http://schemas.microsoft.com/office/drawing/2014/main" xmlns:p14="http://schemas.microsoft.com/office/powerpoint/2010/main" xmlns:a14="http://schemas.microsoft.com/office/drawing/2010/main" w="9525">
                   <a:solidFill>
                     <a:srgbClr val="000000"/>
                   </a:solidFill>
@@ -21431,7 +21431,7 @@
             </a:ln>
             <a:extLst>
               <a:ext uri="{91240B29-F687-4f45-9708-019B960494DF}">
-                <a14:hiddenLine xmlns:a14="http://schemas.microsoft.com/office/drawing/2010/main" xmlns:p14="http://schemas.microsoft.com/office/powerpoint/2010/main" xmlns:a16="http://schemas.microsoft.com/office/drawing/2014/main" xmlns="" w="9525">
+                <a14:hiddenLine xmlns="" xmlns:a16="http://schemas.microsoft.com/office/drawing/2014/main" xmlns:p14="http://schemas.microsoft.com/office/powerpoint/2010/main" xmlns:a14="http://schemas.microsoft.com/office/drawing/2010/main" w="9525">
                   <a:solidFill>
                     <a:srgbClr val="000000"/>
                   </a:solidFill>
@@ -21536,7 +21536,7 @@
             </a:ln>
             <a:extLst>
               <a:ext uri="{91240B29-F687-4f45-9708-019B960494DF}">
-                <a14:hiddenLine xmlns:a14="http://schemas.microsoft.com/office/drawing/2010/main" xmlns:p14="http://schemas.microsoft.com/office/powerpoint/2010/main" xmlns:a16="http://schemas.microsoft.com/office/drawing/2014/main" xmlns="" w="9525">
+                <a14:hiddenLine xmlns="" xmlns:a16="http://schemas.microsoft.com/office/drawing/2014/main" xmlns:p14="http://schemas.microsoft.com/office/powerpoint/2010/main" xmlns:a14="http://schemas.microsoft.com/office/drawing/2010/main" w="9525">
                   <a:solidFill>
                     <a:srgbClr val="000000"/>
                   </a:solidFill>
@@ -21613,7 +21613,7 @@
             </a:ln>
             <a:extLst>
               <a:ext uri="{91240B29-F687-4f45-9708-019B960494DF}">
-                <a14:hiddenLine xmlns:a14="http://schemas.microsoft.com/office/drawing/2010/main" xmlns:p14="http://schemas.microsoft.com/office/powerpoint/2010/main" xmlns:a16="http://schemas.microsoft.com/office/drawing/2014/main" xmlns="" w="9525">
+                <a14:hiddenLine xmlns="" xmlns:a16="http://schemas.microsoft.com/office/drawing/2014/main" xmlns:p14="http://schemas.microsoft.com/office/powerpoint/2010/main" xmlns:a14="http://schemas.microsoft.com/office/drawing/2010/main" w="9525">
                   <a:solidFill>
                     <a:srgbClr val="000000"/>
                   </a:solidFill>
@@ -21718,7 +21718,7 @@
             </a:ln>
             <a:extLst>
               <a:ext uri="{91240B29-F687-4f45-9708-019B960494DF}">
-                <a14:hiddenLine xmlns:a14="http://schemas.microsoft.com/office/drawing/2010/main" xmlns:p14="http://schemas.microsoft.com/office/powerpoint/2010/main" xmlns:a16="http://schemas.microsoft.com/office/drawing/2014/main" xmlns="" w="9525">
+                <a14:hiddenLine xmlns="" xmlns:a16="http://schemas.microsoft.com/office/drawing/2014/main" xmlns:p14="http://schemas.microsoft.com/office/powerpoint/2010/main" xmlns:a14="http://schemas.microsoft.com/office/drawing/2010/main" w="9525">
                   <a:solidFill>
                     <a:srgbClr val="000000"/>
                   </a:solidFill>
@@ -21795,7 +21795,7 @@
             </a:ln>
             <a:extLst>
               <a:ext uri="{91240B29-F687-4f45-9708-019B960494DF}">
-                <a14:hiddenLine xmlns:a14="http://schemas.microsoft.com/office/drawing/2010/main" xmlns:p14="http://schemas.microsoft.com/office/powerpoint/2010/main" xmlns:a16="http://schemas.microsoft.com/office/drawing/2014/main" xmlns="" w="9525">
+                <a14:hiddenLine xmlns="" xmlns:a16="http://schemas.microsoft.com/office/drawing/2014/main" xmlns:p14="http://schemas.microsoft.com/office/powerpoint/2010/main" xmlns:a14="http://schemas.microsoft.com/office/drawing/2010/main" w="9525">
                   <a:solidFill>
                     <a:srgbClr val="000000"/>
                   </a:solidFill>
@@ -21872,7 +21872,7 @@
             </a:ln>
             <a:extLst>
               <a:ext uri="{91240B29-F687-4f45-9708-019B960494DF}">
-                <a14:hiddenLine xmlns:a14="http://schemas.microsoft.com/office/drawing/2010/main" xmlns:p14="http://schemas.microsoft.com/office/powerpoint/2010/main" xmlns:a16="http://schemas.microsoft.com/office/drawing/2014/main" xmlns="" w="9525">
+                <a14:hiddenLine xmlns="" xmlns:a16="http://schemas.microsoft.com/office/drawing/2014/main" xmlns:p14="http://schemas.microsoft.com/office/powerpoint/2010/main" xmlns:a14="http://schemas.microsoft.com/office/drawing/2010/main" w="9525">
                   <a:solidFill>
                     <a:srgbClr val="000000"/>
                   </a:solidFill>
@@ -21977,7 +21977,7 @@
             </a:ln>
             <a:extLst>
               <a:ext uri="{91240B29-F687-4f45-9708-019B960494DF}">
-                <a14:hiddenLine xmlns:a14="http://schemas.microsoft.com/office/drawing/2010/main" xmlns:p14="http://schemas.microsoft.com/office/powerpoint/2010/main" xmlns:a16="http://schemas.microsoft.com/office/drawing/2014/main" xmlns="" w="9525">
+                <a14:hiddenLine xmlns="" xmlns:a16="http://schemas.microsoft.com/office/drawing/2014/main" xmlns:p14="http://schemas.microsoft.com/office/powerpoint/2010/main" xmlns:a14="http://schemas.microsoft.com/office/drawing/2010/main" w="9525">
                   <a:solidFill>
                     <a:srgbClr val="000000"/>
                   </a:solidFill>
@@ -22082,7 +22082,7 @@
             </a:ln>
             <a:extLst>
               <a:ext uri="{91240B29-F687-4f45-9708-019B960494DF}">
-                <a14:hiddenLine xmlns:a14="http://schemas.microsoft.com/office/drawing/2010/main" xmlns:p14="http://schemas.microsoft.com/office/powerpoint/2010/main" xmlns:a16="http://schemas.microsoft.com/office/drawing/2014/main" xmlns="" w="9525">
+                <a14:hiddenLine xmlns="" xmlns:a16="http://schemas.microsoft.com/office/drawing/2014/main" xmlns:p14="http://schemas.microsoft.com/office/powerpoint/2010/main" xmlns:a14="http://schemas.microsoft.com/office/drawing/2010/main" w="9525">
                   <a:solidFill>
                     <a:srgbClr val="000000"/>
                   </a:solidFill>
@@ -22159,7 +22159,7 @@
             </a:ln>
             <a:extLst>
               <a:ext uri="{91240B29-F687-4f45-9708-019B960494DF}">
-                <a14:hiddenLine xmlns:a14="http://schemas.microsoft.com/office/drawing/2010/main" xmlns:p14="http://schemas.microsoft.com/office/powerpoint/2010/main" xmlns:a16="http://schemas.microsoft.com/office/drawing/2014/main" xmlns="" w="9525">
+                <a14:hiddenLine xmlns="" xmlns:a16="http://schemas.microsoft.com/office/drawing/2014/main" xmlns:p14="http://schemas.microsoft.com/office/powerpoint/2010/main" xmlns:a14="http://schemas.microsoft.com/office/drawing/2010/main" w="9525">
                   <a:solidFill>
                     <a:srgbClr val="000000"/>
                   </a:solidFill>
@@ -22284,7 +22284,7 @@
             </a:ln>
             <a:extLst>
               <a:ext uri="{91240B29-F687-4f45-9708-019B960494DF}">
-                <a14:hiddenLine xmlns:a14="http://schemas.microsoft.com/office/drawing/2010/main" xmlns:p14="http://schemas.microsoft.com/office/powerpoint/2010/main" xmlns:a16="http://schemas.microsoft.com/office/drawing/2014/main" xmlns="" w="9525">
+                <a14:hiddenLine xmlns="" xmlns:a16="http://schemas.microsoft.com/office/drawing/2014/main" xmlns:p14="http://schemas.microsoft.com/office/powerpoint/2010/main" xmlns:a14="http://schemas.microsoft.com/office/drawing/2010/main" w="9525">
                   <a:solidFill>
                     <a:srgbClr val="000000"/>
                   </a:solidFill>
@@ -22398,7 +22398,7 @@
             </a:ln>
             <a:extLst>
               <a:ext uri="{91240B29-F687-4f45-9708-019B960494DF}">
-                <a14:hiddenLine xmlns:a14="http://schemas.microsoft.com/office/drawing/2010/main" xmlns:p14="http://schemas.microsoft.com/office/powerpoint/2010/main" xmlns:a16="http://schemas.microsoft.com/office/drawing/2014/main" xmlns="" w="9525">
+                <a14:hiddenLine xmlns="" xmlns:a16="http://schemas.microsoft.com/office/drawing/2014/main" xmlns:p14="http://schemas.microsoft.com/office/powerpoint/2010/main" xmlns:a14="http://schemas.microsoft.com/office/drawing/2010/main" w="9525">
                   <a:solidFill>
                     <a:srgbClr val="000000"/>
                   </a:solidFill>
@@ -22475,7 +22475,7 @@
             </a:ln>
             <a:extLst>
               <a:ext uri="{91240B29-F687-4f45-9708-019B960494DF}">
-                <a14:hiddenLine xmlns:a14="http://schemas.microsoft.com/office/drawing/2010/main" xmlns:p14="http://schemas.microsoft.com/office/powerpoint/2010/main" xmlns:a16="http://schemas.microsoft.com/office/drawing/2014/main" xmlns="" w="9525">
+                <a14:hiddenLine xmlns="" xmlns:a16="http://schemas.microsoft.com/office/drawing/2014/main" xmlns:p14="http://schemas.microsoft.com/office/powerpoint/2010/main" xmlns:a14="http://schemas.microsoft.com/office/drawing/2010/main" w="9525">
                   <a:solidFill>
                     <a:srgbClr val="000000"/>
                   </a:solidFill>
@@ -22552,7 +22552,7 @@
             </a:ln>
             <a:extLst>
               <a:ext uri="{91240B29-F687-4f45-9708-019B960494DF}">
-                <a14:hiddenLine xmlns:a14="http://schemas.microsoft.com/office/drawing/2010/main" xmlns:p14="http://schemas.microsoft.com/office/powerpoint/2010/main" xmlns:a16="http://schemas.microsoft.com/office/drawing/2014/main" xmlns="" w="9525">
+                <a14:hiddenLine xmlns="" xmlns:a16="http://schemas.microsoft.com/office/drawing/2014/main" xmlns:p14="http://schemas.microsoft.com/office/powerpoint/2010/main" xmlns:a14="http://schemas.microsoft.com/office/drawing/2010/main" w="9525">
                   <a:solidFill>
                     <a:srgbClr val="000000"/>
                   </a:solidFill>
@@ -22657,7 +22657,7 @@
             </a:ln>
             <a:extLst>
               <a:ext uri="{91240B29-F687-4f45-9708-019B960494DF}">
-                <a14:hiddenLine xmlns:a14="http://schemas.microsoft.com/office/drawing/2010/main" xmlns:p14="http://schemas.microsoft.com/office/powerpoint/2010/main" xmlns:a16="http://schemas.microsoft.com/office/drawing/2014/main" xmlns="" w="9525">
+                <a14:hiddenLine xmlns="" xmlns:a16="http://schemas.microsoft.com/office/drawing/2014/main" xmlns:p14="http://schemas.microsoft.com/office/powerpoint/2010/main" xmlns:a14="http://schemas.microsoft.com/office/drawing/2010/main" w="9525">
                   <a:solidFill>
                     <a:srgbClr val="000000"/>
                   </a:solidFill>
@@ -22706,7 +22706,7 @@
             </a:ln>
             <a:extLst>
               <a:ext uri="{91240B29-F687-4f45-9708-019B960494DF}">
-                <a14:hiddenLine xmlns:a14="http://schemas.microsoft.com/office/drawing/2010/main" xmlns:p14="http://schemas.microsoft.com/office/powerpoint/2010/main" xmlns:a16="http://schemas.microsoft.com/office/drawing/2014/main" xmlns="" w="9525">
+                <a14:hiddenLine xmlns="" xmlns:a16="http://schemas.microsoft.com/office/drawing/2014/main" xmlns:p14="http://schemas.microsoft.com/office/powerpoint/2010/main" xmlns:a14="http://schemas.microsoft.com/office/drawing/2010/main" w="9525">
                   <a:solidFill>
                     <a:srgbClr val="000000"/>
                   </a:solidFill>
@@ -22786,7 +22786,7 @@
             </a:ln>
             <a:extLst>
               <a:ext uri="{91240B29-F687-4f45-9708-019B960494DF}">
-                <a14:hiddenLine xmlns:a14="http://schemas.microsoft.com/office/drawing/2010/main" xmlns:p14="http://schemas.microsoft.com/office/powerpoint/2010/main" xmlns:a16="http://schemas.microsoft.com/office/drawing/2014/main" xmlns="" w="9525">
+                <a14:hiddenLine xmlns="" xmlns:a16="http://schemas.microsoft.com/office/drawing/2014/main" xmlns:p14="http://schemas.microsoft.com/office/powerpoint/2010/main" xmlns:a14="http://schemas.microsoft.com/office/drawing/2010/main" w="9525">
                   <a:solidFill>
                     <a:srgbClr val="000000"/>
                   </a:solidFill>
@@ -22891,7 +22891,7 @@
             </a:ln>
             <a:extLst>
               <a:ext uri="{91240B29-F687-4f45-9708-019B960494DF}">
-                <a14:hiddenLine xmlns:a14="http://schemas.microsoft.com/office/drawing/2010/main" xmlns:p14="http://schemas.microsoft.com/office/powerpoint/2010/main" xmlns:a16="http://schemas.microsoft.com/office/drawing/2014/main" xmlns="" w="9525">
+                <a14:hiddenLine xmlns="" xmlns:a16="http://schemas.microsoft.com/office/drawing/2014/main" xmlns:p14="http://schemas.microsoft.com/office/powerpoint/2010/main" xmlns:a14="http://schemas.microsoft.com/office/drawing/2010/main" w="9525">
                   <a:solidFill>
                     <a:srgbClr val="000000"/>
                   </a:solidFill>
@@ -22968,7 +22968,7 @@
             </a:ln>
             <a:extLst>
               <a:ext uri="{91240B29-F687-4f45-9708-019B960494DF}">
-                <a14:hiddenLine xmlns:a14="http://schemas.microsoft.com/office/drawing/2010/main" xmlns:p14="http://schemas.microsoft.com/office/powerpoint/2010/main" xmlns:a16="http://schemas.microsoft.com/office/drawing/2014/main" xmlns="" w="9525">
+                <a14:hiddenLine xmlns="" xmlns:a16="http://schemas.microsoft.com/office/drawing/2014/main" xmlns:p14="http://schemas.microsoft.com/office/powerpoint/2010/main" xmlns:a14="http://schemas.microsoft.com/office/drawing/2010/main" w="9525">
                   <a:solidFill>
                     <a:srgbClr val="000000"/>
                   </a:solidFill>
@@ -23073,7 +23073,7 @@
             </a:ln>
             <a:extLst>
               <a:ext uri="{91240B29-F687-4f45-9708-019B960494DF}">
-                <a14:hiddenLine xmlns:a14="http://schemas.microsoft.com/office/drawing/2010/main" xmlns:p14="http://schemas.microsoft.com/office/powerpoint/2010/main" xmlns:a16="http://schemas.microsoft.com/office/drawing/2014/main" xmlns="" w="9525">
+                <a14:hiddenLine xmlns="" xmlns:a16="http://schemas.microsoft.com/office/drawing/2014/main" xmlns:p14="http://schemas.microsoft.com/office/powerpoint/2010/main" xmlns:a14="http://schemas.microsoft.com/office/drawing/2010/main" w="9525">
                   <a:solidFill>
                     <a:srgbClr val="000000"/>
                   </a:solidFill>
@@ -23153,7 +23153,7 @@
             </a:ln>
             <a:extLst>
               <a:ext uri="{91240B29-F687-4f45-9708-019B960494DF}">
-                <a14:hiddenLine xmlns:a14="http://schemas.microsoft.com/office/drawing/2010/main" xmlns:p14="http://schemas.microsoft.com/office/powerpoint/2010/main" xmlns:a16="http://schemas.microsoft.com/office/drawing/2014/main" xmlns="" w="9525">
+                <a14:hiddenLine xmlns="" xmlns:a16="http://schemas.microsoft.com/office/drawing/2014/main" xmlns:p14="http://schemas.microsoft.com/office/powerpoint/2010/main" xmlns:a14="http://schemas.microsoft.com/office/drawing/2010/main" w="9525">
                   <a:solidFill>
                     <a:srgbClr val="000000"/>
                   </a:solidFill>
@@ -23230,7 +23230,7 @@
             </a:ln>
             <a:extLst>
               <a:ext uri="{91240B29-F687-4f45-9708-019B960494DF}">
-                <a14:hiddenLine xmlns:a14="http://schemas.microsoft.com/office/drawing/2010/main" xmlns:p14="http://schemas.microsoft.com/office/powerpoint/2010/main" xmlns:a16="http://schemas.microsoft.com/office/drawing/2014/main" xmlns="" w="9525">
+                <a14:hiddenLine xmlns="" xmlns:a16="http://schemas.microsoft.com/office/drawing/2014/main" xmlns:p14="http://schemas.microsoft.com/office/powerpoint/2010/main" xmlns:a14="http://schemas.microsoft.com/office/drawing/2010/main" w="9525">
                   <a:solidFill>
                     <a:srgbClr val="000000"/>
                   </a:solidFill>
@@ -23335,7 +23335,7 @@
             </a:ln>
             <a:extLst>
               <a:ext uri="{91240B29-F687-4f45-9708-019B960494DF}">
-                <a14:hiddenLine xmlns:a14="http://schemas.microsoft.com/office/drawing/2010/main" xmlns:p14="http://schemas.microsoft.com/office/powerpoint/2010/main" xmlns:a16="http://schemas.microsoft.com/office/drawing/2014/main" xmlns="" w="9525">
+                <a14:hiddenLine xmlns="" xmlns:a16="http://schemas.microsoft.com/office/drawing/2014/main" xmlns:p14="http://schemas.microsoft.com/office/powerpoint/2010/main" xmlns:a14="http://schemas.microsoft.com/office/drawing/2010/main" w="9525">
                   <a:solidFill>
                     <a:srgbClr val="000000"/>
                   </a:solidFill>
@@ -23440,7 +23440,7 @@
             </a:ln>
             <a:extLst>
               <a:ext uri="{91240B29-F687-4f45-9708-019B960494DF}">
-                <a14:hiddenLine xmlns:a14="http://schemas.microsoft.com/office/drawing/2010/main" xmlns:p14="http://schemas.microsoft.com/office/powerpoint/2010/main" xmlns:a16="http://schemas.microsoft.com/office/drawing/2014/main" xmlns="" w="9525">
+                <a14:hiddenLine xmlns="" xmlns:a16="http://schemas.microsoft.com/office/drawing/2014/main" xmlns:p14="http://schemas.microsoft.com/office/powerpoint/2010/main" xmlns:a14="http://schemas.microsoft.com/office/drawing/2010/main" w="9525">
                   <a:solidFill>
                     <a:srgbClr val="000000"/>
                   </a:solidFill>
@@ -23520,7 +23520,7 @@
             </a:ln>
             <a:extLst>
               <a:ext uri="{91240B29-F687-4f45-9708-019B960494DF}">
-                <a14:hiddenLine xmlns:a14="http://schemas.microsoft.com/office/drawing/2010/main" xmlns:p14="http://schemas.microsoft.com/office/powerpoint/2010/main" xmlns:a16="http://schemas.microsoft.com/office/drawing/2014/main" xmlns="" w="9525">
+                <a14:hiddenLine xmlns="" xmlns:a16="http://schemas.microsoft.com/office/drawing/2014/main" xmlns:p14="http://schemas.microsoft.com/office/powerpoint/2010/main" xmlns:a14="http://schemas.microsoft.com/office/drawing/2010/main" w="9525">
                   <a:solidFill>
                     <a:srgbClr val="000000"/>
                   </a:solidFill>
@@ -23655,7 +23655,7 @@
             </a:ln>
             <a:extLst>
               <a:ext uri="{91240B29-F687-4f45-9708-019B960494DF}">
-                <a14:hiddenLine xmlns:a14="http://schemas.microsoft.com/office/drawing/2010/main" xmlns:p14="http://schemas.microsoft.com/office/powerpoint/2010/main" xmlns:a16="http://schemas.microsoft.com/office/drawing/2014/main" xmlns="" w="9525">
+                <a14:hiddenLine xmlns="" xmlns:a16="http://schemas.microsoft.com/office/drawing/2014/main" xmlns:p14="http://schemas.microsoft.com/office/powerpoint/2010/main" xmlns:a14="http://schemas.microsoft.com/office/drawing/2010/main" w="9525">
                   <a:solidFill>
                     <a:srgbClr val="000000"/>
                   </a:solidFill>
@@ -23762,7 +23762,7 @@
             <a:pPr algn="ctr"/>
             <a:r>
               <a:rPr lang="it-IT" dirty="0"/>
-              <a:t>TASKS</a:t>
+              <a:t>TASK</a:t>
             </a:r>
             <a:br>
               <a:rPr lang="it-IT" dirty="0"/>
@@ -24322,7 +24322,7 @@
             </a:ln>
             <a:extLst>
               <a:ext uri="{91240B29-F687-4f45-9708-019B960494DF}">
-                <a14:hiddenLine xmlns:a14="http://schemas.microsoft.com/office/drawing/2010/main" xmlns:p14="http://schemas.microsoft.com/office/powerpoint/2010/main" xmlns:a16="http://schemas.microsoft.com/office/drawing/2014/main" xmlns="" w="9525">
+                <a14:hiddenLine xmlns="" xmlns:a16="http://schemas.microsoft.com/office/drawing/2014/main" xmlns:p14="http://schemas.microsoft.com/office/powerpoint/2010/main" xmlns:a14="http://schemas.microsoft.com/office/drawing/2010/main" w="9525">
                   <a:solidFill>
                     <a:srgbClr val="000000"/>
                   </a:solidFill>
@@ -24427,7 +24427,7 @@
             </a:ln>
             <a:extLst>
               <a:ext uri="{91240B29-F687-4f45-9708-019B960494DF}">
-                <a14:hiddenLine xmlns:a14="http://schemas.microsoft.com/office/drawing/2010/main" xmlns:p14="http://schemas.microsoft.com/office/powerpoint/2010/main" xmlns:a16="http://schemas.microsoft.com/office/drawing/2014/main" xmlns="" w="9525">
+                <a14:hiddenLine xmlns="" xmlns:a16="http://schemas.microsoft.com/office/drawing/2014/main" xmlns:p14="http://schemas.microsoft.com/office/powerpoint/2010/main" xmlns:a14="http://schemas.microsoft.com/office/drawing/2010/main" w="9525">
                   <a:solidFill>
                     <a:srgbClr val="000000"/>
                   </a:solidFill>
@@ -24532,7 +24532,7 @@
             </a:ln>
             <a:extLst>
               <a:ext uri="{91240B29-F687-4f45-9708-019B960494DF}">
-                <a14:hiddenLine xmlns:a14="http://schemas.microsoft.com/office/drawing/2010/main" xmlns:p14="http://schemas.microsoft.com/office/powerpoint/2010/main" xmlns:a16="http://schemas.microsoft.com/office/drawing/2014/main" xmlns="" w="9525">
+                <a14:hiddenLine xmlns="" xmlns:a16="http://schemas.microsoft.com/office/drawing/2014/main" xmlns:p14="http://schemas.microsoft.com/office/powerpoint/2010/main" xmlns:a14="http://schemas.microsoft.com/office/drawing/2010/main" w="9525">
                   <a:solidFill>
                     <a:srgbClr val="000000"/>
                   </a:solidFill>
@@ -24609,7 +24609,7 @@
             </a:ln>
             <a:extLst>
               <a:ext uri="{91240B29-F687-4f45-9708-019B960494DF}">
-                <a14:hiddenLine xmlns:a14="http://schemas.microsoft.com/office/drawing/2010/main" xmlns:p14="http://schemas.microsoft.com/office/powerpoint/2010/main" xmlns:a16="http://schemas.microsoft.com/office/drawing/2014/main" xmlns="" w="9525">
+                <a14:hiddenLine xmlns="" xmlns:a16="http://schemas.microsoft.com/office/drawing/2014/main" xmlns:p14="http://schemas.microsoft.com/office/powerpoint/2010/main" xmlns:a14="http://schemas.microsoft.com/office/drawing/2010/main" w="9525">
                   <a:solidFill>
                     <a:srgbClr val="000000"/>
                   </a:solidFill>
@@ -24714,7 +24714,7 @@
             </a:ln>
             <a:extLst>
               <a:ext uri="{91240B29-F687-4f45-9708-019B960494DF}">
-                <a14:hiddenLine xmlns:a14="http://schemas.microsoft.com/office/drawing/2010/main" xmlns:p14="http://schemas.microsoft.com/office/powerpoint/2010/main" xmlns:a16="http://schemas.microsoft.com/office/drawing/2014/main" xmlns="" w="9525">
+                <a14:hiddenLine xmlns="" xmlns:a16="http://schemas.microsoft.com/office/drawing/2014/main" xmlns:p14="http://schemas.microsoft.com/office/powerpoint/2010/main" xmlns:a14="http://schemas.microsoft.com/office/drawing/2010/main" w="9525">
                   <a:solidFill>
                     <a:srgbClr val="000000"/>
                   </a:solidFill>
@@ -24791,7 +24791,7 @@
             </a:ln>
             <a:extLst>
               <a:ext uri="{91240B29-F687-4f45-9708-019B960494DF}">
-                <a14:hiddenLine xmlns:a14="http://schemas.microsoft.com/office/drawing/2010/main" xmlns:p14="http://schemas.microsoft.com/office/powerpoint/2010/main" xmlns:a16="http://schemas.microsoft.com/office/drawing/2014/main" xmlns="" w="9525">
+                <a14:hiddenLine xmlns="" xmlns:a16="http://schemas.microsoft.com/office/drawing/2014/main" xmlns:p14="http://schemas.microsoft.com/office/powerpoint/2010/main" xmlns:a14="http://schemas.microsoft.com/office/drawing/2010/main" w="9525">
                   <a:solidFill>
                     <a:srgbClr val="000000"/>
                   </a:solidFill>
@@ -24868,7 +24868,7 @@
             </a:ln>
             <a:extLst>
               <a:ext uri="{91240B29-F687-4f45-9708-019B960494DF}">
-                <a14:hiddenLine xmlns:a14="http://schemas.microsoft.com/office/drawing/2010/main" xmlns:p14="http://schemas.microsoft.com/office/powerpoint/2010/main" xmlns:a16="http://schemas.microsoft.com/office/drawing/2014/main" xmlns="" w="9525">
+                <a14:hiddenLine xmlns="" xmlns:a16="http://schemas.microsoft.com/office/drawing/2014/main" xmlns:p14="http://schemas.microsoft.com/office/powerpoint/2010/main" xmlns:a14="http://schemas.microsoft.com/office/drawing/2010/main" w="9525">
                   <a:solidFill>
                     <a:srgbClr val="000000"/>
                   </a:solidFill>
@@ -24973,7 +24973,7 @@
             </a:ln>
             <a:extLst>
               <a:ext uri="{91240B29-F687-4f45-9708-019B960494DF}">
-                <a14:hiddenLine xmlns:a14="http://schemas.microsoft.com/office/drawing/2010/main" xmlns:p14="http://schemas.microsoft.com/office/powerpoint/2010/main" xmlns:a16="http://schemas.microsoft.com/office/drawing/2014/main" xmlns="" w="9525">
+                <a14:hiddenLine xmlns="" xmlns:a16="http://schemas.microsoft.com/office/drawing/2014/main" xmlns:p14="http://schemas.microsoft.com/office/powerpoint/2010/main" xmlns:a14="http://schemas.microsoft.com/office/drawing/2010/main" w="9525">
                   <a:solidFill>
                     <a:srgbClr val="000000"/>
                   </a:solidFill>
@@ -25078,7 +25078,7 @@
             </a:ln>
             <a:extLst>
               <a:ext uri="{91240B29-F687-4f45-9708-019B960494DF}">
-                <a14:hiddenLine xmlns:a14="http://schemas.microsoft.com/office/drawing/2010/main" xmlns:p14="http://schemas.microsoft.com/office/powerpoint/2010/main" xmlns:a16="http://schemas.microsoft.com/office/drawing/2014/main" xmlns="" w="9525">
+                <a14:hiddenLine xmlns="" xmlns:a16="http://schemas.microsoft.com/office/drawing/2014/main" xmlns:p14="http://schemas.microsoft.com/office/powerpoint/2010/main" xmlns:a14="http://schemas.microsoft.com/office/drawing/2010/main" w="9525">
                   <a:solidFill>
                     <a:srgbClr val="000000"/>
                   </a:solidFill>
@@ -25155,7 +25155,7 @@
             </a:ln>
             <a:extLst>
               <a:ext uri="{91240B29-F687-4f45-9708-019B960494DF}">
-                <a14:hiddenLine xmlns:a14="http://schemas.microsoft.com/office/drawing/2010/main" xmlns:p14="http://schemas.microsoft.com/office/powerpoint/2010/main" xmlns:a16="http://schemas.microsoft.com/office/drawing/2014/main" xmlns="" w="9525">
+                <a14:hiddenLine xmlns="" xmlns:a16="http://schemas.microsoft.com/office/drawing/2014/main" xmlns:p14="http://schemas.microsoft.com/office/powerpoint/2010/main" xmlns:a14="http://schemas.microsoft.com/office/drawing/2010/main" w="9525">
                   <a:solidFill>
                     <a:srgbClr val="000000"/>
                   </a:solidFill>
@@ -25280,7 +25280,7 @@
             </a:ln>
             <a:extLst>
               <a:ext uri="{91240B29-F687-4f45-9708-019B960494DF}">
-                <a14:hiddenLine xmlns:a14="http://schemas.microsoft.com/office/drawing/2010/main" xmlns:p14="http://schemas.microsoft.com/office/powerpoint/2010/main" xmlns:a16="http://schemas.microsoft.com/office/drawing/2014/main" xmlns="" w="9525">
+                <a14:hiddenLine xmlns="" xmlns:a16="http://schemas.microsoft.com/office/drawing/2014/main" xmlns:p14="http://schemas.microsoft.com/office/powerpoint/2010/main" xmlns:a14="http://schemas.microsoft.com/office/drawing/2010/main" w="9525">
                   <a:solidFill>
                     <a:srgbClr val="000000"/>
                   </a:solidFill>
@@ -25394,7 +25394,7 @@
             </a:ln>
             <a:extLst>
               <a:ext uri="{91240B29-F687-4f45-9708-019B960494DF}">
-                <a14:hiddenLine xmlns:a14="http://schemas.microsoft.com/office/drawing/2010/main" xmlns:p14="http://schemas.microsoft.com/office/powerpoint/2010/main" xmlns:a16="http://schemas.microsoft.com/office/drawing/2014/main" xmlns="" w="9525">
+                <a14:hiddenLine xmlns="" xmlns:a16="http://schemas.microsoft.com/office/drawing/2014/main" xmlns:p14="http://schemas.microsoft.com/office/powerpoint/2010/main" xmlns:a14="http://schemas.microsoft.com/office/drawing/2010/main" w="9525">
                   <a:solidFill>
                     <a:srgbClr val="000000"/>
                   </a:solidFill>
@@ -25471,7 +25471,7 @@
             </a:ln>
             <a:extLst>
               <a:ext uri="{91240B29-F687-4f45-9708-019B960494DF}">
-                <a14:hiddenLine xmlns:a14="http://schemas.microsoft.com/office/drawing/2010/main" xmlns:p14="http://schemas.microsoft.com/office/powerpoint/2010/main" xmlns:a16="http://schemas.microsoft.com/office/drawing/2014/main" xmlns="" w="9525">
+                <a14:hiddenLine xmlns="" xmlns:a16="http://schemas.microsoft.com/office/drawing/2014/main" xmlns:p14="http://schemas.microsoft.com/office/powerpoint/2010/main" xmlns:a14="http://schemas.microsoft.com/office/drawing/2010/main" w="9525">
                   <a:solidFill>
                     <a:srgbClr val="000000"/>
                   </a:solidFill>
@@ -25548,7 +25548,7 @@
             </a:ln>
             <a:extLst>
               <a:ext uri="{91240B29-F687-4f45-9708-019B960494DF}">
-                <a14:hiddenLine xmlns:a14="http://schemas.microsoft.com/office/drawing/2010/main" xmlns:p14="http://schemas.microsoft.com/office/powerpoint/2010/main" xmlns:a16="http://schemas.microsoft.com/office/drawing/2014/main" xmlns="" w="9525">
+                <a14:hiddenLine xmlns="" xmlns:a16="http://schemas.microsoft.com/office/drawing/2014/main" xmlns:p14="http://schemas.microsoft.com/office/powerpoint/2010/main" xmlns:a14="http://schemas.microsoft.com/office/drawing/2010/main" w="9525">
                   <a:solidFill>
                     <a:srgbClr val="000000"/>
                   </a:solidFill>
@@ -25653,7 +25653,7 @@
             </a:ln>
             <a:extLst>
               <a:ext uri="{91240B29-F687-4f45-9708-019B960494DF}">
-                <a14:hiddenLine xmlns:a14="http://schemas.microsoft.com/office/drawing/2010/main" xmlns:p14="http://schemas.microsoft.com/office/powerpoint/2010/main" xmlns:a16="http://schemas.microsoft.com/office/drawing/2014/main" xmlns="" w="9525">
+                <a14:hiddenLine xmlns="" xmlns:a16="http://schemas.microsoft.com/office/drawing/2014/main" xmlns:p14="http://schemas.microsoft.com/office/powerpoint/2010/main" xmlns:a14="http://schemas.microsoft.com/office/drawing/2010/main" w="9525">
                   <a:solidFill>
                     <a:srgbClr val="000000"/>
                   </a:solidFill>
@@ -25702,7 +25702,7 @@
             </a:ln>
             <a:extLst>
               <a:ext uri="{91240B29-F687-4f45-9708-019B960494DF}">
-                <a14:hiddenLine xmlns:a14="http://schemas.microsoft.com/office/drawing/2010/main" xmlns:p14="http://schemas.microsoft.com/office/powerpoint/2010/main" xmlns:a16="http://schemas.microsoft.com/office/drawing/2014/main" xmlns="" w="9525">
+                <a14:hiddenLine xmlns="" xmlns:a16="http://schemas.microsoft.com/office/drawing/2014/main" xmlns:p14="http://schemas.microsoft.com/office/powerpoint/2010/main" xmlns:a14="http://schemas.microsoft.com/office/drawing/2010/main" w="9525">
                   <a:solidFill>
                     <a:srgbClr val="000000"/>
                   </a:solidFill>
@@ -25782,7 +25782,7 @@
             </a:ln>
             <a:extLst>
               <a:ext uri="{91240B29-F687-4f45-9708-019B960494DF}">
-                <a14:hiddenLine xmlns:a14="http://schemas.microsoft.com/office/drawing/2010/main" xmlns:p14="http://schemas.microsoft.com/office/powerpoint/2010/main" xmlns:a16="http://schemas.microsoft.com/office/drawing/2014/main" xmlns="" w="9525">
+                <a14:hiddenLine xmlns="" xmlns:a16="http://schemas.microsoft.com/office/drawing/2014/main" xmlns:p14="http://schemas.microsoft.com/office/powerpoint/2010/main" xmlns:a14="http://schemas.microsoft.com/office/drawing/2010/main" w="9525">
                   <a:solidFill>
                     <a:srgbClr val="000000"/>
                   </a:solidFill>
@@ -25887,7 +25887,7 @@
             </a:ln>
             <a:extLst>
               <a:ext uri="{91240B29-F687-4f45-9708-019B960494DF}">
-                <a14:hiddenLine xmlns:a14="http://schemas.microsoft.com/office/drawing/2010/main" xmlns:p14="http://schemas.microsoft.com/office/powerpoint/2010/main" xmlns:a16="http://schemas.microsoft.com/office/drawing/2014/main" xmlns="" w="9525">
+                <a14:hiddenLine xmlns="" xmlns:a16="http://schemas.microsoft.com/office/drawing/2014/main" xmlns:p14="http://schemas.microsoft.com/office/powerpoint/2010/main" xmlns:a14="http://schemas.microsoft.com/office/drawing/2010/main" w="9525">
                   <a:solidFill>
                     <a:srgbClr val="000000"/>
                   </a:solidFill>
@@ -25964,7 +25964,7 @@
             </a:ln>
             <a:extLst>
               <a:ext uri="{91240B29-F687-4f45-9708-019B960494DF}">
-                <a14:hiddenLine xmlns:a14="http://schemas.microsoft.com/office/drawing/2010/main" xmlns:p14="http://schemas.microsoft.com/office/powerpoint/2010/main" xmlns:a16="http://schemas.microsoft.com/office/drawing/2014/main" xmlns="" w="9525">
+                <a14:hiddenLine xmlns="" xmlns:a16="http://schemas.microsoft.com/office/drawing/2014/main" xmlns:p14="http://schemas.microsoft.com/office/powerpoint/2010/main" xmlns:a14="http://schemas.microsoft.com/office/drawing/2010/main" w="9525">
                   <a:solidFill>
                     <a:srgbClr val="000000"/>
                   </a:solidFill>
@@ -26069,7 +26069,7 @@
             </a:ln>
             <a:extLst>
               <a:ext uri="{91240B29-F687-4f45-9708-019B960494DF}">
-                <a14:hiddenLine xmlns:a14="http://schemas.microsoft.com/office/drawing/2010/main" xmlns:p14="http://schemas.microsoft.com/office/powerpoint/2010/main" xmlns:a16="http://schemas.microsoft.com/office/drawing/2014/main" xmlns="" w="9525">
+                <a14:hiddenLine xmlns="" xmlns:a16="http://schemas.microsoft.com/office/drawing/2014/main" xmlns:p14="http://schemas.microsoft.com/office/powerpoint/2010/main" xmlns:a14="http://schemas.microsoft.com/office/drawing/2010/main" w="9525">
                   <a:solidFill>
                     <a:srgbClr val="000000"/>
                   </a:solidFill>
@@ -26149,7 +26149,7 @@
             </a:ln>
             <a:extLst>
               <a:ext uri="{91240B29-F687-4f45-9708-019B960494DF}">
-                <a14:hiddenLine xmlns:a14="http://schemas.microsoft.com/office/drawing/2010/main" xmlns:p14="http://schemas.microsoft.com/office/powerpoint/2010/main" xmlns:a16="http://schemas.microsoft.com/office/drawing/2014/main" xmlns="" w="9525">
+                <a14:hiddenLine xmlns="" xmlns:a16="http://schemas.microsoft.com/office/drawing/2014/main" xmlns:p14="http://schemas.microsoft.com/office/powerpoint/2010/main" xmlns:a14="http://schemas.microsoft.com/office/drawing/2010/main" w="9525">
                   <a:solidFill>
                     <a:srgbClr val="000000"/>
                   </a:solidFill>
@@ -26226,7 +26226,7 @@
             </a:ln>
             <a:extLst>
               <a:ext uri="{91240B29-F687-4f45-9708-019B960494DF}">
-                <a14:hiddenLine xmlns:a14="http://schemas.microsoft.com/office/drawing/2010/main" xmlns:p14="http://schemas.microsoft.com/office/powerpoint/2010/main" xmlns:a16="http://schemas.microsoft.com/office/drawing/2014/main" xmlns="" w="9525">
+                <a14:hiddenLine xmlns="" xmlns:a16="http://schemas.microsoft.com/office/drawing/2014/main" xmlns:p14="http://schemas.microsoft.com/office/powerpoint/2010/main" xmlns:a14="http://schemas.microsoft.com/office/drawing/2010/main" w="9525">
                   <a:solidFill>
                     <a:srgbClr val="000000"/>
                   </a:solidFill>
@@ -26331,7 +26331,7 @@
             </a:ln>
             <a:extLst>
               <a:ext uri="{91240B29-F687-4f45-9708-019B960494DF}">
-                <a14:hiddenLine xmlns:a14="http://schemas.microsoft.com/office/drawing/2010/main" xmlns:p14="http://schemas.microsoft.com/office/powerpoint/2010/main" xmlns:a16="http://schemas.microsoft.com/office/drawing/2014/main" xmlns="" w="9525">
+                <a14:hiddenLine xmlns="" xmlns:a16="http://schemas.microsoft.com/office/drawing/2014/main" xmlns:p14="http://schemas.microsoft.com/office/powerpoint/2010/main" xmlns:a14="http://schemas.microsoft.com/office/drawing/2010/main" w="9525">
                   <a:solidFill>
                     <a:srgbClr val="000000"/>
                   </a:solidFill>
@@ -26436,7 +26436,7 @@
             </a:ln>
             <a:extLst>
               <a:ext uri="{91240B29-F687-4f45-9708-019B960494DF}">
-                <a14:hiddenLine xmlns:a14="http://schemas.microsoft.com/office/drawing/2010/main" xmlns:p14="http://schemas.microsoft.com/office/powerpoint/2010/main" xmlns:a16="http://schemas.microsoft.com/office/drawing/2014/main" xmlns="" w="9525">
+                <a14:hiddenLine xmlns="" xmlns:a16="http://schemas.microsoft.com/office/drawing/2014/main" xmlns:p14="http://schemas.microsoft.com/office/powerpoint/2010/main" xmlns:a14="http://schemas.microsoft.com/office/drawing/2010/main" w="9525">
                   <a:solidFill>
                     <a:srgbClr val="000000"/>
                   </a:solidFill>
@@ -26516,7 +26516,7 @@
             </a:ln>
             <a:extLst>
               <a:ext uri="{91240B29-F687-4f45-9708-019B960494DF}">
-                <a14:hiddenLine xmlns:a14="http://schemas.microsoft.com/office/drawing/2010/main" xmlns:p14="http://schemas.microsoft.com/office/powerpoint/2010/main" xmlns:a16="http://schemas.microsoft.com/office/drawing/2014/main" xmlns="" w="9525">
+                <a14:hiddenLine xmlns="" xmlns:a16="http://schemas.microsoft.com/office/drawing/2014/main" xmlns:p14="http://schemas.microsoft.com/office/powerpoint/2010/main" xmlns:a14="http://schemas.microsoft.com/office/drawing/2010/main" w="9525">
                   <a:solidFill>
                     <a:srgbClr val="000000"/>
                   </a:solidFill>
@@ -26651,7 +26651,7 @@
             </a:ln>
             <a:extLst>
               <a:ext uri="{91240B29-F687-4f45-9708-019B960494DF}">
-                <a14:hiddenLine xmlns:a14="http://schemas.microsoft.com/office/drawing/2010/main" xmlns:p14="http://schemas.microsoft.com/office/powerpoint/2010/main" xmlns:a16="http://schemas.microsoft.com/office/drawing/2014/main" xmlns="" w="9525">
+                <a14:hiddenLine xmlns="" xmlns:a16="http://schemas.microsoft.com/office/drawing/2014/main" xmlns:p14="http://schemas.microsoft.com/office/powerpoint/2010/main" xmlns:a14="http://schemas.microsoft.com/office/drawing/2010/main" w="9525">
                   <a:solidFill>
                     <a:srgbClr val="000000"/>
                   </a:solidFill>

--- a/WeatherStation.pptx
+++ b/WeatherStation.pptx
@@ -4416,7 +4416,7 @@
           <a:p>
             <a:fld id="{0BA725EB-DF43-46B3-AADC-E7AD98B09667}" type="datetimeFigureOut">
               <a:rPr lang="it-IT" smtClean="0"/>
-              <a:t>01/05/2021</a:t>
+              <a:t>02/05/2021</a:t>
             </a:fld>
             <a:endParaRPr lang="it-IT"/>
           </a:p>
@@ -4683,7 +4683,7 @@
           <a:p>
             <a:fld id="{0BA725EB-DF43-46B3-AADC-E7AD98B09667}" type="datetimeFigureOut">
               <a:rPr lang="it-IT" smtClean="0"/>
-              <a:t>01/05/2021</a:t>
+              <a:t>02/05/2021</a:t>
             </a:fld>
             <a:endParaRPr lang="it-IT"/>
           </a:p>
@@ -4879,7 +4879,7 @@
           <a:p>
             <a:fld id="{0BA725EB-DF43-46B3-AADC-E7AD98B09667}" type="datetimeFigureOut">
               <a:rPr lang="it-IT" smtClean="0"/>
-              <a:t>01/05/2021</a:t>
+              <a:t>02/05/2021</a:t>
             </a:fld>
             <a:endParaRPr lang="it-IT"/>
           </a:p>
@@ -5142,7 +5142,7 @@
           <a:p>
             <a:fld id="{0BA725EB-DF43-46B3-AADC-E7AD98B09667}" type="datetimeFigureOut">
               <a:rPr lang="it-IT" smtClean="0"/>
-              <a:t>01/05/2021</a:t>
+              <a:t>02/05/2021</a:t>
             </a:fld>
             <a:endParaRPr lang="it-IT"/>
           </a:p>
@@ -5576,7 +5576,7 @@
           <a:p>
             <a:fld id="{0BA725EB-DF43-46B3-AADC-E7AD98B09667}" type="datetimeFigureOut">
               <a:rPr lang="it-IT" smtClean="0"/>
-              <a:t>01/05/2021</a:t>
+              <a:t>02/05/2021</a:t>
             </a:fld>
             <a:endParaRPr lang="it-IT"/>
           </a:p>
@@ -6122,7 +6122,7 @@
           <a:p>
             <a:fld id="{0BA725EB-DF43-46B3-AADC-E7AD98B09667}" type="datetimeFigureOut">
               <a:rPr lang="it-IT" smtClean="0"/>
-              <a:t>01/05/2021</a:t>
+              <a:t>02/05/2021</a:t>
             </a:fld>
             <a:endParaRPr lang="it-IT"/>
           </a:p>
@@ -6842,7 +6842,7 @@
           <a:p>
             <a:fld id="{0BA725EB-DF43-46B3-AADC-E7AD98B09667}" type="datetimeFigureOut">
               <a:rPr lang="it-IT" smtClean="0"/>
-              <a:t>01/05/2021</a:t>
+              <a:t>02/05/2021</a:t>
             </a:fld>
             <a:endParaRPr lang="it-IT"/>
           </a:p>
@@ -7012,7 +7012,7 @@
           <a:p>
             <a:fld id="{0BA725EB-DF43-46B3-AADC-E7AD98B09667}" type="datetimeFigureOut">
               <a:rPr lang="it-IT" smtClean="0"/>
-              <a:t>01/05/2021</a:t>
+              <a:t>02/05/2021</a:t>
             </a:fld>
             <a:endParaRPr lang="it-IT"/>
           </a:p>
@@ -7192,7 +7192,7 @@
           <a:p>
             <a:fld id="{0BA725EB-DF43-46B3-AADC-E7AD98B09667}" type="datetimeFigureOut">
               <a:rPr lang="it-IT" smtClean="0"/>
-              <a:t>01/05/2021</a:t>
+              <a:t>02/05/2021</a:t>
             </a:fld>
             <a:endParaRPr lang="it-IT"/>
           </a:p>
@@ -7362,7 +7362,7 @@
           <a:p>
             <a:fld id="{0BA725EB-DF43-46B3-AADC-E7AD98B09667}" type="datetimeFigureOut">
               <a:rPr lang="it-IT" smtClean="0"/>
-              <a:t>01/05/2021</a:t>
+              <a:t>02/05/2021</a:t>
             </a:fld>
             <a:endParaRPr lang="it-IT"/>
           </a:p>
@@ -7612,7 +7612,7 @@
           <a:p>
             <a:fld id="{0BA725EB-DF43-46B3-AADC-E7AD98B09667}" type="datetimeFigureOut">
               <a:rPr lang="it-IT" smtClean="0"/>
-              <a:t>01/05/2021</a:t>
+              <a:t>02/05/2021</a:t>
             </a:fld>
             <a:endParaRPr lang="it-IT"/>
           </a:p>
@@ -7844,7 +7844,7 @@
           <a:p>
             <a:fld id="{0BA725EB-DF43-46B3-AADC-E7AD98B09667}" type="datetimeFigureOut">
               <a:rPr lang="it-IT" smtClean="0"/>
-              <a:t>01/05/2021</a:t>
+              <a:t>02/05/2021</a:t>
             </a:fld>
             <a:endParaRPr lang="it-IT"/>
           </a:p>
@@ -8225,7 +8225,7 @@
           <a:p>
             <a:fld id="{0BA725EB-DF43-46B3-AADC-E7AD98B09667}" type="datetimeFigureOut">
               <a:rPr lang="it-IT" smtClean="0"/>
-              <a:t>01/05/2021</a:t>
+              <a:t>02/05/2021</a:t>
             </a:fld>
             <a:endParaRPr lang="it-IT"/>
           </a:p>
@@ -8343,7 +8343,7 @@
           <a:p>
             <a:fld id="{0BA725EB-DF43-46B3-AADC-E7AD98B09667}" type="datetimeFigureOut">
               <a:rPr lang="it-IT" smtClean="0"/>
-              <a:t>01/05/2021</a:t>
+              <a:t>02/05/2021</a:t>
             </a:fld>
             <a:endParaRPr lang="it-IT"/>
           </a:p>
@@ -8438,7 +8438,7 @@
           <a:p>
             <a:fld id="{0BA725EB-DF43-46B3-AADC-E7AD98B09667}" type="datetimeFigureOut">
               <a:rPr lang="it-IT" smtClean="0"/>
-              <a:t>01/05/2021</a:t>
+              <a:t>02/05/2021</a:t>
             </a:fld>
             <a:endParaRPr lang="it-IT"/>
           </a:p>
@@ -8687,7 +8687,7 @@
           <a:p>
             <a:fld id="{0BA725EB-DF43-46B3-AADC-E7AD98B09667}" type="datetimeFigureOut">
               <a:rPr lang="it-IT" smtClean="0"/>
-              <a:t>01/05/2021</a:t>
+              <a:t>02/05/2021</a:t>
             </a:fld>
             <a:endParaRPr lang="it-IT"/>
           </a:p>
@@ -8967,7 +8967,7 @@
           <a:p>
             <a:fld id="{0BA725EB-DF43-46B3-AADC-E7AD98B09667}" type="datetimeFigureOut">
               <a:rPr lang="it-IT" smtClean="0"/>
-              <a:t>01/05/2021</a:t>
+              <a:t>02/05/2021</a:t>
             </a:fld>
             <a:endParaRPr lang="it-IT"/>
           </a:p>
@@ -12044,7 +12044,7 @@
           <a:p>
             <a:fld id="{0BA725EB-DF43-46B3-AADC-E7AD98B09667}" type="datetimeFigureOut">
               <a:rPr lang="it-IT" smtClean="0"/>
-              <a:t>01/05/2021</a:t>
+              <a:t>02/05/2021</a:t>
             </a:fld>
             <a:endParaRPr lang="it-IT"/>
           </a:p>
@@ -24043,7 +24043,7 @@
             </a:r>
             <a:r>
               <a:rPr lang="it-IT" sz="1900" dirty="0" err="1"/>
-              <a:t>converting</a:t>
+              <a:t>doing</a:t>
             </a:r>
             <a:r>
               <a:rPr lang="it-IT" sz="1900" dirty="0"/>
@@ -24051,7 +24051,15 @@
             </a:r>
             <a:r>
               <a:rPr lang="it-IT" sz="1900" dirty="0" err="1"/>
-              <a:t>values</a:t>
+              <a:t>value</a:t>
+            </a:r>
+            <a:r>
+              <a:rPr lang="it-IT" sz="1900" dirty="0"/>
+              <a:t> </a:t>
+            </a:r>
+            <a:r>
+              <a:rPr lang="it-IT" sz="1900" dirty="0" err="1"/>
+              <a:t>conversions</a:t>
             </a:r>
             <a:endParaRPr lang="it-IT" sz="1900" dirty="0"/>
           </a:p>
@@ -24066,7 +24074,7 @@
             </a:r>
             <a:r>
               <a:rPr lang="it-IT" sz="1900" dirty="0" err="1"/>
-              <a:t>analyze</a:t>
+              <a:t>analyse</a:t>
             </a:r>
             <a:r>
               <a:rPr lang="it-IT" sz="1900" dirty="0"/>
@@ -24129,7 +24137,7 @@
             </a:r>
             <a:r>
               <a:rPr lang="it-IT" sz="1900" dirty="0" err="1"/>
-              <a:t>converting</a:t>
+              <a:t>doing</a:t>
             </a:r>
             <a:r>
               <a:rPr lang="it-IT" sz="1900" dirty="0"/>
@@ -24137,7 +24145,15 @@
             </a:r>
             <a:r>
               <a:rPr lang="it-IT" sz="1900" dirty="0" err="1"/>
-              <a:t>values</a:t>
+              <a:t>value</a:t>
+            </a:r>
+            <a:r>
+              <a:rPr lang="it-IT" sz="1900" dirty="0"/>
+              <a:t> </a:t>
+            </a:r>
+            <a:r>
+              <a:rPr lang="it-IT" sz="1900" dirty="0" err="1"/>
+              <a:t>conversions</a:t>
             </a:r>
             <a:endParaRPr lang="it-IT" sz="1900" dirty="0"/>
           </a:p>
@@ -27787,7 +27803,7 @@
         </p:nvSpPr>
         <p:spPr>
           <a:xfrm>
-            <a:off x="3228975" y="5083439"/>
+            <a:off x="3246731" y="5083439"/>
             <a:ext cx="841375" cy="307777"/>
           </a:xfrm>
           <a:prstGeom prst="rect">
@@ -27826,7 +27842,7 @@
         </p:nvSpPr>
         <p:spPr>
           <a:xfrm>
-            <a:off x="2432050" y="5090322"/>
+            <a:off x="2423172" y="5090322"/>
             <a:ext cx="841375" cy="307777"/>
           </a:xfrm>
           <a:prstGeom prst="rect">
@@ -27889,6 +27905,45 @@
           </a:fontRef>
         </p:style>
       </p:cxnSp>
+      <p:sp>
+        <p:nvSpPr>
+          <p:cNvPr id="14" name="TextBox 13">
+            <a:extLst>
+              <a:ext uri="{FF2B5EF4-FFF2-40B4-BE49-F238E27FC236}">
+                <a16:creationId xmlns:a16="http://schemas.microsoft.com/office/drawing/2014/main" id="{A6DDA85E-B1AB-4136-88BC-AB35A27F464E}"/>
+              </a:ext>
+            </a:extLst>
+          </p:cNvPr>
+          <p:cNvSpPr txBox="1"/>
+          <p:nvPr/>
+        </p:nvSpPr>
+        <p:spPr>
+          <a:xfrm>
+            <a:off x="10099271" y="5088645"/>
+            <a:ext cx="841375" cy="307777"/>
+          </a:xfrm>
+          <a:prstGeom prst="rect">
+            <a:avLst/>
+          </a:prstGeom>
+          <a:noFill/>
+        </p:spPr>
+        <p:txBody>
+          <a:bodyPr wrap="square">
+            <a:spAutoFit/>
+          </a:bodyPr>
+          <a:lstStyle/>
+          <a:p>
+            <a:r>
+              <a:rPr lang="it-IT" sz="1400" dirty="0">
+                <a:solidFill>
+                  <a:schemeClr val="bg1"/>
+                </a:solidFill>
+              </a:rPr>
+              <a:t>2000ms</a:t>
+            </a:r>
+          </a:p>
+        </p:txBody>
+      </p:sp>
     </p:spTree>
     <p:extLst>
       <p:ext uri="{BB962C8B-B14F-4D97-AF65-F5344CB8AC3E}">

--- a/WeatherStation.pptx
+++ b/WeatherStation.pptx
@@ -9,8 +9,8 @@
     <p:sldId id="262" r:id="rId3"/>
     <p:sldId id="258" r:id="rId4"/>
     <p:sldId id="265" r:id="rId5"/>
-    <p:sldId id="257" r:id="rId6"/>
-    <p:sldId id="263" r:id="rId7"/>
+    <p:sldId id="263" r:id="rId6"/>
+    <p:sldId id="257" r:id="rId7"/>
     <p:sldId id="264" r:id="rId8"/>
     <p:sldId id="259" r:id="rId9"/>
     <p:sldId id="260" r:id="rId10"/>
@@ -190,7 +190,7 @@
           <a:noFill/>
           <a:extLst>
             <a:ext uri="{909E8E84-426E-40dd-AFC4-6F175D3DCCD1}">
-              <a14:hiddenFill xmlns:a14="http://schemas.microsoft.com/office/drawing/2010/main" xmlns="">
+              <a14:hiddenFill xmlns="" xmlns:a14="http://schemas.microsoft.com/office/drawing/2010/main">
                 <a:solidFill>
                   <a:srgbClr val="FFFFFF"/>
                 </a:solidFill>
@@ -250,7 +250,7 @@
             </a:ln>
             <a:extLst>
               <a:ext uri="{91240B29-F687-4f45-9708-019B960494DF}">
-                <a14:hiddenLine xmlns:a14="http://schemas.microsoft.com/office/drawing/2010/main" xmlns="" w="9525">
+                <a14:hiddenLine xmlns="" xmlns:a14="http://schemas.microsoft.com/office/drawing/2010/main" w="9525">
                   <a:solidFill>
                     <a:srgbClr val="000000"/>
                   </a:solidFill>
@@ -340,7 +340,7 @@
             </a:ln>
             <a:extLst>
               <a:ext uri="{91240B29-F687-4f45-9708-019B960494DF}">
-                <a14:hiddenLine xmlns:a14="http://schemas.microsoft.com/office/drawing/2010/main" xmlns="" w="9525">
+                <a14:hiddenLine xmlns="" xmlns:a14="http://schemas.microsoft.com/office/drawing/2010/main" w="9525">
                   <a:solidFill>
                     <a:srgbClr val="000000"/>
                   </a:solidFill>
@@ -430,7 +430,7 @@
             </a:ln>
             <a:extLst>
               <a:ext uri="{91240B29-F687-4f45-9708-019B960494DF}">
-                <a14:hiddenLine xmlns:a14="http://schemas.microsoft.com/office/drawing/2010/main" xmlns="" w="9525">
+                <a14:hiddenLine xmlns="" xmlns:a14="http://schemas.microsoft.com/office/drawing/2010/main" w="9525">
                   <a:solidFill>
                     <a:srgbClr val="000000"/>
                   </a:solidFill>
@@ -464,7 +464,7 @@
             </a:ln>
             <a:extLst>
               <a:ext uri="{91240B29-F687-4f45-9708-019B960494DF}">
-                <a14:hiddenLine xmlns:a14="http://schemas.microsoft.com/office/drawing/2010/main" xmlns="" w="9525">
+                <a14:hiddenLine xmlns="" xmlns:a14="http://schemas.microsoft.com/office/drawing/2010/main" w="9525">
                   <a:solidFill>
                     <a:srgbClr val="000000"/>
                   </a:solidFill>
@@ -554,7 +554,7 @@
             </a:ln>
             <a:extLst>
               <a:ext uri="{91240B29-F687-4f45-9708-019B960494DF}">
-                <a14:hiddenLine xmlns:a14="http://schemas.microsoft.com/office/drawing/2010/main" xmlns="" w="9525">
+                <a14:hiddenLine xmlns="" xmlns:a14="http://schemas.microsoft.com/office/drawing/2010/main" w="9525">
                   <a:solidFill>
                     <a:srgbClr val="000000"/>
                   </a:solidFill>
@@ -616,7 +616,7 @@
             </a:ln>
             <a:extLst>
               <a:ext uri="{91240B29-F687-4f45-9708-019B960494DF}">
-                <a14:hiddenLine xmlns:a14="http://schemas.microsoft.com/office/drawing/2010/main" xmlns="" w="9525">
+                <a14:hiddenLine xmlns="" xmlns:a14="http://schemas.microsoft.com/office/drawing/2010/main" w="9525">
                   <a:solidFill>
                     <a:srgbClr val="000000"/>
                   </a:solidFill>
@@ -678,7 +678,7 @@
             </a:ln>
             <a:extLst>
               <a:ext uri="{91240B29-F687-4f45-9708-019B960494DF}">
-                <a14:hiddenLine xmlns:a14="http://schemas.microsoft.com/office/drawing/2010/main" xmlns="" w="9525">
+                <a14:hiddenLine xmlns="" xmlns:a14="http://schemas.microsoft.com/office/drawing/2010/main" w="9525">
                   <a:solidFill>
                     <a:srgbClr val="000000"/>
                   </a:solidFill>
@@ -768,7 +768,7 @@
             </a:ln>
             <a:extLst>
               <a:ext uri="{91240B29-F687-4f45-9708-019B960494DF}">
-                <a14:hiddenLine xmlns:a14="http://schemas.microsoft.com/office/drawing/2010/main" xmlns="" w="9525">
+                <a14:hiddenLine xmlns="" xmlns:a14="http://schemas.microsoft.com/office/drawing/2010/main" w="9525">
                   <a:solidFill>
                     <a:srgbClr val="000000"/>
                   </a:solidFill>
@@ -830,7 +830,7 @@
             </a:ln>
             <a:extLst>
               <a:ext uri="{91240B29-F687-4f45-9708-019B960494DF}">
-                <a14:hiddenLine xmlns:a14="http://schemas.microsoft.com/office/drawing/2010/main" xmlns="" w="9525">
+                <a14:hiddenLine xmlns="" xmlns:a14="http://schemas.microsoft.com/office/drawing/2010/main" w="9525">
                   <a:solidFill>
                     <a:srgbClr val="000000"/>
                   </a:solidFill>
@@ -892,7 +892,7 @@
             </a:ln>
             <a:extLst>
               <a:ext uri="{91240B29-F687-4f45-9708-019B960494DF}">
-                <a14:hiddenLine xmlns:a14="http://schemas.microsoft.com/office/drawing/2010/main" xmlns="" w="9525">
+                <a14:hiddenLine xmlns="" xmlns:a14="http://schemas.microsoft.com/office/drawing/2010/main" w="9525">
                   <a:solidFill>
                     <a:srgbClr val="000000"/>
                   </a:solidFill>
@@ -982,7 +982,7 @@
             </a:ln>
             <a:extLst>
               <a:ext uri="{91240B29-F687-4f45-9708-019B960494DF}">
-                <a14:hiddenLine xmlns:a14="http://schemas.microsoft.com/office/drawing/2010/main" xmlns="" w="9525">
+                <a14:hiddenLine xmlns="" xmlns:a14="http://schemas.microsoft.com/office/drawing/2010/main" w="9525">
                   <a:solidFill>
                     <a:srgbClr val="000000"/>
                   </a:solidFill>
@@ -1072,7 +1072,7 @@
             </a:ln>
             <a:extLst>
               <a:ext uri="{91240B29-F687-4f45-9708-019B960494DF}">
-                <a14:hiddenLine xmlns:a14="http://schemas.microsoft.com/office/drawing/2010/main" xmlns="" w="9525">
+                <a14:hiddenLine xmlns="" xmlns:a14="http://schemas.microsoft.com/office/drawing/2010/main" w="9525">
                   <a:solidFill>
                     <a:srgbClr val="000000"/>
                   </a:solidFill>
@@ -1134,7 +1134,7 @@
             </a:ln>
             <a:extLst>
               <a:ext uri="{91240B29-F687-4f45-9708-019B960494DF}">
-                <a14:hiddenLine xmlns:a14="http://schemas.microsoft.com/office/drawing/2010/main" xmlns="" w="9525">
+                <a14:hiddenLine xmlns="" xmlns:a14="http://schemas.microsoft.com/office/drawing/2010/main" w="9525">
                   <a:solidFill>
                     <a:srgbClr val="000000"/>
                   </a:solidFill>
@@ -1244,7 +1244,7 @@
             </a:ln>
             <a:extLst>
               <a:ext uri="{91240B29-F687-4f45-9708-019B960494DF}">
-                <a14:hiddenLine xmlns:a14="http://schemas.microsoft.com/office/drawing/2010/main" xmlns="" w="9525">
+                <a14:hiddenLine xmlns="" xmlns:a14="http://schemas.microsoft.com/office/drawing/2010/main" w="9525">
                   <a:solidFill>
                     <a:srgbClr val="000000"/>
                   </a:solidFill>
@@ -1306,7 +1306,7 @@
             </a:ln>
             <a:extLst>
               <a:ext uri="{91240B29-F687-4f45-9708-019B960494DF}">
-                <a14:hiddenLine xmlns:a14="http://schemas.microsoft.com/office/drawing/2010/main" xmlns="" w="9525">
+                <a14:hiddenLine xmlns="" xmlns:a14="http://schemas.microsoft.com/office/drawing/2010/main" w="9525">
                   <a:solidFill>
                     <a:srgbClr val="000000"/>
                   </a:solidFill>
@@ -1396,7 +1396,7 @@
             </a:ln>
             <a:extLst>
               <a:ext uri="{91240B29-F687-4f45-9708-019B960494DF}">
-                <a14:hiddenLine xmlns:a14="http://schemas.microsoft.com/office/drawing/2010/main" xmlns="" w="9525">
+                <a14:hiddenLine xmlns="" xmlns:a14="http://schemas.microsoft.com/office/drawing/2010/main" w="9525">
                   <a:solidFill>
                     <a:srgbClr val="000000"/>
                   </a:solidFill>
@@ -1486,7 +1486,7 @@
             </a:ln>
             <a:extLst>
               <a:ext uri="{91240B29-F687-4f45-9708-019B960494DF}">
-                <a14:hiddenLine xmlns:a14="http://schemas.microsoft.com/office/drawing/2010/main" xmlns="" w="9525">
+                <a14:hiddenLine xmlns="" xmlns:a14="http://schemas.microsoft.com/office/drawing/2010/main" w="9525">
                   <a:solidFill>
                     <a:srgbClr val="000000"/>
                   </a:solidFill>
@@ -1548,7 +1548,7 @@
             </a:ln>
             <a:extLst>
               <a:ext uri="{91240B29-F687-4f45-9708-019B960494DF}">
-                <a14:hiddenLine xmlns:a14="http://schemas.microsoft.com/office/drawing/2010/main" xmlns="" w="9525">
+                <a14:hiddenLine xmlns="" xmlns:a14="http://schemas.microsoft.com/office/drawing/2010/main" w="9525">
                   <a:solidFill>
                     <a:srgbClr val="000000"/>
                   </a:solidFill>
@@ -1638,7 +1638,7 @@
             </a:ln>
             <a:extLst>
               <a:ext uri="{91240B29-F687-4f45-9708-019B960494DF}">
-                <a14:hiddenLine xmlns:a14="http://schemas.microsoft.com/office/drawing/2010/main" xmlns="" w="9525">
+                <a14:hiddenLine xmlns="" xmlns:a14="http://schemas.microsoft.com/office/drawing/2010/main" w="9525">
                   <a:solidFill>
                     <a:srgbClr val="000000"/>
                   </a:solidFill>
@@ -1728,7 +1728,7 @@
             </a:ln>
             <a:extLst>
               <a:ext uri="{91240B29-F687-4f45-9708-019B960494DF}">
-                <a14:hiddenLine xmlns:a14="http://schemas.microsoft.com/office/drawing/2010/main" xmlns="" w="9525">
+                <a14:hiddenLine xmlns="" xmlns:a14="http://schemas.microsoft.com/office/drawing/2010/main" w="9525">
                   <a:solidFill>
                     <a:srgbClr val="000000"/>
                   </a:solidFill>
@@ -1784,7 +1784,7 @@
             </a:ln>
             <a:extLst>
               <a:ext uri="{91240B29-F687-4f45-9708-019B960494DF}">
-                <a14:hiddenLine xmlns:a14="http://schemas.microsoft.com/office/drawing/2010/main" xmlns="" w="9525">
+                <a14:hiddenLine xmlns="" xmlns:a14="http://schemas.microsoft.com/office/drawing/2010/main" w="9525">
                   <a:solidFill>
                     <a:srgbClr val="000000"/>
                   </a:solidFill>
@@ -1874,7 +1874,7 @@
             </a:ln>
             <a:extLst>
               <a:ext uri="{91240B29-F687-4f45-9708-019B960494DF}">
-                <a14:hiddenLine xmlns:a14="http://schemas.microsoft.com/office/drawing/2010/main" xmlns="" w="9525">
+                <a14:hiddenLine xmlns="" xmlns:a14="http://schemas.microsoft.com/office/drawing/2010/main" w="9525">
                   <a:solidFill>
                     <a:srgbClr val="000000"/>
                   </a:solidFill>
@@ -1930,7 +1930,7 @@
             </a:ln>
             <a:extLst>
               <a:ext uri="{91240B29-F687-4f45-9708-019B960494DF}">
-                <a14:hiddenLine xmlns:a14="http://schemas.microsoft.com/office/drawing/2010/main" xmlns="" w="9525">
+                <a14:hiddenLine xmlns="" xmlns:a14="http://schemas.microsoft.com/office/drawing/2010/main" w="9525">
                   <a:solidFill>
                     <a:srgbClr val="000000"/>
                   </a:solidFill>
@@ -2020,7 +2020,7 @@
             </a:ln>
             <a:extLst>
               <a:ext uri="{91240B29-F687-4f45-9708-019B960494DF}">
-                <a14:hiddenLine xmlns:a14="http://schemas.microsoft.com/office/drawing/2010/main" xmlns="" w="9525">
+                <a14:hiddenLine xmlns="" xmlns:a14="http://schemas.microsoft.com/office/drawing/2010/main" w="9525">
                   <a:solidFill>
                     <a:srgbClr val="000000"/>
                   </a:solidFill>
@@ -2088,7 +2088,7 @@
             </a:ln>
             <a:extLst>
               <a:ext uri="{91240B29-F687-4f45-9708-019B960494DF}">
-                <a14:hiddenLine xmlns:a14="http://schemas.microsoft.com/office/drawing/2010/main" xmlns="" w="9525">
+                <a14:hiddenLine xmlns="" xmlns:a14="http://schemas.microsoft.com/office/drawing/2010/main" w="9525">
                   <a:solidFill>
                     <a:srgbClr val="000000"/>
                   </a:solidFill>
@@ -2178,7 +2178,7 @@
             </a:ln>
             <a:extLst>
               <a:ext uri="{91240B29-F687-4f45-9708-019B960494DF}">
-                <a14:hiddenLine xmlns:a14="http://schemas.microsoft.com/office/drawing/2010/main" xmlns="" w="9525">
+                <a14:hiddenLine xmlns="" xmlns:a14="http://schemas.microsoft.com/office/drawing/2010/main" w="9525">
                   <a:solidFill>
                     <a:srgbClr val="000000"/>
                   </a:solidFill>
@@ -2246,7 +2246,7 @@
             </a:ln>
             <a:extLst>
               <a:ext uri="{91240B29-F687-4f45-9708-019B960494DF}">
-                <a14:hiddenLine xmlns:a14="http://schemas.microsoft.com/office/drawing/2010/main" xmlns="" w="9525">
+                <a14:hiddenLine xmlns="" xmlns:a14="http://schemas.microsoft.com/office/drawing/2010/main" w="9525">
                   <a:solidFill>
                     <a:srgbClr val="000000"/>
                   </a:solidFill>
@@ -2336,7 +2336,7 @@
             </a:ln>
             <a:extLst>
               <a:ext uri="{91240B29-F687-4f45-9708-019B960494DF}">
-                <a14:hiddenLine xmlns:a14="http://schemas.microsoft.com/office/drawing/2010/main" xmlns="" w="9525">
+                <a14:hiddenLine xmlns="" xmlns:a14="http://schemas.microsoft.com/office/drawing/2010/main" w="9525">
                   <a:solidFill>
                     <a:srgbClr val="000000"/>
                   </a:solidFill>
@@ -2370,7 +2370,7 @@
             </a:ln>
             <a:extLst>
               <a:ext uri="{91240B29-F687-4f45-9708-019B960494DF}">
-                <a14:hiddenLine xmlns:a14="http://schemas.microsoft.com/office/drawing/2010/main" xmlns="" w="9525">
+                <a14:hiddenLine xmlns="" xmlns:a14="http://schemas.microsoft.com/office/drawing/2010/main" w="9525">
                   <a:solidFill>
                     <a:srgbClr val="000000"/>
                   </a:solidFill>
@@ -2460,7 +2460,7 @@
             </a:ln>
             <a:extLst>
               <a:ext uri="{91240B29-F687-4f45-9708-019B960494DF}">
-                <a14:hiddenLine xmlns:a14="http://schemas.microsoft.com/office/drawing/2010/main" xmlns="" w="9525">
+                <a14:hiddenLine xmlns="" xmlns:a14="http://schemas.microsoft.com/office/drawing/2010/main" w="9525">
                   <a:solidFill>
                     <a:srgbClr val="000000"/>
                   </a:solidFill>
@@ -2522,7 +2522,7 @@
             </a:ln>
             <a:extLst>
               <a:ext uri="{91240B29-F687-4f45-9708-019B960494DF}">
-                <a14:hiddenLine xmlns:a14="http://schemas.microsoft.com/office/drawing/2010/main" xmlns="" w="9525">
+                <a14:hiddenLine xmlns="" xmlns:a14="http://schemas.microsoft.com/office/drawing/2010/main" w="9525">
                   <a:solidFill>
                     <a:srgbClr val="000000"/>
                   </a:solidFill>
@@ -2584,7 +2584,7 @@
             </a:ln>
             <a:extLst>
               <a:ext uri="{91240B29-F687-4f45-9708-019B960494DF}">
-                <a14:hiddenLine xmlns:a14="http://schemas.microsoft.com/office/drawing/2010/main" xmlns="" w="9525">
+                <a14:hiddenLine xmlns="" xmlns:a14="http://schemas.microsoft.com/office/drawing/2010/main" w="9525">
                   <a:solidFill>
                     <a:srgbClr val="000000"/>
                   </a:solidFill>
@@ -2674,7 +2674,7 @@
             </a:ln>
             <a:extLst>
               <a:ext uri="{91240B29-F687-4f45-9708-019B960494DF}">
-                <a14:hiddenLine xmlns:a14="http://schemas.microsoft.com/office/drawing/2010/main" xmlns="" w="9525">
+                <a14:hiddenLine xmlns="" xmlns:a14="http://schemas.microsoft.com/office/drawing/2010/main" w="9525">
                   <a:solidFill>
                     <a:srgbClr val="000000"/>
                   </a:solidFill>
@@ -2742,7 +2742,7 @@
             </a:ln>
             <a:extLst>
               <a:ext uri="{91240B29-F687-4f45-9708-019B960494DF}">
-                <a14:hiddenLine xmlns:a14="http://schemas.microsoft.com/office/drawing/2010/main" xmlns="" w="9525">
+                <a14:hiddenLine xmlns="" xmlns:a14="http://schemas.microsoft.com/office/drawing/2010/main" w="9525">
                   <a:solidFill>
                     <a:srgbClr val="000000"/>
                   </a:solidFill>
@@ -2804,7 +2804,7 @@
             </a:ln>
             <a:extLst>
               <a:ext uri="{91240B29-F687-4f45-9708-019B960494DF}">
-                <a14:hiddenLine xmlns:a14="http://schemas.microsoft.com/office/drawing/2010/main" xmlns="" w="9525">
+                <a14:hiddenLine xmlns="" xmlns:a14="http://schemas.microsoft.com/office/drawing/2010/main" w="9525">
                   <a:solidFill>
                     <a:srgbClr val="000000"/>
                   </a:solidFill>
@@ -2894,7 +2894,7 @@
             </a:ln>
             <a:extLst>
               <a:ext uri="{91240B29-F687-4f45-9708-019B960494DF}">
-                <a14:hiddenLine xmlns:a14="http://schemas.microsoft.com/office/drawing/2010/main" xmlns="" w="9525">
+                <a14:hiddenLine xmlns="" xmlns:a14="http://schemas.microsoft.com/office/drawing/2010/main" w="9525">
                   <a:solidFill>
                     <a:srgbClr val="000000"/>
                   </a:solidFill>
@@ -2956,7 +2956,7 @@
             </a:ln>
             <a:extLst>
               <a:ext uri="{91240B29-F687-4f45-9708-019B960494DF}">
-                <a14:hiddenLine xmlns:a14="http://schemas.microsoft.com/office/drawing/2010/main" xmlns="" w="9525">
+                <a14:hiddenLine xmlns="" xmlns:a14="http://schemas.microsoft.com/office/drawing/2010/main" w="9525">
                   <a:solidFill>
                     <a:srgbClr val="000000"/>
                   </a:solidFill>
@@ -3046,7 +3046,7 @@
             </a:ln>
             <a:extLst>
               <a:ext uri="{91240B29-F687-4f45-9708-019B960494DF}">
-                <a14:hiddenLine xmlns:a14="http://schemas.microsoft.com/office/drawing/2010/main" xmlns="" w="9525">
+                <a14:hiddenLine xmlns="" xmlns:a14="http://schemas.microsoft.com/office/drawing/2010/main" w="9525">
                   <a:solidFill>
                     <a:srgbClr val="000000"/>
                   </a:solidFill>
@@ -3108,7 +3108,7 @@
             </a:ln>
             <a:extLst>
               <a:ext uri="{91240B29-F687-4f45-9708-019B960494DF}">
-                <a14:hiddenLine xmlns:a14="http://schemas.microsoft.com/office/drawing/2010/main" xmlns="" w="9525">
+                <a14:hiddenLine xmlns="" xmlns:a14="http://schemas.microsoft.com/office/drawing/2010/main" w="9525">
                   <a:solidFill>
                     <a:srgbClr val="000000"/>
                   </a:solidFill>
@@ -3198,7 +3198,7 @@
             </a:ln>
             <a:extLst>
               <a:ext uri="{91240B29-F687-4f45-9708-019B960494DF}">
-                <a14:hiddenLine xmlns:a14="http://schemas.microsoft.com/office/drawing/2010/main" xmlns="" w="9525">
+                <a14:hiddenLine xmlns="" xmlns:a14="http://schemas.microsoft.com/office/drawing/2010/main" w="9525">
                   <a:solidFill>
                     <a:srgbClr val="000000"/>
                   </a:solidFill>
@@ -3232,7 +3232,7 @@
             </a:ln>
             <a:extLst>
               <a:ext uri="{91240B29-F687-4f45-9708-019B960494DF}">
-                <a14:hiddenLine xmlns:a14="http://schemas.microsoft.com/office/drawing/2010/main" xmlns="" w="9525">
+                <a14:hiddenLine xmlns="" xmlns:a14="http://schemas.microsoft.com/office/drawing/2010/main" w="9525">
                   <a:solidFill>
                     <a:srgbClr val="000000"/>
                   </a:solidFill>
@@ -3297,7 +3297,7 @@
             </a:ln>
             <a:extLst>
               <a:ext uri="{91240B29-F687-4f45-9708-019B960494DF}">
-                <a14:hiddenLine xmlns:a14="http://schemas.microsoft.com/office/drawing/2010/main" xmlns="" w="9525">
+                <a14:hiddenLine xmlns="" xmlns:a14="http://schemas.microsoft.com/office/drawing/2010/main" w="9525">
                   <a:solidFill>
                     <a:srgbClr val="000000"/>
                   </a:solidFill>
@@ -3387,7 +3387,7 @@
             </a:ln>
             <a:extLst>
               <a:ext uri="{91240B29-F687-4f45-9708-019B960494DF}">
-                <a14:hiddenLine xmlns:a14="http://schemas.microsoft.com/office/drawing/2010/main" xmlns="" w="9525">
+                <a14:hiddenLine xmlns="" xmlns:a14="http://schemas.microsoft.com/office/drawing/2010/main" w="9525">
                   <a:solidFill>
                     <a:srgbClr val="000000"/>
                   </a:solidFill>
@@ -3449,7 +3449,7 @@
             </a:ln>
             <a:extLst>
               <a:ext uri="{91240B29-F687-4f45-9708-019B960494DF}">
-                <a14:hiddenLine xmlns:a14="http://schemas.microsoft.com/office/drawing/2010/main" xmlns="" w="9525">
+                <a14:hiddenLine xmlns="" xmlns:a14="http://schemas.microsoft.com/office/drawing/2010/main" w="9525">
                   <a:solidFill>
                     <a:srgbClr val="000000"/>
                   </a:solidFill>
@@ -3539,7 +3539,7 @@
             </a:ln>
             <a:extLst>
               <a:ext uri="{91240B29-F687-4f45-9708-019B960494DF}">
-                <a14:hiddenLine xmlns:a14="http://schemas.microsoft.com/office/drawing/2010/main" xmlns="" w="9525">
+                <a14:hiddenLine xmlns="" xmlns:a14="http://schemas.microsoft.com/office/drawing/2010/main" w="9525">
                   <a:solidFill>
                     <a:srgbClr val="000000"/>
                   </a:solidFill>
@@ -3629,7 +3629,7 @@
             </a:ln>
             <a:extLst>
               <a:ext uri="{91240B29-F687-4f45-9708-019B960494DF}">
-                <a14:hiddenLine xmlns:a14="http://schemas.microsoft.com/office/drawing/2010/main" xmlns="" w="9525">
+                <a14:hiddenLine xmlns="" xmlns:a14="http://schemas.microsoft.com/office/drawing/2010/main" w="9525">
                   <a:solidFill>
                     <a:srgbClr val="000000"/>
                   </a:solidFill>
@@ -3694,7 +3694,7 @@
             </a:ln>
             <a:extLst>
               <a:ext uri="{91240B29-F687-4f45-9708-019B960494DF}">
-                <a14:hiddenLine xmlns:a14="http://schemas.microsoft.com/office/drawing/2010/main" xmlns="" w="9525">
+                <a14:hiddenLine xmlns="" xmlns:a14="http://schemas.microsoft.com/office/drawing/2010/main" w="9525">
                   <a:solidFill>
                     <a:srgbClr val="000000"/>
                   </a:solidFill>
@@ -3756,7 +3756,7 @@
             </a:ln>
             <a:extLst>
               <a:ext uri="{91240B29-F687-4f45-9708-019B960494DF}">
-                <a14:hiddenLine xmlns:a14="http://schemas.microsoft.com/office/drawing/2010/main" xmlns="" w="9525">
+                <a14:hiddenLine xmlns="" xmlns:a14="http://schemas.microsoft.com/office/drawing/2010/main" w="9525">
                   <a:solidFill>
                     <a:srgbClr val="000000"/>
                   </a:solidFill>
@@ -3846,7 +3846,7 @@
             </a:ln>
             <a:extLst>
               <a:ext uri="{91240B29-F687-4f45-9708-019B960494DF}">
-                <a14:hiddenLine xmlns:a14="http://schemas.microsoft.com/office/drawing/2010/main" xmlns="" w="9525">
+                <a14:hiddenLine xmlns="" xmlns:a14="http://schemas.microsoft.com/office/drawing/2010/main" w="9525">
                   <a:solidFill>
                     <a:srgbClr val="000000"/>
                   </a:solidFill>
@@ -3936,7 +3936,7 @@
             </a:ln>
             <a:extLst>
               <a:ext uri="{91240B29-F687-4f45-9708-019B960494DF}">
-                <a14:hiddenLine xmlns:a14="http://schemas.microsoft.com/office/drawing/2010/main" xmlns="" w="9525">
+                <a14:hiddenLine xmlns="" xmlns:a14="http://schemas.microsoft.com/office/drawing/2010/main" w="9525">
                   <a:solidFill>
                     <a:srgbClr val="000000"/>
                   </a:solidFill>
@@ -3998,7 +3998,7 @@
             </a:ln>
             <a:extLst>
               <a:ext uri="{91240B29-F687-4f45-9708-019B960494DF}">
-                <a14:hiddenLine xmlns:a14="http://schemas.microsoft.com/office/drawing/2010/main" xmlns="" w="9525">
+                <a14:hiddenLine xmlns="" xmlns:a14="http://schemas.microsoft.com/office/drawing/2010/main" w="9525">
                   <a:solidFill>
                     <a:srgbClr val="000000"/>
                   </a:solidFill>
@@ -4118,7 +4118,7 @@
             </a:ln>
             <a:extLst>
               <a:ext uri="{91240B29-F687-4f45-9708-019B960494DF}">
-                <a14:hiddenLine xmlns:a14="http://schemas.microsoft.com/office/drawing/2010/main" xmlns="" w="9525">
+                <a14:hiddenLine xmlns="" xmlns:a14="http://schemas.microsoft.com/office/drawing/2010/main" w="9525">
                   <a:solidFill>
                     <a:srgbClr val="000000"/>
                   </a:solidFill>
@@ -4186,7 +4186,7 @@
             </a:ln>
             <a:extLst>
               <a:ext uri="{91240B29-F687-4f45-9708-019B960494DF}">
-                <a14:hiddenLine xmlns:a14="http://schemas.microsoft.com/office/drawing/2010/main" xmlns="" w="9525">
+                <a14:hiddenLine xmlns="" xmlns:a14="http://schemas.microsoft.com/office/drawing/2010/main" w="9525">
                   <a:solidFill>
                     <a:srgbClr val="000000"/>
                   </a:solidFill>
@@ -4276,7 +4276,7 @@
             </a:ln>
             <a:extLst>
               <a:ext uri="{91240B29-F687-4f45-9708-019B960494DF}">
-                <a14:hiddenLine xmlns:a14="http://schemas.microsoft.com/office/drawing/2010/main" xmlns="" w="9525">
+                <a14:hiddenLine xmlns="" xmlns:a14="http://schemas.microsoft.com/office/drawing/2010/main" w="9525">
                   <a:solidFill>
                     <a:srgbClr val="000000"/>
                   </a:solidFill>
@@ -4416,7 +4416,7 @@
           <a:p>
             <a:fld id="{0BA725EB-DF43-46B3-AADC-E7AD98B09667}" type="datetimeFigureOut">
               <a:rPr lang="it-IT" smtClean="0"/>
-              <a:t>02/05/2021</a:t>
+              <a:t>09/05/2021</a:t>
             </a:fld>
             <a:endParaRPr lang="it-IT"/>
           </a:p>
@@ -4683,7 +4683,7 @@
           <a:p>
             <a:fld id="{0BA725EB-DF43-46B3-AADC-E7AD98B09667}" type="datetimeFigureOut">
               <a:rPr lang="it-IT" smtClean="0"/>
-              <a:t>02/05/2021</a:t>
+              <a:t>09/05/2021</a:t>
             </a:fld>
             <a:endParaRPr lang="it-IT"/>
           </a:p>
@@ -4879,7 +4879,7 @@
           <a:p>
             <a:fld id="{0BA725EB-DF43-46B3-AADC-E7AD98B09667}" type="datetimeFigureOut">
               <a:rPr lang="it-IT" smtClean="0"/>
-              <a:t>02/05/2021</a:t>
+              <a:t>09/05/2021</a:t>
             </a:fld>
             <a:endParaRPr lang="it-IT"/>
           </a:p>
@@ -5142,7 +5142,7 @@
           <a:p>
             <a:fld id="{0BA725EB-DF43-46B3-AADC-E7AD98B09667}" type="datetimeFigureOut">
               <a:rPr lang="it-IT" smtClean="0"/>
-              <a:t>02/05/2021</a:t>
+              <a:t>09/05/2021</a:t>
             </a:fld>
             <a:endParaRPr lang="it-IT"/>
           </a:p>
@@ -5576,7 +5576,7 @@
           <a:p>
             <a:fld id="{0BA725EB-DF43-46B3-AADC-E7AD98B09667}" type="datetimeFigureOut">
               <a:rPr lang="it-IT" smtClean="0"/>
-              <a:t>02/05/2021</a:t>
+              <a:t>09/05/2021</a:t>
             </a:fld>
             <a:endParaRPr lang="it-IT"/>
           </a:p>
@@ -6122,7 +6122,7 @@
           <a:p>
             <a:fld id="{0BA725EB-DF43-46B3-AADC-E7AD98B09667}" type="datetimeFigureOut">
               <a:rPr lang="it-IT" smtClean="0"/>
-              <a:t>02/05/2021</a:t>
+              <a:t>09/05/2021</a:t>
             </a:fld>
             <a:endParaRPr lang="it-IT"/>
           </a:p>
@@ -6842,7 +6842,7 @@
           <a:p>
             <a:fld id="{0BA725EB-DF43-46B3-AADC-E7AD98B09667}" type="datetimeFigureOut">
               <a:rPr lang="it-IT" smtClean="0"/>
-              <a:t>02/05/2021</a:t>
+              <a:t>09/05/2021</a:t>
             </a:fld>
             <a:endParaRPr lang="it-IT"/>
           </a:p>
@@ -7012,7 +7012,7 @@
           <a:p>
             <a:fld id="{0BA725EB-DF43-46B3-AADC-E7AD98B09667}" type="datetimeFigureOut">
               <a:rPr lang="it-IT" smtClean="0"/>
-              <a:t>02/05/2021</a:t>
+              <a:t>09/05/2021</a:t>
             </a:fld>
             <a:endParaRPr lang="it-IT"/>
           </a:p>
@@ -7192,7 +7192,7 @@
           <a:p>
             <a:fld id="{0BA725EB-DF43-46B3-AADC-E7AD98B09667}" type="datetimeFigureOut">
               <a:rPr lang="it-IT" smtClean="0"/>
-              <a:t>02/05/2021</a:t>
+              <a:t>09/05/2021</a:t>
             </a:fld>
             <a:endParaRPr lang="it-IT"/>
           </a:p>
@@ -7362,7 +7362,7 @@
           <a:p>
             <a:fld id="{0BA725EB-DF43-46B3-AADC-E7AD98B09667}" type="datetimeFigureOut">
               <a:rPr lang="it-IT" smtClean="0"/>
-              <a:t>02/05/2021</a:t>
+              <a:t>09/05/2021</a:t>
             </a:fld>
             <a:endParaRPr lang="it-IT"/>
           </a:p>
@@ -7612,7 +7612,7 @@
           <a:p>
             <a:fld id="{0BA725EB-DF43-46B3-AADC-E7AD98B09667}" type="datetimeFigureOut">
               <a:rPr lang="it-IT" smtClean="0"/>
-              <a:t>02/05/2021</a:t>
+              <a:t>09/05/2021</a:t>
             </a:fld>
             <a:endParaRPr lang="it-IT"/>
           </a:p>
@@ -7844,7 +7844,7 @@
           <a:p>
             <a:fld id="{0BA725EB-DF43-46B3-AADC-E7AD98B09667}" type="datetimeFigureOut">
               <a:rPr lang="it-IT" smtClean="0"/>
-              <a:t>02/05/2021</a:t>
+              <a:t>09/05/2021</a:t>
             </a:fld>
             <a:endParaRPr lang="it-IT"/>
           </a:p>
@@ -8225,7 +8225,7 @@
           <a:p>
             <a:fld id="{0BA725EB-DF43-46B3-AADC-E7AD98B09667}" type="datetimeFigureOut">
               <a:rPr lang="it-IT" smtClean="0"/>
-              <a:t>02/05/2021</a:t>
+              <a:t>09/05/2021</a:t>
             </a:fld>
             <a:endParaRPr lang="it-IT"/>
           </a:p>
@@ -8343,7 +8343,7 @@
           <a:p>
             <a:fld id="{0BA725EB-DF43-46B3-AADC-E7AD98B09667}" type="datetimeFigureOut">
               <a:rPr lang="it-IT" smtClean="0"/>
-              <a:t>02/05/2021</a:t>
+              <a:t>09/05/2021</a:t>
             </a:fld>
             <a:endParaRPr lang="it-IT"/>
           </a:p>
@@ -8438,7 +8438,7 @@
           <a:p>
             <a:fld id="{0BA725EB-DF43-46B3-AADC-E7AD98B09667}" type="datetimeFigureOut">
               <a:rPr lang="it-IT" smtClean="0"/>
-              <a:t>02/05/2021</a:t>
+              <a:t>09/05/2021</a:t>
             </a:fld>
             <a:endParaRPr lang="it-IT"/>
           </a:p>
@@ -8687,7 +8687,7 @@
           <a:p>
             <a:fld id="{0BA725EB-DF43-46B3-AADC-E7AD98B09667}" type="datetimeFigureOut">
               <a:rPr lang="it-IT" smtClean="0"/>
-              <a:t>02/05/2021</a:t>
+              <a:t>09/05/2021</a:t>
             </a:fld>
             <a:endParaRPr lang="it-IT"/>
           </a:p>
@@ -8967,7 +8967,7 @@
           <a:p>
             <a:fld id="{0BA725EB-DF43-46B3-AADC-E7AD98B09667}" type="datetimeFigureOut">
               <a:rPr lang="it-IT" smtClean="0"/>
-              <a:t>02/05/2021</a:t>
+              <a:t>09/05/2021</a:t>
             </a:fld>
             <a:endParaRPr lang="it-IT"/>
           </a:p>
@@ -9083,7 +9083,7 @@
           <a:noFill/>
           <a:extLst>
             <a:ext uri="{909E8E84-426E-40dd-AFC4-6F175D3DCCD1}">
-              <a14:hiddenFill xmlns:a14="http://schemas.microsoft.com/office/drawing/2010/main" xmlns="">
+              <a14:hiddenFill xmlns="" xmlns:a14="http://schemas.microsoft.com/office/drawing/2010/main">
                 <a:solidFill>
                   <a:srgbClr val="FFFFFF"/>
                 </a:solidFill>
@@ -9157,7 +9157,7 @@
               </a:ln>
               <a:extLst>
                 <a:ext uri="{91240B29-F687-4f45-9708-019B960494DF}">
-                  <a14:hiddenLine xmlns:a14="http://schemas.microsoft.com/office/drawing/2010/main" xmlns="" w="9525">
+                  <a14:hiddenLine xmlns="" xmlns:a14="http://schemas.microsoft.com/office/drawing/2010/main" w="9525">
                     <a:solidFill>
                       <a:srgbClr val="000000"/>
                     </a:solidFill>
@@ -9247,7 +9247,7 @@
               </a:ln>
               <a:extLst>
                 <a:ext uri="{91240B29-F687-4f45-9708-019B960494DF}">
-                  <a14:hiddenLine xmlns:a14="http://schemas.microsoft.com/office/drawing/2010/main" xmlns="" w="9525">
+                  <a14:hiddenLine xmlns="" xmlns:a14="http://schemas.microsoft.com/office/drawing/2010/main" w="9525">
                     <a:solidFill>
                       <a:srgbClr val="000000"/>
                     </a:solidFill>
@@ -9337,7 +9337,7 @@
               </a:ln>
               <a:extLst>
                 <a:ext uri="{91240B29-F687-4f45-9708-019B960494DF}">
-                  <a14:hiddenLine xmlns:a14="http://schemas.microsoft.com/office/drawing/2010/main" xmlns="" w="9525">
+                  <a14:hiddenLine xmlns="" xmlns:a14="http://schemas.microsoft.com/office/drawing/2010/main" w="9525">
                     <a:solidFill>
                       <a:srgbClr val="000000"/>
                     </a:solidFill>
@@ -9399,7 +9399,7 @@
               </a:ln>
               <a:extLst>
                 <a:ext uri="{91240B29-F687-4f45-9708-019B960494DF}">
-                  <a14:hiddenLine xmlns:a14="http://schemas.microsoft.com/office/drawing/2010/main" xmlns="" w="9525">
+                  <a14:hiddenLine xmlns="" xmlns:a14="http://schemas.microsoft.com/office/drawing/2010/main" w="9525">
                     <a:solidFill>
                       <a:srgbClr val="000000"/>
                     </a:solidFill>
@@ -9489,7 +9489,7 @@
               </a:ln>
               <a:extLst>
                 <a:ext uri="{91240B29-F687-4f45-9708-019B960494DF}">
-                  <a14:hiddenLine xmlns:a14="http://schemas.microsoft.com/office/drawing/2010/main" xmlns="" w="9525">
+                  <a14:hiddenLine xmlns="" xmlns:a14="http://schemas.microsoft.com/office/drawing/2010/main" w="9525">
                     <a:solidFill>
                       <a:srgbClr val="000000"/>
                     </a:solidFill>
@@ -9551,7 +9551,7 @@
               </a:ln>
               <a:extLst>
                 <a:ext uri="{91240B29-F687-4f45-9708-019B960494DF}">
-                  <a14:hiddenLine xmlns:a14="http://schemas.microsoft.com/office/drawing/2010/main" xmlns="" w="9525">
+                  <a14:hiddenLine xmlns="" xmlns:a14="http://schemas.microsoft.com/office/drawing/2010/main" w="9525">
                     <a:solidFill>
                       <a:srgbClr val="000000"/>
                     </a:solidFill>
@@ -9613,7 +9613,7 @@
               </a:ln>
               <a:extLst>
                 <a:ext uri="{91240B29-F687-4f45-9708-019B960494DF}">
-                  <a14:hiddenLine xmlns:a14="http://schemas.microsoft.com/office/drawing/2010/main" xmlns="" w="9525">
+                  <a14:hiddenLine xmlns="" xmlns:a14="http://schemas.microsoft.com/office/drawing/2010/main" w="9525">
                     <a:solidFill>
                       <a:srgbClr val="000000"/>
                     </a:solidFill>
@@ -9703,7 +9703,7 @@
               </a:ln>
               <a:extLst>
                 <a:ext uri="{91240B29-F687-4f45-9708-019B960494DF}">
-                  <a14:hiddenLine xmlns:a14="http://schemas.microsoft.com/office/drawing/2010/main" xmlns="" w="9525">
+                  <a14:hiddenLine xmlns="" xmlns:a14="http://schemas.microsoft.com/office/drawing/2010/main" w="9525">
                     <a:solidFill>
                       <a:srgbClr val="000000"/>
                     </a:solidFill>
@@ -9793,7 +9793,7 @@
               </a:ln>
               <a:extLst>
                 <a:ext uri="{91240B29-F687-4f45-9708-019B960494DF}">
-                  <a14:hiddenLine xmlns:a14="http://schemas.microsoft.com/office/drawing/2010/main" xmlns="" w="9525">
+                  <a14:hiddenLine xmlns="" xmlns:a14="http://schemas.microsoft.com/office/drawing/2010/main" w="9525">
                     <a:solidFill>
                       <a:srgbClr val="000000"/>
                     </a:solidFill>
@@ -9855,7 +9855,7 @@
               </a:ln>
               <a:extLst>
                 <a:ext uri="{91240B29-F687-4f45-9708-019B960494DF}">
-                  <a14:hiddenLine xmlns:a14="http://schemas.microsoft.com/office/drawing/2010/main" xmlns="" w="9525">
+                  <a14:hiddenLine xmlns="" xmlns:a14="http://schemas.microsoft.com/office/drawing/2010/main" w="9525">
                     <a:solidFill>
                       <a:srgbClr val="000000"/>
                     </a:solidFill>
@@ -9965,7 +9965,7 @@
               </a:ln>
               <a:extLst>
                 <a:ext uri="{91240B29-F687-4f45-9708-019B960494DF}">
-                  <a14:hiddenLine xmlns:a14="http://schemas.microsoft.com/office/drawing/2010/main" xmlns="" w="9525">
+                  <a14:hiddenLine xmlns="" xmlns:a14="http://schemas.microsoft.com/office/drawing/2010/main" w="9525">
                     <a:solidFill>
                       <a:srgbClr val="000000"/>
                     </a:solidFill>
@@ -10049,7 +10049,7 @@
               </a:ln>
               <a:extLst>
                 <a:ext uri="{91240B29-F687-4f45-9708-019B960494DF}">
-                  <a14:hiddenLine xmlns:a14="http://schemas.microsoft.com/office/drawing/2010/main" xmlns="" w="9525">
+                  <a14:hiddenLine xmlns="" xmlns:a14="http://schemas.microsoft.com/office/drawing/2010/main" w="9525">
                     <a:solidFill>
                       <a:srgbClr val="000000"/>
                     </a:solidFill>
@@ -10111,7 +10111,7 @@
               </a:ln>
               <a:extLst>
                 <a:ext uri="{91240B29-F687-4f45-9708-019B960494DF}">
-                  <a14:hiddenLine xmlns:a14="http://schemas.microsoft.com/office/drawing/2010/main" xmlns="" w="9525">
+                  <a14:hiddenLine xmlns="" xmlns:a14="http://schemas.microsoft.com/office/drawing/2010/main" w="9525">
                     <a:solidFill>
                       <a:srgbClr val="000000"/>
                     </a:solidFill>
@@ -10173,7 +10173,7 @@
               </a:ln>
               <a:extLst>
                 <a:ext uri="{91240B29-F687-4f45-9708-019B960494DF}">
-                  <a14:hiddenLine xmlns:a14="http://schemas.microsoft.com/office/drawing/2010/main" xmlns="" w="9525">
+                  <a14:hiddenLine xmlns="" xmlns:a14="http://schemas.microsoft.com/office/drawing/2010/main" w="9525">
                     <a:solidFill>
                       <a:srgbClr val="000000"/>
                     </a:solidFill>
@@ -10263,7 +10263,7 @@
               </a:ln>
               <a:extLst>
                 <a:ext uri="{91240B29-F687-4f45-9708-019B960494DF}">
-                  <a14:hiddenLine xmlns:a14="http://schemas.microsoft.com/office/drawing/2010/main" xmlns="" w="9525">
+                  <a14:hiddenLine xmlns="" xmlns:a14="http://schemas.microsoft.com/office/drawing/2010/main" w="9525">
                     <a:solidFill>
                       <a:srgbClr val="000000"/>
                     </a:solidFill>
@@ -10297,7 +10297,7 @@
               </a:ln>
               <a:extLst>
                 <a:ext uri="{91240B29-F687-4f45-9708-019B960494DF}">
-                  <a14:hiddenLine xmlns:a14="http://schemas.microsoft.com/office/drawing/2010/main" xmlns="" w="9525">
+                  <a14:hiddenLine xmlns="" xmlns:a14="http://schemas.microsoft.com/office/drawing/2010/main" w="9525">
                     <a:solidFill>
                       <a:srgbClr val="000000"/>
                     </a:solidFill>
@@ -10362,7 +10362,7 @@
               </a:ln>
               <a:extLst>
                 <a:ext uri="{91240B29-F687-4f45-9708-019B960494DF}">
-                  <a14:hiddenLine xmlns:a14="http://schemas.microsoft.com/office/drawing/2010/main" xmlns="" w="9525">
+                  <a14:hiddenLine xmlns="" xmlns:a14="http://schemas.microsoft.com/office/drawing/2010/main" w="9525">
                     <a:solidFill>
                       <a:srgbClr val="000000"/>
                     </a:solidFill>
@@ -10452,7 +10452,7 @@
               </a:ln>
               <a:extLst>
                 <a:ext uri="{91240B29-F687-4f45-9708-019B960494DF}">
-                  <a14:hiddenLine xmlns:a14="http://schemas.microsoft.com/office/drawing/2010/main" xmlns="" w="9525">
+                  <a14:hiddenLine xmlns="" xmlns:a14="http://schemas.microsoft.com/office/drawing/2010/main" w="9525">
                     <a:solidFill>
                       <a:srgbClr val="000000"/>
                     </a:solidFill>
@@ -10514,7 +10514,7 @@
               </a:ln>
               <a:extLst>
                 <a:ext uri="{91240B29-F687-4f45-9708-019B960494DF}">
-                  <a14:hiddenLine xmlns:a14="http://schemas.microsoft.com/office/drawing/2010/main" xmlns="" w="9525">
+                  <a14:hiddenLine xmlns="" xmlns:a14="http://schemas.microsoft.com/office/drawing/2010/main" w="9525">
                     <a:solidFill>
                       <a:srgbClr val="000000"/>
                     </a:solidFill>
@@ -10604,7 +10604,7 @@
               </a:ln>
               <a:extLst>
                 <a:ext uri="{91240B29-F687-4f45-9708-019B960494DF}">
-                  <a14:hiddenLine xmlns:a14="http://schemas.microsoft.com/office/drawing/2010/main" xmlns="" w="9525">
+                  <a14:hiddenLine xmlns="" xmlns:a14="http://schemas.microsoft.com/office/drawing/2010/main" w="9525">
                     <a:solidFill>
                       <a:srgbClr val="000000"/>
                     </a:solidFill>
@@ -10669,7 +10669,7 @@
               </a:ln>
               <a:extLst>
                 <a:ext uri="{91240B29-F687-4f45-9708-019B960494DF}">
-                  <a14:hiddenLine xmlns:a14="http://schemas.microsoft.com/office/drawing/2010/main" xmlns="" w="9525">
+                  <a14:hiddenLine xmlns="" xmlns:a14="http://schemas.microsoft.com/office/drawing/2010/main" w="9525">
                     <a:solidFill>
                       <a:srgbClr val="000000"/>
                     </a:solidFill>
@@ -10731,7 +10731,7 @@
               </a:ln>
               <a:extLst>
                 <a:ext uri="{91240B29-F687-4f45-9708-019B960494DF}">
-                  <a14:hiddenLine xmlns:a14="http://schemas.microsoft.com/office/drawing/2010/main" xmlns="" w="9525">
+                  <a14:hiddenLine xmlns="" xmlns:a14="http://schemas.microsoft.com/office/drawing/2010/main" w="9525">
                     <a:solidFill>
                       <a:srgbClr val="000000"/>
                     </a:solidFill>
@@ -10821,7 +10821,7 @@
               </a:ln>
               <a:extLst>
                 <a:ext uri="{91240B29-F687-4f45-9708-019B960494DF}">
-                  <a14:hiddenLine xmlns:a14="http://schemas.microsoft.com/office/drawing/2010/main" xmlns="" w="9525">
+                  <a14:hiddenLine xmlns="" xmlns:a14="http://schemas.microsoft.com/office/drawing/2010/main" w="9525">
                     <a:solidFill>
                       <a:srgbClr val="000000"/>
                     </a:solidFill>
@@ -10911,7 +10911,7 @@
               </a:ln>
               <a:extLst>
                 <a:ext uri="{91240B29-F687-4f45-9708-019B960494DF}">
-                  <a14:hiddenLine xmlns:a14="http://schemas.microsoft.com/office/drawing/2010/main" xmlns="" w="9525">
+                  <a14:hiddenLine xmlns="" xmlns:a14="http://schemas.microsoft.com/office/drawing/2010/main" w="9525">
                     <a:solidFill>
                       <a:srgbClr val="000000"/>
                     </a:solidFill>
@@ -10976,7 +10976,7 @@
               </a:ln>
               <a:extLst>
                 <a:ext uri="{91240B29-F687-4f45-9708-019B960494DF}">
-                  <a14:hiddenLine xmlns:a14="http://schemas.microsoft.com/office/drawing/2010/main" xmlns="" w="9525">
+                  <a14:hiddenLine xmlns="" xmlns:a14="http://schemas.microsoft.com/office/drawing/2010/main" w="9525">
                     <a:solidFill>
                       <a:srgbClr val="000000"/>
                     </a:solidFill>
@@ -11096,7 +11096,7 @@
               </a:ln>
               <a:extLst>
                 <a:ext uri="{91240B29-F687-4f45-9708-019B960494DF}">
-                  <a14:hiddenLine xmlns:a14="http://schemas.microsoft.com/office/drawing/2010/main" xmlns="" w="9525">
+                  <a14:hiddenLine xmlns="" xmlns:a14="http://schemas.microsoft.com/office/drawing/2010/main" w="9525">
                     <a:solidFill>
                       <a:srgbClr val="000000"/>
                     </a:solidFill>
@@ -11194,7 +11194,7 @@
               </a:ln>
               <a:extLst>
                 <a:ext uri="{91240B29-F687-4f45-9708-019B960494DF}">
-                  <a14:hiddenLine xmlns:a14="http://schemas.microsoft.com/office/drawing/2010/main" xmlns="" w="9525">
+                  <a14:hiddenLine xmlns="" xmlns:a14="http://schemas.microsoft.com/office/drawing/2010/main" w="9525">
                     <a:solidFill>
                       <a:srgbClr val="000000"/>
                     </a:solidFill>
@@ -11309,7 +11309,7 @@
               </a:ln>
               <a:extLst>
                 <a:ext uri="{91240B29-F687-4f45-9708-019B960494DF}">
-                  <a14:hiddenLine xmlns:a14="http://schemas.microsoft.com/office/drawing/2010/main" xmlns="" w="9525">
+                  <a14:hiddenLine xmlns="" xmlns:a14="http://schemas.microsoft.com/office/drawing/2010/main" w="9525">
                     <a:solidFill>
                       <a:srgbClr val="000000"/>
                     </a:solidFill>
@@ -11399,7 +11399,7 @@
               </a:ln>
               <a:extLst>
                 <a:ext uri="{91240B29-F687-4f45-9708-019B960494DF}">
-                  <a14:hiddenLine xmlns:a14="http://schemas.microsoft.com/office/drawing/2010/main" xmlns="" w="9525">
+                  <a14:hiddenLine xmlns="" xmlns:a14="http://schemas.microsoft.com/office/drawing/2010/main" w="9525">
                     <a:solidFill>
                       <a:srgbClr val="000000"/>
                     </a:solidFill>
@@ -11464,7 +11464,7 @@
               </a:ln>
               <a:extLst>
                 <a:ext uri="{91240B29-F687-4f45-9708-019B960494DF}">
-                  <a14:hiddenLine xmlns:a14="http://schemas.microsoft.com/office/drawing/2010/main" xmlns="" w="9525">
+                  <a14:hiddenLine xmlns="" xmlns:a14="http://schemas.microsoft.com/office/drawing/2010/main" w="9525">
                     <a:solidFill>
                       <a:srgbClr val="000000"/>
                     </a:solidFill>
@@ -11554,7 +11554,7 @@
               </a:ln>
               <a:extLst>
                 <a:ext uri="{91240B29-F687-4f45-9708-019B960494DF}">
-                  <a14:hiddenLine xmlns:a14="http://schemas.microsoft.com/office/drawing/2010/main" xmlns="" w="9525">
+                  <a14:hiddenLine xmlns="" xmlns:a14="http://schemas.microsoft.com/office/drawing/2010/main" w="9525">
                     <a:solidFill>
                       <a:srgbClr val="000000"/>
                     </a:solidFill>
@@ -11622,7 +11622,7 @@
               </a:ln>
               <a:extLst>
                 <a:ext uri="{91240B29-F687-4f45-9708-019B960494DF}">
-                  <a14:hiddenLine xmlns:a14="http://schemas.microsoft.com/office/drawing/2010/main" xmlns="" w="9525">
+                  <a14:hiddenLine xmlns="" xmlns:a14="http://schemas.microsoft.com/office/drawing/2010/main" w="9525">
                     <a:solidFill>
                       <a:srgbClr val="000000"/>
                     </a:solidFill>
@@ -11712,7 +11712,7 @@
               </a:ln>
               <a:extLst>
                 <a:ext uri="{91240B29-F687-4f45-9708-019B960494DF}">
-                  <a14:hiddenLine xmlns:a14="http://schemas.microsoft.com/office/drawing/2010/main" xmlns="" w="9525">
+                  <a14:hiddenLine xmlns="" xmlns:a14="http://schemas.microsoft.com/office/drawing/2010/main" w="9525">
                     <a:solidFill>
                       <a:srgbClr val="000000"/>
                     </a:solidFill>
@@ -11780,7 +11780,7 @@
               </a:ln>
               <a:extLst>
                 <a:ext uri="{91240B29-F687-4f45-9708-019B960494DF}">
-                  <a14:hiddenLine xmlns:a14="http://schemas.microsoft.com/office/drawing/2010/main" xmlns="" w="9525">
+                  <a14:hiddenLine xmlns="" xmlns:a14="http://schemas.microsoft.com/office/drawing/2010/main" w="9525">
                     <a:solidFill>
                       <a:srgbClr val="000000"/>
                     </a:solidFill>
@@ -11870,7 +11870,7 @@
               </a:ln>
               <a:extLst>
                 <a:ext uri="{91240B29-F687-4f45-9708-019B960494DF}">
-                  <a14:hiddenLine xmlns:a14="http://schemas.microsoft.com/office/drawing/2010/main" xmlns="" w="9525">
+                  <a14:hiddenLine xmlns="" xmlns:a14="http://schemas.microsoft.com/office/drawing/2010/main" w="9525">
                     <a:solidFill>
                       <a:srgbClr val="000000"/>
                     </a:solidFill>
@@ -11904,7 +11904,7 @@
               </a:ln>
               <a:extLst>
                 <a:ext uri="{91240B29-F687-4f45-9708-019B960494DF}">
-                  <a14:hiddenLine xmlns:a14="http://schemas.microsoft.com/office/drawing/2010/main" xmlns="" w="9525">
+                  <a14:hiddenLine xmlns="" xmlns:a14="http://schemas.microsoft.com/office/drawing/2010/main" w="9525">
                     <a:solidFill>
                       <a:srgbClr val="000000"/>
                     </a:solidFill>
@@ -12044,7 +12044,7 @@
           <a:p>
             <a:fld id="{0BA725EB-DF43-46B3-AADC-E7AD98B09667}" type="datetimeFigureOut">
               <a:rPr lang="it-IT" smtClean="0"/>
-              <a:t>02/05/2021</a:t>
+              <a:t>09/05/2021</a:t>
             </a:fld>
             <a:endParaRPr lang="it-IT"/>
           </a:p>
@@ -12774,7 +12774,7 @@
             </a:ln>
             <a:extLst>
               <a:ext uri="{91240B29-F687-4f45-9708-019B960494DF}">
-                <a14:hiddenLine xmlns="" xmlns:a16="http://schemas.microsoft.com/office/drawing/2014/main" xmlns:p14="http://schemas.microsoft.com/office/powerpoint/2010/main" xmlns:a14="http://schemas.microsoft.com/office/drawing/2010/main" w="9525">
+                <a14:hiddenLine xmlns:a14="http://schemas.microsoft.com/office/drawing/2010/main" xmlns:p14="http://schemas.microsoft.com/office/powerpoint/2010/main" xmlns:a16="http://schemas.microsoft.com/office/drawing/2014/main" xmlns="" w="9525">
                   <a:solidFill>
                     <a:srgbClr val="000000"/>
                   </a:solidFill>
@@ -12879,7 +12879,7 @@
             </a:ln>
             <a:extLst>
               <a:ext uri="{91240B29-F687-4f45-9708-019B960494DF}">
-                <a14:hiddenLine xmlns="" xmlns:a16="http://schemas.microsoft.com/office/drawing/2014/main" xmlns:p14="http://schemas.microsoft.com/office/powerpoint/2010/main" xmlns:a14="http://schemas.microsoft.com/office/drawing/2010/main" w="9525">
+                <a14:hiddenLine xmlns:a14="http://schemas.microsoft.com/office/drawing/2010/main" xmlns:p14="http://schemas.microsoft.com/office/powerpoint/2010/main" xmlns:a16="http://schemas.microsoft.com/office/drawing/2014/main" xmlns="" w="9525">
                   <a:solidFill>
                     <a:srgbClr val="000000"/>
                   </a:solidFill>
@@ -12984,7 +12984,7 @@
             </a:ln>
             <a:extLst>
               <a:ext uri="{91240B29-F687-4f45-9708-019B960494DF}">
-                <a14:hiddenLine xmlns="" xmlns:a16="http://schemas.microsoft.com/office/drawing/2014/main" xmlns:p14="http://schemas.microsoft.com/office/powerpoint/2010/main" xmlns:a14="http://schemas.microsoft.com/office/drawing/2010/main" w="9525">
+                <a14:hiddenLine xmlns:a14="http://schemas.microsoft.com/office/drawing/2010/main" xmlns:p14="http://schemas.microsoft.com/office/powerpoint/2010/main" xmlns:a16="http://schemas.microsoft.com/office/drawing/2014/main" xmlns="" w="9525">
                   <a:solidFill>
                     <a:srgbClr val="000000"/>
                   </a:solidFill>
@@ -13061,7 +13061,7 @@
             </a:ln>
             <a:extLst>
               <a:ext uri="{91240B29-F687-4f45-9708-019B960494DF}">
-                <a14:hiddenLine xmlns="" xmlns:a16="http://schemas.microsoft.com/office/drawing/2014/main" xmlns:p14="http://schemas.microsoft.com/office/powerpoint/2010/main" xmlns:a14="http://schemas.microsoft.com/office/drawing/2010/main" w="9525">
+                <a14:hiddenLine xmlns:a14="http://schemas.microsoft.com/office/drawing/2010/main" xmlns:p14="http://schemas.microsoft.com/office/powerpoint/2010/main" xmlns:a16="http://schemas.microsoft.com/office/drawing/2014/main" xmlns="" w="9525">
                   <a:solidFill>
                     <a:srgbClr val="000000"/>
                   </a:solidFill>
@@ -13166,7 +13166,7 @@
             </a:ln>
             <a:extLst>
               <a:ext uri="{91240B29-F687-4f45-9708-019B960494DF}">
-                <a14:hiddenLine xmlns="" xmlns:a16="http://schemas.microsoft.com/office/drawing/2014/main" xmlns:p14="http://schemas.microsoft.com/office/powerpoint/2010/main" xmlns:a14="http://schemas.microsoft.com/office/drawing/2010/main" w="9525">
+                <a14:hiddenLine xmlns:a14="http://schemas.microsoft.com/office/drawing/2010/main" xmlns:p14="http://schemas.microsoft.com/office/powerpoint/2010/main" xmlns:a16="http://schemas.microsoft.com/office/drawing/2014/main" xmlns="" w="9525">
                   <a:solidFill>
                     <a:srgbClr val="000000"/>
                   </a:solidFill>
@@ -13243,7 +13243,7 @@
             </a:ln>
             <a:extLst>
               <a:ext uri="{91240B29-F687-4f45-9708-019B960494DF}">
-                <a14:hiddenLine xmlns="" xmlns:a16="http://schemas.microsoft.com/office/drawing/2014/main" xmlns:p14="http://schemas.microsoft.com/office/powerpoint/2010/main" xmlns:a14="http://schemas.microsoft.com/office/drawing/2010/main" w="9525">
+                <a14:hiddenLine xmlns:a14="http://schemas.microsoft.com/office/drawing/2010/main" xmlns:p14="http://schemas.microsoft.com/office/powerpoint/2010/main" xmlns:a16="http://schemas.microsoft.com/office/drawing/2014/main" xmlns="" w="9525">
                   <a:solidFill>
                     <a:srgbClr val="000000"/>
                   </a:solidFill>
@@ -13320,7 +13320,7 @@
             </a:ln>
             <a:extLst>
               <a:ext uri="{91240B29-F687-4f45-9708-019B960494DF}">
-                <a14:hiddenLine xmlns="" xmlns:a16="http://schemas.microsoft.com/office/drawing/2014/main" xmlns:p14="http://schemas.microsoft.com/office/powerpoint/2010/main" xmlns:a14="http://schemas.microsoft.com/office/drawing/2010/main" w="9525">
+                <a14:hiddenLine xmlns:a14="http://schemas.microsoft.com/office/drawing/2010/main" xmlns:p14="http://schemas.microsoft.com/office/powerpoint/2010/main" xmlns:a16="http://schemas.microsoft.com/office/drawing/2014/main" xmlns="" w="9525">
                   <a:solidFill>
                     <a:srgbClr val="000000"/>
                   </a:solidFill>
@@ -13425,7 +13425,7 @@
             </a:ln>
             <a:extLst>
               <a:ext uri="{91240B29-F687-4f45-9708-019B960494DF}">
-                <a14:hiddenLine xmlns="" xmlns:a16="http://schemas.microsoft.com/office/drawing/2014/main" xmlns:p14="http://schemas.microsoft.com/office/powerpoint/2010/main" xmlns:a14="http://schemas.microsoft.com/office/drawing/2010/main" w="9525">
+                <a14:hiddenLine xmlns:a14="http://schemas.microsoft.com/office/drawing/2010/main" xmlns:p14="http://schemas.microsoft.com/office/powerpoint/2010/main" xmlns:a16="http://schemas.microsoft.com/office/drawing/2014/main" xmlns="" w="9525">
                   <a:solidFill>
                     <a:srgbClr val="000000"/>
                   </a:solidFill>
@@ -13530,7 +13530,7 @@
             </a:ln>
             <a:extLst>
               <a:ext uri="{91240B29-F687-4f45-9708-019B960494DF}">
-                <a14:hiddenLine xmlns="" xmlns:a16="http://schemas.microsoft.com/office/drawing/2014/main" xmlns:p14="http://schemas.microsoft.com/office/powerpoint/2010/main" xmlns:a14="http://schemas.microsoft.com/office/drawing/2010/main" w="9525">
+                <a14:hiddenLine xmlns:a14="http://schemas.microsoft.com/office/drawing/2010/main" xmlns:p14="http://schemas.microsoft.com/office/powerpoint/2010/main" xmlns:a16="http://schemas.microsoft.com/office/drawing/2014/main" xmlns="" w="9525">
                   <a:solidFill>
                     <a:srgbClr val="000000"/>
                   </a:solidFill>
@@ -13607,7 +13607,7 @@
             </a:ln>
             <a:extLst>
               <a:ext uri="{91240B29-F687-4f45-9708-019B960494DF}">
-                <a14:hiddenLine xmlns="" xmlns:a16="http://schemas.microsoft.com/office/drawing/2014/main" xmlns:p14="http://schemas.microsoft.com/office/powerpoint/2010/main" xmlns:a14="http://schemas.microsoft.com/office/drawing/2010/main" w="9525">
+                <a14:hiddenLine xmlns:a14="http://schemas.microsoft.com/office/drawing/2010/main" xmlns:p14="http://schemas.microsoft.com/office/powerpoint/2010/main" xmlns:a16="http://schemas.microsoft.com/office/drawing/2014/main" xmlns="" w="9525">
                   <a:solidFill>
                     <a:srgbClr val="000000"/>
                   </a:solidFill>
@@ -13732,7 +13732,7 @@
             </a:ln>
             <a:extLst>
               <a:ext uri="{91240B29-F687-4f45-9708-019B960494DF}">
-                <a14:hiddenLine xmlns="" xmlns:a16="http://schemas.microsoft.com/office/drawing/2014/main" xmlns:p14="http://schemas.microsoft.com/office/powerpoint/2010/main" xmlns:a14="http://schemas.microsoft.com/office/drawing/2010/main" w="9525">
+                <a14:hiddenLine xmlns:a14="http://schemas.microsoft.com/office/drawing/2010/main" xmlns:p14="http://schemas.microsoft.com/office/powerpoint/2010/main" xmlns:a16="http://schemas.microsoft.com/office/drawing/2014/main" xmlns="" w="9525">
                   <a:solidFill>
                     <a:srgbClr val="000000"/>
                   </a:solidFill>
@@ -13846,7 +13846,7 @@
             </a:ln>
             <a:extLst>
               <a:ext uri="{91240B29-F687-4f45-9708-019B960494DF}">
-                <a14:hiddenLine xmlns="" xmlns:a16="http://schemas.microsoft.com/office/drawing/2014/main" xmlns:p14="http://schemas.microsoft.com/office/powerpoint/2010/main" xmlns:a14="http://schemas.microsoft.com/office/drawing/2010/main" w="9525">
+                <a14:hiddenLine xmlns:a14="http://schemas.microsoft.com/office/drawing/2010/main" xmlns:p14="http://schemas.microsoft.com/office/powerpoint/2010/main" xmlns:a16="http://schemas.microsoft.com/office/drawing/2014/main" xmlns="" w="9525">
                   <a:solidFill>
                     <a:srgbClr val="000000"/>
                   </a:solidFill>
@@ -13923,7 +13923,7 @@
             </a:ln>
             <a:extLst>
               <a:ext uri="{91240B29-F687-4f45-9708-019B960494DF}">
-                <a14:hiddenLine xmlns="" xmlns:a16="http://schemas.microsoft.com/office/drawing/2014/main" xmlns:p14="http://schemas.microsoft.com/office/powerpoint/2010/main" xmlns:a14="http://schemas.microsoft.com/office/drawing/2010/main" w="9525">
+                <a14:hiddenLine xmlns:a14="http://schemas.microsoft.com/office/drawing/2010/main" xmlns:p14="http://schemas.microsoft.com/office/powerpoint/2010/main" xmlns:a16="http://schemas.microsoft.com/office/drawing/2014/main" xmlns="" w="9525">
                   <a:solidFill>
                     <a:srgbClr val="000000"/>
                   </a:solidFill>
@@ -14000,7 +14000,7 @@
             </a:ln>
             <a:extLst>
               <a:ext uri="{91240B29-F687-4f45-9708-019B960494DF}">
-                <a14:hiddenLine xmlns="" xmlns:a16="http://schemas.microsoft.com/office/drawing/2014/main" xmlns:p14="http://schemas.microsoft.com/office/powerpoint/2010/main" xmlns:a14="http://schemas.microsoft.com/office/drawing/2010/main" w="9525">
+                <a14:hiddenLine xmlns:a14="http://schemas.microsoft.com/office/drawing/2010/main" xmlns:p14="http://schemas.microsoft.com/office/powerpoint/2010/main" xmlns:a16="http://schemas.microsoft.com/office/drawing/2014/main" xmlns="" w="9525">
                   <a:solidFill>
                     <a:srgbClr val="000000"/>
                   </a:solidFill>
@@ -14105,7 +14105,7 @@
             </a:ln>
             <a:extLst>
               <a:ext uri="{91240B29-F687-4f45-9708-019B960494DF}">
-                <a14:hiddenLine xmlns="" xmlns:a16="http://schemas.microsoft.com/office/drawing/2014/main" xmlns:p14="http://schemas.microsoft.com/office/powerpoint/2010/main" xmlns:a14="http://schemas.microsoft.com/office/drawing/2010/main" w="9525">
+                <a14:hiddenLine xmlns:a14="http://schemas.microsoft.com/office/drawing/2010/main" xmlns:p14="http://schemas.microsoft.com/office/powerpoint/2010/main" xmlns:a16="http://schemas.microsoft.com/office/drawing/2014/main" xmlns="" w="9525">
                   <a:solidFill>
                     <a:srgbClr val="000000"/>
                   </a:solidFill>
@@ -14154,7 +14154,7 @@
             </a:ln>
             <a:extLst>
               <a:ext uri="{91240B29-F687-4f45-9708-019B960494DF}">
-                <a14:hiddenLine xmlns="" xmlns:a16="http://schemas.microsoft.com/office/drawing/2014/main" xmlns:p14="http://schemas.microsoft.com/office/powerpoint/2010/main" xmlns:a14="http://schemas.microsoft.com/office/drawing/2010/main" w="9525">
+                <a14:hiddenLine xmlns:a14="http://schemas.microsoft.com/office/drawing/2010/main" xmlns:p14="http://schemas.microsoft.com/office/powerpoint/2010/main" xmlns:a16="http://schemas.microsoft.com/office/drawing/2014/main" xmlns="" w="9525">
                   <a:solidFill>
                     <a:srgbClr val="000000"/>
                   </a:solidFill>
@@ -14234,7 +14234,7 @@
             </a:ln>
             <a:extLst>
               <a:ext uri="{91240B29-F687-4f45-9708-019B960494DF}">
-                <a14:hiddenLine xmlns="" xmlns:a16="http://schemas.microsoft.com/office/drawing/2014/main" xmlns:p14="http://schemas.microsoft.com/office/powerpoint/2010/main" xmlns:a14="http://schemas.microsoft.com/office/drawing/2010/main" w="9525">
+                <a14:hiddenLine xmlns:a14="http://schemas.microsoft.com/office/drawing/2010/main" xmlns:p14="http://schemas.microsoft.com/office/powerpoint/2010/main" xmlns:a16="http://schemas.microsoft.com/office/drawing/2014/main" xmlns="" w="9525">
                   <a:solidFill>
                     <a:srgbClr val="000000"/>
                   </a:solidFill>
@@ -14339,7 +14339,7 @@
             </a:ln>
             <a:extLst>
               <a:ext uri="{91240B29-F687-4f45-9708-019B960494DF}">
-                <a14:hiddenLine xmlns="" xmlns:a16="http://schemas.microsoft.com/office/drawing/2014/main" xmlns:p14="http://schemas.microsoft.com/office/powerpoint/2010/main" xmlns:a14="http://schemas.microsoft.com/office/drawing/2010/main" w="9525">
+                <a14:hiddenLine xmlns:a14="http://schemas.microsoft.com/office/drawing/2010/main" xmlns:p14="http://schemas.microsoft.com/office/powerpoint/2010/main" xmlns:a16="http://schemas.microsoft.com/office/drawing/2014/main" xmlns="" w="9525">
                   <a:solidFill>
                     <a:srgbClr val="000000"/>
                   </a:solidFill>
@@ -14416,7 +14416,7 @@
             </a:ln>
             <a:extLst>
               <a:ext uri="{91240B29-F687-4f45-9708-019B960494DF}">
-                <a14:hiddenLine xmlns="" xmlns:a16="http://schemas.microsoft.com/office/drawing/2014/main" xmlns:p14="http://schemas.microsoft.com/office/powerpoint/2010/main" xmlns:a14="http://schemas.microsoft.com/office/drawing/2010/main" w="9525">
+                <a14:hiddenLine xmlns:a14="http://schemas.microsoft.com/office/drawing/2010/main" xmlns:p14="http://schemas.microsoft.com/office/powerpoint/2010/main" xmlns:a16="http://schemas.microsoft.com/office/drawing/2014/main" xmlns="" w="9525">
                   <a:solidFill>
                     <a:srgbClr val="000000"/>
                   </a:solidFill>
@@ -14521,7 +14521,7 @@
             </a:ln>
             <a:extLst>
               <a:ext uri="{91240B29-F687-4f45-9708-019B960494DF}">
-                <a14:hiddenLine xmlns="" xmlns:a16="http://schemas.microsoft.com/office/drawing/2014/main" xmlns:p14="http://schemas.microsoft.com/office/powerpoint/2010/main" xmlns:a14="http://schemas.microsoft.com/office/drawing/2010/main" w="9525">
+                <a14:hiddenLine xmlns:a14="http://schemas.microsoft.com/office/drawing/2010/main" xmlns:p14="http://schemas.microsoft.com/office/powerpoint/2010/main" xmlns:a16="http://schemas.microsoft.com/office/drawing/2014/main" xmlns="" w="9525">
                   <a:solidFill>
                     <a:srgbClr val="000000"/>
                   </a:solidFill>
@@ -14601,7 +14601,7 @@
             </a:ln>
             <a:extLst>
               <a:ext uri="{91240B29-F687-4f45-9708-019B960494DF}">
-                <a14:hiddenLine xmlns="" xmlns:a16="http://schemas.microsoft.com/office/drawing/2014/main" xmlns:p14="http://schemas.microsoft.com/office/powerpoint/2010/main" xmlns:a14="http://schemas.microsoft.com/office/drawing/2010/main" w="9525">
+                <a14:hiddenLine xmlns:a14="http://schemas.microsoft.com/office/drawing/2010/main" xmlns:p14="http://schemas.microsoft.com/office/powerpoint/2010/main" xmlns:a16="http://schemas.microsoft.com/office/drawing/2014/main" xmlns="" w="9525">
                   <a:solidFill>
                     <a:srgbClr val="000000"/>
                   </a:solidFill>
@@ -14678,7 +14678,7 @@
             </a:ln>
             <a:extLst>
               <a:ext uri="{91240B29-F687-4f45-9708-019B960494DF}">
-                <a14:hiddenLine xmlns="" xmlns:a16="http://schemas.microsoft.com/office/drawing/2014/main" xmlns:p14="http://schemas.microsoft.com/office/powerpoint/2010/main" xmlns:a14="http://schemas.microsoft.com/office/drawing/2010/main" w="9525">
+                <a14:hiddenLine xmlns:a14="http://schemas.microsoft.com/office/drawing/2010/main" xmlns:p14="http://schemas.microsoft.com/office/powerpoint/2010/main" xmlns:a16="http://schemas.microsoft.com/office/drawing/2014/main" xmlns="" w="9525">
                   <a:solidFill>
                     <a:srgbClr val="000000"/>
                   </a:solidFill>
@@ -14783,7 +14783,7 @@
             </a:ln>
             <a:extLst>
               <a:ext uri="{91240B29-F687-4f45-9708-019B960494DF}">
-                <a14:hiddenLine xmlns="" xmlns:a16="http://schemas.microsoft.com/office/drawing/2014/main" xmlns:p14="http://schemas.microsoft.com/office/powerpoint/2010/main" xmlns:a14="http://schemas.microsoft.com/office/drawing/2010/main" w="9525">
+                <a14:hiddenLine xmlns:a14="http://schemas.microsoft.com/office/drawing/2010/main" xmlns:p14="http://schemas.microsoft.com/office/powerpoint/2010/main" xmlns:a16="http://schemas.microsoft.com/office/drawing/2014/main" xmlns="" w="9525">
                   <a:solidFill>
                     <a:srgbClr val="000000"/>
                   </a:solidFill>
@@ -14888,7 +14888,7 @@
             </a:ln>
             <a:extLst>
               <a:ext uri="{91240B29-F687-4f45-9708-019B960494DF}">
-                <a14:hiddenLine xmlns="" xmlns:a16="http://schemas.microsoft.com/office/drawing/2014/main" xmlns:p14="http://schemas.microsoft.com/office/powerpoint/2010/main" xmlns:a14="http://schemas.microsoft.com/office/drawing/2010/main" w="9525">
+                <a14:hiddenLine xmlns:a14="http://schemas.microsoft.com/office/drawing/2010/main" xmlns:p14="http://schemas.microsoft.com/office/powerpoint/2010/main" xmlns:a16="http://schemas.microsoft.com/office/drawing/2014/main" xmlns="" w="9525">
                   <a:solidFill>
                     <a:srgbClr val="000000"/>
                   </a:solidFill>
@@ -14968,7 +14968,7 @@
             </a:ln>
             <a:extLst>
               <a:ext uri="{91240B29-F687-4f45-9708-019B960494DF}">
-                <a14:hiddenLine xmlns="" xmlns:a16="http://schemas.microsoft.com/office/drawing/2014/main" xmlns:p14="http://schemas.microsoft.com/office/powerpoint/2010/main" xmlns:a14="http://schemas.microsoft.com/office/drawing/2010/main" w="9525">
+                <a14:hiddenLine xmlns:a14="http://schemas.microsoft.com/office/drawing/2010/main" xmlns:p14="http://schemas.microsoft.com/office/powerpoint/2010/main" xmlns:a16="http://schemas.microsoft.com/office/drawing/2014/main" xmlns="" w="9525">
                   <a:solidFill>
                     <a:srgbClr val="000000"/>
                   </a:solidFill>
@@ -15103,7 +15103,7 @@
             </a:ln>
             <a:extLst>
               <a:ext uri="{91240B29-F687-4f45-9708-019B960494DF}">
-                <a14:hiddenLine xmlns="" xmlns:a16="http://schemas.microsoft.com/office/drawing/2014/main" xmlns:p14="http://schemas.microsoft.com/office/powerpoint/2010/main" xmlns:a14="http://schemas.microsoft.com/office/drawing/2010/main" w="9525">
+                <a14:hiddenLine xmlns:a14="http://schemas.microsoft.com/office/drawing/2010/main" xmlns:p14="http://schemas.microsoft.com/office/powerpoint/2010/main" xmlns:a16="http://schemas.microsoft.com/office/drawing/2014/main" xmlns="" w="9525">
                   <a:solidFill>
                     <a:srgbClr val="000000"/>
                   </a:solidFill>
@@ -15632,7 +15632,7 @@
             </a:ln>
             <a:extLst>
               <a:ext uri="{91240B29-F687-4f45-9708-019B960494DF}">
-                <a14:hiddenLine xmlns="" xmlns:a16="http://schemas.microsoft.com/office/drawing/2014/main" xmlns:p14="http://schemas.microsoft.com/office/powerpoint/2010/main" xmlns:a14="http://schemas.microsoft.com/office/drawing/2010/main" w="9525">
+                <a14:hiddenLine xmlns:a14="http://schemas.microsoft.com/office/drawing/2010/main" xmlns:p14="http://schemas.microsoft.com/office/powerpoint/2010/main" xmlns:a16="http://schemas.microsoft.com/office/drawing/2014/main" xmlns="" w="9525">
                   <a:solidFill>
                     <a:srgbClr val="000000"/>
                   </a:solidFill>
@@ -15737,7 +15737,7 @@
             </a:ln>
             <a:extLst>
               <a:ext uri="{91240B29-F687-4f45-9708-019B960494DF}">
-                <a14:hiddenLine xmlns="" xmlns:a16="http://schemas.microsoft.com/office/drawing/2014/main" xmlns:p14="http://schemas.microsoft.com/office/powerpoint/2010/main" xmlns:a14="http://schemas.microsoft.com/office/drawing/2010/main" w="9525">
+                <a14:hiddenLine xmlns:a14="http://schemas.microsoft.com/office/drawing/2010/main" xmlns:p14="http://schemas.microsoft.com/office/powerpoint/2010/main" xmlns:a16="http://schemas.microsoft.com/office/drawing/2014/main" xmlns="" w="9525">
                   <a:solidFill>
                     <a:srgbClr val="000000"/>
                   </a:solidFill>
@@ -15842,7 +15842,7 @@
             </a:ln>
             <a:extLst>
               <a:ext uri="{91240B29-F687-4f45-9708-019B960494DF}">
-                <a14:hiddenLine xmlns="" xmlns:a16="http://schemas.microsoft.com/office/drawing/2014/main" xmlns:p14="http://schemas.microsoft.com/office/powerpoint/2010/main" xmlns:a14="http://schemas.microsoft.com/office/drawing/2010/main" w="9525">
+                <a14:hiddenLine xmlns:a14="http://schemas.microsoft.com/office/drawing/2010/main" xmlns:p14="http://schemas.microsoft.com/office/powerpoint/2010/main" xmlns:a16="http://schemas.microsoft.com/office/drawing/2014/main" xmlns="" w="9525">
                   <a:solidFill>
                     <a:srgbClr val="000000"/>
                   </a:solidFill>
@@ -15919,7 +15919,7 @@
             </a:ln>
             <a:extLst>
               <a:ext uri="{91240B29-F687-4f45-9708-019B960494DF}">
-                <a14:hiddenLine xmlns="" xmlns:a16="http://schemas.microsoft.com/office/drawing/2014/main" xmlns:p14="http://schemas.microsoft.com/office/powerpoint/2010/main" xmlns:a14="http://schemas.microsoft.com/office/drawing/2010/main" w="9525">
+                <a14:hiddenLine xmlns:a14="http://schemas.microsoft.com/office/drawing/2010/main" xmlns:p14="http://schemas.microsoft.com/office/powerpoint/2010/main" xmlns:a16="http://schemas.microsoft.com/office/drawing/2014/main" xmlns="" w="9525">
                   <a:solidFill>
                     <a:srgbClr val="000000"/>
                   </a:solidFill>
@@ -16024,7 +16024,7 @@
             </a:ln>
             <a:extLst>
               <a:ext uri="{91240B29-F687-4f45-9708-019B960494DF}">
-                <a14:hiddenLine xmlns="" xmlns:a16="http://schemas.microsoft.com/office/drawing/2014/main" xmlns:p14="http://schemas.microsoft.com/office/powerpoint/2010/main" xmlns:a14="http://schemas.microsoft.com/office/drawing/2010/main" w="9525">
+                <a14:hiddenLine xmlns:a14="http://schemas.microsoft.com/office/drawing/2010/main" xmlns:p14="http://schemas.microsoft.com/office/powerpoint/2010/main" xmlns:a16="http://schemas.microsoft.com/office/drawing/2014/main" xmlns="" w="9525">
                   <a:solidFill>
                     <a:srgbClr val="000000"/>
                   </a:solidFill>
@@ -16101,7 +16101,7 @@
             </a:ln>
             <a:extLst>
               <a:ext uri="{91240B29-F687-4f45-9708-019B960494DF}">
-                <a14:hiddenLine xmlns="" xmlns:a16="http://schemas.microsoft.com/office/drawing/2014/main" xmlns:p14="http://schemas.microsoft.com/office/powerpoint/2010/main" xmlns:a14="http://schemas.microsoft.com/office/drawing/2010/main" w="9525">
+                <a14:hiddenLine xmlns:a14="http://schemas.microsoft.com/office/drawing/2010/main" xmlns:p14="http://schemas.microsoft.com/office/powerpoint/2010/main" xmlns:a16="http://schemas.microsoft.com/office/drawing/2014/main" xmlns="" w="9525">
                   <a:solidFill>
                     <a:srgbClr val="000000"/>
                   </a:solidFill>
@@ -16178,7 +16178,7 @@
             </a:ln>
             <a:extLst>
               <a:ext uri="{91240B29-F687-4f45-9708-019B960494DF}">
-                <a14:hiddenLine xmlns="" xmlns:a16="http://schemas.microsoft.com/office/drawing/2014/main" xmlns:p14="http://schemas.microsoft.com/office/powerpoint/2010/main" xmlns:a14="http://schemas.microsoft.com/office/drawing/2010/main" w="9525">
+                <a14:hiddenLine xmlns:a14="http://schemas.microsoft.com/office/drawing/2010/main" xmlns:p14="http://schemas.microsoft.com/office/powerpoint/2010/main" xmlns:a16="http://schemas.microsoft.com/office/drawing/2014/main" xmlns="" w="9525">
                   <a:solidFill>
                     <a:srgbClr val="000000"/>
                   </a:solidFill>
@@ -16283,7 +16283,7 @@
             </a:ln>
             <a:extLst>
               <a:ext uri="{91240B29-F687-4f45-9708-019B960494DF}">
-                <a14:hiddenLine xmlns="" xmlns:a16="http://schemas.microsoft.com/office/drawing/2014/main" xmlns:p14="http://schemas.microsoft.com/office/powerpoint/2010/main" xmlns:a14="http://schemas.microsoft.com/office/drawing/2010/main" w="9525">
+                <a14:hiddenLine xmlns:a14="http://schemas.microsoft.com/office/drawing/2010/main" xmlns:p14="http://schemas.microsoft.com/office/powerpoint/2010/main" xmlns:a16="http://schemas.microsoft.com/office/drawing/2014/main" xmlns="" w="9525">
                   <a:solidFill>
                     <a:srgbClr val="000000"/>
                   </a:solidFill>
@@ -16388,7 +16388,7 @@
             </a:ln>
             <a:extLst>
               <a:ext uri="{91240B29-F687-4f45-9708-019B960494DF}">
-                <a14:hiddenLine xmlns="" xmlns:a16="http://schemas.microsoft.com/office/drawing/2014/main" xmlns:p14="http://schemas.microsoft.com/office/powerpoint/2010/main" xmlns:a14="http://schemas.microsoft.com/office/drawing/2010/main" w="9525">
+                <a14:hiddenLine xmlns:a14="http://schemas.microsoft.com/office/drawing/2010/main" xmlns:p14="http://schemas.microsoft.com/office/powerpoint/2010/main" xmlns:a16="http://schemas.microsoft.com/office/drawing/2014/main" xmlns="" w="9525">
                   <a:solidFill>
                     <a:srgbClr val="000000"/>
                   </a:solidFill>
@@ -16465,7 +16465,7 @@
             </a:ln>
             <a:extLst>
               <a:ext uri="{91240B29-F687-4f45-9708-019B960494DF}">
-                <a14:hiddenLine xmlns="" xmlns:a16="http://schemas.microsoft.com/office/drawing/2014/main" xmlns:p14="http://schemas.microsoft.com/office/powerpoint/2010/main" xmlns:a14="http://schemas.microsoft.com/office/drawing/2010/main" w="9525">
+                <a14:hiddenLine xmlns:a14="http://schemas.microsoft.com/office/drawing/2010/main" xmlns:p14="http://schemas.microsoft.com/office/powerpoint/2010/main" xmlns:a16="http://schemas.microsoft.com/office/drawing/2014/main" xmlns="" w="9525">
                   <a:solidFill>
                     <a:srgbClr val="000000"/>
                   </a:solidFill>
@@ -16590,7 +16590,7 @@
             </a:ln>
             <a:extLst>
               <a:ext uri="{91240B29-F687-4f45-9708-019B960494DF}">
-                <a14:hiddenLine xmlns="" xmlns:a16="http://schemas.microsoft.com/office/drawing/2014/main" xmlns:p14="http://schemas.microsoft.com/office/powerpoint/2010/main" xmlns:a14="http://schemas.microsoft.com/office/drawing/2010/main" w="9525">
+                <a14:hiddenLine xmlns:a14="http://schemas.microsoft.com/office/drawing/2010/main" xmlns:p14="http://schemas.microsoft.com/office/powerpoint/2010/main" xmlns:a16="http://schemas.microsoft.com/office/drawing/2014/main" xmlns="" w="9525">
                   <a:solidFill>
                     <a:srgbClr val="000000"/>
                   </a:solidFill>
@@ -16704,7 +16704,7 @@
             </a:ln>
             <a:extLst>
               <a:ext uri="{91240B29-F687-4f45-9708-019B960494DF}">
-                <a14:hiddenLine xmlns="" xmlns:a16="http://schemas.microsoft.com/office/drawing/2014/main" xmlns:p14="http://schemas.microsoft.com/office/powerpoint/2010/main" xmlns:a14="http://schemas.microsoft.com/office/drawing/2010/main" w="9525">
+                <a14:hiddenLine xmlns:a14="http://schemas.microsoft.com/office/drawing/2010/main" xmlns:p14="http://schemas.microsoft.com/office/powerpoint/2010/main" xmlns:a16="http://schemas.microsoft.com/office/drawing/2014/main" xmlns="" w="9525">
                   <a:solidFill>
                     <a:srgbClr val="000000"/>
                   </a:solidFill>
@@ -16781,7 +16781,7 @@
             </a:ln>
             <a:extLst>
               <a:ext uri="{91240B29-F687-4f45-9708-019B960494DF}">
-                <a14:hiddenLine xmlns="" xmlns:a16="http://schemas.microsoft.com/office/drawing/2014/main" xmlns:p14="http://schemas.microsoft.com/office/powerpoint/2010/main" xmlns:a14="http://schemas.microsoft.com/office/drawing/2010/main" w="9525">
+                <a14:hiddenLine xmlns:a14="http://schemas.microsoft.com/office/drawing/2010/main" xmlns:p14="http://schemas.microsoft.com/office/powerpoint/2010/main" xmlns:a16="http://schemas.microsoft.com/office/drawing/2014/main" xmlns="" w="9525">
                   <a:solidFill>
                     <a:srgbClr val="000000"/>
                   </a:solidFill>
@@ -16858,7 +16858,7 @@
             </a:ln>
             <a:extLst>
               <a:ext uri="{91240B29-F687-4f45-9708-019B960494DF}">
-                <a14:hiddenLine xmlns="" xmlns:a16="http://schemas.microsoft.com/office/drawing/2014/main" xmlns:p14="http://schemas.microsoft.com/office/powerpoint/2010/main" xmlns:a14="http://schemas.microsoft.com/office/drawing/2010/main" w="9525">
+                <a14:hiddenLine xmlns:a14="http://schemas.microsoft.com/office/drawing/2010/main" xmlns:p14="http://schemas.microsoft.com/office/powerpoint/2010/main" xmlns:a16="http://schemas.microsoft.com/office/drawing/2014/main" xmlns="" w="9525">
                   <a:solidFill>
                     <a:srgbClr val="000000"/>
                   </a:solidFill>
@@ -16963,7 +16963,7 @@
             </a:ln>
             <a:extLst>
               <a:ext uri="{91240B29-F687-4f45-9708-019B960494DF}">
-                <a14:hiddenLine xmlns="" xmlns:a16="http://schemas.microsoft.com/office/drawing/2014/main" xmlns:p14="http://schemas.microsoft.com/office/powerpoint/2010/main" xmlns:a14="http://schemas.microsoft.com/office/drawing/2010/main" w="9525">
+                <a14:hiddenLine xmlns:a14="http://schemas.microsoft.com/office/drawing/2010/main" xmlns:p14="http://schemas.microsoft.com/office/powerpoint/2010/main" xmlns:a16="http://schemas.microsoft.com/office/drawing/2014/main" xmlns="" w="9525">
                   <a:solidFill>
                     <a:srgbClr val="000000"/>
                   </a:solidFill>
@@ -17012,7 +17012,7 @@
             </a:ln>
             <a:extLst>
               <a:ext uri="{91240B29-F687-4f45-9708-019B960494DF}">
-                <a14:hiddenLine xmlns="" xmlns:a16="http://schemas.microsoft.com/office/drawing/2014/main" xmlns:p14="http://schemas.microsoft.com/office/powerpoint/2010/main" xmlns:a14="http://schemas.microsoft.com/office/drawing/2010/main" w="9525">
+                <a14:hiddenLine xmlns:a14="http://schemas.microsoft.com/office/drawing/2010/main" xmlns:p14="http://schemas.microsoft.com/office/powerpoint/2010/main" xmlns:a16="http://schemas.microsoft.com/office/drawing/2014/main" xmlns="" w="9525">
                   <a:solidFill>
                     <a:srgbClr val="000000"/>
                   </a:solidFill>
@@ -17092,7 +17092,7 @@
             </a:ln>
             <a:extLst>
               <a:ext uri="{91240B29-F687-4f45-9708-019B960494DF}">
-                <a14:hiddenLine xmlns="" xmlns:a16="http://schemas.microsoft.com/office/drawing/2014/main" xmlns:p14="http://schemas.microsoft.com/office/powerpoint/2010/main" xmlns:a14="http://schemas.microsoft.com/office/drawing/2010/main" w="9525">
+                <a14:hiddenLine xmlns:a14="http://schemas.microsoft.com/office/drawing/2010/main" xmlns:p14="http://schemas.microsoft.com/office/powerpoint/2010/main" xmlns:a16="http://schemas.microsoft.com/office/drawing/2014/main" xmlns="" w="9525">
                   <a:solidFill>
                     <a:srgbClr val="000000"/>
                   </a:solidFill>
@@ -17197,7 +17197,7 @@
             </a:ln>
             <a:extLst>
               <a:ext uri="{91240B29-F687-4f45-9708-019B960494DF}">
-                <a14:hiddenLine xmlns="" xmlns:a16="http://schemas.microsoft.com/office/drawing/2014/main" xmlns:p14="http://schemas.microsoft.com/office/powerpoint/2010/main" xmlns:a14="http://schemas.microsoft.com/office/drawing/2010/main" w="9525">
+                <a14:hiddenLine xmlns:a14="http://schemas.microsoft.com/office/drawing/2010/main" xmlns:p14="http://schemas.microsoft.com/office/powerpoint/2010/main" xmlns:a16="http://schemas.microsoft.com/office/drawing/2014/main" xmlns="" w="9525">
                   <a:solidFill>
                     <a:srgbClr val="000000"/>
                   </a:solidFill>
@@ -17274,7 +17274,7 @@
             </a:ln>
             <a:extLst>
               <a:ext uri="{91240B29-F687-4f45-9708-019B960494DF}">
-                <a14:hiddenLine xmlns="" xmlns:a16="http://schemas.microsoft.com/office/drawing/2014/main" xmlns:p14="http://schemas.microsoft.com/office/powerpoint/2010/main" xmlns:a14="http://schemas.microsoft.com/office/drawing/2010/main" w="9525">
+                <a14:hiddenLine xmlns:a14="http://schemas.microsoft.com/office/drawing/2010/main" xmlns:p14="http://schemas.microsoft.com/office/powerpoint/2010/main" xmlns:a16="http://schemas.microsoft.com/office/drawing/2014/main" xmlns="" w="9525">
                   <a:solidFill>
                     <a:srgbClr val="000000"/>
                   </a:solidFill>
@@ -17379,7 +17379,7 @@
             </a:ln>
             <a:extLst>
               <a:ext uri="{91240B29-F687-4f45-9708-019B960494DF}">
-                <a14:hiddenLine xmlns="" xmlns:a16="http://schemas.microsoft.com/office/drawing/2014/main" xmlns:p14="http://schemas.microsoft.com/office/powerpoint/2010/main" xmlns:a14="http://schemas.microsoft.com/office/drawing/2010/main" w="9525">
+                <a14:hiddenLine xmlns:a14="http://schemas.microsoft.com/office/drawing/2010/main" xmlns:p14="http://schemas.microsoft.com/office/powerpoint/2010/main" xmlns:a16="http://schemas.microsoft.com/office/drawing/2014/main" xmlns="" w="9525">
                   <a:solidFill>
                     <a:srgbClr val="000000"/>
                   </a:solidFill>
@@ -17459,7 +17459,7 @@
             </a:ln>
             <a:extLst>
               <a:ext uri="{91240B29-F687-4f45-9708-019B960494DF}">
-                <a14:hiddenLine xmlns="" xmlns:a16="http://schemas.microsoft.com/office/drawing/2014/main" xmlns:p14="http://schemas.microsoft.com/office/powerpoint/2010/main" xmlns:a14="http://schemas.microsoft.com/office/drawing/2010/main" w="9525">
+                <a14:hiddenLine xmlns:a14="http://schemas.microsoft.com/office/drawing/2010/main" xmlns:p14="http://schemas.microsoft.com/office/powerpoint/2010/main" xmlns:a16="http://schemas.microsoft.com/office/drawing/2014/main" xmlns="" w="9525">
                   <a:solidFill>
                     <a:srgbClr val="000000"/>
                   </a:solidFill>
@@ -17536,7 +17536,7 @@
             </a:ln>
             <a:extLst>
               <a:ext uri="{91240B29-F687-4f45-9708-019B960494DF}">
-                <a14:hiddenLine xmlns="" xmlns:a16="http://schemas.microsoft.com/office/drawing/2014/main" xmlns:p14="http://schemas.microsoft.com/office/powerpoint/2010/main" xmlns:a14="http://schemas.microsoft.com/office/drawing/2010/main" w="9525">
+                <a14:hiddenLine xmlns:a14="http://schemas.microsoft.com/office/drawing/2010/main" xmlns:p14="http://schemas.microsoft.com/office/powerpoint/2010/main" xmlns:a16="http://schemas.microsoft.com/office/drawing/2014/main" xmlns="" w="9525">
                   <a:solidFill>
                     <a:srgbClr val="000000"/>
                   </a:solidFill>
@@ -17641,7 +17641,7 @@
             </a:ln>
             <a:extLst>
               <a:ext uri="{91240B29-F687-4f45-9708-019B960494DF}">
-                <a14:hiddenLine xmlns="" xmlns:a16="http://schemas.microsoft.com/office/drawing/2014/main" xmlns:p14="http://schemas.microsoft.com/office/powerpoint/2010/main" xmlns:a14="http://schemas.microsoft.com/office/drawing/2010/main" w="9525">
+                <a14:hiddenLine xmlns:a14="http://schemas.microsoft.com/office/drawing/2010/main" xmlns:p14="http://schemas.microsoft.com/office/powerpoint/2010/main" xmlns:a16="http://schemas.microsoft.com/office/drawing/2014/main" xmlns="" w="9525">
                   <a:solidFill>
                     <a:srgbClr val="000000"/>
                   </a:solidFill>
@@ -17746,7 +17746,7 @@
             </a:ln>
             <a:extLst>
               <a:ext uri="{91240B29-F687-4f45-9708-019B960494DF}">
-                <a14:hiddenLine xmlns="" xmlns:a16="http://schemas.microsoft.com/office/drawing/2014/main" xmlns:p14="http://schemas.microsoft.com/office/powerpoint/2010/main" xmlns:a14="http://schemas.microsoft.com/office/drawing/2010/main" w="9525">
+                <a14:hiddenLine xmlns:a14="http://schemas.microsoft.com/office/drawing/2010/main" xmlns:p14="http://schemas.microsoft.com/office/powerpoint/2010/main" xmlns:a16="http://schemas.microsoft.com/office/drawing/2014/main" xmlns="" w="9525">
                   <a:solidFill>
                     <a:srgbClr val="000000"/>
                   </a:solidFill>
@@ -17826,7 +17826,7 @@
             </a:ln>
             <a:extLst>
               <a:ext uri="{91240B29-F687-4f45-9708-019B960494DF}">
-                <a14:hiddenLine xmlns="" xmlns:a16="http://schemas.microsoft.com/office/drawing/2014/main" xmlns:p14="http://schemas.microsoft.com/office/powerpoint/2010/main" xmlns:a14="http://schemas.microsoft.com/office/drawing/2010/main" w="9525">
+                <a14:hiddenLine xmlns:a14="http://schemas.microsoft.com/office/drawing/2010/main" xmlns:p14="http://schemas.microsoft.com/office/powerpoint/2010/main" xmlns:a16="http://schemas.microsoft.com/office/drawing/2014/main" xmlns="" w="9525">
                   <a:solidFill>
                     <a:srgbClr val="000000"/>
                   </a:solidFill>
@@ -17961,7 +17961,7 @@
             </a:ln>
             <a:extLst>
               <a:ext uri="{91240B29-F687-4f45-9708-019B960494DF}">
-                <a14:hiddenLine xmlns="" xmlns:a16="http://schemas.microsoft.com/office/drawing/2014/main" xmlns:p14="http://schemas.microsoft.com/office/powerpoint/2010/main" xmlns:a14="http://schemas.microsoft.com/office/drawing/2010/main" w="9525">
+                <a14:hiddenLine xmlns:a14="http://schemas.microsoft.com/office/drawing/2010/main" xmlns:p14="http://schemas.microsoft.com/office/powerpoint/2010/main" xmlns:a16="http://schemas.microsoft.com/office/drawing/2014/main" xmlns="" w="9525">
                   <a:solidFill>
                     <a:srgbClr val="000000"/>
                   </a:solidFill>
@@ -18070,7 +18070,7 @@
                 <a:latin typeface="Arial" panose="020B0604020202020204" pitchFamily="34" charset="0"/>
                 <a:cs typeface="Arial" panose="020B0604020202020204" pitchFamily="34" charset="0"/>
               </a:rPr>
-              <a:t>Arduino UNO Rev3 SMD</a:t>
+              <a:t>Arduino UNO</a:t>
             </a:r>
           </a:p>
           <a:p>
@@ -18079,7 +18079,7 @@
                 <a:latin typeface="Arial" panose="020B0604020202020204" pitchFamily="34" charset="0"/>
                 <a:cs typeface="Arial" panose="020B0604020202020204" pitchFamily="34" charset="0"/>
               </a:rPr>
-              <a:t>Script Python 3.7</a:t>
+              <a:t>script Python 3.7</a:t>
             </a:r>
           </a:p>
         </p:txBody>
@@ -18318,7 +18318,7 @@
             </a:ln>
             <a:extLst>
               <a:ext uri="{91240B29-F687-4f45-9708-019B960494DF}">
-                <a14:hiddenLine xmlns:a14="http://schemas.microsoft.com/office/drawing/2010/main" xmlns:p14="http://schemas.microsoft.com/office/powerpoint/2010/main" xmlns:a16="http://schemas.microsoft.com/office/drawing/2014/main" xmlns="" w="9525">
+                <a14:hiddenLine xmlns="" xmlns:a16="http://schemas.microsoft.com/office/drawing/2014/main" xmlns:p14="http://schemas.microsoft.com/office/powerpoint/2010/main" xmlns:a14="http://schemas.microsoft.com/office/drawing/2010/main" w="9525">
                   <a:solidFill>
                     <a:srgbClr val="000000"/>
                   </a:solidFill>
@@ -18423,7 +18423,7 @@
             </a:ln>
             <a:extLst>
               <a:ext uri="{91240B29-F687-4f45-9708-019B960494DF}">
-                <a14:hiddenLine xmlns:a14="http://schemas.microsoft.com/office/drawing/2010/main" xmlns:p14="http://schemas.microsoft.com/office/powerpoint/2010/main" xmlns:a16="http://schemas.microsoft.com/office/drawing/2014/main" xmlns="" w="9525">
+                <a14:hiddenLine xmlns="" xmlns:a16="http://schemas.microsoft.com/office/drawing/2014/main" xmlns:p14="http://schemas.microsoft.com/office/powerpoint/2010/main" xmlns:a14="http://schemas.microsoft.com/office/drawing/2010/main" w="9525">
                   <a:solidFill>
                     <a:srgbClr val="000000"/>
                   </a:solidFill>
@@ -18528,7 +18528,7 @@
             </a:ln>
             <a:extLst>
               <a:ext uri="{91240B29-F687-4f45-9708-019B960494DF}">
-                <a14:hiddenLine xmlns:a14="http://schemas.microsoft.com/office/drawing/2010/main" xmlns:p14="http://schemas.microsoft.com/office/powerpoint/2010/main" xmlns:a16="http://schemas.microsoft.com/office/drawing/2014/main" xmlns="" w="9525">
+                <a14:hiddenLine xmlns="" xmlns:a16="http://schemas.microsoft.com/office/drawing/2014/main" xmlns:p14="http://schemas.microsoft.com/office/powerpoint/2010/main" xmlns:a14="http://schemas.microsoft.com/office/drawing/2010/main" w="9525">
                   <a:solidFill>
                     <a:srgbClr val="000000"/>
                   </a:solidFill>
@@ -18605,7 +18605,7 @@
             </a:ln>
             <a:extLst>
               <a:ext uri="{91240B29-F687-4f45-9708-019B960494DF}">
-                <a14:hiddenLine xmlns:a14="http://schemas.microsoft.com/office/drawing/2010/main" xmlns:p14="http://schemas.microsoft.com/office/powerpoint/2010/main" xmlns:a16="http://schemas.microsoft.com/office/drawing/2014/main" xmlns="" w="9525">
+                <a14:hiddenLine xmlns="" xmlns:a16="http://schemas.microsoft.com/office/drawing/2014/main" xmlns:p14="http://schemas.microsoft.com/office/powerpoint/2010/main" xmlns:a14="http://schemas.microsoft.com/office/drawing/2010/main" w="9525">
                   <a:solidFill>
                     <a:srgbClr val="000000"/>
                   </a:solidFill>
@@ -18710,7 +18710,7 @@
             </a:ln>
             <a:extLst>
               <a:ext uri="{91240B29-F687-4f45-9708-019B960494DF}">
-                <a14:hiddenLine xmlns:a14="http://schemas.microsoft.com/office/drawing/2010/main" xmlns:p14="http://schemas.microsoft.com/office/powerpoint/2010/main" xmlns:a16="http://schemas.microsoft.com/office/drawing/2014/main" xmlns="" w="9525">
+                <a14:hiddenLine xmlns="" xmlns:a16="http://schemas.microsoft.com/office/drawing/2014/main" xmlns:p14="http://schemas.microsoft.com/office/powerpoint/2010/main" xmlns:a14="http://schemas.microsoft.com/office/drawing/2010/main" w="9525">
                   <a:solidFill>
                     <a:srgbClr val="000000"/>
                   </a:solidFill>
@@ -18787,7 +18787,7 @@
             </a:ln>
             <a:extLst>
               <a:ext uri="{91240B29-F687-4f45-9708-019B960494DF}">
-                <a14:hiddenLine xmlns:a14="http://schemas.microsoft.com/office/drawing/2010/main" xmlns:p14="http://schemas.microsoft.com/office/powerpoint/2010/main" xmlns:a16="http://schemas.microsoft.com/office/drawing/2014/main" xmlns="" w="9525">
+                <a14:hiddenLine xmlns="" xmlns:a16="http://schemas.microsoft.com/office/drawing/2014/main" xmlns:p14="http://schemas.microsoft.com/office/powerpoint/2010/main" xmlns:a14="http://schemas.microsoft.com/office/drawing/2010/main" w="9525">
                   <a:solidFill>
                     <a:srgbClr val="000000"/>
                   </a:solidFill>
@@ -18864,7 +18864,7 @@
             </a:ln>
             <a:extLst>
               <a:ext uri="{91240B29-F687-4f45-9708-019B960494DF}">
-                <a14:hiddenLine xmlns:a14="http://schemas.microsoft.com/office/drawing/2010/main" xmlns:p14="http://schemas.microsoft.com/office/powerpoint/2010/main" xmlns:a16="http://schemas.microsoft.com/office/drawing/2014/main" xmlns="" w="9525">
+                <a14:hiddenLine xmlns="" xmlns:a16="http://schemas.microsoft.com/office/drawing/2014/main" xmlns:p14="http://schemas.microsoft.com/office/powerpoint/2010/main" xmlns:a14="http://schemas.microsoft.com/office/drawing/2010/main" w="9525">
                   <a:solidFill>
                     <a:srgbClr val="000000"/>
                   </a:solidFill>
@@ -18969,7 +18969,7 @@
             </a:ln>
             <a:extLst>
               <a:ext uri="{91240B29-F687-4f45-9708-019B960494DF}">
-                <a14:hiddenLine xmlns:a14="http://schemas.microsoft.com/office/drawing/2010/main" xmlns:p14="http://schemas.microsoft.com/office/powerpoint/2010/main" xmlns:a16="http://schemas.microsoft.com/office/drawing/2014/main" xmlns="" w="9525">
+                <a14:hiddenLine xmlns="" xmlns:a16="http://schemas.microsoft.com/office/drawing/2014/main" xmlns:p14="http://schemas.microsoft.com/office/powerpoint/2010/main" xmlns:a14="http://schemas.microsoft.com/office/drawing/2010/main" w="9525">
                   <a:solidFill>
                     <a:srgbClr val="000000"/>
                   </a:solidFill>
@@ -19074,7 +19074,7 @@
             </a:ln>
             <a:extLst>
               <a:ext uri="{91240B29-F687-4f45-9708-019B960494DF}">
-                <a14:hiddenLine xmlns:a14="http://schemas.microsoft.com/office/drawing/2010/main" xmlns:p14="http://schemas.microsoft.com/office/powerpoint/2010/main" xmlns:a16="http://schemas.microsoft.com/office/drawing/2014/main" xmlns="" w="9525">
+                <a14:hiddenLine xmlns="" xmlns:a16="http://schemas.microsoft.com/office/drawing/2014/main" xmlns:p14="http://schemas.microsoft.com/office/powerpoint/2010/main" xmlns:a14="http://schemas.microsoft.com/office/drawing/2010/main" w="9525">
                   <a:solidFill>
                     <a:srgbClr val="000000"/>
                   </a:solidFill>
@@ -19151,7 +19151,7 @@
             </a:ln>
             <a:extLst>
               <a:ext uri="{91240B29-F687-4f45-9708-019B960494DF}">
-                <a14:hiddenLine xmlns:a14="http://schemas.microsoft.com/office/drawing/2010/main" xmlns:p14="http://schemas.microsoft.com/office/powerpoint/2010/main" xmlns:a16="http://schemas.microsoft.com/office/drawing/2014/main" xmlns="" w="9525">
+                <a14:hiddenLine xmlns="" xmlns:a16="http://schemas.microsoft.com/office/drawing/2014/main" xmlns:p14="http://schemas.microsoft.com/office/powerpoint/2010/main" xmlns:a14="http://schemas.microsoft.com/office/drawing/2010/main" w="9525">
                   <a:solidFill>
                     <a:srgbClr val="000000"/>
                   </a:solidFill>
@@ -19276,7 +19276,7 @@
             </a:ln>
             <a:extLst>
               <a:ext uri="{91240B29-F687-4f45-9708-019B960494DF}">
-                <a14:hiddenLine xmlns:a14="http://schemas.microsoft.com/office/drawing/2010/main" xmlns:p14="http://schemas.microsoft.com/office/powerpoint/2010/main" xmlns:a16="http://schemas.microsoft.com/office/drawing/2014/main" xmlns="" w="9525">
+                <a14:hiddenLine xmlns="" xmlns:a16="http://schemas.microsoft.com/office/drawing/2014/main" xmlns:p14="http://schemas.microsoft.com/office/powerpoint/2010/main" xmlns:a14="http://schemas.microsoft.com/office/drawing/2010/main" w="9525">
                   <a:solidFill>
                     <a:srgbClr val="000000"/>
                   </a:solidFill>
@@ -19390,7 +19390,7 @@
             </a:ln>
             <a:extLst>
               <a:ext uri="{91240B29-F687-4f45-9708-019B960494DF}">
-                <a14:hiddenLine xmlns:a14="http://schemas.microsoft.com/office/drawing/2010/main" xmlns:p14="http://schemas.microsoft.com/office/powerpoint/2010/main" xmlns:a16="http://schemas.microsoft.com/office/drawing/2014/main" xmlns="" w="9525">
+                <a14:hiddenLine xmlns="" xmlns:a16="http://schemas.microsoft.com/office/drawing/2014/main" xmlns:p14="http://schemas.microsoft.com/office/powerpoint/2010/main" xmlns:a14="http://schemas.microsoft.com/office/drawing/2010/main" w="9525">
                   <a:solidFill>
                     <a:srgbClr val="000000"/>
                   </a:solidFill>
@@ -19467,7 +19467,7 @@
             </a:ln>
             <a:extLst>
               <a:ext uri="{91240B29-F687-4f45-9708-019B960494DF}">
-                <a14:hiddenLine xmlns:a14="http://schemas.microsoft.com/office/drawing/2010/main" xmlns:p14="http://schemas.microsoft.com/office/powerpoint/2010/main" xmlns:a16="http://schemas.microsoft.com/office/drawing/2014/main" xmlns="" w="9525">
+                <a14:hiddenLine xmlns="" xmlns:a16="http://schemas.microsoft.com/office/drawing/2014/main" xmlns:p14="http://schemas.microsoft.com/office/powerpoint/2010/main" xmlns:a14="http://schemas.microsoft.com/office/drawing/2010/main" w="9525">
                   <a:solidFill>
                     <a:srgbClr val="000000"/>
                   </a:solidFill>
@@ -19544,7 +19544,7 @@
             </a:ln>
             <a:extLst>
               <a:ext uri="{91240B29-F687-4f45-9708-019B960494DF}">
-                <a14:hiddenLine xmlns:a14="http://schemas.microsoft.com/office/drawing/2010/main" xmlns:p14="http://schemas.microsoft.com/office/powerpoint/2010/main" xmlns:a16="http://schemas.microsoft.com/office/drawing/2014/main" xmlns="" w="9525">
+                <a14:hiddenLine xmlns="" xmlns:a16="http://schemas.microsoft.com/office/drawing/2014/main" xmlns:p14="http://schemas.microsoft.com/office/powerpoint/2010/main" xmlns:a14="http://schemas.microsoft.com/office/drawing/2010/main" w="9525">
                   <a:solidFill>
                     <a:srgbClr val="000000"/>
                   </a:solidFill>
@@ -19649,7 +19649,7 @@
             </a:ln>
             <a:extLst>
               <a:ext uri="{91240B29-F687-4f45-9708-019B960494DF}">
-                <a14:hiddenLine xmlns:a14="http://schemas.microsoft.com/office/drawing/2010/main" xmlns:p14="http://schemas.microsoft.com/office/powerpoint/2010/main" xmlns:a16="http://schemas.microsoft.com/office/drawing/2014/main" xmlns="" w="9525">
+                <a14:hiddenLine xmlns="" xmlns:a16="http://schemas.microsoft.com/office/drawing/2014/main" xmlns:p14="http://schemas.microsoft.com/office/powerpoint/2010/main" xmlns:a14="http://schemas.microsoft.com/office/drawing/2010/main" w="9525">
                   <a:solidFill>
                     <a:srgbClr val="000000"/>
                   </a:solidFill>
@@ -19698,7 +19698,7 @@
             </a:ln>
             <a:extLst>
               <a:ext uri="{91240B29-F687-4f45-9708-019B960494DF}">
-                <a14:hiddenLine xmlns:a14="http://schemas.microsoft.com/office/drawing/2010/main" xmlns:p14="http://schemas.microsoft.com/office/powerpoint/2010/main" xmlns:a16="http://schemas.microsoft.com/office/drawing/2014/main" xmlns="" w="9525">
+                <a14:hiddenLine xmlns="" xmlns:a16="http://schemas.microsoft.com/office/drawing/2014/main" xmlns:p14="http://schemas.microsoft.com/office/powerpoint/2010/main" xmlns:a14="http://schemas.microsoft.com/office/drawing/2010/main" w="9525">
                   <a:solidFill>
                     <a:srgbClr val="000000"/>
                   </a:solidFill>
@@ -19778,7 +19778,7 @@
             </a:ln>
             <a:extLst>
               <a:ext uri="{91240B29-F687-4f45-9708-019B960494DF}">
-                <a14:hiddenLine xmlns:a14="http://schemas.microsoft.com/office/drawing/2010/main" xmlns:p14="http://schemas.microsoft.com/office/powerpoint/2010/main" xmlns:a16="http://schemas.microsoft.com/office/drawing/2014/main" xmlns="" w="9525">
+                <a14:hiddenLine xmlns="" xmlns:a16="http://schemas.microsoft.com/office/drawing/2014/main" xmlns:p14="http://schemas.microsoft.com/office/powerpoint/2010/main" xmlns:a14="http://schemas.microsoft.com/office/drawing/2010/main" w="9525">
                   <a:solidFill>
                     <a:srgbClr val="000000"/>
                   </a:solidFill>
@@ -19883,7 +19883,7 @@
             </a:ln>
             <a:extLst>
               <a:ext uri="{91240B29-F687-4f45-9708-019B960494DF}">
-                <a14:hiddenLine xmlns:a14="http://schemas.microsoft.com/office/drawing/2010/main" xmlns:p14="http://schemas.microsoft.com/office/powerpoint/2010/main" xmlns:a16="http://schemas.microsoft.com/office/drawing/2014/main" xmlns="" w="9525">
+                <a14:hiddenLine xmlns="" xmlns:a16="http://schemas.microsoft.com/office/drawing/2014/main" xmlns:p14="http://schemas.microsoft.com/office/powerpoint/2010/main" xmlns:a14="http://schemas.microsoft.com/office/drawing/2010/main" w="9525">
                   <a:solidFill>
                     <a:srgbClr val="000000"/>
                   </a:solidFill>
@@ -19960,7 +19960,7 @@
             </a:ln>
             <a:extLst>
               <a:ext uri="{91240B29-F687-4f45-9708-019B960494DF}">
-                <a14:hiddenLine xmlns:a14="http://schemas.microsoft.com/office/drawing/2010/main" xmlns:p14="http://schemas.microsoft.com/office/powerpoint/2010/main" xmlns:a16="http://schemas.microsoft.com/office/drawing/2014/main" xmlns="" w="9525">
+                <a14:hiddenLine xmlns="" xmlns:a16="http://schemas.microsoft.com/office/drawing/2014/main" xmlns:p14="http://schemas.microsoft.com/office/powerpoint/2010/main" xmlns:a14="http://schemas.microsoft.com/office/drawing/2010/main" w="9525">
                   <a:solidFill>
                     <a:srgbClr val="000000"/>
                   </a:solidFill>
@@ -20065,7 +20065,7 @@
             </a:ln>
             <a:extLst>
               <a:ext uri="{91240B29-F687-4f45-9708-019B960494DF}">
-                <a14:hiddenLine xmlns:a14="http://schemas.microsoft.com/office/drawing/2010/main" xmlns:p14="http://schemas.microsoft.com/office/powerpoint/2010/main" xmlns:a16="http://schemas.microsoft.com/office/drawing/2014/main" xmlns="" w="9525">
+                <a14:hiddenLine xmlns="" xmlns:a16="http://schemas.microsoft.com/office/drawing/2014/main" xmlns:p14="http://schemas.microsoft.com/office/powerpoint/2010/main" xmlns:a14="http://schemas.microsoft.com/office/drawing/2010/main" w="9525">
                   <a:solidFill>
                     <a:srgbClr val="000000"/>
                   </a:solidFill>
@@ -20145,7 +20145,7 @@
             </a:ln>
             <a:extLst>
               <a:ext uri="{91240B29-F687-4f45-9708-019B960494DF}">
-                <a14:hiddenLine xmlns:a14="http://schemas.microsoft.com/office/drawing/2010/main" xmlns:p14="http://schemas.microsoft.com/office/powerpoint/2010/main" xmlns:a16="http://schemas.microsoft.com/office/drawing/2014/main" xmlns="" w="9525">
+                <a14:hiddenLine xmlns="" xmlns:a16="http://schemas.microsoft.com/office/drawing/2014/main" xmlns:p14="http://schemas.microsoft.com/office/powerpoint/2010/main" xmlns:a14="http://schemas.microsoft.com/office/drawing/2010/main" w="9525">
                   <a:solidFill>
                     <a:srgbClr val="000000"/>
                   </a:solidFill>
@@ -20222,7 +20222,7 @@
             </a:ln>
             <a:extLst>
               <a:ext uri="{91240B29-F687-4f45-9708-019B960494DF}">
-                <a14:hiddenLine xmlns:a14="http://schemas.microsoft.com/office/drawing/2010/main" xmlns:p14="http://schemas.microsoft.com/office/powerpoint/2010/main" xmlns:a16="http://schemas.microsoft.com/office/drawing/2014/main" xmlns="" w="9525">
+                <a14:hiddenLine xmlns="" xmlns:a16="http://schemas.microsoft.com/office/drawing/2014/main" xmlns:p14="http://schemas.microsoft.com/office/powerpoint/2010/main" xmlns:a14="http://schemas.microsoft.com/office/drawing/2010/main" w="9525">
                   <a:solidFill>
                     <a:srgbClr val="000000"/>
                   </a:solidFill>
@@ -20327,7 +20327,7 @@
             </a:ln>
             <a:extLst>
               <a:ext uri="{91240B29-F687-4f45-9708-019B960494DF}">
-                <a14:hiddenLine xmlns:a14="http://schemas.microsoft.com/office/drawing/2010/main" xmlns:p14="http://schemas.microsoft.com/office/powerpoint/2010/main" xmlns:a16="http://schemas.microsoft.com/office/drawing/2014/main" xmlns="" w="9525">
+                <a14:hiddenLine xmlns="" xmlns:a16="http://schemas.microsoft.com/office/drawing/2014/main" xmlns:p14="http://schemas.microsoft.com/office/powerpoint/2010/main" xmlns:a14="http://schemas.microsoft.com/office/drawing/2010/main" w="9525">
                   <a:solidFill>
                     <a:srgbClr val="000000"/>
                   </a:solidFill>
@@ -20432,7 +20432,7 @@
             </a:ln>
             <a:extLst>
               <a:ext uri="{91240B29-F687-4f45-9708-019B960494DF}">
-                <a14:hiddenLine xmlns:a14="http://schemas.microsoft.com/office/drawing/2010/main" xmlns:p14="http://schemas.microsoft.com/office/powerpoint/2010/main" xmlns:a16="http://schemas.microsoft.com/office/drawing/2014/main" xmlns="" w="9525">
+                <a14:hiddenLine xmlns="" xmlns:a16="http://schemas.microsoft.com/office/drawing/2014/main" xmlns:p14="http://schemas.microsoft.com/office/powerpoint/2010/main" xmlns:a14="http://schemas.microsoft.com/office/drawing/2010/main" w="9525">
                   <a:solidFill>
                     <a:srgbClr val="000000"/>
                   </a:solidFill>
@@ -20512,7 +20512,7 @@
             </a:ln>
             <a:extLst>
               <a:ext uri="{91240B29-F687-4f45-9708-019B960494DF}">
-                <a14:hiddenLine xmlns:a14="http://schemas.microsoft.com/office/drawing/2010/main" xmlns:p14="http://schemas.microsoft.com/office/powerpoint/2010/main" xmlns:a16="http://schemas.microsoft.com/office/drawing/2014/main" xmlns="" w="9525">
+                <a14:hiddenLine xmlns="" xmlns:a16="http://schemas.microsoft.com/office/drawing/2014/main" xmlns:p14="http://schemas.microsoft.com/office/powerpoint/2010/main" xmlns:a14="http://schemas.microsoft.com/office/drawing/2010/main" w="9525">
                   <a:solidFill>
                     <a:srgbClr val="000000"/>
                   </a:solidFill>
@@ -20647,7 +20647,7 @@
             </a:ln>
             <a:extLst>
               <a:ext uri="{91240B29-F687-4f45-9708-019B960494DF}">
-                <a14:hiddenLine xmlns:a14="http://schemas.microsoft.com/office/drawing/2010/main" xmlns:p14="http://schemas.microsoft.com/office/powerpoint/2010/main" xmlns:a16="http://schemas.microsoft.com/office/drawing/2014/main" xmlns="" w="9525">
+                <a14:hiddenLine xmlns="" xmlns:a16="http://schemas.microsoft.com/office/drawing/2014/main" xmlns:p14="http://schemas.microsoft.com/office/powerpoint/2010/main" xmlns:a14="http://schemas.microsoft.com/office/drawing/2010/main" w="9525">
                   <a:solidFill>
                     <a:srgbClr val="000000"/>
                   </a:solidFill>
@@ -21187,6 +21187,2661 @@
       </p:grpSpPr>
       <p:sp>
         <p:nvSpPr>
+          <p:cNvPr id="191" name="Rectangle 190">
+            <a:extLst>
+              <a:ext uri="{FF2B5EF4-FFF2-40B4-BE49-F238E27FC236}">
+                <a16:creationId xmlns:a16="http://schemas.microsoft.com/office/drawing/2014/main" id="{6BFC9644-673A-459F-B3C5-9310A4E50E3B}"/>
+              </a:ext>
+              <a:ext uri="{C183D7F6-B498-43B3-948B-1728B52AA6E4}">
+                <adec:decorative xmlns:adec="http://schemas.microsoft.com/office/drawing/2017/decorative" val="1"/>
+              </a:ext>
+            </a:extLst>
+          </p:cNvPr>
+          <p:cNvSpPr>
+            <a:spLocks noGrp="1" noRot="1" noChangeAspect="1" noMove="1" noResize="1" noEditPoints="1" noAdjustHandles="1" noChangeArrowheads="1" noChangeShapeType="1" noTextEdit="1"/>
+          </p:cNvSpPr>
+          <p:nvPr>
+            <p:extLst>
+              <p:ext uri="{386F3935-93C4-4BCD-93E2-E3B085C9AB24}">
+                <p16:designElem xmlns:p16="http://schemas.microsoft.com/office/powerpoint/2015/main" val="1"/>
+              </p:ext>
+            </p:extLst>
+          </p:nvPr>
+        </p:nvSpPr>
+        <p:spPr>
+          <a:xfrm>
+            <a:off x="0" y="0"/>
+            <a:ext cx="12192000" cy="6858000"/>
+          </a:xfrm>
+          <a:prstGeom prst="rect">
+            <a:avLst/>
+          </a:prstGeom>
+          <a:solidFill>
+            <a:schemeClr val="bg1">
+              <a:lumMod val="85000"/>
+              <a:lumOff val="15000"/>
+            </a:schemeClr>
+          </a:solidFill>
+          <a:ln>
+            <a:noFill/>
+          </a:ln>
+        </p:spPr>
+        <p:style>
+          <a:lnRef idx="2">
+            <a:schemeClr val="accent1">
+              <a:shade val="50000"/>
+            </a:schemeClr>
+          </a:lnRef>
+          <a:fillRef idx="1">
+            <a:schemeClr val="accent1"/>
+          </a:fillRef>
+          <a:effectRef idx="0">
+            <a:schemeClr val="accent1"/>
+          </a:effectRef>
+          <a:fontRef idx="minor">
+            <a:schemeClr val="lt1"/>
+          </a:fontRef>
+        </p:style>
+        <p:txBody>
+          <a:bodyPr rtlCol="0" anchor="ctr"/>
+          <a:lstStyle/>
+          <a:p>
+            <a:pPr algn="ctr"/>
+            <a:endParaRPr lang="en-US"/>
+          </a:p>
+        </p:txBody>
+      </p:sp>
+      <p:grpSp>
+        <p:nvGrpSpPr>
+          <p:cNvPr id="193" name="Group 192">
+            <a:extLst>
+              <a:ext uri="{FF2B5EF4-FFF2-40B4-BE49-F238E27FC236}">
+                <a16:creationId xmlns:a16="http://schemas.microsoft.com/office/drawing/2014/main" id="{4ADB9295-9645-4BF2-ADFD-75800B7FAD06}"/>
+              </a:ext>
+              <a:ext uri="{C183D7F6-B498-43B3-948B-1728B52AA6E4}">
+                <adec:decorative xmlns:adec="http://schemas.microsoft.com/office/drawing/2017/decorative" val="1"/>
+              </a:ext>
+            </a:extLst>
+          </p:cNvPr>
+          <p:cNvGrpSpPr>
+            <a:grpSpLocks noGrp="1" noUngrp="1" noRot="1" noChangeAspect="1" noMove="1" noResize="1"/>
+          </p:cNvGrpSpPr>
+          <p:nvPr>
+            <p:extLst>
+              <p:ext uri="{386F3935-93C4-4BCD-93E2-E3B085C9AB24}">
+                <p16:designElem xmlns:p16="http://schemas.microsoft.com/office/powerpoint/2015/main" val="1"/>
+              </p:ext>
+            </p:extLst>
+          </p:nvPr>
+        </p:nvGrpSpPr>
+        <p:grpSpPr>
+          <a:xfrm>
+            <a:off x="-14288" y="0"/>
+            <a:ext cx="1220788" cy="6858001"/>
+            <a:chOff x="-14288" y="0"/>
+            <a:chExt cx="1220788" cy="6858001"/>
+          </a:xfrm>
+          <a:solidFill>
+            <a:schemeClr val="bg2">
+              <a:lumMod val="60000"/>
+              <a:lumOff val="40000"/>
+              <a:alpha val="60000"/>
+            </a:schemeClr>
+          </a:solidFill>
+        </p:grpSpPr>
+        <p:sp>
+          <p:nvSpPr>
+            <p:cNvPr id="194" name="Rectangle 5">
+              <a:extLst>
+                <a:ext uri="{FF2B5EF4-FFF2-40B4-BE49-F238E27FC236}">
+                  <a16:creationId xmlns:a16="http://schemas.microsoft.com/office/drawing/2014/main" id="{95B061E9-E435-4E1B-B160-96584A116691}"/>
+                </a:ext>
+                <a:ext uri="{C183D7F6-B498-43B3-948B-1728B52AA6E4}">
+                  <adec:decorative xmlns:adec="http://schemas.microsoft.com/office/drawing/2017/decorative" val="1"/>
+                </a:ext>
+              </a:extLst>
+            </p:cNvPr>
+            <p:cNvSpPr>
+              <a:spLocks noChangeArrowheads="1"/>
+            </p:cNvSpPr>
+            <p:nvPr>
+              <p:extLst>
+                <p:ext uri="{386F3935-93C4-4BCD-93E2-E3B085C9AB24}">
+                  <p16:designElem xmlns:p16="http://schemas.microsoft.com/office/powerpoint/2015/main" val="1"/>
+                </p:ext>
+              </p:extLst>
+            </p:nvPr>
+          </p:nvSpPr>
+          <p:spPr bwMode="auto">
+            <a:xfrm>
+              <a:off x="114300" y="4763"/>
+              <a:ext cx="23813" cy="2181225"/>
+            </a:xfrm>
+            <a:prstGeom prst="rect">
+              <a:avLst/>
+            </a:prstGeom>
+            <a:grpFill/>
+            <a:ln>
+              <a:noFill/>
+            </a:ln>
+            <a:extLst>
+              <a:ext uri="{91240B29-F687-4f45-9708-019B960494DF}">
+                <a14:hiddenLine xmlns:a14="http://schemas.microsoft.com/office/drawing/2010/main" xmlns:p14="http://schemas.microsoft.com/office/powerpoint/2010/main" xmlns:a16="http://schemas.microsoft.com/office/drawing/2014/main" xmlns="" w="9525">
+                  <a:solidFill>
+                    <a:srgbClr val="000000"/>
+                  </a:solidFill>
+                  <a:miter lim="800000"/>
+                  <a:headEnd/>
+                  <a:tailEnd/>
+                </a14:hiddenLine>
+              </a:ext>
+            </a:extLst>
+          </p:spPr>
+        </p:sp>
+        <p:sp>
+          <p:nvSpPr>
+            <p:cNvPr id="195" name="Freeform 6">
+              <a:extLst>
+                <a:ext uri="{FF2B5EF4-FFF2-40B4-BE49-F238E27FC236}">
+                  <a16:creationId xmlns:a16="http://schemas.microsoft.com/office/drawing/2014/main" id="{3CD7972E-7D38-40EE-A80B-E2A848811EDD}"/>
+                </a:ext>
+                <a:ext uri="{C183D7F6-B498-43B3-948B-1728B52AA6E4}">
+                  <adec:decorative xmlns:adec="http://schemas.microsoft.com/office/drawing/2017/decorative" val="1"/>
+                </a:ext>
+              </a:extLst>
+            </p:cNvPr>
+            <p:cNvSpPr>
+              <a:spLocks noEditPoints="1"/>
+            </p:cNvSpPr>
+            <p:nvPr>
+              <p:extLst>
+                <p:ext uri="{386F3935-93C4-4BCD-93E2-E3B085C9AB24}">
+                  <p16:designElem xmlns:p16="http://schemas.microsoft.com/office/powerpoint/2015/main" val="1"/>
+                </p:ext>
+              </p:extLst>
+            </p:nvPr>
+          </p:nvSpPr>
+          <p:spPr bwMode="auto">
+            <a:xfrm>
+              <a:off x="33337" y="2176463"/>
+              <a:ext cx="190500" cy="190500"/>
+            </a:xfrm>
+            <a:custGeom>
+              <a:avLst/>
+              <a:gdLst/>
+              <a:ahLst/>
+              <a:cxnLst/>
+              <a:rect l="0" t="0" r="r" b="b"/>
+              <a:pathLst>
+                <a:path w="40" h="40">
+                  <a:moveTo>
+                    <a:pt x="20" y="40"/>
+                  </a:moveTo>
+                  <a:cubicBezTo>
+                    <a:pt x="9" y="40"/>
+                    <a:pt x="0" y="31"/>
+                    <a:pt x="0" y="20"/>
+                  </a:cubicBezTo>
+                  <a:cubicBezTo>
+                    <a:pt x="0" y="9"/>
+                    <a:pt x="9" y="0"/>
+                    <a:pt x="20" y="0"/>
+                  </a:cubicBezTo>
+                  <a:cubicBezTo>
+                    <a:pt x="31" y="0"/>
+                    <a:pt x="40" y="9"/>
+                    <a:pt x="40" y="20"/>
+                  </a:cubicBezTo>
+                  <a:cubicBezTo>
+                    <a:pt x="40" y="31"/>
+                    <a:pt x="31" y="40"/>
+                    <a:pt x="20" y="40"/>
+                  </a:cubicBezTo>
+                  <a:close/>
+                  <a:moveTo>
+                    <a:pt x="20" y="4"/>
+                  </a:moveTo>
+                  <a:cubicBezTo>
+                    <a:pt x="11" y="4"/>
+                    <a:pt x="4" y="11"/>
+                    <a:pt x="4" y="20"/>
+                  </a:cubicBezTo>
+                  <a:cubicBezTo>
+                    <a:pt x="4" y="29"/>
+                    <a:pt x="11" y="36"/>
+                    <a:pt x="20" y="36"/>
+                  </a:cubicBezTo>
+                  <a:cubicBezTo>
+                    <a:pt x="28" y="36"/>
+                    <a:pt x="36" y="29"/>
+                    <a:pt x="36" y="20"/>
+                  </a:cubicBezTo>
+                  <a:cubicBezTo>
+                    <a:pt x="36" y="11"/>
+                    <a:pt x="28" y="4"/>
+                    <a:pt x="20" y="4"/>
+                  </a:cubicBezTo>
+                  <a:close/>
+                </a:path>
+              </a:pathLst>
+            </a:custGeom>
+            <a:grpFill/>
+            <a:ln>
+              <a:noFill/>
+            </a:ln>
+            <a:extLst>
+              <a:ext uri="{91240B29-F687-4f45-9708-019B960494DF}">
+                <a14:hiddenLine xmlns:a14="http://schemas.microsoft.com/office/drawing/2010/main" xmlns:p14="http://schemas.microsoft.com/office/powerpoint/2010/main" xmlns:a16="http://schemas.microsoft.com/office/drawing/2014/main" xmlns="" w="9525">
+                  <a:solidFill>
+                    <a:srgbClr val="000000"/>
+                  </a:solidFill>
+                  <a:round/>
+                  <a:headEnd/>
+                  <a:tailEnd/>
+                </a14:hiddenLine>
+              </a:ext>
+            </a:extLst>
+          </p:spPr>
+        </p:sp>
+        <p:sp>
+          <p:nvSpPr>
+            <p:cNvPr id="196" name="Freeform 7">
+              <a:extLst>
+                <a:ext uri="{FF2B5EF4-FFF2-40B4-BE49-F238E27FC236}">
+                  <a16:creationId xmlns:a16="http://schemas.microsoft.com/office/drawing/2014/main" id="{524A3B55-746F-419F-8CFF-5F3A4BE14345}"/>
+                </a:ext>
+                <a:ext uri="{C183D7F6-B498-43B3-948B-1728B52AA6E4}">
+                  <adec:decorative xmlns:adec="http://schemas.microsoft.com/office/drawing/2017/decorative" val="1"/>
+                </a:ext>
+              </a:extLst>
+            </p:cNvPr>
+            <p:cNvSpPr>
+              <a:spLocks noEditPoints="1"/>
+            </p:cNvSpPr>
+            <p:nvPr>
+              <p:extLst>
+                <p:ext uri="{386F3935-93C4-4BCD-93E2-E3B085C9AB24}">
+                  <p16:designElem xmlns:p16="http://schemas.microsoft.com/office/powerpoint/2015/main" val="1"/>
+                </p:ext>
+              </p:extLst>
+            </p:nvPr>
+          </p:nvSpPr>
+          <p:spPr bwMode="auto">
+            <a:xfrm>
+              <a:off x="28575" y="4021138"/>
+              <a:ext cx="190500" cy="188913"/>
+            </a:xfrm>
+            <a:custGeom>
+              <a:avLst/>
+              <a:gdLst/>
+              <a:ahLst/>
+              <a:cxnLst/>
+              <a:rect l="0" t="0" r="r" b="b"/>
+              <a:pathLst>
+                <a:path w="40" h="40">
+                  <a:moveTo>
+                    <a:pt x="20" y="40"/>
+                  </a:moveTo>
+                  <a:cubicBezTo>
+                    <a:pt x="9" y="40"/>
+                    <a:pt x="0" y="31"/>
+                    <a:pt x="0" y="20"/>
+                  </a:cubicBezTo>
+                  <a:cubicBezTo>
+                    <a:pt x="0" y="9"/>
+                    <a:pt x="9" y="0"/>
+                    <a:pt x="20" y="0"/>
+                  </a:cubicBezTo>
+                  <a:cubicBezTo>
+                    <a:pt x="31" y="0"/>
+                    <a:pt x="40" y="9"/>
+                    <a:pt x="40" y="20"/>
+                  </a:cubicBezTo>
+                  <a:cubicBezTo>
+                    <a:pt x="40" y="31"/>
+                    <a:pt x="31" y="40"/>
+                    <a:pt x="20" y="40"/>
+                  </a:cubicBezTo>
+                  <a:close/>
+                  <a:moveTo>
+                    <a:pt x="20" y="4"/>
+                  </a:moveTo>
+                  <a:cubicBezTo>
+                    <a:pt x="12" y="4"/>
+                    <a:pt x="4" y="11"/>
+                    <a:pt x="4" y="20"/>
+                  </a:cubicBezTo>
+                  <a:cubicBezTo>
+                    <a:pt x="4" y="29"/>
+                    <a:pt x="12" y="36"/>
+                    <a:pt x="20" y="36"/>
+                  </a:cubicBezTo>
+                  <a:cubicBezTo>
+                    <a:pt x="29" y="36"/>
+                    <a:pt x="36" y="29"/>
+                    <a:pt x="36" y="20"/>
+                  </a:cubicBezTo>
+                  <a:cubicBezTo>
+                    <a:pt x="36" y="11"/>
+                    <a:pt x="29" y="4"/>
+                    <a:pt x="20" y="4"/>
+                  </a:cubicBezTo>
+                  <a:close/>
+                </a:path>
+              </a:pathLst>
+            </a:custGeom>
+            <a:grpFill/>
+            <a:ln>
+              <a:noFill/>
+            </a:ln>
+            <a:extLst>
+              <a:ext uri="{91240B29-F687-4f45-9708-019B960494DF}">
+                <a14:hiddenLine xmlns:a14="http://schemas.microsoft.com/office/drawing/2010/main" xmlns:p14="http://schemas.microsoft.com/office/powerpoint/2010/main" xmlns:a16="http://schemas.microsoft.com/office/drawing/2014/main" xmlns="" w="9525">
+                  <a:solidFill>
+                    <a:srgbClr val="000000"/>
+                  </a:solidFill>
+                  <a:round/>
+                  <a:headEnd/>
+                  <a:tailEnd/>
+                </a14:hiddenLine>
+              </a:ext>
+            </a:extLst>
+          </p:spPr>
+        </p:sp>
+        <p:sp>
+          <p:nvSpPr>
+            <p:cNvPr id="197" name="Freeform 8">
+              <a:extLst>
+                <a:ext uri="{FF2B5EF4-FFF2-40B4-BE49-F238E27FC236}">
+                  <a16:creationId xmlns:a16="http://schemas.microsoft.com/office/drawing/2014/main" id="{9C63219B-AD72-4494-935E-F5C70DB5497C}"/>
+                </a:ext>
+                <a:ext uri="{C183D7F6-B498-43B3-948B-1728B52AA6E4}">
+                  <adec:decorative xmlns:adec="http://schemas.microsoft.com/office/drawing/2017/decorative" val="1"/>
+                </a:ext>
+              </a:extLst>
+            </p:cNvPr>
+            <p:cNvSpPr/>
+            <p:nvPr>
+              <p:extLst>
+                <p:ext uri="{386F3935-93C4-4BCD-93E2-E3B085C9AB24}">
+                  <p16:designElem xmlns:p16="http://schemas.microsoft.com/office/powerpoint/2015/main" val="1"/>
+                </p:ext>
+              </p:extLst>
+            </p:nvPr>
+          </p:nvSpPr>
+          <p:spPr bwMode="auto">
+            <a:xfrm>
+              <a:off x="200025" y="4763"/>
+              <a:ext cx="369888" cy="1811338"/>
+            </a:xfrm>
+            <a:custGeom>
+              <a:avLst/>
+              <a:gdLst/>
+              <a:ahLst/>
+              <a:cxnLst/>
+              <a:rect l="0" t="0" r="r" b="b"/>
+              <a:pathLst>
+                <a:path w="233" h="1141">
+                  <a:moveTo>
+                    <a:pt x="218" y="1141"/>
+                  </a:moveTo>
+                  <a:lnTo>
+                    <a:pt x="0" y="626"/>
+                  </a:lnTo>
+                  <a:lnTo>
+                    <a:pt x="0" y="0"/>
+                  </a:lnTo>
+                  <a:lnTo>
+                    <a:pt x="15" y="0"/>
+                  </a:lnTo>
+                  <a:lnTo>
+                    <a:pt x="15" y="623"/>
+                  </a:lnTo>
+                  <a:lnTo>
+                    <a:pt x="233" y="1135"/>
+                  </a:lnTo>
+                  <a:lnTo>
+                    <a:pt x="218" y="1141"/>
+                  </a:lnTo>
+                  <a:close/>
+                </a:path>
+              </a:pathLst>
+            </a:custGeom>
+            <a:grpFill/>
+            <a:ln>
+              <a:noFill/>
+            </a:ln>
+            <a:extLst>
+              <a:ext uri="{91240B29-F687-4f45-9708-019B960494DF}">
+                <a14:hiddenLine xmlns:a14="http://schemas.microsoft.com/office/drawing/2010/main" xmlns:p14="http://schemas.microsoft.com/office/powerpoint/2010/main" xmlns:a16="http://schemas.microsoft.com/office/drawing/2014/main" xmlns="" w="9525">
+                  <a:solidFill>
+                    <a:srgbClr val="000000"/>
+                  </a:solidFill>
+                  <a:round/>
+                  <a:headEnd/>
+                  <a:tailEnd/>
+                </a14:hiddenLine>
+              </a:ext>
+            </a:extLst>
+          </p:spPr>
+        </p:sp>
+        <p:sp>
+          <p:nvSpPr>
+            <p:cNvPr id="198" name="Freeform 9">
+              <a:extLst>
+                <a:ext uri="{FF2B5EF4-FFF2-40B4-BE49-F238E27FC236}">
+                  <a16:creationId xmlns:a16="http://schemas.microsoft.com/office/drawing/2014/main" id="{15B41FD2-05E2-44E7-8760-09E65D1C6034}"/>
+                </a:ext>
+                <a:ext uri="{C183D7F6-B498-43B3-948B-1728B52AA6E4}">
+                  <adec:decorative xmlns:adec="http://schemas.microsoft.com/office/drawing/2017/decorative" val="1"/>
+                </a:ext>
+              </a:extLst>
+            </p:cNvPr>
+            <p:cNvSpPr>
+              <a:spLocks noEditPoints="1"/>
+            </p:cNvSpPr>
+            <p:nvPr>
+              <p:extLst>
+                <p:ext uri="{386F3935-93C4-4BCD-93E2-E3B085C9AB24}">
+                  <p16:designElem xmlns:p16="http://schemas.microsoft.com/office/powerpoint/2015/main" val="1"/>
+                </p:ext>
+              </p:extLst>
+            </p:nvPr>
+          </p:nvSpPr>
+          <p:spPr bwMode="auto">
+            <a:xfrm>
+              <a:off x="503237" y="1801813"/>
+              <a:ext cx="190500" cy="188913"/>
+            </a:xfrm>
+            <a:custGeom>
+              <a:avLst/>
+              <a:gdLst/>
+              <a:ahLst/>
+              <a:cxnLst/>
+              <a:rect l="0" t="0" r="r" b="b"/>
+              <a:pathLst>
+                <a:path w="40" h="40">
+                  <a:moveTo>
+                    <a:pt x="20" y="40"/>
+                  </a:moveTo>
+                  <a:cubicBezTo>
+                    <a:pt x="9" y="40"/>
+                    <a:pt x="0" y="31"/>
+                    <a:pt x="0" y="20"/>
+                  </a:cubicBezTo>
+                  <a:cubicBezTo>
+                    <a:pt x="0" y="9"/>
+                    <a:pt x="9" y="0"/>
+                    <a:pt x="20" y="0"/>
+                  </a:cubicBezTo>
+                  <a:cubicBezTo>
+                    <a:pt x="33" y="0"/>
+                    <a:pt x="40" y="6"/>
+                    <a:pt x="40" y="20"/>
+                  </a:cubicBezTo>
+                  <a:cubicBezTo>
+                    <a:pt x="40" y="31"/>
+                    <a:pt x="31" y="40"/>
+                    <a:pt x="20" y="40"/>
+                  </a:cubicBezTo>
+                  <a:close/>
+                  <a:moveTo>
+                    <a:pt x="20" y="4"/>
+                  </a:moveTo>
+                  <a:cubicBezTo>
+                    <a:pt x="11" y="4"/>
+                    <a:pt x="4" y="11"/>
+                    <a:pt x="4" y="20"/>
+                  </a:cubicBezTo>
+                  <a:cubicBezTo>
+                    <a:pt x="4" y="29"/>
+                    <a:pt x="11" y="36"/>
+                    <a:pt x="20" y="36"/>
+                  </a:cubicBezTo>
+                  <a:cubicBezTo>
+                    <a:pt x="28" y="36"/>
+                    <a:pt x="36" y="29"/>
+                    <a:pt x="36" y="20"/>
+                  </a:cubicBezTo>
+                  <a:cubicBezTo>
+                    <a:pt x="36" y="9"/>
+                    <a:pt x="31" y="4"/>
+                    <a:pt x="20" y="4"/>
+                  </a:cubicBezTo>
+                  <a:close/>
+                </a:path>
+              </a:pathLst>
+            </a:custGeom>
+            <a:grpFill/>
+            <a:ln>
+              <a:noFill/>
+            </a:ln>
+            <a:extLst>
+              <a:ext uri="{91240B29-F687-4f45-9708-019B960494DF}">
+                <a14:hiddenLine xmlns:a14="http://schemas.microsoft.com/office/drawing/2010/main" xmlns:p14="http://schemas.microsoft.com/office/powerpoint/2010/main" xmlns:a16="http://schemas.microsoft.com/office/drawing/2014/main" xmlns="" w="9525">
+                  <a:solidFill>
+                    <a:srgbClr val="000000"/>
+                  </a:solidFill>
+                  <a:round/>
+                  <a:headEnd/>
+                  <a:tailEnd/>
+                </a14:hiddenLine>
+              </a:ext>
+            </a:extLst>
+          </p:spPr>
+        </p:sp>
+        <p:sp>
+          <p:nvSpPr>
+            <p:cNvPr id="199" name="Freeform 10">
+              <a:extLst>
+                <a:ext uri="{FF2B5EF4-FFF2-40B4-BE49-F238E27FC236}">
+                  <a16:creationId xmlns:a16="http://schemas.microsoft.com/office/drawing/2014/main" id="{FE6D63D0-3347-4EE2-8F65-F1C32168FA22}"/>
+                </a:ext>
+                <a:ext uri="{C183D7F6-B498-43B3-948B-1728B52AA6E4}">
+                  <adec:decorative xmlns:adec="http://schemas.microsoft.com/office/drawing/2017/decorative" val="1"/>
+                </a:ext>
+              </a:extLst>
+            </p:cNvPr>
+            <p:cNvSpPr/>
+            <p:nvPr>
+              <p:extLst>
+                <p:ext uri="{386F3935-93C4-4BCD-93E2-E3B085C9AB24}">
+                  <p16:designElem xmlns:p16="http://schemas.microsoft.com/office/powerpoint/2015/main" val="1"/>
+                </p:ext>
+              </p:extLst>
+            </p:nvPr>
+          </p:nvSpPr>
+          <p:spPr bwMode="auto">
+            <a:xfrm>
+              <a:off x="285750" y="4763"/>
+              <a:ext cx="369888" cy="1430338"/>
+            </a:xfrm>
+            <a:custGeom>
+              <a:avLst/>
+              <a:gdLst/>
+              <a:ahLst/>
+              <a:cxnLst/>
+              <a:rect l="0" t="0" r="r" b="b"/>
+              <a:pathLst>
+                <a:path w="233" h="901">
+                  <a:moveTo>
+                    <a:pt x="221" y="901"/>
+                  </a:moveTo>
+                  <a:lnTo>
+                    <a:pt x="0" y="383"/>
+                  </a:lnTo>
+                  <a:lnTo>
+                    <a:pt x="0" y="0"/>
+                  </a:lnTo>
+                  <a:lnTo>
+                    <a:pt x="18" y="0"/>
+                  </a:lnTo>
+                  <a:lnTo>
+                    <a:pt x="18" y="380"/>
+                  </a:lnTo>
+                  <a:lnTo>
+                    <a:pt x="233" y="895"/>
+                  </a:lnTo>
+                  <a:lnTo>
+                    <a:pt x="221" y="901"/>
+                  </a:lnTo>
+                  <a:close/>
+                </a:path>
+              </a:pathLst>
+            </a:custGeom>
+            <a:grpFill/>
+            <a:ln>
+              <a:noFill/>
+            </a:ln>
+            <a:extLst>
+              <a:ext uri="{91240B29-F687-4f45-9708-019B960494DF}">
+                <a14:hiddenLine xmlns:a14="http://schemas.microsoft.com/office/drawing/2010/main" xmlns:p14="http://schemas.microsoft.com/office/powerpoint/2010/main" xmlns:a16="http://schemas.microsoft.com/office/drawing/2014/main" xmlns="" w="9525">
+                  <a:solidFill>
+                    <a:srgbClr val="000000"/>
+                  </a:solidFill>
+                  <a:round/>
+                  <a:headEnd/>
+                  <a:tailEnd/>
+                </a14:hiddenLine>
+              </a:ext>
+            </a:extLst>
+          </p:spPr>
+        </p:sp>
+        <p:sp>
+          <p:nvSpPr>
+            <p:cNvPr id="200" name="Freeform 11">
+              <a:extLst>
+                <a:ext uri="{FF2B5EF4-FFF2-40B4-BE49-F238E27FC236}">
+                  <a16:creationId xmlns:a16="http://schemas.microsoft.com/office/drawing/2014/main" id="{538A46A3-DB16-45D5-B636-03EFE39FE96C}"/>
+                </a:ext>
+                <a:ext uri="{C183D7F6-B498-43B3-948B-1728B52AA6E4}">
+                  <adec:decorative xmlns:adec="http://schemas.microsoft.com/office/drawing/2017/decorative" val="1"/>
+                </a:ext>
+              </a:extLst>
+            </p:cNvPr>
+            <p:cNvSpPr/>
+            <p:nvPr>
+              <p:extLst>
+                <p:ext uri="{386F3935-93C4-4BCD-93E2-E3B085C9AB24}">
+                  <p16:designElem xmlns:p16="http://schemas.microsoft.com/office/powerpoint/2015/main" val="1"/>
+                </p:ext>
+              </p:extLst>
+            </p:nvPr>
+          </p:nvSpPr>
+          <p:spPr bwMode="auto">
+            <a:xfrm>
+              <a:off x="546100" y="0"/>
+              <a:ext cx="152400" cy="912813"/>
+            </a:xfrm>
+            <a:custGeom>
+              <a:avLst/>
+              <a:gdLst/>
+              <a:ahLst/>
+              <a:cxnLst/>
+              <a:rect l="0" t="0" r="r" b="b"/>
+              <a:pathLst>
+                <a:path w="96" h="575">
+                  <a:moveTo>
+                    <a:pt x="96" y="575"/>
+                  </a:moveTo>
+                  <a:lnTo>
+                    <a:pt x="78" y="575"/>
+                  </a:lnTo>
+                  <a:lnTo>
+                    <a:pt x="78" y="192"/>
+                  </a:lnTo>
+                  <a:lnTo>
+                    <a:pt x="0" y="6"/>
+                  </a:lnTo>
+                  <a:lnTo>
+                    <a:pt x="15" y="0"/>
+                  </a:lnTo>
+                  <a:lnTo>
+                    <a:pt x="96" y="189"/>
+                  </a:lnTo>
+                  <a:lnTo>
+                    <a:pt x="96" y="575"/>
+                  </a:lnTo>
+                  <a:close/>
+                </a:path>
+              </a:pathLst>
+            </a:custGeom>
+            <a:grpFill/>
+            <a:ln>
+              <a:noFill/>
+            </a:ln>
+            <a:extLst>
+              <a:ext uri="{91240B29-F687-4f45-9708-019B960494DF}">
+                <a14:hiddenLine xmlns:a14="http://schemas.microsoft.com/office/drawing/2010/main" xmlns:p14="http://schemas.microsoft.com/office/powerpoint/2010/main" xmlns:a16="http://schemas.microsoft.com/office/drawing/2014/main" xmlns="" w="9525">
+                  <a:solidFill>
+                    <a:srgbClr val="000000"/>
+                  </a:solidFill>
+                  <a:round/>
+                  <a:headEnd/>
+                  <a:tailEnd/>
+                </a14:hiddenLine>
+              </a:ext>
+            </a:extLst>
+          </p:spPr>
+        </p:sp>
+        <p:sp>
+          <p:nvSpPr>
+            <p:cNvPr id="201" name="Freeform 12">
+              <a:extLst>
+                <a:ext uri="{FF2B5EF4-FFF2-40B4-BE49-F238E27FC236}">
+                  <a16:creationId xmlns:a16="http://schemas.microsoft.com/office/drawing/2014/main" id="{0B8A2B0E-823F-4BE8-9359-45143BB1248E}"/>
+                </a:ext>
+                <a:ext uri="{C183D7F6-B498-43B3-948B-1728B52AA6E4}">
+                  <adec:decorative xmlns:adec="http://schemas.microsoft.com/office/drawing/2017/decorative" val="1"/>
+                </a:ext>
+              </a:extLst>
+            </p:cNvPr>
+            <p:cNvSpPr>
+              <a:spLocks noEditPoints="1"/>
+            </p:cNvSpPr>
+            <p:nvPr>
+              <p:extLst>
+                <p:ext uri="{386F3935-93C4-4BCD-93E2-E3B085C9AB24}">
+                  <p16:designElem xmlns:p16="http://schemas.microsoft.com/office/powerpoint/2015/main" val="1"/>
+                </p:ext>
+              </p:extLst>
+            </p:nvPr>
+          </p:nvSpPr>
+          <p:spPr bwMode="auto">
+            <a:xfrm>
+              <a:off x="588962" y="1420813"/>
+              <a:ext cx="190500" cy="190500"/>
+            </a:xfrm>
+            <a:custGeom>
+              <a:avLst/>
+              <a:gdLst/>
+              <a:ahLst/>
+              <a:cxnLst/>
+              <a:rect l="0" t="0" r="r" b="b"/>
+              <a:pathLst>
+                <a:path w="40" h="40">
+                  <a:moveTo>
+                    <a:pt x="20" y="40"/>
+                  </a:moveTo>
+                  <a:cubicBezTo>
+                    <a:pt x="9" y="40"/>
+                    <a:pt x="0" y="31"/>
+                    <a:pt x="0" y="20"/>
+                  </a:cubicBezTo>
+                  <a:cubicBezTo>
+                    <a:pt x="0" y="9"/>
+                    <a:pt x="9" y="0"/>
+                    <a:pt x="20" y="0"/>
+                  </a:cubicBezTo>
+                  <a:cubicBezTo>
+                    <a:pt x="33" y="0"/>
+                    <a:pt x="40" y="7"/>
+                    <a:pt x="40" y="20"/>
+                  </a:cubicBezTo>
+                  <a:cubicBezTo>
+                    <a:pt x="40" y="31"/>
+                    <a:pt x="31" y="40"/>
+                    <a:pt x="20" y="40"/>
+                  </a:cubicBezTo>
+                  <a:close/>
+                  <a:moveTo>
+                    <a:pt x="20" y="4"/>
+                  </a:moveTo>
+                  <a:cubicBezTo>
+                    <a:pt x="11" y="4"/>
+                    <a:pt x="4" y="11"/>
+                    <a:pt x="4" y="20"/>
+                  </a:cubicBezTo>
+                  <a:cubicBezTo>
+                    <a:pt x="4" y="29"/>
+                    <a:pt x="11" y="36"/>
+                    <a:pt x="20" y="36"/>
+                  </a:cubicBezTo>
+                  <a:cubicBezTo>
+                    <a:pt x="29" y="36"/>
+                    <a:pt x="36" y="29"/>
+                    <a:pt x="36" y="20"/>
+                  </a:cubicBezTo>
+                  <a:cubicBezTo>
+                    <a:pt x="36" y="9"/>
+                    <a:pt x="31" y="4"/>
+                    <a:pt x="20" y="4"/>
+                  </a:cubicBezTo>
+                  <a:close/>
+                </a:path>
+              </a:pathLst>
+            </a:custGeom>
+            <a:grpFill/>
+            <a:ln>
+              <a:noFill/>
+            </a:ln>
+            <a:extLst>
+              <a:ext uri="{91240B29-F687-4f45-9708-019B960494DF}">
+                <a14:hiddenLine xmlns:a14="http://schemas.microsoft.com/office/drawing/2010/main" xmlns:p14="http://schemas.microsoft.com/office/powerpoint/2010/main" xmlns:a16="http://schemas.microsoft.com/office/drawing/2014/main" xmlns="" w="9525">
+                  <a:solidFill>
+                    <a:srgbClr val="000000"/>
+                  </a:solidFill>
+                  <a:round/>
+                  <a:headEnd/>
+                  <a:tailEnd/>
+                </a14:hiddenLine>
+              </a:ext>
+            </a:extLst>
+          </p:spPr>
+        </p:sp>
+        <p:sp>
+          <p:nvSpPr>
+            <p:cNvPr id="202" name="Freeform 13">
+              <a:extLst>
+                <a:ext uri="{FF2B5EF4-FFF2-40B4-BE49-F238E27FC236}">
+                  <a16:creationId xmlns:a16="http://schemas.microsoft.com/office/drawing/2014/main" id="{44516B3C-A8BE-46FC-B643-3DFEB7F28386}"/>
+                </a:ext>
+                <a:ext uri="{C183D7F6-B498-43B3-948B-1728B52AA6E4}">
+                  <adec:decorative xmlns:adec="http://schemas.microsoft.com/office/drawing/2017/decorative" val="1"/>
+                </a:ext>
+              </a:extLst>
+            </p:cNvPr>
+            <p:cNvSpPr>
+              <a:spLocks noEditPoints="1"/>
+            </p:cNvSpPr>
+            <p:nvPr>
+              <p:extLst>
+                <p:ext uri="{386F3935-93C4-4BCD-93E2-E3B085C9AB24}">
+                  <p16:designElem xmlns:p16="http://schemas.microsoft.com/office/powerpoint/2015/main" val="1"/>
+                </p:ext>
+              </p:extLst>
+            </p:nvPr>
+          </p:nvSpPr>
+          <p:spPr bwMode="auto">
+            <a:xfrm>
+              <a:off x="588962" y="903288"/>
+              <a:ext cx="190500" cy="190500"/>
+            </a:xfrm>
+            <a:custGeom>
+              <a:avLst/>
+              <a:gdLst/>
+              <a:ahLst/>
+              <a:cxnLst/>
+              <a:rect l="0" t="0" r="r" b="b"/>
+              <a:pathLst>
+                <a:path w="40" h="40">
+                  <a:moveTo>
+                    <a:pt x="20" y="40"/>
+                  </a:moveTo>
+                  <a:cubicBezTo>
+                    <a:pt x="9" y="40"/>
+                    <a:pt x="0" y="31"/>
+                    <a:pt x="0" y="20"/>
+                  </a:cubicBezTo>
+                  <a:cubicBezTo>
+                    <a:pt x="0" y="9"/>
+                    <a:pt x="9" y="0"/>
+                    <a:pt x="20" y="0"/>
+                  </a:cubicBezTo>
+                  <a:cubicBezTo>
+                    <a:pt x="31" y="0"/>
+                    <a:pt x="40" y="9"/>
+                    <a:pt x="40" y="20"/>
+                  </a:cubicBezTo>
+                  <a:cubicBezTo>
+                    <a:pt x="40" y="31"/>
+                    <a:pt x="31" y="40"/>
+                    <a:pt x="20" y="40"/>
+                  </a:cubicBezTo>
+                  <a:close/>
+                  <a:moveTo>
+                    <a:pt x="20" y="4"/>
+                  </a:moveTo>
+                  <a:cubicBezTo>
+                    <a:pt x="11" y="4"/>
+                    <a:pt x="4" y="11"/>
+                    <a:pt x="4" y="20"/>
+                  </a:cubicBezTo>
+                  <a:cubicBezTo>
+                    <a:pt x="4" y="29"/>
+                    <a:pt x="11" y="36"/>
+                    <a:pt x="20" y="36"/>
+                  </a:cubicBezTo>
+                  <a:cubicBezTo>
+                    <a:pt x="29" y="36"/>
+                    <a:pt x="36" y="29"/>
+                    <a:pt x="36" y="20"/>
+                  </a:cubicBezTo>
+                  <a:cubicBezTo>
+                    <a:pt x="36" y="11"/>
+                    <a:pt x="29" y="4"/>
+                    <a:pt x="20" y="4"/>
+                  </a:cubicBezTo>
+                  <a:close/>
+                </a:path>
+              </a:pathLst>
+            </a:custGeom>
+            <a:grpFill/>
+            <a:ln>
+              <a:noFill/>
+            </a:ln>
+            <a:extLst>
+              <a:ext uri="{91240B29-F687-4f45-9708-019B960494DF}">
+                <a14:hiddenLine xmlns:a14="http://schemas.microsoft.com/office/drawing/2010/main" xmlns:p14="http://schemas.microsoft.com/office/powerpoint/2010/main" xmlns:a16="http://schemas.microsoft.com/office/drawing/2014/main" xmlns="" w="9525">
+                  <a:solidFill>
+                    <a:srgbClr val="000000"/>
+                  </a:solidFill>
+                  <a:round/>
+                  <a:headEnd/>
+                  <a:tailEnd/>
+                </a14:hiddenLine>
+              </a:ext>
+            </a:extLst>
+          </p:spPr>
+        </p:sp>
+        <p:sp>
+          <p:nvSpPr>
+            <p:cNvPr id="203" name="Freeform 14">
+              <a:extLst>
+                <a:ext uri="{FF2B5EF4-FFF2-40B4-BE49-F238E27FC236}">
+                  <a16:creationId xmlns:a16="http://schemas.microsoft.com/office/drawing/2014/main" id="{59FD699C-3920-4E57-BE27-165A3F036C20}"/>
+                </a:ext>
+                <a:ext uri="{C183D7F6-B498-43B3-948B-1728B52AA6E4}">
+                  <adec:decorative xmlns:adec="http://schemas.microsoft.com/office/drawing/2017/decorative" val="1"/>
+                </a:ext>
+              </a:extLst>
+            </p:cNvPr>
+            <p:cNvSpPr/>
+            <p:nvPr>
+              <p:extLst>
+                <p:ext uri="{386F3935-93C4-4BCD-93E2-E3B085C9AB24}">
+                  <p16:designElem xmlns:p16="http://schemas.microsoft.com/office/powerpoint/2015/main" val="1"/>
+                </p:ext>
+              </p:extLst>
+            </p:nvPr>
+          </p:nvSpPr>
+          <p:spPr bwMode="auto">
+            <a:xfrm>
+              <a:off x="641350" y="0"/>
+              <a:ext cx="422275" cy="527050"/>
+            </a:xfrm>
+            <a:custGeom>
+              <a:avLst/>
+              <a:gdLst/>
+              <a:ahLst/>
+              <a:cxnLst/>
+              <a:rect l="0" t="0" r="r" b="b"/>
+              <a:pathLst>
+                <a:path w="266" h="332">
+                  <a:moveTo>
+                    <a:pt x="257" y="332"/>
+                  </a:moveTo>
+                  <a:lnTo>
+                    <a:pt x="48" y="123"/>
+                  </a:lnTo>
+                  <a:lnTo>
+                    <a:pt x="0" y="6"/>
+                  </a:lnTo>
+                  <a:lnTo>
+                    <a:pt x="15" y="0"/>
+                  </a:lnTo>
+                  <a:lnTo>
+                    <a:pt x="63" y="114"/>
+                  </a:lnTo>
+                  <a:lnTo>
+                    <a:pt x="266" y="320"/>
+                  </a:lnTo>
+                  <a:lnTo>
+                    <a:pt x="257" y="332"/>
+                  </a:lnTo>
+                  <a:close/>
+                </a:path>
+              </a:pathLst>
+            </a:custGeom>
+            <a:grpFill/>
+            <a:ln>
+              <a:noFill/>
+            </a:ln>
+            <a:extLst>
+              <a:ext uri="{91240B29-F687-4f45-9708-019B960494DF}">
+                <a14:hiddenLine xmlns:a14="http://schemas.microsoft.com/office/drawing/2010/main" xmlns:p14="http://schemas.microsoft.com/office/powerpoint/2010/main" xmlns:a16="http://schemas.microsoft.com/office/drawing/2014/main" xmlns="" w="9525">
+                  <a:solidFill>
+                    <a:srgbClr val="000000"/>
+                  </a:solidFill>
+                  <a:round/>
+                  <a:headEnd/>
+                  <a:tailEnd/>
+                </a14:hiddenLine>
+              </a:ext>
+            </a:extLst>
+          </p:spPr>
+        </p:sp>
+        <p:sp>
+          <p:nvSpPr>
+            <p:cNvPr id="204" name="Freeform 15">
+              <a:extLst>
+                <a:ext uri="{FF2B5EF4-FFF2-40B4-BE49-F238E27FC236}">
+                  <a16:creationId xmlns:a16="http://schemas.microsoft.com/office/drawing/2014/main" id="{0FB0C02E-3F53-4889-8ADF-80DBC43F693C}"/>
+                </a:ext>
+                <a:ext uri="{C183D7F6-B498-43B3-948B-1728B52AA6E4}">
+                  <adec:decorative xmlns:adec="http://schemas.microsoft.com/office/drawing/2017/decorative" val="1"/>
+                </a:ext>
+              </a:extLst>
+            </p:cNvPr>
+            <p:cNvSpPr>
+              <a:spLocks noEditPoints="1"/>
+            </p:cNvSpPr>
+            <p:nvPr>
+              <p:extLst>
+                <p:ext uri="{386F3935-93C4-4BCD-93E2-E3B085C9AB24}">
+                  <p16:designElem xmlns:p16="http://schemas.microsoft.com/office/powerpoint/2015/main" val="1"/>
+                </p:ext>
+              </p:extLst>
+            </p:nvPr>
+          </p:nvSpPr>
+          <p:spPr bwMode="auto">
+            <a:xfrm>
+              <a:off x="1020762" y="488950"/>
+              <a:ext cx="161925" cy="147638"/>
+            </a:xfrm>
+            <a:custGeom>
+              <a:avLst/>
+              <a:gdLst/>
+              <a:ahLst/>
+              <a:cxnLst/>
+              <a:rect l="0" t="0" r="r" b="b"/>
+              <a:pathLst>
+                <a:path w="34" h="31">
+                  <a:moveTo>
+                    <a:pt x="17" y="31"/>
+                  </a:moveTo>
+                  <a:cubicBezTo>
+                    <a:pt x="13" y="31"/>
+                    <a:pt x="9" y="30"/>
+                    <a:pt x="6" y="27"/>
+                  </a:cubicBezTo>
+                  <a:cubicBezTo>
+                    <a:pt x="0" y="20"/>
+                    <a:pt x="0" y="10"/>
+                    <a:pt x="6" y="4"/>
+                  </a:cubicBezTo>
+                  <a:cubicBezTo>
+                    <a:pt x="9" y="1"/>
+                    <a:pt x="13" y="0"/>
+                    <a:pt x="17" y="0"/>
+                  </a:cubicBezTo>
+                  <a:cubicBezTo>
+                    <a:pt x="21" y="0"/>
+                    <a:pt x="25" y="1"/>
+                    <a:pt x="28" y="4"/>
+                  </a:cubicBezTo>
+                  <a:cubicBezTo>
+                    <a:pt x="34" y="10"/>
+                    <a:pt x="34" y="20"/>
+                    <a:pt x="28" y="27"/>
+                  </a:cubicBezTo>
+                  <a:cubicBezTo>
+                    <a:pt x="25" y="30"/>
+                    <a:pt x="21" y="31"/>
+                    <a:pt x="17" y="31"/>
+                  </a:cubicBezTo>
+                  <a:close/>
+                  <a:moveTo>
+                    <a:pt x="17" y="4"/>
+                  </a:moveTo>
+                  <a:cubicBezTo>
+                    <a:pt x="14" y="4"/>
+                    <a:pt x="11" y="5"/>
+                    <a:pt x="9" y="7"/>
+                  </a:cubicBezTo>
+                  <a:cubicBezTo>
+                    <a:pt x="4" y="12"/>
+                    <a:pt x="4" y="19"/>
+                    <a:pt x="9" y="24"/>
+                  </a:cubicBezTo>
+                  <a:cubicBezTo>
+                    <a:pt x="11" y="26"/>
+                    <a:pt x="14" y="27"/>
+                    <a:pt x="17" y="27"/>
+                  </a:cubicBezTo>
+                  <a:cubicBezTo>
+                    <a:pt x="20" y="27"/>
+                    <a:pt x="23" y="26"/>
+                    <a:pt x="25" y="24"/>
+                  </a:cubicBezTo>
+                  <a:cubicBezTo>
+                    <a:pt x="30" y="19"/>
+                    <a:pt x="30" y="12"/>
+                    <a:pt x="25" y="7"/>
+                  </a:cubicBezTo>
+                  <a:cubicBezTo>
+                    <a:pt x="23" y="5"/>
+                    <a:pt x="20" y="4"/>
+                    <a:pt x="17" y="4"/>
+                  </a:cubicBezTo>
+                  <a:close/>
+                </a:path>
+              </a:pathLst>
+            </a:custGeom>
+            <a:grpFill/>
+            <a:ln>
+              <a:noFill/>
+            </a:ln>
+            <a:extLst>
+              <a:ext uri="{91240B29-F687-4f45-9708-019B960494DF}">
+                <a14:hiddenLine xmlns:a14="http://schemas.microsoft.com/office/drawing/2010/main" xmlns:p14="http://schemas.microsoft.com/office/powerpoint/2010/main" xmlns:a16="http://schemas.microsoft.com/office/drawing/2014/main" xmlns="" w="9525">
+                  <a:solidFill>
+                    <a:srgbClr val="000000"/>
+                  </a:solidFill>
+                  <a:round/>
+                  <a:headEnd/>
+                  <a:tailEnd/>
+                </a14:hiddenLine>
+              </a:ext>
+            </a:extLst>
+          </p:spPr>
+        </p:sp>
+        <p:sp>
+          <p:nvSpPr>
+            <p:cNvPr id="205" name="Line 16">
+              <a:extLst>
+                <a:ext uri="{FF2B5EF4-FFF2-40B4-BE49-F238E27FC236}">
+                  <a16:creationId xmlns:a16="http://schemas.microsoft.com/office/drawing/2014/main" id="{F8A0C89C-946F-4BCD-8A27-BB73E37FE525}"/>
+                </a:ext>
+                <a:ext uri="{C183D7F6-B498-43B3-948B-1728B52AA6E4}">
+                  <adec:decorative xmlns:adec="http://schemas.microsoft.com/office/drawing/2017/decorative" val="1"/>
+                </a:ext>
+              </a:extLst>
+            </p:cNvPr>
+            <p:cNvSpPr>
+              <a:spLocks noChangeShapeType="1"/>
+            </p:cNvSpPr>
+            <p:nvPr>
+              <p:extLst>
+                <p:ext uri="{386F3935-93C4-4BCD-93E2-E3B085C9AB24}">
+                  <p16:designElem xmlns:p16="http://schemas.microsoft.com/office/powerpoint/2015/main" val="1"/>
+                </p:ext>
+              </p:extLst>
+            </p:nvPr>
+          </p:nvSpPr>
+          <p:spPr bwMode="auto">
+            <a:xfrm>
+              <a:off x="-4763" y="9525"/>
+              <a:ext cx="0" cy="0"/>
+            </a:xfrm>
+            <a:prstGeom prst="line">
+              <a:avLst/>
+            </a:prstGeom>
+            <a:grpFill/>
+            <a:ln w="15" cap="flat">
+              <a:solidFill>
+                <a:srgbClr val="FFFFFF"/>
+              </a:solidFill>
+              <a:prstDash val="solid"/>
+              <a:miter lim="800000"/>
+              <a:headEnd/>
+              <a:tailEnd/>
+            </a:ln>
+          </p:spPr>
+        </p:sp>
+        <p:sp>
+          <p:nvSpPr>
+            <p:cNvPr id="206" name="Freeform 17">
+              <a:extLst>
+                <a:ext uri="{FF2B5EF4-FFF2-40B4-BE49-F238E27FC236}">
+                  <a16:creationId xmlns:a16="http://schemas.microsoft.com/office/drawing/2014/main" id="{70C83EAF-4E92-4849-A240-B257871DC033}"/>
+                </a:ext>
+                <a:ext uri="{C183D7F6-B498-43B3-948B-1728B52AA6E4}">
+                  <adec:decorative xmlns:adec="http://schemas.microsoft.com/office/drawing/2017/decorative" val="1"/>
+                </a:ext>
+              </a:extLst>
+            </p:cNvPr>
+            <p:cNvSpPr/>
+            <p:nvPr>
+              <p:extLst>
+                <p:ext uri="{386F3935-93C4-4BCD-93E2-E3B085C9AB24}">
+                  <p16:designElem xmlns:p16="http://schemas.microsoft.com/office/powerpoint/2015/main" val="1"/>
+                </p:ext>
+              </p:extLst>
+            </p:nvPr>
+          </p:nvSpPr>
+          <p:spPr bwMode="auto">
+            <a:xfrm>
+              <a:off x="9525" y="1801813"/>
+              <a:ext cx="123825" cy="127000"/>
+            </a:xfrm>
+            <a:custGeom>
+              <a:avLst/>
+              <a:gdLst/>
+              <a:ahLst/>
+              <a:cxnLst/>
+              <a:rect l="0" t="0" r="r" b="b"/>
+              <a:pathLst>
+                <a:path w="78" h="80">
+                  <a:moveTo>
+                    <a:pt x="6" y="80"/>
+                  </a:moveTo>
+                  <a:lnTo>
+                    <a:pt x="0" y="71"/>
+                  </a:lnTo>
+                  <a:lnTo>
+                    <a:pt x="69" y="0"/>
+                  </a:lnTo>
+                  <a:lnTo>
+                    <a:pt x="78" y="9"/>
+                  </a:lnTo>
+                  <a:lnTo>
+                    <a:pt x="6" y="80"/>
+                  </a:lnTo>
+                  <a:close/>
+                </a:path>
+              </a:pathLst>
+            </a:custGeom>
+            <a:grpFill/>
+            <a:ln>
+              <a:noFill/>
+            </a:ln>
+            <a:extLst>
+              <a:ext uri="{91240B29-F687-4f45-9708-019B960494DF}">
+                <a14:hiddenLine xmlns:a14="http://schemas.microsoft.com/office/drawing/2010/main" xmlns:p14="http://schemas.microsoft.com/office/powerpoint/2010/main" xmlns:a16="http://schemas.microsoft.com/office/drawing/2014/main" xmlns="" w="9525">
+                  <a:solidFill>
+                    <a:srgbClr val="000000"/>
+                  </a:solidFill>
+                  <a:round/>
+                  <a:headEnd/>
+                  <a:tailEnd/>
+                </a14:hiddenLine>
+              </a:ext>
+            </a:extLst>
+          </p:spPr>
+        </p:sp>
+        <p:sp>
+          <p:nvSpPr>
+            <p:cNvPr id="207" name="Freeform 18">
+              <a:extLst>
+                <a:ext uri="{FF2B5EF4-FFF2-40B4-BE49-F238E27FC236}">
+                  <a16:creationId xmlns:a16="http://schemas.microsoft.com/office/drawing/2014/main" id="{320FD164-4D7A-469C-B3F4-B926BFACF53D}"/>
+                </a:ext>
+                <a:ext uri="{C183D7F6-B498-43B3-948B-1728B52AA6E4}">
+                  <adec:decorative xmlns:adec="http://schemas.microsoft.com/office/drawing/2017/decorative" val="1"/>
+                </a:ext>
+              </a:extLst>
+            </p:cNvPr>
+            <p:cNvSpPr/>
+            <p:nvPr>
+              <p:extLst>
+                <p:ext uri="{386F3935-93C4-4BCD-93E2-E3B085C9AB24}">
+                  <p16:designElem xmlns:p16="http://schemas.microsoft.com/office/powerpoint/2015/main" val="1"/>
+                </p:ext>
+              </p:extLst>
+            </p:nvPr>
+          </p:nvSpPr>
+          <p:spPr bwMode="auto">
+            <a:xfrm>
+              <a:off x="-9525" y="3549650"/>
+              <a:ext cx="147638" cy="481013"/>
+            </a:xfrm>
+            <a:custGeom>
+              <a:avLst/>
+              <a:gdLst/>
+              <a:ahLst/>
+              <a:cxnLst/>
+              <a:rect l="0" t="0" r="r" b="b"/>
+              <a:pathLst>
+                <a:path w="93" h="303">
+                  <a:moveTo>
+                    <a:pt x="93" y="303"/>
+                  </a:moveTo>
+                  <a:lnTo>
+                    <a:pt x="78" y="303"/>
+                  </a:lnTo>
+                  <a:lnTo>
+                    <a:pt x="78" y="78"/>
+                  </a:lnTo>
+                  <a:lnTo>
+                    <a:pt x="0" y="12"/>
+                  </a:lnTo>
+                  <a:lnTo>
+                    <a:pt x="12" y="0"/>
+                  </a:lnTo>
+                  <a:lnTo>
+                    <a:pt x="93" y="69"/>
+                  </a:lnTo>
+                  <a:lnTo>
+                    <a:pt x="93" y="303"/>
+                  </a:lnTo>
+                  <a:close/>
+                </a:path>
+              </a:pathLst>
+            </a:custGeom>
+            <a:grpFill/>
+            <a:ln>
+              <a:noFill/>
+            </a:ln>
+            <a:extLst>
+              <a:ext uri="{91240B29-F687-4f45-9708-019B960494DF}">
+                <a14:hiddenLine xmlns:a14="http://schemas.microsoft.com/office/drawing/2010/main" xmlns:p14="http://schemas.microsoft.com/office/powerpoint/2010/main" xmlns:a16="http://schemas.microsoft.com/office/drawing/2014/main" xmlns="" w="9525">
+                  <a:solidFill>
+                    <a:srgbClr val="000000"/>
+                  </a:solidFill>
+                  <a:round/>
+                  <a:headEnd/>
+                  <a:tailEnd/>
+                </a14:hiddenLine>
+              </a:ext>
+            </a:extLst>
+          </p:spPr>
+        </p:sp>
+        <p:sp>
+          <p:nvSpPr>
+            <p:cNvPr id="208" name="Freeform 19">
+              <a:extLst>
+                <a:ext uri="{FF2B5EF4-FFF2-40B4-BE49-F238E27FC236}">
+                  <a16:creationId xmlns:a16="http://schemas.microsoft.com/office/drawing/2014/main" id="{F6E14D9A-4E63-48FF-95C5-9E8DDFF86C45}"/>
+                </a:ext>
+                <a:ext uri="{C183D7F6-B498-43B3-948B-1728B52AA6E4}">
+                  <adec:decorative xmlns:adec="http://schemas.microsoft.com/office/drawing/2017/decorative" val="1"/>
+                </a:ext>
+              </a:extLst>
+            </p:cNvPr>
+            <p:cNvSpPr/>
+            <p:nvPr>
+              <p:extLst>
+                <p:ext uri="{386F3935-93C4-4BCD-93E2-E3B085C9AB24}">
+                  <p16:designElem xmlns:p16="http://schemas.microsoft.com/office/powerpoint/2015/main" val="1"/>
+                </p:ext>
+              </p:extLst>
+            </p:nvPr>
+          </p:nvSpPr>
+          <p:spPr bwMode="auto">
+            <a:xfrm>
+              <a:off x="128587" y="1382713"/>
+              <a:ext cx="142875" cy="476250"/>
+            </a:xfrm>
+            <a:custGeom>
+              <a:avLst/>
+              <a:gdLst/>
+              <a:ahLst/>
+              <a:cxnLst/>
+              <a:rect l="0" t="0" r="r" b="b"/>
+              <a:pathLst>
+                <a:path w="90" h="300">
+                  <a:moveTo>
+                    <a:pt x="90" y="300"/>
+                  </a:moveTo>
+                  <a:lnTo>
+                    <a:pt x="78" y="300"/>
+                  </a:lnTo>
+                  <a:lnTo>
+                    <a:pt x="78" y="84"/>
+                  </a:lnTo>
+                  <a:lnTo>
+                    <a:pt x="0" y="9"/>
+                  </a:lnTo>
+                  <a:lnTo>
+                    <a:pt x="9" y="0"/>
+                  </a:lnTo>
+                  <a:lnTo>
+                    <a:pt x="90" y="81"/>
+                  </a:lnTo>
+                  <a:lnTo>
+                    <a:pt x="90" y="300"/>
+                  </a:lnTo>
+                  <a:close/>
+                </a:path>
+              </a:pathLst>
+            </a:custGeom>
+            <a:grpFill/>
+            <a:ln>
+              <a:noFill/>
+            </a:ln>
+            <a:extLst>
+              <a:ext uri="{91240B29-F687-4f45-9708-019B960494DF}">
+                <a14:hiddenLine xmlns:a14="http://schemas.microsoft.com/office/drawing/2010/main" xmlns:p14="http://schemas.microsoft.com/office/powerpoint/2010/main" xmlns:a16="http://schemas.microsoft.com/office/drawing/2014/main" xmlns="" w="9525">
+                  <a:solidFill>
+                    <a:srgbClr val="000000"/>
+                  </a:solidFill>
+                  <a:round/>
+                  <a:headEnd/>
+                  <a:tailEnd/>
+                </a14:hiddenLine>
+              </a:ext>
+            </a:extLst>
+          </p:spPr>
+        </p:sp>
+        <p:sp>
+          <p:nvSpPr>
+            <p:cNvPr id="209" name="Freeform 20">
+              <a:extLst>
+                <a:ext uri="{FF2B5EF4-FFF2-40B4-BE49-F238E27FC236}">
+                  <a16:creationId xmlns:a16="http://schemas.microsoft.com/office/drawing/2014/main" id="{F3DCD24F-3CA8-4404-B22C-E4C928995F3B}"/>
+                </a:ext>
+                <a:ext uri="{C183D7F6-B498-43B3-948B-1728B52AA6E4}">
+                  <adec:decorative xmlns:adec="http://schemas.microsoft.com/office/drawing/2017/decorative" val="1"/>
+                </a:ext>
+              </a:extLst>
+            </p:cNvPr>
+            <p:cNvSpPr>
+              <a:spLocks noEditPoints="1"/>
+            </p:cNvSpPr>
+            <p:nvPr>
+              <p:extLst>
+                <p:ext uri="{386F3935-93C4-4BCD-93E2-E3B085C9AB24}">
+                  <p16:designElem xmlns:p16="http://schemas.microsoft.com/office/powerpoint/2015/main" val="1"/>
+                </p:ext>
+              </p:extLst>
+            </p:nvPr>
+          </p:nvSpPr>
+          <p:spPr bwMode="auto">
+            <a:xfrm>
+              <a:off x="204787" y="1849438"/>
+              <a:ext cx="114300" cy="107950"/>
+            </a:xfrm>
+            <a:custGeom>
+              <a:avLst/>
+              <a:gdLst/>
+              <a:ahLst/>
+              <a:cxnLst/>
+              <a:rect l="0" t="0" r="r" b="b"/>
+              <a:pathLst>
+                <a:path w="24" h="23">
+                  <a:moveTo>
+                    <a:pt x="12" y="23"/>
+                  </a:moveTo>
+                  <a:cubicBezTo>
+                    <a:pt x="6" y="23"/>
+                    <a:pt x="0" y="18"/>
+                    <a:pt x="0" y="12"/>
+                  </a:cubicBezTo>
+                  <a:cubicBezTo>
+                    <a:pt x="0" y="5"/>
+                    <a:pt x="6" y="0"/>
+                    <a:pt x="12" y="0"/>
+                  </a:cubicBezTo>
+                  <a:cubicBezTo>
+                    <a:pt x="18" y="0"/>
+                    <a:pt x="24" y="5"/>
+                    <a:pt x="24" y="12"/>
+                  </a:cubicBezTo>
+                  <a:cubicBezTo>
+                    <a:pt x="24" y="18"/>
+                    <a:pt x="18" y="23"/>
+                    <a:pt x="12" y="23"/>
+                  </a:cubicBezTo>
+                  <a:close/>
+                  <a:moveTo>
+                    <a:pt x="12" y="4"/>
+                  </a:moveTo>
+                  <a:cubicBezTo>
+                    <a:pt x="8" y="4"/>
+                    <a:pt x="4" y="8"/>
+                    <a:pt x="4" y="12"/>
+                  </a:cubicBezTo>
+                  <a:cubicBezTo>
+                    <a:pt x="4" y="16"/>
+                    <a:pt x="8" y="19"/>
+                    <a:pt x="12" y="19"/>
+                  </a:cubicBezTo>
+                  <a:cubicBezTo>
+                    <a:pt x="16" y="19"/>
+                    <a:pt x="20" y="16"/>
+                    <a:pt x="20" y="12"/>
+                  </a:cubicBezTo>
+                  <a:cubicBezTo>
+                    <a:pt x="20" y="8"/>
+                    <a:pt x="16" y="4"/>
+                    <a:pt x="12" y="4"/>
+                  </a:cubicBezTo>
+                  <a:close/>
+                </a:path>
+              </a:pathLst>
+            </a:custGeom>
+            <a:grpFill/>
+            <a:ln>
+              <a:noFill/>
+            </a:ln>
+            <a:extLst>
+              <a:ext uri="{91240B29-F687-4f45-9708-019B960494DF}">
+                <a14:hiddenLine xmlns:a14="http://schemas.microsoft.com/office/drawing/2010/main" xmlns:p14="http://schemas.microsoft.com/office/powerpoint/2010/main" xmlns:a16="http://schemas.microsoft.com/office/drawing/2014/main" xmlns="" w="9525">
+                  <a:solidFill>
+                    <a:srgbClr val="000000"/>
+                  </a:solidFill>
+                  <a:round/>
+                  <a:headEnd/>
+                  <a:tailEnd/>
+                </a14:hiddenLine>
+              </a:ext>
+            </a:extLst>
+          </p:spPr>
+        </p:sp>
+        <p:sp>
+          <p:nvSpPr>
+            <p:cNvPr id="210" name="Rectangle 21">
+              <a:extLst>
+                <a:ext uri="{FF2B5EF4-FFF2-40B4-BE49-F238E27FC236}">
+                  <a16:creationId xmlns:a16="http://schemas.microsoft.com/office/drawing/2014/main" id="{8AD2E827-32A3-4BE4-9CC6-8315629177AE}"/>
+                </a:ext>
+                <a:ext uri="{C183D7F6-B498-43B3-948B-1728B52AA6E4}">
+                  <adec:decorative xmlns:adec="http://schemas.microsoft.com/office/drawing/2017/decorative" val="1"/>
+                </a:ext>
+              </a:extLst>
+            </p:cNvPr>
+            <p:cNvSpPr>
+              <a:spLocks noChangeArrowheads="1"/>
+            </p:cNvSpPr>
+            <p:nvPr>
+              <p:extLst>
+                <p:ext uri="{386F3935-93C4-4BCD-93E2-E3B085C9AB24}">
+                  <p16:designElem xmlns:p16="http://schemas.microsoft.com/office/powerpoint/2015/main" val="1"/>
+                </p:ext>
+              </p:extLst>
+            </p:nvPr>
+          </p:nvSpPr>
+          <p:spPr bwMode="auto">
+            <a:xfrm>
+              <a:off x="133350" y="4662488"/>
+              <a:ext cx="23813" cy="2181225"/>
+            </a:xfrm>
+            <a:prstGeom prst="rect">
+              <a:avLst/>
+            </a:prstGeom>
+            <a:grpFill/>
+            <a:ln>
+              <a:noFill/>
+            </a:ln>
+            <a:extLst>
+              <a:ext uri="{91240B29-F687-4f45-9708-019B960494DF}">
+                <a14:hiddenLine xmlns:a14="http://schemas.microsoft.com/office/drawing/2010/main" xmlns:p14="http://schemas.microsoft.com/office/powerpoint/2010/main" xmlns:a16="http://schemas.microsoft.com/office/drawing/2014/main" xmlns="" w="9525">
+                  <a:solidFill>
+                    <a:srgbClr val="000000"/>
+                  </a:solidFill>
+                  <a:miter lim="800000"/>
+                  <a:headEnd/>
+                  <a:tailEnd/>
+                </a14:hiddenLine>
+              </a:ext>
+            </a:extLst>
+          </p:spPr>
+        </p:sp>
+        <p:sp>
+          <p:nvSpPr>
+            <p:cNvPr id="211" name="Freeform 22">
+              <a:extLst>
+                <a:ext uri="{FF2B5EF4-FFF2-40B4-BE49-F238E27FC236}">
+                  <a16:creationId xmlns:a16="http://schemas.microsoft.com/office/drawing/2014/main" id="{47FB2CCC-1230-494F-B2D1-F05E5B8EDF55}"/>
+                </a:ext>
+                <a:ext uri="{C183D7F6-B498-43B3-948B-1728B52AA6E4}">
+                  <adec:decorative xmlns:adec="http://schemas.microsoft.com/office/drawing/2017/decorative" val="1"/>
+                </a:ext>
+              </a:extLst>
+            </p:cNvPr>
+            <p:cNvSpPr/>
+            <p:nvPr>
+              <p:extLst>
+                <p:ext uri="{386F3935-93C4-4BCD-93E2-E3B085C9AB24}">
+                  <p16:designElem xmlns:p16="http://schemas.microsoft.com/office/powerpoint/2015/main" val="1"/>
+                </p:ext>
+              </p:extLst>
+            </p:nvPr>
+          </p:nvSpPr>
+          <p:spPr bwMode="auto">
+            <a:xfrm>
+              <a:off x="223837" y="5041900"/>
+              <a:ext cx="369888" cy="1801813"/>
+            </a:xfrm>
+            <a:custGeom>
+              <a:avLst/>
+              <a:gdLst/>
+              <a:ahLst/>
+              <a:cxnLst/>
+              <a:rect l="0" t="0" r="r" b="b"/>
+              <a:pathLst>
+                <a:path w="233" h="1135">
+                  <a:moveTo>
+                    <a:pt x="15" y="1135"/>
+                  </a:moveTo>
+                  <a:lnTo>
+                    <a:pt x="0" y="1135"/>
+                  </a:lnTo>
+                  <a:lnTo>
+                    <a:pt x="0" y="515"/>
+                  </a:lnTo>
+                  <a:lnTo>
+                    <a:pt x="0" y="512"/>
+                  </a:lnTo>
+                  <a:lnTo>
+                    <a:pt x="218" y="0"/>
+                  </a:lnTo>
+                  <a:lnTo>
+                    <a:pt x="233" y="6"/>
+                  </a:lnTo>
+                  <a:lnTo>
+                    <a:pt x="15" y="518"/>
+                  </a:lnTo>
+                  <a:lnTo>
+                    <a:pt x="15" y="1135"/>
+                  </a:lnTo>
+                  <a:close/>
+                </a:path>
+              </a:pathLst>
+            </a:custGeom>
+            <a:grpFill/>
+            <a:ln>
+              <a:noFill/>
+            </a:ln>
+            <a:extLst>
+              <a:ext uri="{91240B29-F687-4f45-9708-019B960494DF}">
+                <a14:hiddenLine xmlns:a14="http://schemas.microsoft.com/office/drawing/2010/main" xmlns:p14="http://schemas.microsoft.com/office/powerpoint/2010/main" xmlns:a16="http://schemas.microsoft.com/office/drawing/2014/main" xmlns="" w="9525">
+                  <a:solidFill>
+                    <a:srgbClr val="000000"/>
+                  </a:solidFill>
+                  <a:round/>
+                  <a:headEnd/>
+                  <a:tailEnd/>
+                </a14:hiddenLine>
+              </a:ext>
+            </a:extLst>
+          </p:spPr>
+        </p:sp>
+        <p:sp>
+          <p:nvSpPr>
+            <p:cNvPr id="212" name="Freeform 23">
+              <a:extLst>
+                <a:ext uri="{FF2B5EF4-FFF2-40B4-BE49-F238E27FC236}">
+                  <a16:creationId xmlns:a16="http://schemas.microsoft.com/office/drawing/2014/main" id="{A5F44514-9274-47E3-9243-CA9356C166B5}"/>
+                </a:ext>
+                <a:ext uri="{C183D7F6-B498-43B3-948B-1728B52AA6E4}">
+                  <adec:decorative xmlns:adec="http://schemas.microsoft.com/office/drawing/2017/decorative" val="1"/>
+                </a:ext>
+              </a:extLst>
+            </p:cNvPr>
+            <p:cNvSpPr>
+              <a:spLocks noEditPoints="1"/>
+            </p:cNvSpPr>
+            <p:nvPr>
+              <p:extLst>
+                <p:ext uri="{386F3935-93C4-4BCD-93E2-E3B085C9AB24}">
+                  <p16:designElem xmlns:p16="http://schemas.microsoft.com/office/powerpoint/2015/main" val="1"/>
+                </p:ext>
+              </p:extLst>
+            </p:nvPr>
+          </p:nvSpPr>
+          <p:spPr bwMode="auto">
+            <a:xfrm>
+              <a:off x="52387" y="4481513"/>
+              <a:ext cx="190500" cy="190500"/>
+            </a:xfrm>
+            <a:custGeom>
+              <a:avLst/>
+              <a:gdLst/>
+              <a:ahLst/>
+              <a:cxnLst/>
+              <a:rect l="0" t="0" r="r" b="b"/>
+              <a:pathLst>
+                <a:path w="40" h="40">
+                  <a:moveTo>
+                    <a:pt x="20" y="40"/>
+                  </a:moveTo>
+                  <a:cubicBezTo>
+                    <a:pt x="9" y="40"/>
+                    <a:pt x="0" y="31"/>
+                    <a:pt x="0" y="20"/>
+                  </a:cubicBezTo>
+                  <a:cubicBezTo>
+                    <a:pt x="0" y="9"/>
+                    <a:pt x="9" y="0"/>
+                    <a:pt x="20" y="0"/>
+                  </a:cubicBezTo>
+                  <a:cubicBezTo>
+                    <a:pt x="31" y="0"/>
+                    <a:pt x="40" y="9"/>
+                    <a:pt x="40" y="20"/>
+                  </a:cubicBezTo>
+                  <a:cubicBezTo>
+                    <a:pt x="40" y="31"/>
+                    <a:pt x="31" y="40"/>
+                    <a:pt x="20" y="40"/>
+                  </a:cubicBezTo>
+                  <a:close/>
+                  <a:moveTo>
+                    <a:pt x="20" y="4"/>
+                  </a:moveTo>
+                  <a:cubicBezTo>
+                    <a:pt x="11" y="4"/>
+                    <a:pt x="4" y="11"/>
+                    <a:pt x="4" y="20"/>
+                  </a:cubicBezTo>
+                  <a:cubicBezTo>
+                    <a:pt x="4" y="29"/>
+                    <a:pt x="11" y="36"/>
+                    <a:pt x="20" y="36"/>
+                  </a:cubicBezTo>
+                  <a:cubicBezTo>
+                    <a:pt x="28" y="36"/>
+                    <a:pt x="36" y="29"/>
+                    <a:pt x="36" y="20"/>
+                  </a:cubicBezTo>
+                  <a:cubicBezTo>
+                    <a:pt x="36" y="11"/>
+                    <a:pt x="28" y="4"/>
+                    <a:pt x="20" y="4"/>
+                  </a:cubicBezTo>
+                  <a:close/>
+                </a:path>
+              </a:pathLst>
+            </a:custGeom>
+            <a:grpFill/>
+            <a:ln>
+              <a:noFill/>
+            </a:ln>
+            <a:extLst>
+              <a:ext uri="{91240B29-F687-4f45-9708-019B960494DF}">
+                <a14:hiddenLine xmlns:a14="http://schemas.microsoft.com/office/drawing/2010/main" xmlns:p14="http://schemas.microsoft.com/office/powerpoint/2010/main" xmlns:a16="http://schemas.microsoft.com/office/drawing/2014/main" xmlns="" w="9525">
+                  <a:solidFill>
+                    <a:srgbClr val="000000"/>
+                  </a:solidFill>
+                  <a:round/>
+                  <a:headEnd/>
+                  <a:tailEnd/>
+                </a14:hiddenLine>
+              </a:ext>
+            </a:extLst>
+          </p:spPr>
+        </p:sp>
+        <p:sp>
+          <p:nvSpPr>
+            <p:cNvPr id="213" name="Freeform 24">
+              <a:extLst>
+                <a:ext uri="{FF2B5EF4-FFF2-40B4-BE49-F238E27FC236}">
+                  <a16:creationId xmlns:a16="http://schemas.microsoft.com/office/drawing/2014/main" id="{D06192CD-AD86-4DCA-8B53-4ACCA46583A9}"/>
+                </a:ext>
+                <a:ext uri="{C183D7F6-B498-43B3-948B-1728B52AA6E4}">
+                  <adec:decorative xmlns:adec="http://schemas.microsoft.com/office/drawing/2017/decorative" val="1"/>
+                </a:ext>
+              </a:extLst>
+            </p:cNvPr>
+            <p:cNvSpPr/>
+            <p:nvPr>
+              <p:extLst>
+                <p:ext uri="{386F3935-93C4-4BCD-93E2-E3B085C9AB24}">
+                  <p16:designElem xmlns:p16="http://schemas.microsoft.com/office/powerpoint/2015/main" val="1"/>
+                </p:ext>
+              </p:extLst>
+            </p:nvPr>
+          </p:nvSpPr>
+          <p:spPr bwMode="auto">
+            <a:xfrm>
+              <a:off x="-14288" y="5627688"/>
+              <a:ext cx="85725" cy="1216025"/>
+            </a:xfrm>
+            <a:custGeom>
+              <a:avLst/>
+              <a:gdLst/>
+              <a:ahLst/>
+              <a:cxnLst/>
+              <a:rect l="0" t="0" r="r" b="b"/>
+              <a:pathLst>
+                <a:path w="54" h="766">
+                  <a:moveTo>
+                    <a:pt x="54" y="766"/>
+                  </a:moveTo>
+                  <a:lnTo>
+                    <a:pt x="36" y="766"/>
+                  </a:lnTo>
+                  <a:lnTo>
+                    <a:pt x="36" y="149"/>
+                  </a:lnTo>
+                  <a:lnTo>
+                    <a:pt x="0" y="3"/>
+                  </a:lnTo>
+                  <a:lnTo>
+                    <a:pt x="18" y="0"/>
+                  </a:lnTo>
+                  <a:lnTo>
+                    <a:pt x="54" y="146"/>
+                  </a:lnTo>
+                  <a:lnTo>
+                    <a:pt x="54" y="766"/>
+                  </a:lnTo>
+                  <a:close/>
+                </a:path>
+              </a:pathLst>
+            </a:custGeom>
+            <a:grpFill/>
+            <a:ln>
+              <a:noFill/>
+            </a:ln>
+            <a:extLst>
+              <a:ext uri="{91240B29-F687-4f45-9708-019B960494DF}">
+                <a14:hiddenLine xmlns:a14="http://schemas.microsoft.com/office/drawing/2010/main" xmlns:p14="http://schemas.microsoft.com/office/powerpoint/2010/main" xmlns:a16="http://schemas.microsoft.com/office/drawing/2014/main" xmlns="" w="9525">
+                  <a:solidFill>
+                    <a:srgbClr val="000000"/>
+                  </a:solidFill>
+                  <a:round/>
+                  <a:headEnd/>
+                  <a:tailEnd/>
+                </a14:hiddenLine>
+              </a:ext>
+            </a:extLst>
+          </p:spPr>
+        </p:sp>
+        <p:sp>
+          <p:nvSpPr>
+            <p:cNvPr id="214" name="Freeform 25">
+              <a:extLst>
+                <a:ext uri="{FF2B5EF4-FFF2-40B4-BE49-F238E27FC236}">
+                  <a16:creationId xmlns:a16="http://schemas.microsoft.com/office/drawing/2014/main" id="{99E9203A-21E4-46D8-981A-4B28CA320A69}"/>
+                </a:ext>
+                <a:ext uri="{C183D7F6-B498-43B3-948B-1728B52AA6E4}">
+                  <adec:decorative xmlns:adec="http://schemas.microsoft.com/office/drawing/2017/decorative" val="1"/>
+                </a:ext>
+              </a:extLst>
+            </p:cNvPr>
+            <p:cNvSpPr>
+              <a:spLocks noEditPoints="1"/>
+            </p:cNvSpPr>
+            <p:nvPr>
+              <p:extLst>
+                <p:ext uri="{386F3935-93C4-4BCD-93E2-E3B085C9AB24}">
+                  <p16:designElem xmlns:p16="http://schemas.microsoft.com/office/powerpoint/2015/main" val="1"/>
+                </p:ext>
+              </p:extLst>
+            </p:nvPr>
+          </p:nvSpPr>
+          <p:spPr bwMode="auto">
+            <a:xfrm>
+              <a:off x="527050" y="4867275"/>
+              <a:ext cx="190500" cy="188913"/>
+            </a:xfrm>
+            <a:custGeom>
+              <a:avLst/>
+              <a:gdLst/>
+              <a:ahLst/>
+              <a:cxnLst/>
+              <a:rect l="0" t="0" r="r" b="b"/>
+              <a:pathLst>
+                <a:path w="40" h="40">
+                  <a:moveTo>
+                    <a:pt x="20" y="40"/>
+                  </a:moveTo>
+                  <a:cubicBezTo>
+                    <a:pt x="9" y="40"/>
+                    <a:pt x="0" y="31"/>
+                    <a:pt x="0" y="20"/>
+                  </a:cubicBezTo>
+                  <a:cubicBezTo>
+                    <a:pt x="0" y="9"/>
+                    <a:pt x="9" y="0"/>
+                    <a:pt x="20" y="0"/>
+                  </a:cubicBezTo>
+                  <a:cubicBezTo>
+                    <a:pt x="31" y="0"/>
+                    <a:pt x="40" y="9"/>
+                    <a:pt x="40" y="20"/>
+                  </a:cubicBezTo>
+                  <a:cubicBezTo>
+                    <a:pt x="40" y="31"/>
+                    <a:pt x="31" y="40"/>
+                    <a:pt x="20" y="40"/>
+                  </a:cubicBezTo>
+                  <a:close/>
+                  <a:moveTo>
+                    <a:pt x="20" y="4"/>
+                  </a:moveTo>
+                  <a:cubicBezTo>
+                    <a:pt x="11" y="4"/>
+                    <a:pt x="4" y="11"/>
+                    <a:pt x="4" y="20"/>
+                  </a:cubicBezTo>
+                  <a:cubicBezTo>
+                    <a:pt x="4" y="29"/>
+                    <a:pt x="11" y="36"/>
+                    <a:pt x="20" y="36"/>
+                  </a:cubicBezTo>
+                  <a:cubicBezTo>
+                    <a:pt x="29" y="36"/>
+                    <a:pt x="36" y="29"/>
+                    <a:pt x="36" y="20"/>
+                  </a:cubicBezTo>
+                  <a:cubicBezTo>
+                    <a:pt x="36" y="11"/>
+                    <a:pt x="29" y="4"/>
+                    <a:pt x="20" y="4"/>
+                  </a:cubicBezTo>
+                  <a:close/>
+                </a:path>
+              </a:pathLst>
+            </a:custGeom>
+            <a:grpFill/>
+            <a:ln>
+              <a:noFill/>
+            </a:ln>
+            <a:extLst>
+              <a:ext uri="{91240B29-F687-4f45-9708-019B960494DF}">
+                <a14:hiddenLine xmlns:a14="http://schemas.microsoft.com/office/drawing/2010/main" xmlns:p14="http://schemas.microsoft.com/office/powerpoint/2010/main" xmlns:a16="http://schemas.microsoft.com/office/drawing/2014/main" xmlns="" w="9525">
+                  <a:solidFill>
+                    <a:srgbClr val="000000"/>
+                  </a:solidFill>
+                  <a:round/>
+                  <a:headEnd/>
+                  <a:tailEnd/>
+                </a14:hiddenLine>
+              </a:ext>
+            </a:extLst>
+          </p:spPr>
+        </p:sp>
+        <p:sp>
+          <p:nvSpPr>
+            <p:cNvPr id="215" name="Freeform 26">
+              <a:extLst>
+                <a:ext uri="{FF2B5EF4-FFF2-40B4-BE49-F238E27FC236}">
+                  <a16:creationId xmlns:a16="http://schemas.microsoft.com/office/drawing/2014/main" id="{32FCE9B6-FB52-4045-8DCC-E5959B9A403B}"/>
+                </a:ext>
+                <a:ext uri="{C183D7F6-B498-43B3-948B-1728B52AA6E4}">
+                  <adec:decorative xmlns:adec="http://schemas.microsoft.com/office/drawing/2017/decorative" val="1"/>
+                </a:ext>
+              </a:extLst>
+            </p:cNvPr>
+            <p:cNvSpPr/>
+            <p:nvPr>
+              <p:extLst>
+                <p:ext uri="{386F3935-93C4-4BCD-93E2-E3B085C9AB24}">
+                  <p16:designElem xmlns:p16="http://schemas.microsoft.com/office/powerpoint/2015/main" val="1"/>
+                </p:ext>
+              </p:extLst>
+            </p:nvPr>
+          </p:nvSpPr>
+          <p:spPr bwMode="auto">
+            <a:xfrm>
+              <a:off x="309562" y="5422900"/>
+              <a:ext cx="374650" cy="1425575"/>
+            </a:xfrm>
+            <a:custGeom>
+              <a:avLst/>
+              <a:gdLst/>
+              <a:ahLst/>
+              <a:cxnLst/>
+              <a:rect l="0" t="0" r="r" b="b"/>
+              <a:pathLst>
+                <a:path w="236" h="898">
+                  <a:moveTo>
+                    <a:pt x="18" y="898"/>
+                  </a:moveTo>
+                  <a:lnTo>
+                    <a:pt x="0" y="898"/>
+                  </a:lnTo>
+                  <a:lnTo>
+                    <a:pt x="0" y="515"/>
+                  </a:lnTo>
+                  <a:lnTo>
+                    <a:pt x="3" y="512"/>
+                  </a:lnTo>
+                  <a:lnTo>
+                    <a:pt x="221" y="0"/>
+                  </a:lnTo>
+                  <a:lnTo>
+                    <a:pt x="236" y="6"/>
+                  </a:lnTo>
+                  <a:lnTo>
+                    <a:pt x="18" y="518"/>
+                  </a:lnTo>
+                  <a:lnTo>
+                    <a:pt x="18" y="898"/>
+                  </a:lnTo>
+                  <a:close/>
+                </a:path>
+              </a:pathLst>
+            </a:custGeom>
+            <a:grpFill/>
+            <a:ln>
+              <a:noFill/>
+            </a:ln>
+            <a:extLst>
+              <a:ext uri="{91240B29-F687-4f45-9708-019B960494DF}">
+                <a14:hiddenLine xmlns:a14="http://schemas.microsoft.com/office/drawing/2010/main" xmlns:p14="http://schemas.microsoft.com/office/powerpoint/2010/main" xmlns:a16="http://schemas.microsoft.com/office/drawing/2014/main" xmlns="" w="9525">
+                  <a:solidFill>
+                    <a:srgbClr val="000000"/>
+                  </a:solidFill>
+                  <a:round/>
+                  <a:headEnd/>
+                  <a:tailEnd/>
+                </a14:hiddenLine>
+              </a:ext>
+            </a:extLst>
+          </p:spPr>
+        </p:sp>
+        <p:sp>
+          <p:nvSpPr>
+            <p:cNvPr id="216" name="Freeform 27">
+              <a:extLst>
+                <a:ext uri="{FF2B5EF4-FFF2-40B4-BE49-F238E27FC236}">
+                  <a16:creationId xmlns:a16="http://schemas.microsoft.com/office/drawing/2014/main" id="{E4A7025C-CDE8-429A-BBB9-E7380C962388}"/>
+                </a:ext>
+                <a:ext uri="{C183D7F6-B498-43B3-948B-1728B52AA6E4}">
+                  <adec:decorative xmlns:adec="http://schemas.microsoft.com/office/drawing/2017/decorative" val="1"/>
+                </a:ext>
+              </a:extLst>
+            </p:cNvPr>
+            <p:cNvSpPr/>
+            <p:nvPr>
+              <p:extLst>
+                <p:ext uri="{386F3935-93C4-4BCD-93E2-E3B085C9AB24}">
+                  <p16:designElem xmlns:p16="http://schemas.microsoft.com/office/powerpoint/2015/main" val="1"/>
+                </p:ext>
+              </p:extLst>
+            </p:nvPr>
+          </p:nvSpPr>
+          <p:spPr bwMode="auto">
+            <a:xfrm>
+              <a:off x="569912" y="5945188"/>
+              <a:ext cx="152400" cy="912813"/>
+            </a:xfrm>
+            <a:custGeom>
+              <a:avLst/>
+              <a:gdLst/>
+              <a:ahLst/>
+              <a:cxnLst/>
+              <a:rect l="0" t="0" r="r" b="b"/>
+              <a:pathLst>
+                <a:path w="96" h="575">
+                  <a:moveTo>
+                    <a:pt x="15" y="575"/>
+                  </a:moveTo>
+                  <a:lnTo>
+                    <a:pt x="0" y="569"/>
+                  </a:lnTo>
+                  <a:lnTo>
+                    <a:pt x="81" y="383"/>
+                  </a:lnTo>
+                  <a:lnTo>
+                    <a:pt x="81" y="0"/>
+                  </a:lnTo>
+                  <a:lnTo>
+                    <a:pt x="96" y="0"/>
+                  </a:lnTo>
+                  <a:lnTo>
+                    <a:pt x="96" y="386"/>
+                  </a:lnTo>
+                  <a:lnTo>
+                    <a:pt x="15" y="575"/>
+                  </a:lnTo>
+                  <a:close/>
+                </a:path>
+              </a:pathLst>
+            </a:custGeom>
+            <a:grpFill/>
+            <a:ln>
+              <a:noFill/>
+            </a:ln>
+            <a:extLst>
+              <a:ext uri="{91240B29-F687-4f45-9708-019B960494DF}">
+                <a14:hiddenLine xmlns:a14="http://schemas.microsoft.com/office/drawing/2010/main" xmlns:p14="http://schemas.microsoft.com/office/powerpoint/2010/main" xmlns:a16="http://schemas.microsoft.com/office/drawing/2014/main" xmlns="" w="9525">
+                  <a:solidFill>
+                    <a:srgbClr val="000000"/>
+                  </a:solidFill>
+                  <a:round/>
+                  <a:headEnd/>
+                  <a:tailEnd/>
+                </a14:hiddenLine>
+              </a:ext>
+            </a:extLst>
+          </p:spPr>
+        </p:sp>
+        <p:sp>
+          <p:nvSpPr>
+            <p:cNvPr id="217" name="Freeform 28">
+              <a:extLst>
+                <a:ext uri="{FF2B5EF4-FFF2-40B4-BE49-F238E27FC236}">
+                  <a16:creationId xmlns:a16="http://schemas.microsoft.com/office/drawing/2014/main" id="{A4EA0256-5DF5-437A-98A7-B79F3E6BB89A}"/>
+                </a:ext>
+                <a:ext uri="{C183D7F6-B498-43B3-948B-1728B52AA6E4}">
+                  <adec:decorative xmlns:adec="http://schemas.microsoft.com/office/drawing/2017/decorative" val="1"/>
+                </a:ext>
+              </a:extLst>
+            </p:cNvPr>
+            <p:cNvSpPr>
+              <a:spLocks noEditPoints="1"/>
+            </p:cNvSpPr>
+            <p:nvPr>
+              <p:extLst>
+                <p:ext uri="{386F3935-93C4-4BCD-93E2-E3B085C9AB24}">
+                  <p16:designElem xmlns:p16="http://schemas.microsoft.com/office/powerpoint/2015/main" val="1"/>
+                </p:ext>
+              </p:extLst>
+            </p:nvPr>
+          </p:nvSpPr>
+          <p:spPr bwMode="auto">
+            <a:xfrm>
+              <a:off x="612775" y="5246688"/>
+              <a:ext cx="190500" cy="190500"/>
+            </a:xfrm>
+            <a:custGeom>
+              <a:avLst/>
+              <a:gdLst/>
+              <a:ahLst/>
+              <a:cxnLst/>
+              <a:rect l="0" t="0" r="r" b="b"/>
+              <a:pathLst>
+                <a:path w="40" h="40">
+                  <a:moveTo>
+                    <a:pt x="20" y="40"/>
+                  </a:moveTo>
+                  <a:cubicBezTo>
+                    <a:pt x="9" y="40"/>
+                    <a:pt x="0" y="31"/>
+                    <a:pt x="0" y="20"/>
+                  </a:cubicBezTo>
+                  <a:cubicBezTo>
+                    <a:pt x="0" y="9"/>
+                    <a:pt x="9" y="0"/>
+                    <a:pt x="20" y="0"/>
+                  </a:cubicBezTo>
+                  <a:cubicBezTo>
+                    <a:pt x="31" y="0"/>
+                    <a:pt x="40" y="9"/>
+                    <a:pt x="40" y="20"/>
+                  </a:cubicBezTo>
+                  <a:cubicBezTo>
+                    <a:pt x="40" y="31"/>
+                    <a:pt x="31" y="40"/>
+                    <a:pt x="20" y="40"/>
+                  </a:cubicBezTo>
+                  <a:close/>
+                  <a:moveTo>
+                    <a:pt x="20" y="4"/>
+                  </a:moveTo>
+                  <a:cubicBezTo>
+                    <a:pt x="12" y="4"/>
+                    <a:pt x="4" y="11"/>
+                    <a:pt x="4" y="20"/>
+                  </a:cubicBezTo>
+                  <a:cubicBezTo>
+                    <a:pt x="4" y="29"/>
+                    <a:pt x="12" y="36"/>
+                    <a:pt x="20" y="36"/>
+                  </a:cubicBezTo>
+                  <a:cubicBezTo>
+                    <a:pt x="29" y="36"/>
+                    <a:pt x="36" y="29"/>
+                    <a:pt x="36" y="20"/>
+                  </a:cubicBezTo>
+                  <a:cubicBezTo>
+                    <a:pt x="36" y="11"/>
+                    <a:pt x="29" y="4"/>
+                    <a:pt x="20" y="4"/>
+                  </a:cubicBezTo>
+                  <a:close/>
+                </a:path>
+              </a:pathLst>
+            </a:custGeom>
+            <a:grpFill/>
+            <a:ln>
+              <a:noFill/>
+            </a:ln>
+            <a:extLst>
+              <a:ext uri="{91240B29-F687-4f45-9708-019B960494DF}">
+                <a14:hiddenLine xmlns:a14="http://schemas.microsoft.com/office/drawing/2010/main" xmlns:p14="http://schemas.microsoft.com/office/powerpoint/2010/main" xmlns:a16="http://schemas.microsoft.com/office/drawing/2014/main" xmlns="" w="9525">
+                  <a:solidFill>
+                    <a:srgbClr val="000000"/>
+                  </a:solidFill>
+                  <a:round/>
+                  <a:headEnd/>
+                  <a:tailEnd/>
+                </a14:hiddenLine>
+              </a:ext>
+            </a:extLst>
+          </p:spPr>
+        </p:sp>
+        <p:sp>
+          <p:nvSpPr>
+            <p:cNvPr id="218" name="Freeform 29">
+              <a:extLst>
+                <a:ext uri="{FF2B5EF4-FFF2-40B4-BE49-F238E27FC236}">
+                  <a16:creationId xmlns:a16="http://schemas.microsoft.com/office/drawing/2014/main" id="{90C9433D-9E1C-493B-BEBD-C3081FFA328F}"/>
+                </a:ext>
+                <a:ext uri="{C183D7F6-B498-43B3-948B-1728B52AA6E4}">
+                  <adec:decorative xmlns:adec="http://schemas.microsoft.com/office/drawing/2017/decorative" val="1"/>
+                </a:ext>
+              </a:extLst>
+            </p:cNvPr>
+            <p:cNvSpPr>
+              <a:spLocks noEditPoints="1"/>
+            </p:cNvSpPr>
+            <p:nvPr>
+              <p:extLst>
+                <p:ext uri="{386F3935-93C4-4BCD-93E2-E3B085C9AB24}">
+                  <p16:designElem xmlns:p16="http://schemas.microsoft.com/office/powerpoint/2015/main" val="1"/>
+                </p:ext>
+              </p:extLst>
+            </p:nvPr>
+          </p:nvSpPr>
+          <p:spPr bwMode="auto">
+            <a:xfrm>
+              <a:off x="612775" y="5764213"/>
+              <a:ext cx="190500" cy="190500"/>
+            </a:xfrm>
+            <a:custGeom>
+              <a:avLst/>
+              <a:gdLst/>
+              <a:ahLst/>
+              <a:cxnLst/>
+              <a:rect l="0" t="0" r="r" b="b"/>
+              <a:pathLst>
+                <a:path w="40" h="40">
+                  <a:moveTo>
+                    <a:pt x="20" y="40"/>
+                  </a:moveTo>
+                  <a:cubicBezTo>
+                    <a:pt x="9" y="40"/>
+                    <a:pt x="0" y="31"/>
+                    <a:pt x="0" y="20"/>
+                  </a:cubicBezTo>
+                  <a:cubicBezTo>
+                    <a:pt x="0" y="9"/>
+                    <a:pt x="9" y="0"/>
+                    <a:pt x="20" y="0"/>
+                  </a:cubicBezTo>
+                  <a:cubicBezTo>
+                    <a:pt x="31" y="0"/>
+                    <a:pt x="40" y="9"/>
+                    <a:pt x="40" y="20"/>
+                  </a:cubicBezTo>
+                  <a:cubicBezTo>
+                    <a:pt x="40" y="31"/>
+                    <a:pt x="31" y="40"/>
+                    <a:pt x="20" y="40"/>
+                  </a:cubicBezTo>
+                  <a:close/>
+                  <a:moveTo>
+                    <a:pt x="20" y="4"/>
+                  </a:moveTo>
+                  <a:cubicBezTo>
+                    <a:pt x="12" y="4"/>
+                    <a:pt x="4" y="11"/>
+                    <a:pt x="4" y="20"/>
+                  </a:cubicBezTo>
+                  <a:cubicBezTo>
+                    <a:pt x="4" y="29"/>
+                    <a:pt x="12" y="36"/>
+                    <a:pt x="20" y="36"/>
+                  </a:cubicBezTo>
+                  <a:cubicBezTo>
+                    <a:pt x="29" y="36"/>
+                    <a:pt x="36" y="29"/>
+                    <a:pt x="36" y="20"/>
+                  </a:cubicBezTo>
+                  <a:cubicBezTo>
+                    <a:pt x="36" y="11"/>
+                    <a:pt x="29" y="4"/>
+                    <a:pt x="20" y="4"/>
+                  </a:cubicBezTo>
+                  <a:close/>
+                </a:path>
+              </a:pathLst>
+            </a:custGeom>
+            <a:grpFill/>
+            <a:ln>
+              <a:noFill/>
+            </a:ln>
+            <a:extLst>
+              <a:ext uri="{91240B29-F687-4f45-9708-019B960494DF}">
+                <a14:hiddenLine xmlns:a14="http://schemas.microsoft.com/office/drawing/2010/main" xmlns:p14="http://schemas.microsoft.com/office/powerpoint/2010/main" xmlns:a16="http://schemas.microsoft.com/office/drawing/2014/main" xmlns="" w="9525">
+                  <a:solidFill>
+                    <a:srgbClr val="000000"/>
+                  </a:solidFill>
+                  <a:round/>
+                  <a:headEnd/>
+                  <a:tailEnd/>
+                </a14:hiddenLine>
+              </a:ext>
+            </a:extLst>
+          </p:spPr>
+        </p:sp>
+        <p:sp>
+          <p:nvSpPr>
+            <p:cNvPr id="219" name="Freeform 30">
+              <a:extLst>
+                <a:ext uri="{FF2B5EF4-FFF2-40B4-BE49-F238E27FC236}">
+                  <a16:creationId xmlns:a16="http://schemas.microsoft.com/office/drawing/2014/main" id="{352B39BB-F298-4285-A709-1FBA0CB722C9}"/>
+                </a:ext>
+                <a:ext uri="{C183D7F6-B498-43B3-948B-1728B52AA6E4}">
+                  <adec:decorative xmlns:adec="http://schemas.microsoft.com/office/drawing/2017/decorative" val="1"/>
+                </a:ext>
+              </a:extLst>
+            </p:cNvPr>
+            <p:cNvSpPr/>
+            <p:nvPr>
+              <p:extLst>
+                <p:ext uri="{386F3935-93C4-4BCD-93E2-E3B085C9AB24}">
+                  <p16:designElem xmlns:p16="http://schemas.microsoft.com/office/powerpoint/2015/main" val="1"/>
+                </p:ext>
+              </p:extLst>
+            </p:nvPr>
+          </p:nvSpPr>
+          <p:spPr bwMode="auto">
+            <a:xfrm>
+              <a:off x="669925" y="6330950"/>
+              <a:ext cx="417513" cy="517525"/>
+            </a:xfrm>
+            <a:custGeom>
+              <a:avLst/>
+              <a:gdLst/>
+              <a:ahLst/>
+              <a:cxnLst/>
+              <a:rect l="0" t="0" r="r" b="b"/>
+              <a:pathLst>
+                <a:path w="263" h="326">
+                  <a:moveTo>
+                    <a:pt x="15" y="326"/>
+                  </a:moveTo>
+                  <a:lnTo>
+                    <a:pt x="0" y="320"/>
+                  </a:lnTo>
+                  <a:lnTo>
+                    <a:pt x="45" y="206"/>
+                  </a:lnTo>
+                  <a:lnTo>
+                    <a:pt x="48" y="206"/>
+                  </a:lnTo>
+                  <a:lnTo>
+                    <a:pt x="254" y="0"/>
+                  </a:lnTo>
+                  <a:lnTo>
+                    <a:pt x="263" y="12"/>
+                  </a:lnTo>
+                  <a:lnTo>
+                    <a:pt x="60" y="215"/>
+                  </a:lnTo>
+                  <a:lnTo>
+                    <a:pt x="15" y="326"/>
+                  </a:lnTo>
+                  <a:close/>
+                </a:path>
+              </a:pathLst>
+            </a:custGeom>
+            <a:grpFill/>
+            <a:ln>
+              <a:noFill/>
+            </a:ln>
+            <a:extLst>
+              <a:ext uri="{91240B29-F687-4f45-9708-019B960494DF}">
+                <a14:hiddenLine xmlns:a14="http://schemas.microsoft.com/office/drawing/2010/main" xmlns:p14="http://schemas.microsoft.com/office/powerpoint/2010/main" xmlns:a16="http://schemas.microsoft.com/office/drawing/2014/main" xmlns="" w="9525">
+                  <a:solidFill>
+                    <a:srgbClr val="000000"/>
+                  </a:solidFill>
+                  <a:round/>
+                  <a:headEnd/>
+                  <a:tailEnd/>
+                </a14:hiddenLine>
+              </a:ext>
+            </a:extLst>
+          </p:spPr>
+        </p:sp>
+        <p:sp>
+          <p:nvSpPr>
+            <p:cNvPr id="220" name="Freeform 31">
+              <a:extLst>
+                <a:ext uri="{FF2B5EF4-FFF2-40B4-BE49-F238E27FC236}">
+                  <a16:creationId xmlns:a16="http://schemas.microsoft.com/office/drawing/2014/main" id="{31CAF2A0-CBA0-4E86-AA87-8750EC1AFB2E}"/>
+                </a:ext>
+                <a:ext uri="{C183D7F6-B498-43B3-948B-1728B52AA6E4}">
+                  <adec:decorative xmlns:adec="http://schemas.microsoft.com/office/drawing/2017/decorative" val="1"/>
+                </a:ext>
+              </a:extLst>
+            </p:cNvPr>
+            <p:cNvSpPr>
+              <a:spLocks noEditPoints="1"/>
+            </p:cNvSpPr>
+            <p:nvPr>
+              <p:extLst>
+                <p:ext uri="{386F3935-93C4-4BCD-93E2-E3B085C9AB24}">
+                  <p16:designElem xmlns:p16="http://schemas.microsoft.com/office/powerpoint/2015/main" val="1"/>
+                </p:ext>
+              </p:extLst>
+            </p:nvPr>
+          </p:nvSpPr>
+          <p:spPr bwMode="auto">
+            <a:xfrm>
+              <a:off x="1049337" y="6221413"/>
+              <a:ext cx="157163" cy="147638"/>
+            </a:xfrm>
+            <a:custGeom>
+              <a:avLst/>
+              <a:gdLst/>
+              <a:ahLst/>
+              <a:cxnLst/>
+              <a:rect l="0" t="0" r="r" b="b"/>
+              <a:pathLst>
+                <a:path w="33" h="31">
+                  <a:moveTo>
+                    <a:pt x="16" y="31"/>
+                  </a:moveTo>
+                  <a:cubicBezTo>
+                    <a:pt x="12" y="31"/>
+                    <a:pt x="8" y="29"/>
+                    <a:pt x="5" y="26"/>
+                  </a:cubicBezTo>
+                  <a:cubicBezTo>
+                    <a:pt x="2" y="24"/>
+                    <a:pt x="0" y="20"/>
+                    <a:pt x="0" y="15"/>
+                  </a:cubicBezTo>
+                  <a:cubicBezTo>
+                    <a:pt x="0" y="11"/>
+                    <a:pt x="2" y="7"/>
+                    <a:pt x="5" y="4"/>
+                  </a:cubicBezTo>
+                  <a:cubicBezTo>
+                    <a:pt x="8" y="1"/>
+                    <a:pt x="12" y="0"/>
+                    <a:pt x="16" y="0"/>
+                  </a:cubicBezTo>
+                  <a:cubicBezTo>
+                    <a:pt x="20" y="0"/>
+                    <a:pt x="24" y="1"/>
+                    <a:pt x="27" y="4"/>
+                  </a:cubicBezTo>
+                  <a:cubicBezTo>
+                    <a:pt x="33" y="10"/>
+                    <a:pt x="33" y="20"/>
+                    <a:pt x="27" y="26"/>
+                  </a:cubicBezTo>
+                  <a:cubicBezTo>
+                    <a:pt x="24" y="29"/>
+                    <a:pt x="20" y="31"/>
+                    <a:pt x="16" y="31"/>
+                  </a:cubicBezTo>
+                  <a:close/>
+                  <a:moveTo>
+                    <a:pt x="16" y="4"/>
+                  </a:moveTo>
+                  <a:cubicBezTo>
+                    <a:pt x="13" y="4"/>
+                    <a:pt x="10" y="5"/>
+                    <a:pt x="8" y="7"/>
+                  </a:cubicBezTo>
+                  <a:cubicBezTo>
+                    <a:pt x="6" y="9"/>
+                    <a:pt x="4" y="12"/>
+                    <a:pt x="4" y="15"/>
+                  </a:cubicBezTo>
+                  <a:cubicBezTo>
+                    <a:pt x="4" y="19"/>
+                    <a:pt x="6" y="21"/>
+                    <a:pt x="8" y="24"/>
+                  </a:cubicBezTo>
+                  <a:cubicBezTo>
+                    <a:pt x="10" y="26"/>
+                    <a:pt x="13" y="27"/>
+                    <a:pt x="16" y="27"/>
+                  </a:cubicBezTo>
+                  <a:cubicBezTo>
+                    <a:pt x="19" y="27"/>
+                    <a:pt x="22" y="26"/>
+                    <a:pt x="24" y="24"/>
+                  </a:cubicBezTo>
+                  <a:cubicBezTo>
+                    <a:pt x="29" y="19"/>
+                    <a:pt x="29" y="12"/>
+                    <a:pt x="24" y="7"/>
+                  </a:cubicBezTo>
+                  <a:cubicBezTo>
+                    <a:pt x="22" y="5"/>
+                    <a:pt x="19" y="4"/>
+                    <a:pt x="16" y="4"/>
+                  </a:cubicBezTo>
+                  <a:close/>
+                </a:path>
+              </a:pathLst>
+            </a:custGeom>
+            <a:grpFill/>
+            <a:ln>
+              <a:noFill/>
+            </a:ln>
+            <a:extLst>
+              <a:ext uri="{91240B29-F687-4f45-9708-019B960494DF}">
+                <a14:hiddenLine xmlns:a14="http://schemas.microsoft.com/office/drawing/2010/main" xmlns:p14="http://schemas.microsoft.com/office/powerpoint/2010/main" xmlns:a16="http://schemas.microsoft.com/office/drawing/2014/main" xmlns="" w="9525">
+                  <a:solidFill>
+                    <a:srgbClr val="000000"/>
+                  </a:solidFill>
+                  <a:round/>
+                  <a:headEnd/>
+                  <a:tailEnd/>
+                </a14:hiddenLine>
+              </a:ext>
+            </a:extLst>
+          </p:spPr>
+        </p:sp>
+      </p:grpSp>
+      <p:sp useBgFill="1">
+        <p:nvSpPr>
+          <p:cNvPr id="222" name="Round Diagonal Corner Rectangle 7">
+            <a:extLst>
+              <a:ext uri="{FF2B5EF4-FFF2-40B4-BE49-F238E27FC236}">
+                <a16:creationId xmlns:a16="http://schemas.microsoft.com/office/drawing/2014/main" id="{7D1C411D-0818-4640-8657-2AF78250C802}"/>
+              </a:ext>
+              <a:ext uri="{C183D7F6-B498-43B3-948B-1728B52AA6E4}">
+                <adec:decorative xmlns:adec="http://schemas.microsoft.com/office/drawing/2017/decorative" val="1"/>
+              </a:ext>
+            </a:extLst>
+          </p:cNvPr>
+          <p:cNvSpPr>
+            <a:spLocks noGrp="1" noRot="1" noChangeAspect="1" noMove="1" noResize="1" noEditPoints="1" noAdjustHandles="1" noChangeArrowheads="1" noChangeShapeType="1" noTextEdit="1"/>
+          </p:cNvSpPr>
+          <p:nvPr>
+            <p:extLst>
+              <p:ext uri="{386F3935-93C4-4BCD-93E2-E3B085C9AB24}">
+                <p16:designElem xmlns:p16="http://schemas.microsoft.com/office/powerpoint/2015/main" val="1"/>
+              </p:ext>
+            </p:extLst>
+          </p:nvPr>
+        </p:nvSpPr>
+        <p:spPr>
+          <a:xfrm>
+            <a:off x="4625084" y="0"/>
+            <a:ext cx="7566916" cy="6848476"/>
+          </a:xfrm>
+          <a:prstGeom prst="round2DiagRect">
+            <a:avLst>
+              <a:gd name="adj1" fmla="val 0"/>
+              <a:gd name="adj2" fmla="val 0"/>
+            </a:avLst>
+          </a:prstGeom>
+          <a:ln w="19050" cap="sq">
+            <a:noFill/>
+            <a:miter lim="800000"/>
+          </a:ln>
+          <a:effectLst/>
+        </p:spPr>
+        <p:style>
+          <a:lnRef idx="1">
+            <a:schemeClr val="accent1"/>
+          </a:lnRef>
+          <a:fillRef idx="3">
+            <a:schemeClr val="accent1"/>
+          </a:fillRef>
+          <a:effectRef idx="2">
+            <a:schemeClr val="accent1"/>
+          </a:effectRef>
+          <a:fontRef idx="minor">
+            <a:schemeClr val="lt1"/>
+          </a:fontRef>
+        </p:style>
+        <p:txBody>
+          <a:bodyPr rtlCol="0" anchor="ctr"/>
+          <a:lstStyle/>
+          <a:p>
+            <a:pPr algn="ctr"/>
+            <a:endParaRPr lang="en-US"/>
+          </a:p>
+        </p:txBody>
+      </p:sp>
+      <p:pic>
+        <p:nvPicPr>
+          <p:cNvPr id="7" name="Segnaposto contenuto 6" descr="Immagine che contiene mappa&#10;&#10;Descrizione generata automaticamente">
+            <a:extLst>
+              <a:ext uri="{FF2B5EF4-FFF2-40B4-BE49-F238E27FC236}">
+                <a16:creationId xmlns:a16="http://schemas.microsoft.com/office/drawing/2014/main" id="{2F7AB199-0DA6-4B18-A94E-AABEDC33B8BC}"/>
+              </a:ext>
+            </a:extLst>
+          </p:cNvPr>
+          <p:cNvPicPr>
+            <a:picLocks noGrp="1" noChangeAspect="1"/>
+          </p:cNvPicPr>
+          <p:nvPr>
+            <p:ph idx="1"/>
+          </p:nvPr>
+        </p:nvPicPr>
+        <p:blipFill>
+          <a:blip r:embed="rId2">
+            <a:extLst>
+              <a:ext uri="{28A0092B-C50C-407E-A947-70E740481C1C}">
+                <a14:useLocalDpi xmlns:a14="http://schemas.microsoft.com/office/drawing/2010/main" val="0"/>
+              </a:ext>
+            </a:extLst>
+          </a:blip>
+          <a:stretch>
+            <a:fillRect/>
+          </a:stretch>
+        </p:blipFill>
+        <p:spPr>
+          <a:xfrm>
+            <a:off x="4834633" y="1529572"/>
+            <a:ext cx="7176754" cy="4040155"/>
+          </a:xfrm>
+        </p:spPr>
+      </p:pic>
+      <p:sp>
+        <p:nvSpPr>
+          <p:cNvPr id="34" name="Titolo 1">
+            <a:extLst>
+              <a:ext uri="{FF2B5EF4-FFF2-40B4-BE49-F238E27FC236}">
+                <a16:creationId xmlns:a16="http://schemas.microsoft.com/office/drawing/2014/main" id="{72C0091B-0377-4A53-81EE-20560724D58E}"/>
+              </a:ext>
+            </a:extLst>
+          </p:cNvPr>
+          <p:cNvSpPr>
+            <a:spLocks noGrp="1"/>
+          </p:cNvSpPr>
+          <p:nvPr>
+            <p:ph type="title"/>
+          </p:nvPr>
+        </p:nvSpPr>
+        <p:spPr>
+          <a:xfrm>
+            <a:off x="794397" y="2845820"/>
+            <a:ext cx="3059969" cy="1193348"/>
+          </a:xfrm>
+        </p:spPr>
+        <p:txBody>
+          <a:bodyPr>
+            <a:normAutofit/>
+          </a:bodyPr>
+          <a:lstStyle/>
+          <a:p>
+            <a:pPr algn="ctr"/>
+            <a:r>
+              <a:rPr lang="it-IT" dirty="0"/>
+              <a:t>DEMO</a:t>
+            </a:r>
+          </a:p>
+        </p:txBody>
+      </p:sp>
+    </p:spTree>
+    <p:extLst>
+      <p:ext uri="{BB962C8B-B14F-4D97-AF65-F5344CB8AC3E}">
+        <p14:creationId xmlns:p14="http://schemas.microsoft.com/office/powerpoint/2010/main" val="4067222719"/>
+      </p:ext>
+    </p:extLst>
+  </p:cSld>
+  <p:clrMapOvr>
+    <a:masterClrMapping/>
+  </p:clrMapOvr>
+</p:sld>
+</file>
+
+<file path=ppt/slides/slide6.xml><?xml version="1.0" encoding="utf-8"?>
+<p:sld xmlns:a="http://schemas.openxmlformats.org/drawingml/2006/main" xmlns:r="http://schemas.openxmlformats.org/officeDocument/2006/relationships" xmlns:p="http://schemas.openxmlformats.org/presentationml/2006/main">
+  <p:cSld>
+    <p:bg>
+      <p:bgPr>
+        <a:solidFill>
+          <a:schemeClr val="bg2"/>
+        </a:solidFill>
+        <a:effectLst/>
+      </p:bgPr>
+    </p:bg>
+    <p:spTree>
+      <p:nvGrpSpPr>
+        <p:cNvPr id="1" name=""/>
+        <p:cNvGrpSpPr/>
+        <p:nvPr/>
+      </p:nvGrpSpPr>
+      <p:grpSpPr>
+        <a:xfrm>
+          <a:off x="0" y="0"/>
+          <a:ext cx="0" cy="0"/>
+          <a:chOff x="0" y="0"/>
+          <a:chExt cx="0" cy="0"/>
+        </a:xfrm>
+      </p:grpSpPr>
+      <p:sp>
+        <p:nvSpPr>
           <p:cNvPr id="8" name="Rectangle 7">
             <a:extLst>
               <a:ext uri="{FF2B5EF4-FFF2-40B4-BE49-F238E27FC236}">
@@ -21326,7 +23981,7 @@
             </a:ln>
             <a:extLst>
               <a:ext uri="{91240B29-F687-4f45-9708-019B960494DF}">
-                <a14:hiddenLine xmlns="" xmlns:a16="http://schemas.microsoft.com/office/drawing/2014/main" xmlns:p14="http://schemas.microsoft.com/office/powerpoint/2010/main" xmlns:a14="http://schemas.microsoft.com/office/drawing/2010/main" w="9525">
+                <a14:hiddenLine xmlns:a14="http://schemas.microsoft.com/office/drawing/2010/main" xmlns:p14="http://schemas.microsoft.com/office/powerpoint/2010/main" xmlns:a16="http://schemas.microsoft.com/office/drawing/2014/main" xmlns="" w="9525">
                   <a:solidFill>
                     <a:srgbClr val="000000"/>
                   </a:solidFill>
@@ -21431,7 +24086,7 @@
             </a:ln>
             <a:extLst>
               <a:ext uri="{91240B29-F687-4f45-9708-019B960494DF}">
-                <a14:hiddenLine xmlns="" xmlns:a16="http://schemas.microsoft.com/office/drawing/2014/main" xmlns:p14="http://schemas.microsoft.com/office/powerpoint/2010/main" xmlns:a14="http://schemas.microsoft.com/office/drawing/2010/main" w="9525">
+                <a14:hiddenLine xmlns:a14="http://schemas.microsoft.com/office/drawing/2010/main" xmlns:p14="http://schemas.microsoft.com/office/powerpoint/2010/main" xmlns:a16="http://schemas.microsoft.com/office/drawing/2014/main" xmlns="" w="9525">
                   <a:solidFill>
                     <a:srgbClr val="000000"/>
                   </a:solidFill>
@@ -21536,7 +24191,7 @@
             </a:ln>
             <a:extLst>
               <a:ext uri="{91240B29-F687-4f45-9708-019B960494DF}">
-                <a14:hiddenLine xmlns="" xmlns:a16="http://schemas.microsoft.com/office/drawing/2014/main" xmlns:p14="http://schemas.microsoft.com/office/powerpoint/2010/main" xmlns:a14="http://schemas.microsoft.com/office/drawing/2010/main" w="9525">
+                <a14:hiddenLine xmlns:a14="http://schemas.microsoft.com/office/drawing/2010/main" xmlns:p14="http://schemas.microsoft.com/office/powerpoint/2010/main" xmlns:a16="http://schemas.microsoft.com/office/drawing/2014/main" xmlns="" w="9525">
                   <a:solidFill>
                     <a:srgbClr val="000000"/>
                   </a:solidFill>
@@ -21613,7 +24268,7 @@
             </a:ln>
             <a:extLst>
               <a:ext uri="{91240B29-F687-4f45-9708-019B960494DF}">
-                <a14:hiddenLine xmlns="" xmlns:a16="http://schemas.microsoft.com/office/drawing/2014/main" xmlns:p14="http://schemas.microsoft.com/office/powerpoint/2010/main" xmlns:a14="http://schemas.microsoft.com/office/drawing/2010/main" w="9525">
+                <a14:hiddenLine xmlns:a14="http://schemas.microsoft.com/office/drawing/2010/main" xmlns:p14="http://schemas.microsoft.com/office/powerpoint/2010/main" xmlns:a16="http://schemas.microsoft.com/office/drawing/2014/main" xmlns="" w="9525">
                   <a:solidFill>
                     <a:srgbClr val="000000"/>
                   </a:solidFill>
@@ -21718,7 +24373,7 @@
             </a:ln>
             <a:extLst>
               <a:ext uri="{91240B29-F687-4f45-9708-019B960494DF}">
-                <a14:hiddenLine xmlns="" xmlns:a16="http://schemas.microsoft.com/office/drawing/2014/main" xmlns:p14="http://schemas.microsoft.com/office/powerpoint/2010/main" xmlns:a14="http://schemas.microsoft.com/office/drawing/2010/main" w="9525">
+                <a14:hiddenLine xmlns:a14="http://schemas.microsoft.com/office/drawing/2010/main" xmlns:p14="http://schemas.microsoft.com/office/powerpoint/2010/main" xmlns:a16="http://schemas.microsoft.com/office/drawing/2014/main" xmlns="" w="9525">
                   <a:solidFill>
                     <a:srgbClr val="000000"/>
                   </a:solidFill>
@@ -21795,7 +24450,7 @@
             </a:ln>
             <a:extLst>
               <a:ext uri="{91240B29-F687-4f45-9708-019B960494DF}">
-                <a14:hiddenLine xmlns="" xmlns:a16="http://schemas.microsoft.com/office/drawing/2014/main" xmlns:p14="http://schemas.microsoft.com/office/powerpoint/2010/main" xmlns:a14="http://schemas.microsoft.com/office/drawing/2010/main" w="9525">
+                <a14:hiddenLine xmlns:a14="http://schemas.microsoft.com/office/drawing/2010/main" xmlns:p14="http://schemas.microsoft.com/office/powerpoint/2010/main" xmlns:a16="http://schemas.microsoft.com/office/drawing/2014/main" xmlns="" w="9525">
                   <a:solidFill>
                     <a:srgbClr val="000000"/>
                   </a:solidFill>
@@ -21872,7 +24527,7 @@
             </a:ln>
             <a:extLst>
               <a:ext uri="{91240B29-F687-4f45-9708-019B960494DF}">
-                <a14:hiddenLine xmlns="" xmlns:a16="http://schemas.microsoft.com/office/drawing/2014/main" xmlns:p14="http://schemas.microsoft.com/office/powerpoint/2010/main" xmlns:a14="http://schemas.microsoft.com/office/drawing/2010/main" w="9525">
+                <a14:hiddenLine xmlns:a14="http://schemas.microsoft.com/office/drawing/2010/main" xmlns:p14="http://schemas.microsoft.com/office/powerpoint/2010/main" xmlns:a16="http://schemas.microsoft.com/office/drawing/2014/main" xmlns="" w="9525">
                   <a:solidFill>
                     <a:srgbClr val="000000"/>
                   </a:solidFill>
@@ -21977,7 +24632,7 @@
             </a:ln>
             <a:extLst>
               <a:ext uri="{91240B29-F687-4f45-9708-019B960494DF}">
-                <a14:hiddenLine xmlns="" xmlns:a16="http://schemas.microsoft.com/office/drawing/2014/main" xmlns:p14="http://schemas.microsoft.com/office/powerpoint/2010/main" xmlns:a14="http://schemas.microsoft.com/office/drawing/2010/main" w="9525">
+                <a14:hiddenLine xmlns:a14="http://schemas.microsoft.com/office/drawing/2010/main" xmlns:p14="http://schemas.microsoft.com/office/powerpoint/2010/main" xmlns:a16="http://schemas.microsoft.com/office/drawing/2014/main" xmlns="" w="9525">
                   <a:solidFill>
                     <a:srgbClr val="000000"/>
                   </a:solidFill>
@@ -22082,7 +24737,7 @@
             </a:ln>
             <a:extLst>
               <a:ext uri="{91240B29-F687-4f45-9708-019B960494DF}">
-                <a14:hiddenLine xmlns="" xmlns:a16="http://schemas.microsoft.com/office/drawing/2014/main" xmlns:p14="http://schemas.microsoft.com/office/powerpoint/2010/main" xmlns:a14="http://schemas.microsoft.com/office/drawing/2010/main" w="9525">
+                <a14:hiddenLine xmlns:a14="http://schemas.microsoft.com/office/drawing/2010/main" xmlns:p14="http://schemas.microsoft.com/office/powerpoint/2010/main" xmlns:a16="http://schemas.microsoft.com/office/drawing/2014/main" xmlns="" w="9525">
                   <a:solidFill>
                     <a:srgbClr val="000000"/>
                   </a:solidFill>
@@ -22159,7 +24814,7 @@
             </a:ln>
             <a:extLst>
               <a:ext uri="{91240B29-F687-4f45-9708-019B960494DF}">
-                <a14:hiddenLine xmlns="" xmlns:a16="http://schemas.microsoft.com/office/drawing/2014/main" xmlns:p14="http://schemas.microsoft.com/office/powerpoint/2010/main" xmlns:a14="http://schemas.microsoft.com/office/drawing/2010/main" w="9525">
+                <a14:hiddenLine xmlns:a14="http://schemas.microsoft.com/office/drawing/2010/main" xmlns:p14="http://schemas.microsoft.com/office/powerpoint/2010/main" xmlns:a16="http://schemas.microsoft.com/office/drawing/2014/main" xmlns="" w="9525">
                   <a:solidFill>
                     <a:srgbClr val="000000"/>
                   </a:solidFill>
@@ -22284,7 +24939,7 @@
             </a:ln>
             <a:extLst>
               <a:ext uri="{91240B29-F687-4f45-9708-019B960494DF}">
-                <a14:hiddenLine xmlns="" xmlns:a16="http://schemas.microsoft.com/office/drawing/2014/main" xmlns:p14="http://schemas.microsoft.com/office/powerpoint/2010/main" xmlns:a14="http://schemas.microsoft.com/office/drawing/2010/main" w="9525">
+                <a14:hiddenLine xmlns:a14="http://schemas.microsoft.com/office/drawing/2010/main" xmlns:p14="http://schemas.microsoft.com/office/powerpoint/2010/main" xmlns:a16="http://schemas.microsoft.com/office/drawing/2014/main" xmlns="" w="9525">
                   <a:solidFill>
                     <a:srgbClr val="000000"/>
                   </a:solidFill>
@@ -22398,7 +25053,7 @@
             </a:ln>
             <a:extLst>
               <a:ext uri="{91240B29-F687-4f45-9708-019B960494DF}">
-                <a14:hiddenLine xmlns="" xmlns:a16="http://schemas.microsoft.com/office/drawing/2014/main" xmlns:p14="http://schemas.microsoft.com/office/powerpoint/2010/main" xmlns:a14="http://schemas.microsoft.com/office/drawing/2010/main" w="9525">
+                <a14:hiddenLine xmlns:a14="http://schemas.microsoft.com/office/drawing/2010/main" xmlns:p14="http://schemas.microsoft.com/office/powerpoint/2010/main" xmlns:a16="http://schemas.microsoft.com/office/drawing/2014/main" xmlns="" w="9525">
                   <a:solidFill>
                     <a:srgbClr val="000000"/>
                   </a:solidFill>
@@ -22475,7 +25130,7 @@
             </a:ln>
             <a:extLst>
               <a:ext uri="{91240B29-F687-4f45-9708-019B960494DF}">
-                <a14:hiddenLine xmlns="" xmlns:a16="http://schemas.microsoft.com/office/drawing/2014/main" xmlns:p14="http://schemas.microsoft.com/office/powerpoint/2010/main" xmlns:a14="http://schemas.microsoft.com/office/drawing/2010/main" w="9525">
+                <a14:hiddenLine xmlns:a14="http://schemas.microsoft.com/office/drawing/2010/main" xmlns:p14="http://schemas.microsoft.com/office/powerpoint/2010/main" xmlns:a16="http://schemas.microsoft.com/office/drawing/2014/main" xmlns="" w="9525">
                   <a:solidFill>
                     <a:srgbClr val="000000"/>
                   </a:solidFill>
@@ -22552,7 +25207,7 @@
             </a:ln>
             <a:extLst>
               <a:ext uri="{91240B29-F687-4f45-9708-019B960494DF}">
-                <a14:hiddenLine xmlns="" xmlns:a16="http://schemas.microsoft.com/office/drawing/2014/main" xmlns:p14="http://schemas.microsoft.com/office/powerpoint/2010/main" xmlns:a14="http://schemas.microsoft.com/office/drawing/2010/main" w="9525">
+                <a14:hiddenLine xmlns:a14="http://schemas.microsoft.com/office/drawing/2010/main" xmlns:p14="http://schemas.microsoft.com/office/powerpoint/2010/main" xmlns:a16="http://schemas.microsoft.com/office/drawing/2014/main" xmlns="" w="9525">
                   <a:solidFill>
                     <a:srgbClr val="000000"/>
                   </a:solidFill>
@@ -22657,7 +25312,7 @@
             </a:ln>
             <a:extLst>
               <a:ext uri="{91240B29-F687-4f45-9708-019B960494DF}">
-                <a14:hiddenLine xmlns="" xmlns:a16="http://schemas.microsoft.com/office/drawing/2014/main" xmlns:p14="http://schemas.microsoft.com/office/powerpoint/2010/main" xmlns:a14="http://schemas.microsoft.com/office/drawing/2010/main" w="9525">
+                <a14:hiddenLine xmlns:a14="http://schemas.microsoft.com/office/drawing/2010/main" xmlns:p14="http://schemas.microsoft.com/office/powerpoint/2010/main" xmlns:a16="http://schemas.microsoft.com/office/drawing/2014/main" xmlns="" w="9525">
                   <a:solidFill>
                     <a:srgbClr val="000000"/>
                   </a:solidFill>
@@ -22706,7 +25361,7 @@
             </a:ln>
             <a:extLst>
               <a:ext uri="{91240B29-F687-4f45-9708-019B960494DF}">
-                <a14:hiddenLine xmlns="" xmlns:a16="http://schemas.microsoft.com/office/drawing/2014/main" xmlns:p14="http://schemas.microsoft.com/office/powerpoint/2010/main" xmlns:a14="http://schemas.microsoft.com/office/drawing/2010/main" w="9525">
+                <a14:hiddenLine xmlns:a14="http://schemas.microsoft.com/office/drawing/2010/main" xmlns:p14="http://schemas.microsoft.com/office/powerpoint/2010/main" xmlns:a16="http://schemas.microsoft.com/office/drawing/2014/main" xmlns="" w="9525">
                   <a:solidFill>
                     <a:srgbClr val="000000"/>
                   </a:solidFill>
@@ -22786,7 +25441,7 @@
             </a:ln>
             <a:extLst>
               <a:ext uri="{91240B29-F687-4f45-9708-019B960494DF}">
-                <a14:hiddenLine xmlns="" xmlns:a16="http://schemas.microsoft.com/office/drawing/2014/main" xmlns:p14="http://schemas.microsoft.com/office/powerpoint/2010/main" xmlns:a14="http://schemas.microsoft.com/office/drawing/2010/main" w="9525">
+                <a14:hiddenLine xmlns:a14="http://schemas.microsoft.com/office/drawing/2010/main" xmlns:p14="http://schemas.microsoft.com/office/powerpoint/2010/main" xmlns:a16="http://schemas.microsoft.com/office/drawing/2014/main" xmlns="" w="9525">
                   <a:solidFill>
                     <a:srgbClr val="000000"/>
                   </a:solidFill>
@@ -22891,7 +25546,7 @@
             </a:ln>
             <a:extLst>
               <a:ext uri="{91240B29-F687-4f45-9708-019B960494DF}">
-                <a14:hiddenLine xmlns="" xmlns:a16="http://schemas.microsoft.com/office/drawing/2014/main" xmlns:p14="http://schemas.microsoft.com/office/powerpoint/2010/main" xmlns:a14="http://schemas.microsoft.com/office/drawing/2010/main" w="9525">
+                <a14:hiddenLine xmlns:a14="http://schemas.microsoft.com/office/drawing/2010/main" xmlns:p14="http://schemas.microsoft.com/office/powerpoint/2010/main" xmlns:a16="http://schemas.microsoft.com/office/drawing/2014/main" xmlns="" w="9525">
                   <a:solidFill>
                     <a:srgbClr val="000000"/>
                   </a:solidFill>
@@ -22968,7 +25623,7 @@
             </a:ln>
             <a:extLst>
               <a:ext uri="{91240B29-F687-4f45-9708-019B960494DF}">
-                <a14:hiddenLine xmlns="" xmlns:a16="http://schemas.microsoft.com/office/drawing/2014/main" xmlns:p14="http://schemas.microsoft.com/office/powerpoint/2010/main" xmlns:a14="http://schemas.microsoft.com/office/drawing/2010/main" w="9525">
+                <a14:hiddenLine xmlns:a14="http://schemas.microsoft.com/office/drawing/2010/main" xmlns:p14="http://schemas.microsoft.com/office/powerpoint/2010/main" xmlns:a16="http://schemas.microsoft.com/office/drawing/2014/main" xmlns="" w="9525">
                   <a:solidFill>
                     <a:srgbClr val="000000"/>
                   </a:solidFill>
@@ -23073,7 +25728,7 @@
             </a:ln>
             <a:extLst>
               <a:ext uri="{91240B29-F687-4f45-9708-019B960494DF}">
-                <a14:hiddenLine xmlns="" xmlns:a16="http://schemas.microsoft.com/office/drawing/2014/main" xmlns:p14="http://schemas.microsoft.com/office/powerpoint/2010/main" xmlns:a14="http://schemas.microsoft.com/office/drawing/2010/main" w="9525">
+                <a14:hiddenLine xmlns:a14="http://schemas.microsoft.com/office/drawing/2010/main" xmlns:p14="http://schemas.microsoft.com/office/powerpoint/2010/main" xmlns:a16="http://schemas.microsoft.com/office/drawing/2014/main" xmlns="" w="9525">
                   <a:solidFill>
                     <a:srgbClr val="000000"/>
                   </a:solidFill>
@@ -23153,7 +25808,7 @@
             </a:ln>
             <a:extLst>
               <a:ext uri="{91240B29-F687-4f45-9708-019B960494DF}">
-                <a14:hiddenLine xmlns="" xmlns:a16="http://schemas.microsoft.com/office/drawing/2014/main" xmlns:p14="http://schemas.microsoft.com/office/powerpoint/2010/main" xmlns:a14="http://schemas.microsoft.com/office/drawing/2010/main" w="9525">
+                <a14:hiddenLine xmlns:a14="http://schemas.microsoft.com/office/drawing/2010/main" xmlns:p14="http://schemas.microsoft.com/office/powerpoint/2010/main" xmlns:a16="http://schemas.microsoft.com/office/drawing/2014/main" xmlns="" w="9525">
                   <a:solidFill>
                     <a:srgbClr val="000000"/>
                   </a:solidFill>
@@ -23230,7 +25885,7 @@
             </a:ln>
             <a:extLst>
               <a:ext uri="{91240B29-F687-4f45-9708-019B960494DF}">
-                <a14:hiddenLine xmlns="" xmlns:a16="http://schemas.microsoft.com/office/drawing/2014/main" xmlns:p14="http://schemas.microsoft.com/office/powerpoint/2010/main" xmlns:a14="http://schemas.microsoft.com/office/drawing/2010/main" w="9525">
+                <a14:hiddenLine xmlns:a14="http://schemas.microsoft.com/office/drawing/2010/main" xmlns:p14="http://schemas.microsoft.com/office/powerpoint/2010/main" xmlns:a16="http://schemas.microsoft.com/office/drawing/2014/main" xmlns="" w="9525">
                   <a:solidFill>
                     <a:srgbClr val="000000"/>
                   </a:solidFill>
@@ -23335,7 +25990,7 @@
             </a:ln>
             <a:extLst>
               <a:ext uri="{91240B29-F687-4f45-9708-019B960494DF}">
-                <a14:hiddenLine xmlns="" xmlns:a16="http://schemas.microsoft.com/office/drawing/2014/main" xmlns:p14="http://schemas.microsoft.com/office/powerpoint/2010/main" xmlns:a14="http://schemas.microsoft.com/office/drawing/2010/main" w="9525">
+                <a14:hiddenLine xmlns:a14="http://schemas.microsoft.com/office/drawing/2010/main" xmlns:p14="http://schemas.microsoft.com/office/powerpoint/2010/main" xmlns:a16="http://schemas.microsoft.com/office/drawing/2014/main" xmlns="" w="9525">
                   <a:solidFill>
                     <a:srgbClr val="000000"/>
                   </a:solidFill>
@@ -23440,7 +26095,7 @@
             </a:ln>
             <a:extLst>
               <a:ext uri="{91240B29-F687-4f45-9708-019B960494DF}">
-                <a14:hiddenLine xmlns="" xmlns:a16="http://schemas.microsoft.com/office/drawing/2014/main" xmlns:p14="http://schemas.microsoft.com/office/powerpoint/2010/main" xmlns:a14="http://schemas.microsoft.com/office/drawing/2010/main" w="9525">
+                <a14:hiddenLine xmlns:a14="http://schemas.microsoft.com/office/drawing/2010/main" xmlns:p14="http://schemas.microsoft.com/office/powerpoint/2010/main" xmlns:a16="http://schemas.microsoft.com/office/drawing/2014/main" xmlns="" w="9525">
                   <a:solidFill>
                     <a:srgbClr val="000000"/>
                   </a:solidFill>
@@ -23520,7 +26175,7 @@
             </a:ln>
             <a:extLst>
               <a:ext uri="{91240B29-F687-4f45-9708-019B960494DF}">
-                <a14:hiddenLine xmlns="" xmlns:a16="http://schemas.microsoft.com/office/drawing/2014/main" xmlns:p14="http://schemas.microsoft.com/office/powerpoint/2010/main" xmlns:a14="http://schemas.microsoft.com/office/drawing/2010/main" w="9525">
+                <a14:hiddenLine xmlns:a14="http://schemas.microsoft.com/office/drawing/2010/main" xmlns:p14="http://schemas.microsoft.com/office/powerpoint/2010/main" xmlns:a16="http://schemas.microsoft.com/office/drawing/2014/main" xmlns="" w="9525">
                   <a:solidFill>
                     <a:srgbClr val="000000"/>
                   </a:solidFill>
@@ -23655,7 +26310,7 @@
             </a:ln>
             <a:extLst>
               <a:ext uri="{91240B29-F687-4f45-9708-019B960494DF}">
-                <a14:hiddenLine xmlns="" xmlns:a16="http://schemas.microsoft.com/office/drawing/2014/main" xmlns:p14="http://schemas.microsoft.com/office/powerpoint/2010/main" xmlns:a14="http://schemas.microsoft.com/office/drawing/2010/main" w="9525">
+                <a14:hiddenLine xmlns:a14="http://schemas.microsoft.com/office/drawing/2010/main" xmlns:p14="http://schemas.microsoft.com/office/powerpoint/2010/main" xmlns:a16="http://schemas.microsoft.com/office/drawing/2014/main" xmlns="" w="9525">
                   <a:solidFill>
                     <a:srgbClr val="000000"/>
                   </a:solidFill>
@@ -24163,2661 +26818,6 @@
     <p:extLst>
       <p:ext uri="{BB962C8B-B14F-4D97-AF65-F5344CB8AC3E}">
         <p14:creationId xmlns:p14="http://schemas.microsoft.com/office/powerpoint/2010/main" val="295628224"/>
-      </p:ext>
-    </p:extLst>
-  </p:cSld>
-  <p:clrMapOvr>
-    <a:masterClrMapping/>
-  </p:clrMapOvr>
-</p:sld>
-</file>
-
-<file path=ppt/slides/slide6.xml><?xml version="1.0" encoding="utf-8"?>
-<p:sld xmlns:a="http://schemas.openxmlformats.org/drawingml/2006/main" xmlns:r="http://schemas.openxmlformats.org/officeDocument/2006/relationships" xmlns:p="http://schemas.openxmlformats.org/presentationml/2006/main">
-  <p:cSld>
-    <p:bg>
-      <p:bgPr>
-        <a:solidFill>
-          <a:schemeClr val="bg2"/>
-        </a:solidFill>
-        <a:effectLst/>
-      </p:bgPr>
-    </p:bg>
-    <p:spTree>
-      <p:nvGrpSpPr>
-        <p:cNvPr id="1" name=""/>
-        <p:cNvGrpSpPr/>
-        <p:nvPr/>
-      </p:nvGrpSpPr>
-      <p:grpSpPr>
-        <a:xfrm>
-          <a:off x="0" y="0"/>
-          <a:ext cx="0" cy="0"/>
-          <a:chOff x="0" y="0"/>
-          <a:chExt cx="0" cy="0"/>
-        </a:xfrm>
-      </p:grpSpPr>
-      <p:sp>
-        <p:nvSpPr>
-          <p:cNvPr id="191" name="Rectangle 190">
-            <a:extLst>
-              <a:ext uri="{FF2B5EF4-FFF2-40B4-BE49-F238E27FC236}">
-                <a16:creationId xmlns:a16="http://schemas.microsoft.com/office/drawing/2014/main" id="{6BFC9644-673A-459F-B3C5-9310A4E50E3B}"/>
-              </a:ext>
-              <a:ext uri="{C183D7F6-B498-43B3-948B-1728B52AA6E4}">
-                <adec:decorative xmlns:adec="http://schemas.microsoft.com/office/drawing/2017/decorative" val="1"/>
-              </a:ext>
-            </a:extLst>
-          </p:cNvPr>
-          <p:cNvSpPr>
-            <a:spLocks noGrp="1" noRot="1" noChangeAspect="1" noMove="1" noResize="1" noEditPoints="1" noAdjustHandles="1" noChangeArrowheads="1" noChangeShapeType="1" noTextEdit="1"/>
-          </p:cNvSpPr>
-          <p:nvPr>
-            <p:extLst>
-              <p:ext uri="{386F3935-93C4-4BCD-93E2-E3B085C9AB24}">
-                <p16:designElem xmlns:p16="http://schemas.microsoft.com/office/powerpoint/2015/main" val="1"/>
-              </p:ext>
-            </p:extLst>
-          </p:nvPr>
-        </p:nvSpPr>
-        <p:spPr>
-          <a:xfrm>
-            <a:off x="0" y="0"/>
-            <a:ext cx="12192000" cy="6858000"/>
-          </a:xfrm>
-          <a:prstGeom prst="rect">
-            <a:avLst/>
-          </a:prstGeom>
-          <a:solidFill>
-            <a:schemeClr val="bg1">
-              <a:lumMod val="85000"/>
-              <a:lumOff val="15000"/>
-            </a:schemeClr>
-          </a:solidFill>
-          <a:ln>
-            <a:noFill/>
-          </a:ln>
-        </p:spPr>
-        <p:style>
-          <a:lnRef idx="2">
-            <a:schemeClr val="accent1">
-              <a:shade val="50000"/>
-            </a:schemeClr>
-          </a:lnRef>
-          <a:fillRef idx="1">
-            <a:schemeClr val="accent1"/>
-          </a:fillRef>
-          <a:effectRef idx="0">
-            <a:schemeClr val="accent1"/>
-          </a:effectRef>
-          <a:fontRef idx="minor">
-            <a:schemeClr val="lt1"/>
-          </a:fontRef>
-        </p:style>
-        <p:txBody>
-          <a:bodyPr rtlCol="0" anchor="ctr"/>
-          <a:lstStyle/>
-          <a:p>
-            <a:pPr algn="ctr"/>
-            <a:endParaRPr lang="en-US"/>
-          </a:p>
-        </p:txBody>
-      </p:sp>
-      <p:grpSp>
-        <p:nvGrpSpPr>
-          <p:cNvPr id="193" name="Group 192">
-            <a:extLst>
-              <a:ext uri="{FF2B5EF4-FFF2-40B4-BE49-F238E27FC236}">
-                <a16:creationId xmlns:a16="http://schemas.microsoft.com/office/drawing/2014/main" id="{4ADB9295-9645-4BF2-ADFD-75800B7FAD06}"/>
-              </a:ext>
-              <a:ext uri="{C183D7F6-B498-43B3-948B-1728B52AA6E4}">
-                <adec:decorative xmlns:adec="http://schemas.microsoft.com/office/drawing/2017/decorative" val="1"/>
-              </a:ext>
-            </a:extLst>
-          </p:cNvPr>
-          <p:cNvGrpSpPr>
-            <a:grpSpLocks noGrp="1" noUngrp="1" noRot="1" noChangeAspect="1" noMove="1" noResize="1"/>
-          </p:cNvGrpSpPr>
-          <p:nvPr>
-            <p:extLst>
-              <p:ext uri="{386F3935-93C4-4BCD-93E2-E3B085C9AB24}">
-                <p16:designElem xmlns:p16="http://schemas.microsoft.com/office/powerpoint/2015/main" val="1"/>
-              </p:ext>
-            </p:extLst>
-          </p:nvPr>
-        </p:nvGrpSpPr>
-        <p:grpSpPr>
-          <a:xfrm>
-            <a:off x="-14288" y="0"/>
-            <a:ext cx="1220788" cy="6858001"/>
-            <a:chOff x="-14288" y="0"/>
-            <a:chExt cx="1220788" cy="6858001"/>
-          </a:xfrm>
-          <a:solidFill>
-            <a:schemeClr val="bg2">
-              <a:lumMod val="60000"/>
-              <a:lumOff val="40000"/>
-              <a:alpha val="60000"/>
-            </a:schemeClr>
-          </a:solidFill>
-        </p:grpSpPr>
-        <p:sp>
-          <p:nvSpPr>
-            <p:cNvPr id="194" name="Rectangle 5">
-              <a:extLst>
-                <a:ext uri="{FF2B5EF4-FFF2-40B4-BE49-F238E27FC236}">
-                  <a16:creationId xmlns:a16="http://schemas.microsoft.com/office/drawing/2014/main" id="{95B061E9-E435-4E1B-B160-96584A116691}"/>
-                </a:ext>
-                <a:ext uri="{C183D7F6-B498-43B3-948B-1728B52AA6E4}">
-                  <adec:decorative xmlns:adec="http://schemas.microsoft.com/office/drawing/2017/decorative" val="1"/>
-                </a:ext>
-              </a:extLst>
-            </p:cNvPr>
-            <p:cNvSpPr>
-              <a:spLocks noChangeArrowheads="1"/>
-            </p:cNvSpPr>
-            <p:nvPr>
-              <p:extLst>
-                <p:ext uri="{386F3935-93C4-4BCD-93E2-E3B085C9AB24}">
-                  <p16:designElem xmlns:p16="http://schemas.microsoft.com/office/powerpoint/2015/main" val="1"/>
-                </p:ext>
-              </p:extLst>
-            </p:nvPr>
-          </p:nvSpPr>
-          <p:spPr bwMode="auto">
-            <a:xfrm>
-              <a:off x="114300" y="4763"/>
-              <a:ext cx="23813" cy="2181225"/>
-            </a:xfrm>
-            <a:prstGeom prst="rect">
-              <a:avLst/>
-            </a:prstGeom>
-            <a:grpFill/>
-            <a:ln>
-              <a:noFill/>
-            </a:ln>
-            <a:extLst>
-              <a:ext uri="{91240B29-F687-4f45-9708-019B960494DF}">
-                <a14:hiddenLine xmlns="" xmlns:a16="http://schemas.microsoft.com/office/drawing/2014/main" xmlns:p14="http://schemas.microsoft.com/office/powerpoint/2010/main" xmlns:a14="http://schemas.microsoft.com/office/drawing/2010/main" w="9525">
-                  <a:solidFill>
-                    <a:srgbClr val="000000"/>
-                  </a:solidFill>
-                  <a:miter lim="800000"/>
-                  <a:headEnd/>
-                  <a:tailEnd/>
-                </a14:hiddenLine>
-              </a:ext>
-            </a:extLst>
-          </p:spPr>
-        </p:sp>
-        <p:sp>
-          <p:nvSpPr>
-            <p:cNvPr id="195" name="Freeform 6">
-              <a:extLst>
-                <a:ext uri="{FF2B5EF4-FFF2-40B4-BE49-F238E27FC236}">
-                  <a16:creationId xmlns:a16="http://schemas.microsoft.com/office/drawing/2014/main" id="{3CD7972E-7D38-40EE-A80B-E2A848811EDD}"/>
-                </a:ext>
-                <a:ext uri="{C183D7F6-B498-43B3-948B-1728B52AA6E4}">
-                  <adec:decorative xmlns:adec="http://schemas.microsoft.com/office/drawing/2017/decorative" val="1"/>
-                </a:ext>
-              </a:extLst>
-            </p:cNvPr>
-            <p:cNvSpPr>
-              <a:spLocks noEditPoints="1"/>
-            </p:cNvSpPr>
-            <p:nvPr>
-              <p:extLst>
-                <p:ext uri="{386F3935-93C4-4BCD-93E2-E3B085C9AB24}">
-                  <p16:designElem xmlns:p16="http://schemas.microsoft.com/office/powerpoint/2015/main" val="1"/>
-                </p:ext>
-              </p:extLst>
-            </p:nvPr>
-          </p:nvSpPr>
-          <p:spPr bwMode="auto">
-            <a:xfrm>
-              <a:off x="33337" y="2176463"/>
-              <a:ext cx="190500" cy="190500"/>
-            </a:xfrm>
-            <a:custGeom>
-              <a:avLst/>
-              <a:gdLst/>
-              <a:ahLst/>
-              <a:cxnLst/>
-              <a:rect l="0" t="0" r="r" b="b"/>
-              <a:pathLst>
-                <a:path w="40" h="40">
-                  <a:moveTo>
-                    <a:pt x="20" y="40"/>
-                  </a:moveTo>
-                  <a:cubicBezTo>
-                    <a:pt x="9" y="40"/>
-                    <a:pt x="0" y="31"/>
-                    <a:pt x="0" y="20"/>
-                  </a:cubicBezTo>
-                  <a:cubicBezTo>
-                    <a:pt x="0" y="9"/>
-                    <a:pt x="9" y="0"/>
-                    <a:pt x="20" y="0"/>
-                  </a:cubicBezTo>
-                  <a:cubicBezTo>
-                    <a:pt x="31" y="0"/>
-                    <a:pt x="40" y="9"/>
-                    <a:pt x="40" y="20"/>
-                  </a:cubicBezTo>
-                  <a:cubicBezTo>
-                    <a:pt x="40" y="31"/>
-                    <a:pt x="31" y="40"/>
-                    <a:pt x="20" y="40"/>
-                  </a:cubicBezTo>
-                  <a:close/>
-                  <a:moveTo>
-                    <a:pt x="20" y="4"/>
-                  </a:moveTo>
-                  <a:cubicBezTo>
-                    <a:pt x="11" y="4"/>
-                    <a:pt x="4" y="11"/>
-                    <a:pt x="4" y="20"/>
-                  </a:cubicBezTo>
-                  <a:cubicBezTo>
-                    <a:pt x="4" y="29"/>
-                    <a:pt x="11" y="36"/>
-                    <a:pt x="20" y="36"/>
-                  </a:cubicBezTo>
-                  <a:cubicBezTo>
-                    <a:pt x="28" y="36"/>
-                    <a:pt x="36" y="29"/>
-                    <a:pt x="36" y="20"/>
-                  </a:cubicBezTo>
-                  <a:cubicBezTo>
-                    <a:pt x="36" y="11"/>
-                    <a:pt x="28" y="4"/>
-                    <a:pt x="20" y="4"/>
-                  </a:cubicBezTo>
-                  <a:close/>
-                </a:path>
-              </a:pathLst>
-            </a:custGeom>
-            <a:grpFill/>
-            <a:ln>
-              <a:noFill/>
-            </a:ln>
-            <a:extLst>
-              <a:ext uri="{91240B29-F687-4f45-9708-019B960494DF}">
-                <a14:hiddenLine xmlns="" xmlns:a16="http://schemas.microsoft.com/office/drawing/2014/main" xmlns:p14="http://schemas.microsoft.com/office/powerpoint/2010/main" xmlns:a14="http://schemas.microsoft.com/office/drawing/2010/main" w="9525">
-                  <a:solidFill>
-                    <a:srgbClr val="000000"/>
-                  </a:solidFill>
-                  <a:round/>
-                  <a:headEnd/>
-                  <a:tailEnd/>
-                </a14:hiddenLine>
-              </a:ext>
-            </a:extLst>
-          </p:spPr>
-        </p:sp>
-        <p:sp>
-          <p:nvSpPr>
-            <p:cNvPr id="196" name="Freeform 7">
-              <a:extLst>
-                <a:ext uri="{FF2B5EF4-FFF2-40B4-BE49-F238E27FC236}">
-                  <a16:creationId xmlns:a16="http://schemas.microsoft.com/office/drawing/2014/main" id="{524A3B55-746F-419F-8CFF-5F3A4BE14345}"/>
-                </a:ext>
-                <a:ext uri="{C183D7F6-B498-43B3-948B-1728B52AA6E4}">
-                  <adec:decorative xmlns:adec="http://schemas.microsoft.com/office/drawing/2017/decorative" val="1"/>
-                </a:ext>
-              </a:extLst>
-            </p:cNvPr>
-            <p:cNvSpPr>
-              <a:spLocks noEditPoints="1"/>
-            </p:cNvSpPr>
-            <p:nvPr>
-              <p:extLst>
-                <p:ext uri="{386F3935-93C4-4BCD-93E2-E3B085C9AB24}">
-                  <p16:designElem xmlns:p16="http://schemas.microsoft.com/office/powerpoint/2015/main" val="1"/>
-                </p:ext>
-              </p:extLst>
-            </p:nvPr>
-          </p:nvSpPr>
-          <p:spPr bwMode="auto">
-            <a:xfrm>
-              <a:off x="28575" y="4021138"/>
-              <a:ext cx="190500" cy="188913"/>
-            </a:xfrm>
-            <a:custGeom>
-              <a:avLst/>
-              <a:gdLst/>
-              <a:ahLst/>
-              <a:cxnLst/>
-              <a:rect l="0" t="0" r="r" b="b"/>
-              <a:pathLst>
-                <a:path w="40" h="40">
-                  <a:moveTo>
-                    <a:pt x="20" y="40"/>
-                  </a:moveTo>
-                  <a:cubicBezTo>
-                    <a:pt x="9" y="40"/>
-                    <a:pt x="0" y="31"/>
-                    <a:pt x="0" y="20"/>
-                  </a:cubicBezTo>
-                  <a:cubicBezTo>
-                    <a:pt x="0" y="9"/>
-                    <a:pt x="9" y="0"/>
-                    <a:pt x="20" y="0"/>
-                  </a:cubicBezTo>
-                  <a:cubicBezTo>
-                    <a:pt x="31" y="0"/>
-                    <a:pt x="40" y="9"/>
-                    <a:pt x="40" y="20"/>
-                  </a:cubicBezTo>
-                  <a:cubicBezTo>
-                    <a:pt x="40" y="31"/>
-                    <a:pt x="31" y="40"/>
-                    <a:pt x="20" y="40"/>
-                  </a:cubicBezTo>
-                  <a:close/>
-                  <a:moveTo>
-                    <a:pt x="20" y="4"/>
-                  </a:moveTo>
-                  <a:cubicBezTo>
-                    <a:pt x="12" y="4"/>
-                    <a:pt x="4" y="11"/>
-                    <a:pt x="4" y="20"/>
-                  </a:cubicBezTo>
-                  <a:cubicBezTo>
-                    <a:pt x="4" y="29"/>
-                    <a:pt x="12" y="36"/>
-                    <a:pt x="20" y="36"/>
-                  </a:cubicBezTo>
-                  <a:cubicBezTo>
-                    <a:pt x="29" y="36"/>
-                    <a:pt x="36" y="29"/>
-                    <a:pt x="36" y="20"/>
-                  </a:cubicBezTo>
-                  <a:cubicBezTo>
-                    <a:pt x="36" y="11"/>
-                    <a:pt x="29" y="4"/>
-                    <a:pt x="20" y="4"/>
-                  </a:cubicBezTo>
-                  <a:close/>
-                </a:path>
-              </a:pathLst>
-            </a:custGeom>
-            <a:grpFill/>
-            <a:ln>
-              <a:noFill/>
-            </a:ln>
-            <a:extLst>
-              <a:ext uri="{91240B29-F687-4f45-9708-019B960494DF}">
-                <a14:hiddenLine xmlns="" xmlns:a16="http://schemas.microsoft.com/office/drawing/2014/main" xmlns:p14="http://schemas.microsoft.com/office/powerpoint/2010/main" xmlns:a14="http://schemas.microsoft.com/office/drawing/2010/main" w="9525">
-                  <a:solidFill>
-                    <a:srgbClr val="000000"/>
-                  </a:solidFill>
-                  <a:round/>
-                  <a:headEnd/>
-                  <a:tailEnd/>
-                </a14:hiddenLine>
-              </a:ext>
-            </a:extLst>
-          </p:spPr>
-        </p:sp>
-        <p:sp>
-          <p:nvSpPr>
-            <p:cNvPr id="197" name="Freeform 8">
-              <a:extLst>
-                <a:ext uri="{FF2B5EF4-FFF2-40B4-BE49-F238E27FC236}">
-                  <a16:creationId xmlns:a16="http://schemas.microsoft.com/office/drawing/2014/main" id="{9C63219B-AD72-4494-935E-F5C70DB5497C}"/>
-                </a:ext>
-                <a:ext uri="{C183D7F6-B498-43B3-948B-1728B52AA6E4}">
-                  <adec:decorative xmlns:adec="http://schemas.microsoft.com/office/drawing/2017/decorative" val="1"/>
-                </a:ext>
-              </a:extLst>
-            </p:cNvPr>
-            <p:cNvSpPr/>
-            <p:nvPr>
-              <p:extLst>
-                <p:ext uri="{386F3935-93C4-4BCD-93E2-E3B085C9AB24}">
-                  <p16:designElem xmlns:p16="http://schemas.microsoft.com/office/powerpoint/2015/main" val="1"/>
-                </p:ext>
-              </p:extLst>
-            </p:nvPr>
-          </p:nvSpPr>
-          <p:spPr bwMode="auto">
-            <a:xfrm>
-              <a:off x="200025" y="4763"/>
-              <a:ext cx="369888" cy="1811338"/>
-            </a:xfrm>
-            <a:custGeom>
-              <a:avLst/>
-              <a:gdLst/>
-              <a:ahLst/>
-              <a:cxnLst/>
-              <a:rect l="0" t="0" r="r" b="b"/>
-              <a:pathLst>
-                <a:path w="233" h="1141">
-                  <a:moveTo>
-                    <a:pt x="218" y="1141"/>
-                  </a:moveTo>
-                  <a:lnTo>
-                    <a:pt x="0" y="626"/>
-                  </a:lnTo>
-                  <a:lnTo>
-                    <a:pt x="0" y="0"/>
-                  </a:lnTo>
-                  <a:lnTo>
-                    <a:pt x="15" y="0"/>
-                  </a:lnTo>
-                  <a:lnTo>
-                    <a:pt x="15" y="623"/>
-                  </a:lnTo>
-                  <a:lnTo>
-                    <a:pt x="233" y="1135"/>
-                  </a:lnTo>
-                  <a:lnTo>
-                    <a:pt x="218" y="1141"/>
-                  </a:lnTo>
-                  <a:close/>
-                </a:path>
-              </a:pathLst>
-            </a:custGeom>
-            <a:grpFill/>
-            <a:ln>
-              <a:noFill/>
-            </a:ln>
-            <a:extLst>
-              <a:ext uri="{91240B29-F687-4f45-9708-019B960494DF}">
-                <a14:hiddenLine xmlns="" xmlns:a16="http://schemas.microsoft.com/office/drawing/2014/main" xmlns:p14="http://schemas.microsoft.com/office/powerpoint/2010/main" xmlns:a14="http://schemas.microsoft.com/office/drawing/2010/main" w="9525">
-                  <a:solidFill>
-                    <a:srgbClr val="000000"/>
-                  </a:solidFill>
-                  <a:round/>
-                  <a:headEnd/>
-                  <a:tailEnd/>
-                </a14:hiddenLine>
-              </a:ext>
-            </a:extLst>
-          </p:spPr>
-        </p:sp>
-        <p:sp>
-          <p:nvSpPr>
-            <p:cNvPr id="198" name="Freeform 9">
-              <a:extLst>
-                <a:ext uri="{FF2B5EF4-FFF2-40B4-BE49-F238E27FC236}">
-                  <a16:creationId xmlns:a16="http://schemas.microsoft.com/office/drawing/2014/main" id="{15B41FD2-05E2-44E7-8760-09E65D1C6034}"/>
-                </a:ext>
-                <a:ext uri="{C183D7F6-B498-43B3-948B-1728B52AA6E4}">
-                  <adec:decorative xmlns:adec="http://schemas.microsoft.com/office/drawing/2017/decorative" val="1"/>
-                </a:ext>
-              </a:extLst>
-            </p:cNvPr>
-            <p:cNvSpPr>
-              <a:spLocks noEditPoints="1"/>
-            </p:cNvSpPr>
-            <p:nvPr>
-              <p:extLst>
-                <p:ext uri="{386F3935-93C4-4BCD-93E2-E3B085C9AB24}">
-                  <p16:designElem xmlns:p16="http://schemas.microsoft.com/office/powerpoint/2015/main" val="1"/>
-                </p:ext>
-              </p:extLst>
-            </p:nvPr>
-          </p:nvSpPr>
-          <p:spPr bwMode="auto">
-            <a:xfrm>
-              <a:off x="503237" y="1801813"/>
-              <a:ext cx="190500" cy="188913"/>
-            </a:xfrm>
-            <a:custGeom>
-              <a:avLst/>
-              <a:gdLst/>
-              <a:ahLst/>
-              <a:cxnLst/>
-              <a:rect l="0" t="0" r="r" b="b"/>
-              <a:pathLst>
-                <a:path w="40" h="40">
-                  <a:moveTo>
-                    <a:pt x="20" y="40"/>
-                  </a:moveTo>
-                  <a:cubicBezTo>
-                    <a:pt x="9" y="40"/>
-                    <a:pt x="0" y="31"/>
-                    <a:pt x="0" y="20"/>
-                  </a:cubicBezTo>
-                  <a:cubicBezTo>
-                    <a:pt x="0" y="9"/>
-                    <a:pt x="9" y="0"/>
-                    <a:pt x="20" y="0"/>
-                  </a:cubicBezTo>
-                  <a:cubicBezTo>
-                    <a:pt x="33" y="0"/>
-                    <a:pt x="40" y="6"/>
-                    <a:pt x="40" y="20"/>
-                  </a:cubicBezTo>
-                  <a:cubicBezTo>
-                    <a:pt x="40" y="31"/>
-                    <a:pt x="31" y="40"/>
-                    <a:pt x="20" y="40"/>
-                  </a:cubicBezTo>
-                  <a:close/>
-                  <a:moveTo>
-                    <a:pt x="20" y="4"/>
-                  </a:moveTo>
-                  <a:cubicBezTo>
-                    <a:pt x="11" y="4"/>
-                    <a:pt x="4" y="11"/>
-                    <a:pt x="4" y="20"/>
-                  </a:cubicBezTo>
-                  <a:cubicBezTo>
-                    <a:pt x="4" y="29"/>
-                    <a:pt x="11" y="36"/>
-                    <a:pt x="20" y="36"/>
-                  </a:cubicBezTo>
-                  <a:cubicBezTo>
-                    <a:pt x="28" y="36"/>
-                    <a:pt x="36" y="29"/>
-                    <a:pt x="36" y="20"/>
-                  </a:cubicBezTo>
-                  <a:cubicBezTo>
-                    <a:pt x="36" y="9"/>
-                    <a:pt x="31" y="4"/>
-                    <a:pt x="20" y="4"/>
-                  </a:cubicBezTo>
-                  <a:close/>
-                </a:path>
-              </a:pathLst>
-            </a:custGeom>
-            <a:grpFill/>
-            <a:ln>
-              <a:noFill/>
-            </a:ln>
-            <a:extLst>
-              <a:ext uri="{91240B29-F687-4f45-9708-019B960494DF}">
-                <a14:hiddenLine xmlns="" xmlns:a16="http://schemas.microsoft.com/office/drawing/2014/main" xmlns:p14="http://schemas.microsoft.com/office/powerpoint/2010/main" xmlns:a14="http://schemas.microsoft.com/office/drawing/2010/main" w="9525">
-                  <a:solidFill>
-                    <a:srgbClr val="000000"/>
-                  </a:solidFill>
-                  <a:round/>
-                  <a:headEnd/>
-                  <a:tailEnd/>
-                </a14:hiddenLine>
-              </a:ext>
-            </a:extLst>
-          </p:spPr>
-        </p:sp>
-        <p:sp>
-          <p:nvSpPr>
-            <p:cNvPr id="199" name="Freeform 10">
-              <a:extLst>
-                <a:ext uri="{FF2B5EF4-FFF2-40B4-BE49-F238E27FC236}">
-                  <a16:creationId xmlns:a16="http://schemas.microsoft.com/office/drawing/2014/main" id="{FE6D63D0-3347-4EE2-8F65-F1C32168FA22}"/>
-                </a:ext>
-                <a:ext uri="{C183D7F6-B498-43B3-948B-1728B52AA6E4}">
-                  <adec:decorative xmlns:adec="http://schemas.microsoft.com/office/drawing/2017/decorative" val="1"/>
-                </a:ext>
-              </a:extLst>
-            </p:cNvPr>
-            <p:cNvSpPr/>
-            <p:nvPr>
-              <p:extLst>
-                <p:ext uri="{386F3935-93C4-4BCD-93E2-E3B085C9AB24}">
-                  <p16:designElem xmlns:p16="http://schemas.microsoft.com/office/powerpoint/2015/main" val="1"/>
-                </p:ext>
-              </p:extLst>
-            </p:nvPr>
-          </p:nvSpPr>
-          <p:spPr bwMode="auto">
-            <a:xfrm>
-              <a:off x="285750" y="4763"/>
-              <a:ext cx="369888" cy="1430338"/>
-            </a:xfrm>
-            <a:custGeom>
-              <a:avLst/>
-              <a:gdLst/>
-              <a:ahLst/>
-              <a:cxnLst/>
-              <a:rect l="0" t="0" r="r" b="b"/>
-              <a:pathLst>
-                <a:path w="233" h="901">
-                  <a:moveTo>
-                    <a:pt x="221" y="901"/>
-                  </a:moveTo>
-                  <a:lnTo>
-                    <a:pt x="0" y="383"/>
-                  </a:lnTo>
-                  <a:lnTo>
-                    <a:pt x="0" y="0"/>
-                  </a:lnTo>
-                  <a:lnTo>
-                    <a:pt x="18" y="0"/>
-                  </a:lnTo>
-                  <a:lnTo>
-                    <a:pt x="18" y="380"/>
-                  </a:lnTo>
-                  <a:lnTo>
-                    <a:pt x="233" y="895"/>
-                  </a:lnTo>
-                  <a:lnTo>
-                    <a:pt x="221" y="901"/>
-                  </a:lnTo>
-                  <a:close/>
-                </a:path>
-              </a:pathLst>
-            </a:custGeom>
-            <a:grpFill/>
-            <a:ln>
-              <a:noFill/>
-            </a:ln>
-            <a:extLst>
-              <a:ext uri="{91240B29-F687-4f45-9708-019B960494DF}">
-                <a14:hiddenLine xmlns="" xmlns:a16="http://schemas.microsoft.com/office/drawing/2014/main" xmlns:p14="http://schemas.microsoft.com/office/powerpoint/2010/main" xmlns:a14="http://schemas.microsoft.com/office/drawing/2010/main" w="9525">
-                  <a:solidFill>
-                    <a:srgbClr val="000000"/>
-                  </a:solidFill>
-                  <a:round/>
-                  <a:headEnd/>
-                  <a:tailEnd/>
-                </a14:hiddenLine>
-              </a:ext>
-            </a:extLst>
-          </p:spPr>
-        </p:sp>
-        <p:sp>
-          <p:nvSpPr>
-            <p:cNvPr id="200" name="Freeform 11">
-              <a:extLst>
-                <a:ext uri="{FF2B5EF4-FFF2-40B4-BE49-F238E27FC236}">
-                  <a16:creationId xmlns:a16="http://schemas.microsoft.com/office/drawing/2014/main" id="{538A46A3-DB16-45D5-B636-03EFE39FE96C}"/>
-                </a:ext>
-                <a:ext uri="{C183D7F6-B498-43B3-948B-1728B52AA6E4}">
-                  <adec:decorative xmlns:adec="http://schemas.microsoft.com/office/drawing/2017/decorative" val="1"/>
-                </a:ext>
-              </a:extLst>
-            </p:cNvPr>
-            <p:cNvSpPr/>
-            <p:nvPr>
-              <p:extLst>
-                <p:ext uri="{386F3935-93C4-4BCD-93E2-E3B085C9AB24}">
-                  <p16:designElem xmlns:p16="http://schemas.microsoft.com/office/powerpoint/2015/main" val="1"/>
-                </p:ext>
-              </p:extLst>
-            </p:nvPr>
-          </p:nvSpPr>
-          <p:spPr bwMode="auto">
-            <a:xfrm>
-              <a:off x="546100" y="0"/>
-              <a:ext cx="152400" cy="912813"/>
-            </a:xfrm>
-            <a:custGeom>
-              <a:avLst/>
-              <a:gdLst/>
-              <a:ahLst/>
-              <a:cxnLst/>
-              <a:rect l="0" t="0" r="r" b="b"/>
-              <a:pathLst>
-                <a:path w="96" h="575">
-                  <a:moveTo>
-                    <a:pt x="96" y="575"/>
-                  </a:moveTo>
-                  <a:lnTo>
-                    <a:pt x="78" y="575"/>
-                  </a:lnTo>
-                  <a:lnTo>
-                    <a:pt x="78" y="192"/>
-                  </a:lnTo>
-                  <a:lnTo>
-                    <a:pt x="0" y="6"/>
-                  </a:lnTo>
-                  <a:lnTo>
-                    <a:pt x="15" y="0"/>
-                  </a:lnTo>
-                  <a:lnTo>
-                    <a:pt x="96" y="189"/>
-                  </a:lnTo>
-                  <a:lnTo>
-                    <a:pt x="96" y="575"/>
-                  </a:lnTo>
-                  <a:close/>
-                </a:path>
-              </a:pathLst>
-            </a:custGeom>
-            <a:grpFill/>
-            <a:ln>
-              <a:noFill/>
-            </a:ln>
-            <a:extLst>
-              <a:ext uri="{91240B29-F687-4f45-9708-019B960494DF}">
-                <a14:hiddenLine xmlns="" xmlns:a16="http://schemas.microsoft.com/office/drawing/2014/main" xmlns:p14="http://schemas.microsoft.com/office/powerpoint/2010/main" xmlns:a14="http://schemas.microsoft.com/office/drawing/2010/main" w="9525">
-                  <a:solidFill>
-                    <a:srgbClr val="000000"/>
-                  </a:solidFill>
-                  <a:round/>
-                  <a:headEnd/>
-                  <a:tailEnd/>
-                </a14:hiddenLine>
-              </a:ext>
-            </a:extLst>
-          </p:spPr>
-        </p:sp>
-        <p:sp>
-          <p:nvSpPr>
-            <p:cNvPr id="201" name="Freeform 12">
-              <a:extLst>
-                <a:ext uri="{FF2B5EF4-FFF2-40B4-BE49-F238E27FC236}">
-                  <a16:creationId xmlns:a16="http://schemas.microsoft.com/office/drawing/2014/main" id="{0B8A2B0E-823F-4BE8-9359-45143BB1248E}"/>
-                </a:ext>
-                <a:ext uri="{C183D7F6-B498-43B3-948B-1728B52AA6E4}">
-                  <adec:decorative xmlns:adec="http://schemas.microsoft.com/office/drawing/2017/decorative" val="1"/>
-                </a:ext>
-              </a:extLst>
-            </p:cNvPr>
-            <p:cNvSpPr>
-              <a:spLocks noEditPoints="1"/>
-            </p:cNvSpPr>
-            <p:nvPr>
-              <p:extLst>
-                <p:ext uri="{386F3935-93C4-4BCD-93E2-E3B085C9AB24}">
-                  <p16:designElem xmlns:p16="http://schemas.microsoft.com/office/powerpoint/2015/main" val="1"/>
-                </p:ext>
-              </p:extLst>
-            </p:nvPr>
-          </p:nvSpPr>
-          <p:spPr bwMode="auto">
-            <a:xfrm>
-              <a:off x="588962" y="1420813"/>
-              <a:ext cx="190500" cy="190500"/>
-            </a:xfrm>
-            <a:custGeom>
-              <a:avLst/>
-              <a:gdLst/>
-              <a:ahLst/>
-              <a:cxnLst/>
-              <a:rect l="0" t="0" r="r" b="b"/>
-              <a:pathLst>
-                <a:path w="40" h="40">
-                  <a:moveTo>
-                    <a:pt x="20" y="40"/>
-                  </a:moveTo>
-                  <a:cubicBezTo>
-                    <a:pt x="9" y="40"/>
-                    <a:pt x="0" y="31"/>
-                    <a:pt x="0" y="20"/>
-                  </a:cubicBezTo>
-                  <a:cubicBezTo>
-                    <a:pt x="0" y="9"/>
-                    <a:pt x="9" y="0"/>
-                    <a:pt x="20" y="0"/>
-                  </a:cubicBezTo>
-                  <a:cubicBezTo>
-                    <a:pt x="33" y="0"/>
-                    <a:pt x="40" y="7"/>
-                    <a:pt x="40" y="20"/>
-                  </a:cubicBezTo>
-                  <a:cubicBezTo>
-                    <a:pt x="40" y="31"/>
-                    <a:pt x="31" y="40"/>
-                    <a:pt x="20" y="40"/>
-                  </a:cubicBezTo>
-                  <a:close/>
-                  <a:moveTo>
-                    <a:pt x="20" y="4"/>
-                  </a:moveTo>
-                  <a:cubicBezTo>
-                    <a:pt x="11" y="4"/>
-                    <a:pt x="4" y="11"/>
-                    <a:pt x="4" y="20"/>
-                  </a:cubicBezTo>
-                  <a:cubicBezTo>
-                    <a:pt x="4" y="29"/>
-                    <a:pt x="11" y="36"/>
-                    <a:pt x="20" y="36"/>
-                  </a:cubicBezTo>
-                  <a:cubicBezTo>
-                    <a:pt x="29" y="36"/>
-                    <a:pt x="36" y="29"/>
-                    <a:pt x="36" y="20"/>
-                  </a:cubicBezTo>
-                  <a:cubicBezTo>
-                    <a:pt x="36" y="9"/>
-                    <a:pt x="31" y="4"/>
-                    <a:pt x="20" y="4"/>
-                  </a:cubicBezTo>
-                  <a:close/>
-                </a:path>
-              </a:pathLst>
-            </a:custGeom>
-            <a:grpFill/>
-            <a:ln>
-              <a:noFill/>
-            </a:ln>
-            <a:extLst>
-              <a:ext uri="{91240B29-F687-4f45-9708-019B960494DF}">
-                <a14:hiddenLine xmlns="" xmlns:a16="http://schemas.microsoft.com/office/drawing/2014/main" xmlns:p14="http://schemas.microsoft.com/office/powerpoint/2010/main" xmlns:a14="http://schemas.microsoft.com/office/drawing/2010/main" w="9525">
-                  <a:solidFill>
-                    <a:srgbClr val="000000"/>
-                  </a:solidFill>
-                  <a:round/>
-                  <a:headEnd/>
-                  <a:tailEnd/>
-                </a14:hiddenLine>
-              </a:ext>
-            </a:extLst>
-          </p:spPr>
-        </p:sp>
-        <p:sp>
-          <p:nvSpPr>
-            <p:cNvPr id="202" name="Freeform 13">
-              <a:extLst>
-                <a:ext uri="{FF2B5EF4-FFF2-40B4-BE49-F238E27FC236}">
-                  <a16:creationId xmlns:a16="http://schemas.microsoft.com/office/drawing/2014/main" id="{44516B3C-A8BE-46FC-B643-3DFEB7F28386}"/>
-                </a:ext>
-                <a:ext uri="{C183D7F6-B498-43B3-948B-1728B52AA6E4}">
-                  <adec:decorative xmlns:adec="http://schemas.microsoft.com/office/drawing/2017/decorative" val="1"/>
-                </a:ext>
-              </a:extLst>
-            </p:cNvPr>
-            <p:cNvSpPr>
-              <a:spLocks noEditPoints="1"/>
-            </p:cNvSpPr>
-            <p:nvPr>
-              <p:extLst>
-                <p:ext uri="{386F3935-93C4-4BCD-93E2-E3B085C9AB24}">
-                  <p16:designElem xmlns:p16="http://schemas.microsoft.com/office/powerpoint/2015/main" val="1"/>
-                </p:ext>
-              </p:extLst>
-            </p:nvPr>
-          </p:nvSpPr>
-          <p:spPr bwMode="auto">
-            <a:xfrm>
-              <a:off x="588962" y="903288"/>
-              <a:ext cx="190500" cy="190500"/>
-            </a:xfrm>
-            <a:custGeom>
-              <a:avLst/>
-              <a:gdLst/>
-              <a:ahLst/>
-              <a:cxnLst/>
-              <a:rect l="0" t="0" r="r" b="b"/>
-              <a:pathLst>
-                <a:path w="40" h="40">
-                  <a:moveTo>
-                    <a:pt x="20" y="40"/>
-                  </a:moveTo>
-                  <a:cubicBezTo>
-                    <a:pt x="9" y="40"/>
-                    <a:pt x="0" y="31"/>
-                    <a:pt x="0" y="20"/>
-                  </a:cubicBezTo>
-                  <a:cubicBezTo>
-                    <a:pt x="0" y="9"/>
-                    <a:pt x="9" y="0"/>
-                    <a:pt x="20" y="0"/>
-                  </a:cubicBezTo>
-                  <a:cubicBezTo>
-                    <a:pt x="31" y="0"/>
-                    <a:pt x="40" y="9"/>
-                    <a:pt x="40" y="20"/>
-                  </a:cubicBezTo>
-                  <a:cubicBezTo>
-                    <a:pt x="40" y="31"/>
-                    <a:pt x="31" y="40"/>
-                    <a:pt x="20" y="40"/>
-                  </a:cubicBezTo>
-                  <a:close/>
-                  <a:moveTo>
-                    <a:pt x="20" y="4"/>
-                  </a:moveTo>
-                  <a:cubicBezTo>
-                    <a:pt x="11" y="4"/>
-                    <a:pt x="4" y="11"/>
-                    <a:pt x="4" y="20"/>
-                  </a:cubicBezTo>
-                  <a:cubicBezTo>
-                    <a:pt x="4" y="29"/>
-                    <a:pt x="11" y="36"/>
-                    <a:pt x="20" y="36"/>
-                  </a:cubicBezTo>
-                  <a:cubicBezTo>
-                    <a:pt x="29" y="36"/>
-                    <a:pt x="36" y="29"/>
-                    <a:pt x="36" y="20"/>
-                  </a:cubicBezTo>
-                  <a:cubicBezTo>
-                    <a:pt x="36" y="11"/>
-                    <a:pt x="29" y="4"/>
-                    <a:pt x="20" y="4"/>
-                  </a:cubicBezTo>
-                  <a:close/>
-                </a:path>
-              </a:pathLst>
-            </a:custGeom>
-            <a:grpFill/>
-            <a:ln>
-              <a:noFill/>
-            </a:ln>
-            <a:extLst>
-              <a:ext uri="{91240B29-F687-4f45-9708-019B960494DF}">
-                <a14:hiddenLine xmlns="" xmlns:a16="http://schemas.microsoft.com/office/drawing/2014/main" xmlns:p14="http://schemas.microsoft.com/office/powerpoint/2010/main" xmlns:a14="http://schemas.microsoft.com/office/drawing/2010/main" w="9525">
-                  <a:solidFill>
-                    <a:srgbClr val="000000"/>
-                  </a:solidFill>
-                  <a:round/>
-                  <a:headEnd/>
-                  <a:tailEnd/>
-                </a14:hiddenLine>
-              </a:ext>
-            </a:extLst>
-          </p:spPr>
-        </p:sp>
-        <p:sp>
-          <p:nvSpPr>
-            <p:cNvPr id="203" name="Freeform 14">
-              <a:extLst>
-                <a:ext uri="{FF2B5EF4-FFF2-40B4-BE49-F238E27FC236}">
-                  <a16:creationId xmlns:a16="http://schemas.microsoft.com/office/drawing/2014/main" id="{59FD699C-3920-4E57-BE27-165A3F036C20}"/>
-                </a:ext>
-                <a:ext uri="{C183D7F6-B498-43B3-948B-1728B52AA6E4}">
-                  <adec:decorative xmlns:adec="http://schemas.microsoft.com/office/drawing/2017/decorative" val="1"/>
-                </a:ext>
-              </a:extLst>
-            </p:cNvPr>
-            <p:cNvSpPr/>
-            <p:nvPr>
-              <p:extLst>
-                <p:ext uri="{386F3935-93C4-4BCD-93E2-E3B085C9AB24}">
-                  <p16:designElem xmlns:p16="http://schemas.microsoft.com/office/powerpoint/2015/main" val="1"/>
-                </p:ext>
-              </p:extLst>
-            </p:nvPr>
-          </p:nvSpPr>
-          <p:spPr bwMode="auto">
-            <a:xfrm>
-              <a:off x="641350" y="0"/>
-              <a:ext cx="422275" cy="527050"/>
-            </a:xfrm>
-            <a:custGeom>
-              <a:avLst/>
-              <a:gdLst/>
-              <a:ahLst/>
-              <a:cxnLst/>
-              <a:rect l="0" t="0" r="r" b="b"/>
-              <a:pathLst>
-                <a:path w="266" h="332">
-                  <a:moveTo>
-                    <a:pt x="257" y="332"/>
-                  </a:moveTo>
-                  <a:lnTo>
-                    <a:pt x="48" y="123"/>
-                  </a:lnTo>
-                  <a:lnTo>
-                    <a:pt x="0" y="6"/>
-                  </a:lnTo>
-                  <a:lnTo>
-                    <a:pt x="15" y="0"/>
-                  </a:lnTo>
-                  <a:lnTo>
-                    <a:pt x="63" y="114"/>
-                  </a:lnTo>
-                  <a:lnTo>
-                    <a:pt x="266" y="320"/>
-                  </a:lnTo>
-                  <a:lnTo>
-                    <a:pt x="257" y="332"/>
-                  </a:lnTo>
-                  <a:close/>
-                </a:path>
-              </a:pathLst>
-            </a:custGeom>
-            <a:grpFill/>
-            <a:ln>
-              <a:noFill/>
-            </a:ln>
-            <a:extLst>
-              <a:ext uri="{91240B29-F687-4f45-9708-019B960494DF}">
-                <a14:hiddenLine xmlns="" xmlns:a16="http://schemas.microsoft.com/office/drawing/2014/main" xmlns:p14="http://schemas.microsoft.com/office/powerpoint/2010/main" xmlns:a14="http://schemas.microsoft.com/office/drawing/2010/main" w="9525">
-                  <a:solidFill>
-                    <a:srgbClr val="000000"/>
-                  </a:solidFill>
-                  <a:round/>
-                  <a:headEnd/>
-                  <a:tailEnd/>
-                </a14:hiddenLine>
-              </a:ext>
-            </a:extLst>
-          </p:spPr>
-        </p:sp>
-        <p:sp>
-          <p:nvSpPr>
-            <p:cNvPr id="204" name="Freeform 15">
-              <a:extLst>
-                <a:ext uri="{FF2B5EF4-FFF2-40B4-BE49-F238E27FC236}">
-                  <a16:creationId xmlns:a16="http://schemas.microsoft.com/office/drawing/2014/main" id="{0FB0C02E-3F53-4889-8ADF-80DBC43F693C}"/>
-                </a:ext>
-                <a:ext uri="{C183D7F6-B498-43B3-948B-1728B52AA6E4}">
-                  <adec:decorative xmlns:adec="http://schemas.microsoft.com/office/drawing/2017/decorative" val="1"/>
-                </a:ext>
-              </a:extLst>
-            </p:cNvPr>
-            <p:cNvSpPr>
-              <a:spLocks noEditPoints="1"/>
-            </p:cNvSpPr>
-            <p:nvPr>
-              <p:extLst>
-                <p:ext uri="{386F3935-93C4-4BCD-93E2-E3B085C9AB24}">
-                  <p16:designElem xmlns:p16="http://schemas.microsoft.com/office/powerpoint/2015/main" val="1"/>
-                </p:ext>
-              </p:extLst>
-            </p:nvPr>
-          </p:nvSpPr>
-          <p:spPr bwMode="auto">
-            <a:xfrm>
-              <a:off x="1020762" y="488950"/>
-              <a:ext cx="161925" cy="147638"/>
-            </a:xfrm>
-            <a:custGeom>
-              <a:avLst/>
-              <a:gdLst/>
-              <a:ahLst/>
-              <a:cxnLst/>
-              <a:rect l="0" t="0" r="r" b="b"/>
-              <a:pathLst>
-                <a:path w="34" h="31">
-                  <a:moveTo>
-                    <a:pt x="17" y="31"/>
-                  </a:moveTo>
-                  <a:cubicBezTo>
-                    <a:pt x="13" y="31"/>
-                    <a:pt x="9" y="30"/>
-                    <a:pt x="6" y="27"/>
-                  </a:cubicBezTo>
-                  <a:cubicBezTo>
-                    <a:pt x="0" y="20"/>
-                    <a:pt x="0" y="10"/>
-                    <a:pt x="6" y="4"/>
-                  </a:cubicBezTo>
-                  <a:cubicBezTo>
-                    <a:pt x="9" y="1"/>
-                    <a:pt x="13" y="0"/>
-                    <a:pt x="17" y="0"/>
-                  </a:cubicBezTo>
-                  <a:cubicBezTo>
-                    <a:pt x="21" y="0"/>
-                    <a:pt x="25" y="1"/>
-                    <a:pt x="28" y="4"/>
-                  </a:cubicBezTo>
-                  <a:cubicBezTo>
-                    <a:pt x="34" y="10"/>
-                    <a:pt x="34" y="20"/>
-                    <a:pt x="28" y="27"/>
-                  </a:cubicBezTo>
-                  <a:cubicBezTo>
-                    <a:pt x="25" y="30"/>
-                    <a:pt x="21" y="31"/>
-                    <a:pt x="17" y="31"/>
-                  </a:cubicBezTo>
-                  <a:close/>
-                  <a:moveTo>
-                    <a:pt x="17" y="4"/>
-                  </a:moveTo>
-                  <a:cubicBezTo>
-                    <a:pt x="14" y="4"/>
-                    <a:pt x="11" y="5"/>
-                    <a:pt x="9" y="7"/>
-                  </a:cubicBezTo>
-                  <a:cubicBezTo>
-                    <a:pt x="4" y="12"/>
-                    <a:pt x="4" y="19"/>
-                    <a:pt x="9" y="24"/>
-                  </a:cubicBezTo>
-                  <a:cubicBezTo>
-                    <a:pt x="11" y="26"/>
-                    <a:pt x="14" y="27"/>
-                    <a:pt x="17" y="27"/>
-                  </a:cubicBezTo>
-                  <a:cubicBezTo>
-                    <a:pt x="20" y="27"/>
-                    <a:pt x="23" y="26"/>
-                    <a:pt x="25" y="24"/>
-                  </a:cubicBezTo>
-                  <a:cubicBezTo>
-                    <a:pt x="30" y="19"/>
-                    <a:pt x="30" y="12"/>
-                    <a:pt x="25" y="7"/>
-                  </a:cubicBezTo>
-                  <a:cubicBezTo>
-                    <a:pt x="23" y="5"/>
-                    <a:pt x="20" y="4"/>
-                    <a:pt x="17" y="4"/>
-                  </a:cubicBezTo>
-                  <a:close/>
-                </a:path>
-              </a:pathLst>
-            </a:custGeom>
-            <a:grpFill/>
-            <a:ln>
-              <a:noFill/>
-            </a:ln>
-            <a:extLst>
-              <a:ext uri="{91240B29-F687-4f45-9708-019B960494DF}">
-                <a14:hiddenLine xmlns="" xmlns:a16="http://schemas.microsoft.com/office/drawing/2014/main" xmlns:p14="http://schemas.microsoft.com/office/powerpoint/2010/main" xmlns:a14="http://schemas.microsoft.com/office/drawing/2010/main" w="9525">
-                  <a:solidFill>
-                    <a:srgbClr val="000000"/>
-                  </a:solidFill>
-                  <a:round/>
-                  <a:headEnd/>
-                  <a:tailEnd/>
-                </a14:hiddenLine>
-              </a:ext>
-            </a:extLst>
-          </p:spPr>
-        </p:sp>
-        <p:sp>
-          <p:nvSpPr>
-            <p:cNvPr id="205" name="Line 16">
-              <a:extLst>
-                <a:ext uri="{FF2B5EF4-FFF2-40B4-BE49-F238E27FC236}">
-                  <a16:creationId xmlns:a16="http://schemas.microsoft.com/office/drawing/2014/main" id="{F8A0C89C-946F-4BCD-8A27-BB73E37FE525}"/>
-                </a:ext>
-                <a:ext uri="{C183D7F6-B498-43B3-948B-1728B52AA6E4}">
-                  <adec:decorative xmlns:adec="http://schemas.microsoft.com/office/drawing/2017/decorative" val="1"/>
-                </a:ext>
-              </a:extLst>
-            </p:cNvPr>
-            <p:cNvSpPr>
-              <a:spLocks noChangeShapeType="1"/>
-            </p:cNvSpPr>
-            <p:nvPr>
-              <p:extLst>
-                <p:ext uri="{386F3935-93C4-4BCD-93E2-E3B085C9AB24}">
-                  <p16:designElem xmlns:p16="http://schemas.microsoft.com/office/powerpoint/2015/main" val="1"/>
-                </p:ext>
-              </p:extLst>
-            </p:nvPr>
-          </p:nvSpPr>
-          <p:spPr bwMode="auto">
-            <a:xfrm>
-              <a:off x="-4763" y="9525"/>
-              <a:ext cx="0" cy="0"/>
-            </a:xfrm>
-            <a:prstGeom prst="line">
-              <a:avLst/>
-            </a:prstGeom>
-            <a:grpFill/>
-            <a:ln w="15" cap="flat">
-              <a:solidFill>
-                <a:srgbClr val="FFFFFF"/>
-              </a:solidFill>
-              <a:prstDash val="solid"/>
-              <a:miter lim="800000"/>
-              <a:headEnd/>
-              <a:tailEnd/>
-            </a:ln>
-          </p:spPr>
-        </p:sp>
-        <p:sp>
-          <p:nvSpPr>
-            <p:cNvPr id="206" name="Freeform 17">
-              <a:extLst>
-                <a:ext uri="{FF2B5EF4-FFF2-40B4-BE49-F238E27FC236}">
-                  <a16:creationId xmlns:a16="http://schemas.microsoft.com/office/drawing/2014/main" id="{70C83EAF-4E92-4849-A240-B257871DC033}"/>
-                </a:ext>
-                <a:ext uri="{C183D7F6-B498-43B3-948B-1728B52AA6E4}">
-                  <adec:decorative xmlns:adec="http://schemas.microsoft.com/office/drawing/2017/decorative" val="1"/>
-                </a:ext>
-              </a:extLst>
-            </p:cNvPr>
-            <p:cNvSpPr/>
-            <p:nvPr>
-              <p:extLst>
-                <p:ext uri="{386F3935-93C4-4BCD-93E2-E3B085C9AB24}">
-                  <p16:designElem xmlns:p16="http://schemas.microsoft.com/office/powerpoint/2015/main" val="1"/>
-                </p:ext>
-              </p:extLst>
-            </p:nvPr>
-          </p:nvSpPr>
-          <p:spPr bwMode="auto">
-            <a:xfrm>
-              <a:off x="9525" y="1801813"/>
-              <a:ext cx="123825" cy="127000"/>
-            </a:xfrm>
-            <a:custGeom>
-              <a:avLst/>
-              <a:gdLst/>
-              <a:ahLst/>
-              <a:cxnLst/>
-              <a:rect l="0" t="0" r="r" b="b"/>
-              <a:pathLst>
-                <a:path w="78" h="80">
-                  <a:moveTo>
-                    <a:pt x="6" y="80"/>
-                  </a:moveTo>
-                  <a:lnTo>
-                    <a:pt x="0" y="71"/>
-                  </a:lnTo>
-                  <a:lnTo>
-                    <a:pt x="69" y="0"/>
-                  </a:lnTo>
-                  <a:lnTo>
-                    <a:pt x="78" y="9"/>
-                  </a:lnTo>
-                  <a:lnTo>
-                    <a:pt x="6" y="80"/>
-                  </a:lnTo>
-                  <a:close/>
-                </a:path>
-              </a:pathLst>
-            </a:custGeom>
-            <a:grpFill/>
-            <a:ln>
-              <a:noFill/>
-            </a:ln>
-            <a:extLst>
-              <a:ext uri="{91240B29-F687-4f45-9708-019B960494DF}">
-                <a14:hiddenLine xmlns="" xmlns:a16="http://schemas.microsoft.com/office/drawing/2014/main" xmlns:p14="http://schemas.microsoft.com/office/powerpoint/2010/main" xmlns:a14="http://schemas.microsoft.com/office/drawing/2010/main" w="9525">
-                  <a:solidFill>
-                    <a:srgbClr val="000000"/>
-                  </a:solidFill>
-                  <a:round/>
-                  <a:headEnd/>
-                  <a:tailEnd/>
-                </a14:hiddenLine>
-              </a:ext>
-            </a:extLst>
-          </p:spPr>
-        </p:sp>
-        <p:sp>
-          <p:nvSpPr>
-            <p:cNvPr id="207" name="Freeform 18">
-              <a:extLst>
-                <a:ext uri="{FF2B5EF4-FFF2-40B4-BE49-F238E27FC236}">
-                  <a16:creationId xmlns:a16="http://schemas.microsoft.com/office/drawing/2014/main" id="{320FD164-4D7A-469C-B3F4-B926BFACF53D}"/>
-                </a:ext>
-                <a:ext uri="{C183D7F6-B498-43B3-948B-1728B52AA6E4}">
-                  <adec:decorative xmlns:adec="http://schemas.microsoft.com/office/drawing/2017/decorative" val="1"/>
-                </a:ext>
-              </a:extLst>
-            </p:cNvPr>
-            <p:cNvSpPr/>
-            <p:nvPr>
-              <p:extLst>
-                <p:ext uri="{386F3935-93C4-4BCD-93E2-E3B085C9AB24}">
-                  <p16:designElem xmlns:p16="http://schemas.microsoft.com/office/powerpoint/2015/main" val="1"/>
-                </p:ext>
-              </p:extLst>
-            </p:nvPr>
-          </p:nvSpPr>
-          <p:spPr bwMode="auto">
-            <a:xfrm>
-              <a:off x="-9525" y="3549650"/>
-              <a:ext cx="147638" cy="481013"/>
-            </a:xfrm>
-            <a:custGeom>
-              <a:avLst/>
-              <a:gdLst/>
-              <a:ahLst/>
-              <a:cxnLst/>
-              <a:rect l="0" t="0" r="r" b="b"/>
-              <a:pathLst>
-                <a:path w="93" h="303">
-                  <a:moveTo>
-                    <a:pt x="93" y="303"/>
-                  </a:moveTo>
-                  <a:lnTo>
-                    <a:pt x="78" y="303"/>
-                  </a:lnTo>
-                  <a:lnTo>
-                    <a:pt x="78" y="78"/>
-                  </a:lnTo>
-                  <a:lnTo>
-                    <a:pt x="0" y="12"/>
-                  </a:lnTo>
-                  <a:lnTo>
-                    <a:pt x="12" y="0"/>
-                  </a:lnTo>
-                  <a:lnTo>
-                    <a:pt x="93" y="69"/>
-                  </a:lnTo>
-                  <a:lnTo>
-                    <a:pt x="93" y="303"/>
-                  </a:lnTo>
-                  <a:close/>
-                </a:path>
-              </a:pathLst>
-            </a:custGeom>
-            <a:grpFill/>
-            <a:ln>
-              <a:noFill/>
-            </a:ln>
-            <a:extLst>
-              <a:ext uri="{91240B29-F687-4f45-9708-019B960494DF}">
-                <a14:hiddenLine xmlns="" xmlns:a16="http://schemas.microsoft.com/office/drawing/2014/main" xmlns:p14="http://schemas.microsoft.com/office/powerpoint/2010/main" xmlns:a14="http://schemas.microsoft.com/office/drawing/2010/main" w="9525">
-                  <a:solidFill>
-                    <a:srgbClr val="000000"/>
-                  </a:solidFill>
-                  <a:round/>
-                  <a:headEnd/>
-                  <a:tailEnd/>
-                </a14:hiddenLine>
-              </a:ext>
-            </a:extLst>
-          </p:spPr>
-        </p:sp>
-        <p:sp>
-          <p:nvSpPr>
-            <p:cNvPr id="208" name="Freeform 19">
-              <a:extLst>
-                <a:ext uri="{FF2B5EF4-FFF2-40B4-BE49-F238E27FC236}">
-                  <a16:creationId xmlns:a16="http://schemas.microsoft.com/office/drawing/2014/main" id="{F6E14D9A-4E63-48FF-95C5-9E8DDFF86C45}"/>
-                </a:ext>
-                <a:ext uri="{C183D7F6-B498-43B3-948B-1728B52AA6E4}">
-                  <adec:decorative xmlns:adec="http://schemas.microsoft.com/office/drawing/2017/decorative" val="1"/>
-                </a:ext>
-              </a:extLst>
-            </p:cNvPr>
-            <p:cNvSpPr/>
-            <p:nvPr>
-              <p:extLst>
-                <p:ext uri="{386F3935-93C4-4BCD-93E2-E3B085C9AB24}">
-                  <p16:designElem xmlns:p16="http://schemas.microsoft.com/office/powerpoint/2015/main" val="1"/>
-                </p:ext>
-              </p:extLst>
-            </p:nvPr>
-          </p:nvSpPr>
-          <p:spPr bwMode="auto">
-            <a:xfrm>
-              <a:off x="128587" y="1382713"/>
-              <a:ext cx="142875" cy="476250"/>
-            </a:xfrm>
-            <a:custGeom>
-              <a:avLst/>
-              <a:gdLst/>
-              <a:ahLst/>
-              <a:cxnLst/>
-              <a:rect l="0" t="0" r="r" b="b"/>
-              <a:pathLst>
-                <a:path w="90" h="300">
-                  <a:moveTo>
-                    <a:pt x="90" y="300"/>
-                  </a:moveTo>
-                  <a:lnTo>
-                    <a:pt x="78" y="300"/>
-                  </a:lnTo>
-                  <a:lnTo>
-                    <a:pt x="78" y="84"/>
-                  </a:lnTo>
-                  <a:lnTo>
-                    <a:pt x="0" y="9"/>
-                  </a:lnTo>
-                  <a:lnTo>
-                    <a:pt x="9" y="0"/>
-                  </a:lnTo>
-                  <a:lnTo>
-                    <a:pt x="90" y="81"/>
-                  </a:lnTo>
-                  <a:lnTo>
-                    <a:pt x="90" y="300"/>
-                  </a:lnTo>
-                  <a:close/>
-                </a:path>
-              </a:pathLst>
-            </a:custGeom>
-            <a:grpFill/>
-            <a:ln>
-              <a:noFill/>
-            </a:ln>
-            <a:extLst>
-              <a:ext uri="{91240B29-F687-4f45-9708-019B960494DF}">
-                <a14:hiddenLine xmlns="" xmlns:a16="http://schemas.microsoft.com/office/drawing/2014/main" xmlns:p14="http://schemas.microsoft.com/office/powerpoint/2010/main" xmlns:a14="http://schemas.microsoft.com/office/drawing/2010/main" w="9525">
-                  <a:solidFill>
-                    <a:srgbClr val="000000"/>
-                  </a:solidFill>
-                  <a:round/>
-                  <a:headEnd/>
-                  <a:tailEnd/>
-                </a14:hiddenLine>
-              </a:ext>
-            </a:extLst>
-          </p:spPr>
-        </p:sp>
-        <p:sp>
-          <p:nvSpPr>
-            <p:cNvPr id="209" name="Freeform 20">
-              <a:extLst>
-                <a:ext uri="{FF2B5EF4-FFF2-40B4-BE49-F238E27FC236}">
-                  <a16:creationId xmlns:a16="http://schemas.microsoft.com/office/drawing/2014/main" id="{F3DCD24F-3CA8-4404-B22C-E4C928995F3B}"/>
-                </a:ext>
-                <a:ext uri="{C183D7F6-B498-43B3-948B-1728B52AA6E4}">
-                  <adec:decorative xmlns:adec="http://schemas.microsoft.com/office/drawing/2017/decorative" val="1"/>
-                </a:ext>
-              </a:extLst>
-            </p:cNvPr>
-            <p:cNvSpPr>
-              <a:spLocks noEditPoints="1"/>
-            </p:cNvSpPr>
-            <p:nvPr>
-              <p:extLst>
-                <p:ext uri="{386F3935-93C4-4BCD-93E2-E3B085C9AB24}">
-                  <p16:designElem xmlns:p16="http://schemas.microsoft.com/office/powerpoint/2015/main" val="1"/>
-                </p:ext>
-              </p:extLst>
-            </p:nvPr>
-          </p:nvSpPr>
-          <p:spPr bwMode="auto">
-            <a:xfrm>
-              <a:off x="204787" y="1849438"/>
-              <a:ext cx="114300" cy="107950"/>
-            </a:xfrm>
-            <a:custGeom>
-              <a:avLst/>
-              <a:gdLst/>
-              <a:ahLst/>
-              <a:cxnLst/>
-              <a:rect l="0" t="0" r="r" b="b"/>
-              <a:pathLst>
-                <a:path w="24" h="23">
-                  <a:moveTo>
-                    <a:pt x="12" y="23"/>
-                  </a:moveTo>
-                  <a:cubicBezTo>
-                    <a:pt x="6" y="23"/>
-                    <a:pt x="0" y="18"/>
-                    <a:pt x="0" y="12"/>
-                  </a:cubicBezTo>
-                  <a:cubicBezTo>
-                    <a:pt x="0" y="5"/>
-                    <a:pt x="6" y="0"/>
-                    <a:pt x="12" y="0"/>
-                  </a:cubicBezTo>
-                  <a:cubicBezTo>
-                    <a:pt x="18" y="0"/>
-                    <a:pt x="24" y="5"/>
-                    <a:pt x="24" y="12"/>
-                  </a:cubicBezTo>
-                  <a:cubicBezTo>
-                    <a:pt x="24" y="18"/>
-                    <a:pt x="18" y="23"/>
-                    <a:pt x="12" y="23"/>
-                  </a:cubicBezTo>
-                  <a:close/>
-                  <a:moveTo>
-                    <a:pt x="12" y="4"/>
-                  </a:moveTo>
-                  <a:cubicBezTo>
-                    <a:pt x="8" y="4"/>
-                    <a:pt x="4" y="8"/>
-                    <a:pt x="4" y="12"/>
-                  </a:cubicBezTo>
-                  <a:cubicBezTo>
-                    <a:pt x="4" y="16"/>
-                    <a:pt x="8" y="19"/>
-                    <a:pt x="12" y="19"/>
-                  </a:cubicBezTo>
-                  <a:cubicBezTo>
-                    <a:pt x="16" y="19"/>
-                    <a:pt x="20" y="16"/>
-                    <a:pt x="20" y="12"/>
-                  </a:cubicBezTo>
-                  <a:cubicBezTo>
-                    <a:pt x="20" y="8"/>
-                    <a:pt x="16" y="4"/>
-                    <a:pt x="12" y="4"/>
-                  </a:cubicBezTo>
-                  <a:close/>
-                </a:path>
-              </a:pathLst>
-            </a:custGeom>
-            <a:grpFill/>
-            <a:ln>
-              <a:noFill/>
-            </a:ln>
-            <a:extLst>
-              <a:ext uri="{91240B29-F687-4f45-9708-019B960494DF}">
-                <a14:hiddenLine xmlns="" xmlns:a16="http://schemas.microsoft.com/office/drawing/2014/main" xmlns:p14="http://schemas.microsoft.com/office/powerpoint/2010/main" xmlns:a14="http://schemas.microsoft.com/office/drawing/2010/main" w="9525">
-                  <a:solidFill>
-                    <a:srgbClr val="000000"/>
-                  </a:solidFill>
-                  <a:round/>
-                  <a:headEnd/>
-                  <a:tailEnd/>
-                </a14:hiddenLine>
-              </a:ext>
-            </a:extLst>
-          </p:spPr>
-        </p:sp>
-        <p:sp>
-          <p:nvSpPr>
-            <p:cNvPr id="210" name="Rectangle 21">
-              <a:extLst>
-                <a:ext uri="{FF2B5EF4-FFF2-40B4-BE49-F238E27FC236}">
-                  <a16:creationId xmlns:a16="http://schemas.microsoft.com/office/drawing/2014/main" id="{8AD2E827-32A3-4BE4-9CC6-8315629177AE}"/>
-                </a:ext>
-                <a:ext uri="{C183D7F6-B498-43B3-948B-1728B52AA6E4}">
-                  <adec:decorative xmlns:adec="http://schemas.microsoft.com/office/drawing/2017/decorative" val="1"/>
-                </a:ext>
-              </a:extLst>
-            </p:cNvPr>
-            <p:cNvSpPr>
-              <a:spLocks noChangeArrowheads="1"/>
-            </p:cNvSpPr>
-            <p:nvPr>
-              <p:extLst>
-                <p:ext uri="{386F3935-93C4-4BCD-93E2-E3B085C9AB24}">
-                  <p16:designElem xmlns:p16="http://schemas.microsoft.com/office/powerpoint/2015/main" val="1"/>
-                </p:ext>
-              </p:extLst>
-            </p:nvPr>
-          </p:nvSpPr>
-          <p:spPr bwMode="auto">
-            <a:xfrm>
-              <a:off x="133350" y="4662488"/>
-              <a:ext cx="23813" cy="2181225"/>
-            </a:xfrm>
-            <a:prstGeom prst="rect">
-              <a:avLst/>
-            </a:prstGeom>
-            <a:grpFill/>
-            <a:ln>
-              <a:noFill/>
-            </a:ln>
-            <a:extLst>
-              <a:ext uri="{91240B29-F687-4f45-9708-019B960494DF}">
-                <a14:hiddenLine xmlns="" xmlns:a16="http://schemas.microsoft.com/office/drawing/2014/main" xmlns:p14="http://schemas.microsoft.com/office/powerpoint/2010/main" xmlns:a14="http://schemas.microsoft.com/office/drawing/2010/main" w="9525">
-                  <a:solidFill>
-                    <a:srgbClr val="000000"/>
-                  </a:solidFill>
-                  <a:miter lim="800000"/>
-                  <a:headEnd/>
-                  <a:tailEnd/>
-                </a14:hiddenLine>
-              </a:ext>
-            </a:extLst>
-          </p:spPr>
-        </p:sp>
-        <p:sp>
-          <p:nvSpPr>
-            <p:cNvPr id="211" name="Freeform 22">
-              <a:extLst>
-                <a:ext uri="{FF2B5EF4-FFF2-40B4-BE49-F238E27FC236}">
-                  <a16:creationId xmlns:a16="http://schemas.microsoft.com/office/drawing/2014/main" id="{47FB2CCC-1230-494F-B2D1-F05E5B8EDF55}"/>
-                </a:ext>
-                <a:ext uri="{C183D7F6-B498-43B3-948B-1728B52AA6E4}">
-                  <adec:decorative xmlns:adec="http://schemas.microsoft.com/office/drawing/2017/decorative" val="1"/>
-                </a:ext>
-              </a:extLst>
-            </p:cNvPr>
-            <p:cNvSpPr/>
-            <p:nvPr>
-              <p:extLst>
-                <p:ext uri="{386F3935-93C4-4BCD-93E2-E3B085C9AB24}">
-                  <p16:designElem xmlns:p16="http://schemas.microsoft.com/office/powerpoint/2015/main" val="1"/>
-                </p:ext>
-              </p:extLst>
-            </p:nvPr>
-          </p:nvSpPr>
-          <p:spPr bwMode="auto">
-            <a:xfrm>
-              <a:off x="223837" y="5041900"/>
-              <a:ext cx="369888" cy="1801813"/>
-            </a:xfrm>
-            <a:custGeom>
-              <a:avLst/>
-              <a:gdLst/>
-              <a:ahLst/>
-              <a:cxnLst/>
-              <a:rect l="0" t="0" r="r" b="b"/>
-              <a:pathLst>
-                <a:path w="233" h="1135">
-                  <a:moveTo>
-                    <a:pt x="15" y="1135"/>
-                  </a:moveTo>
-                  <a:lnTo>
-                    <a:pt x="0" y="1135"/>
-                  </a:lnTo>
-                  <a:lnTo>
-                    <a:pt x="0" y="515"/>
-                  </a:lnTo>
-                  <a:lnTo>
-                    <a:pt x="0" y="512"/>
-                  </a:lnTo>
-                  <a:lnTo>
-                    <a:pt x="218" y="0"/>
-                  </a:lnTo>
-                  <a:lnTo>
-                    <a:pt x="233" y="6"/>
-                  </a:lnTo>
-                  <a:lnTo>
-                    <a:pt x="15" y="518"/>
-                  </a:lnTo>
-                  <a:lnTo>
-                    <a:pt x="15" y="1135"/>
-                  </a:lnTo>
-                  <a:close/>
-                </a:path>
-              </a:pathLst>
-            </a:custGeom>
-            <a:grpFill/>
-            <a:ln>
-              <a:noFill/>
-            </a:ln>
-            <a:extLst>
-              <a:ext uri="{91240B29-F687-4f45-9708-019B960494DF}">
-                <a14:hiddenLine xmlns="" xmlns:a16="http://schemas.microsoft.com/office/drawing/2014/main" xmlns:p14="http://schemas.microsoft.com/office/powerpoint/2010/main" xmlns:a14="http://schemas.microsoft.com/office/drawing/2010/main" w="9525">
-                  <a:solidFill>
-                    <a:srgbClr val="000000"/>
-                  </a:solidFill>
-                  <a:round/>
-                  <a:headEnd/>
-                  <a:tailEnd/>
-                </a14:hiddenLine>
-              </a:ext>
-            </a:extLst>
-          </p:spPr>
-        </p:sp>
-        <p:sp>
-          <p:nvSpPr>
-            <p:cNvPr id="212" name="Freeform 23">
-              <a:extLst>
-                <a:ext uri="{FF2B5EF4-FFF2-40B4-BE49-F238E27FC236}">
-                  <a16:creationId xmlns:a16="http://schemas.microsoft.com/office/drawing/2014/main" id="{A5F44514-9274-47E3-9243-CA9356C166B5}"/>
-                </a:ext>
-                <a:ext uri="{C183D7F6-B498-43B3-948B-1728B52AA6E4}">
-                  <adec:decorative xmlns:adec="http://schemas.microsoft.com/office/drawing/2017/decorative" val="1"/>
-                </a:ext>
-              </a:extLst>
-            </p:cNvPr>
-            <p:cNvSpPr>
-              <a:spLocks noEditPoints="1"/>
-            </p:cNvSpPr>
-            <p:nvPr>
-              <p:extLst>
-                <p:ext uri="{386F3935-93C4-4BCD-93E2-E3B085C9AB24}">
-                  <p16:designElem xmlns:p16="http://schemas.microsoft.com/office/powerpoint/2015/main" val="1"/>
-                </p:ext>
-              </p:extLst>
-            </p:nvPr>
-          </p:nvSpPr>
-          <p:spPr bwMode="auto">
-            <a:xfrm>
-              <a:off x="52387" y="4481513"/>
-              <a:ext cx="190500" cy="190500"/>
-            </a:xfrm>
-            <a:custGeom>
-              <a:avLst/>
-              <a:gdLst/>
-              <a:ahLst/>
-              <a:cxnLst/>
-              <a:rect l="0" t="0" r="r" b="b"/>
-              <a:pathLst>
-                <a:path w="40" h="40">
-                  <a:moveTo>
-                    <a:pt x="20" y="40"/>
-                  </a:moveTo>
-                  <a:cubicBezTo>
-                    <a:pt x="9" y="40"/>
-                    <a:pt x="0" y="31"/>
-                    <a:pt x="0" y="20"/>
-                  </a:cubicBezTo>
-                  <a:cubicBezTo>
-                    <a:pt x="0" y="9"/>
-                    <a:pt x="9" y="0"/>
-                    <a:pt x="20" y="0"/>
-                  </a:cubicBezTo>
-                  <a:cubicBezTo>
-                    <a:pt x="31" y="0"/>
-                    <a:pt x="40" y="9"/>
-                    <a:pt x="40" y="20"/>
-                  </a:cubicBezTo>
-                  <a:cubicBezTo>
-                    <a:pt x="40" y="31"/>
-                    <a:pt x="31" y="40"/>
-                    <a:pt x="20" y="40"/>
-                  </a:cubicBezTo>
-                  <a:close/>
-                  <a:moveTo>
-                    <a:pt x="20" y="4"/>
-                  </a:moveTo>
-                  <a:cubicBezTo>
-                    <a:pt x="11" y="4"/>
-                    <a:pt x="4" y="11"/>
-                    <a:pt x="4" y="20"/>
-                  </a:cubicBezTo>
-                  <a:cubicBezTo>
-                    <a:pt x="4" y="29"/>
-                    <a:pt x="11" y="36"/>
-                    <a:pt x="20" y="36"/>
-                  </a:cubicBezTo>
-                  <a:cubicBezTo>
-                    <a:pt x="28" y="36"/>
-                    <a:pt x="36" y="29"/>
-                    <a:pt x="36" y="20"/>
-                  </a:cubicBezTo>
-                  <a:cubicBezTo>
-                    <a:pt x="36" y="11"/>
-                    <a:pt x="28" y="4"/>
-                    <a:pt x="20" y="4"/>
-                  </a:cubicBezTo>
-                  <a:close/>
-                </a:path>
-              </a:pathLst>
-            </a:custGeom>
-            <a:grpFill/>
-            <a:ln>
-              <a:noFill/>
-            </a:ln>
-            <a:extLst>
-              <a:ext uri="{91240B29-F687-4f45-9708-019B960494DF}">
-                <a14:hiddenLine xmlns="" xmlns:a16="http://schemas.microsoft.com/office/drawing/2014/main" xmlns:p14="http://schemas.microsoft.com/office/powerpoint/2010/main" xmlns:a14="http://schemas.microsoft.com/office/drawing/2010/main" w="9525">
-                  <a:solidFill>
-                    <a:srgbClr val="000000"/>
-                  </a:solidFill>
-                  <a:round/>
-                  <a:headEnd/>
-                  <a:tailEnd/>
-                </a14:hiddenLine>
-              </a:ext>
-            </a:extLst>
-          </p:spPr>
-        </p:sp>
-        <p:sp>
-          <p:nvSpPr>
-            <p:cNvPr id="213" name="Freeform 24">
-              <a:extLst>
-                <a:ext uri="{FF2B5EF4-FFF2-40B4-BE49-F238E27FC236}">
-                  <a16:creationId xmlns:a16="http://schemas.microsoft.com/office/drawing/2014/main" id="{D06192CD-AD86-4DCA-8B53-4ACCA46583A9}"/>
-                </a:ext>
-                <a:ext uri="{C183D7F6-B498-43B3-948B-1728B52AA6E4}">
-                  <adec:decorative xmlns:adec="http://schemas.microsoft.com/office/drawing/2017/decorative" val="1"/>
-                </a:ext>
-              </a:extLst>
-            </p:cNvPr>
-            <p:cNvSpPr/>
-            <p:nvPr>
-              <p:extLst>
-                <p:ext uri="{386F3935-93C4-4BCD-93E2-E3B085C9AB24}">
-                  <p16:designElem xmlns:p16="http://schemas.microsoft.com/office/powerpoint/2015/main" val="1"/>
-                </p:ext>
-              </p:extLst>
-            </p:nvPr>
-          </p:nvSpPr>
-          <p:spPr bwMode="auto">
-            <a:xfrm>
-              <a:off x="-14288" y="5627688"/>
-              <a:ext cx="85725" cy="1216025"/>
-            </a:xfrm>
-            <a:custGeom>
-              <a:avLst/>
-              <a:gdLst/>
-              <a:ahLst/>
-              <a:cxnLst/>
-              <a:rect l="0" t="0" r="r" b="b"/>
-              <a:pathLst>
-                <a:path w="54" h="766">
-                  <a:moveTo>
-                    <a:pt x="54" y="766"/>
-                  </a:moveTo>
-                  <a:lnTo>
-                    <a:pt x="36" y="766"/>
-                  </a:lnTo>
-                  <a:lnTo>
-                    <a:pt x="36" y="149"/>
-                  </a:lnTo>
-                  <a:lnTo>
-                    <a:pt x="0" y="3"/>
-                  </a:lnTo>
-                  <a:lnTo>
-                    <a:pt x="18" y="0"/>
-                  </a:lnTo>
-                  <a:lnTo>
-                    <a:pt x="54" y="146"/>
-                  </a:lnTo>
-                  <a:lnTo>
-                    <a:pt x="54" y="766"/>
-                  </a:lnTo>
-                  <a:close/>
-                </a:path>
-              </a:pathLst>
-            </a:custGeom>
-            <a:grpFill/>
-            <a:ln>
-              <a:noFill/>
-            </a:ln>
-            <a:extLst>
-              <a:ext uri="{91240B29-F687-4f45-9708-019B960494DF}">
-                <a14:hiddenLine xmlns="" xmlns:a16="http://schemas.microsoft.com/office/drawing/2014/main" xmlns:p14="http://schemas.microsoft.com/office/powerpoint/2010/main" xmlns:a14="http://schemas.microsoft.com/office/drawing/2010/main" w="9525">
-                  <a:solidFill>
-                    <a:srgbClr val="000000"/>
-                  </a:solidFill>
-                  <a:round/>
-                  <a:headEnd/>
-                  <a:tailEnd/>
-                </a14:hiddenLine>
-              </a:ext>
-            </a:extLst>
-          </p:spPr>
-        </p:sp>
-        <p:sp>
-          <p:nvSpPr>
-            <p:cNvPr id="214" name="Freeform 25">
-              <a:extLst>
-                <a:ext uri="{FF2B5EF4-FFF2-40B4-BE49-F238E27FC236}">
-                  <a16:creationId xmlns:a16="http://schemas.microsoft.com/office/drawing/2014/main" id="{99E9203A-21E4-46D8-981A-4B28CA320A69}"/>
-                </a:ext>
-                <a:ext uri="{C183D7F6-B498-43B3-948B-1728B52AA6E4}">
-                  <adec:decorative xmlns:adec="http://schemas.microsoft.com/office/drawing/2017/decorative" val="1"/>
-                </a:ext>
-              </a:extLst>
-            </p:cNvPr>
-            <p:cNvSpPr>
-              <a:spLocks noEditPoints="1"/>
-            </p:cNvSpPr>
-            <p:nvPr>
-              <p:extLst>
-                <p:ext uri="{386F3935-93C4-4BCD-93E2-E3B085C9AB24}">
-                  <p16:designElem xmlns:p16="http://schemas.microsoft.com/office/powerpoint/2015/main" val="1"/>
-                </p:ext>
-              </p:extLst>
-            </p:nvPr>
-          </p:nvSpPr>
-          <p:spPr bwMode="auto">
-            <a:xfrm>
-              <a:off x="527050" y="4867275"/>
-              <a:ext cx="190500" cy="188913"/>
-            </a:xfrm>
-            <a:custGeom>
-              <a:avLst/>
-              <a:gdLst/>
-              <a:ahLst/>
-              <a:cxnLst/>
-              <a:rect l="0" t="0" r="r" b="b"/>
-              <a:pathLst>
-                <a:path w="40" h="40">
-                  <a:moveTo>
-                    <a:pt x="20" y="40"/>
-                  </a:moveTo>
-                  <a:cubicBezTo>
-                    <a:pt x="9" y="40"/>
-                    <a:pt x="0" y="31"/>
-                    <a:pt x="0" y="20"/>
-                  </a:cubicBezTo>
-                  <a:cubicBezTo>
-                    <a:pt x="0" y="9"/>
-                    <a:pt x="9" y="0"/>
-                    <a:pt x="20" y="0"/>
-                  </a:cubicBezTo>
-                  <a:cubicBezTo>
-                    <a:pt x="31" y="0"/>
-                    <a:pt x="40" y="9"/>
-                    <a:pt x="40" y="20"/>
-                  </a:cubicBezTo>
-                  <a:cubicBezTo>
-                    <a:pt x="40" y="31"/>
-                    <a:pt x="31" y="40"/>
-                    <a:pt x="20" y="40"/>
-                  </a:cubicBezTo>
-                  <a:close/>
-                  <a:moveTo>
-                    <a:pt x="20" y="4"/>
-                  </a:moveTo>
-                  <a:cubicBezTo>
-                    <a:pt x="11" y="4"/>
-                    <a:pt x="4" y="11"/>
-                    <a:pt x="4" y="20"/>
-                  </a:cubicBezTo>
-                  <a:cubicBezTo>
-                    <a:pt x="4" y="29"/>
-                    <a:pt x="11" y="36"/>
-                    <a:pt x="20" y="36"/>
-                  </a:cubicBezTo>
-                  <a:cubicBezTo>
-                    <a:pt x="29" y="36"/>
-                    <a:pt x="36" y="29"/>
-                    <a:pt x="36" y="20"/>
-                  </a:cubicBezTo>
-                  <a:cubicBezTo>
-                    <a:pt x="36" y="11"/>
-                    <a:pt x="29" y="4"/>
-                    <a:pt x="20" y="4"/>
-                  </a:cubicBezTo>
-                  <a:close/>
-                </a:path>
-              </a:pathLst>
-            </a:custGeom>
-            <a:grpFill/>
-            <a:ln>
-              <a:noFill/>
-            </a:ln>
-            <a:extLst>
-              <a:ext uri="{91240B29-F687-4f45-9708-019B960494DF}">
-                <a14:hiddenLine xmlns="" xmlns:a16="http://schemas.microsoft.com/office/drawing/2014/main" xmlns:p14="http://schemas.microsoft.com/office/powerpoint/2010/main" xmlns:a14="http://schemas.microsoft.com/office/drawing/2010/main" w="9525">
-                  <a:solidFill>
-                    <a:srgbClr val="000000"/>
-                  </a:solidFill>
-                  <a:round/>
-                  <a:headEnd/>
-                  <a:tailEnd/>
-                </a14:hiddenLine>
-              </a:ext>
-            </a:extLst>
-          </p:spPr>
-        </p:sp>
-        <p:sp>
-          <p:nvSpPr>
-            <p:cNvPr id="215" name="Freeform 26">
-              <a:extLst>
-                <a:ext uri="{FF2B5EF4-FFF2-40B4-BE49-F238E27FC236}">
-                  <a16:creationId xmlns:a16="http://schemas.microsoft.com/office/drawing/2014/main" id="{32FCE9B6-FB52-4045-8DCC-E5959B9A403B}"/>
-                </a:ext>
-                <a:ext uri="{C183D7F6-B498-43B3-948B-1728B52AA6E4}">
-                  <adec:decorative xmlns:adec="http://schemas.microsoft.com/office/drawing/2017/decorative" val="1"/>
-                </a:ext>
-              </a:extLst>
-            </p:cNvPr>
-            <p:cNvSpPr/>
-            <p:nvPr>
-              <p:extLst>
-                <p:ext uri="{386F3935-93C4-4BCD-93E2-E3B085C9AB24}">
-                  <p16:designElem xmlns:p16="http://schemas.microsoft.com/office/powerpoint/2015/main" val="1"/>
-                </p:ext>
-              </p:extLst>
-            </p:nvPr>
-          </p:nvSpPr>
-          <p:spPr bwMode="auto">
-            <a:xfrm>
-              <a:off x="309562" y="5422900"/>
-              <a:ext cx="374650" cy="1425575"/>
-            </a:xfrm>
-            <a:custGeom>
-              <a:avLst/>
-              <a:gdLst/>
-              <a:ahLst/>
-              <a:cxnLst/>
-              <a:rect l="0" t="0" r="r" b="b"/>
-              <a:pathLst>
-                <a:path w="236" h="898">
-                  <a:moveTo>
-                    <a:pt x="18" y="898"/>
-                  </a:moveTo>
-                  <a:lnTo>
-                    <a:pt x="0" y="898"/>
-                  </a:lnTo>
-                  <a:lnTo>
-                    <a:pt x="0" y="515"/>
-                  </a:lnTo>
-                  <a:lnTo>
-                    <a:pt x="3" y="512"/>
-                  </a:lnTo>
-                  <a:lnTo>
-                    <a:pt x="221" y="0"/>
-                  </a:lnTo>
-                  <a:lnTo>
-                    <a:pt x="236" y="6"/>
-                  </a:lnTo>
-                  <a:lnTo>
-                    <a:pt x="18" y="518"/>
-                  </a:lnTo>
-                  <a:lnTo>
-                    <a:pt x="18" y="898"/>
-                  </a:lnTo>
-                  <a:close/>
-                </a:path>
-              </a:pathLst>
-            </a:custGeom>
-            <a:grpFill/>
-            <a:ln>
-              <a:noFill/>
-            </a:ln>
-            <a:extLst>
-              <a:ext uri="{91240B29-F687-4f45-9708-019B960494DF}">
-                <a14:hiddenLine xmlns="" xmlns:a16="http://schemas.microsoft.com/office/drawing/2014/main" xmlns:p14="http://schemas.microsoft.com/office/powerpoint/2010/main" xmlns:a14="http://schemas.microsoft.com/office/drawing/2010/main" w="9525">
-                  <a:solidFill>
-                    <a:srgbClr val="000000"/>
-                  </a:solidFill>
-                  <a:round/>
-                  <a:headEnd/>
-                  <a:tailEnd/>
-                </a14:hiddenLine>
-              </a:ext>
-            </a:extLst>
-          </p:spPr>
-        </p:sp>
-        <p:sp>
-          <p:nvSpPr>
-            <p:cNvPr id="216" name="Freeform 27">
-              <a:extLst>
-                <a:ext uri="{FF2B5EF4-FFF2-40B4-BE49-F238E27FC236}">
-                  <a16:creationId xmlns:a16="http://schemas.microsoft.com/office/drawing/2014/main" id="{E4A7025C-CDE8-429A-BBB9-E7380C962388}"/>
-                </a:ext>
-                <a:ext uri="{C183D7F6-B498-43B3-948B-1728B52AA6E4}">
-                  <adec:decorative xmlns:adec="http://schemas.microsoft.com/office/drawing/2017/decorative" val="1"/>
-                </a:ext>
-              </a:extLst>
-            </p:cNvPr>
-            <p:cNvSpPr/>
-            <p:nvPr>
-              <p:extLst>
-                <p:ext uri="{386F3935-93C4-4BCD-93E2-E3B085C9AB24}">
-                  <p16:designElem xmlns:p16="http://schemas.microsoft.com/office/powerpoint/2015/main" val="1"/>
-                </p:ext>
-              </p:extLst>
-            </p:nvPr>
-          </p:nvSpPr>
-          <p:spPr bwMode="auto">
-            <a:xfrm>
-              <a:off x="569912" y="5945188"/>
-              <a:ext cx="152400" cy="912813"/>
-            </a:xfrm>
-            <a:custGeom>
-              <a:avLst/>
-              <a:gdLst/>
-              <a:ahLst/>
-              <a:cxnLst/>
-              <a:rect l="0" t="0" r="r" b="b"/>
-              <a:pathLst>
-                <a:path w="96" h="575">
-                  <a:moveTo>
-                    <a:pt x="15" y="575"/>
-                  </a:moveTo>
-                  <a:lnTo>
-                    <a:pt x="0" y="569"/>
-                  </a:lnTo>
-                  <a:lnTo>
-                    <a:pt x="81" y="383"/>
-                  </a:lnTo>
-                  <a:lnTo>
-                    <a:pt x="81" y="0"/>
-                  </a:lnTo>
-                  <a:lnTo>
-                    <a:pt x="96" y="0"/>
-                  </a:lnTo>
-                  <a:lnTo>
-                    <a:pt x="96" y="386"/>
-                  </a:lnTo>
-                  <a:lnTo>
-                    <a:pt x="15" y="575"/>
-                  </a:lnTo>
-                  <a:close/>
-                </a:path>
-              </a:pathLst>
-            </a:custGeom>
-            <a:grpFill/>
-            <a:ln>
-              <a:noFill/>
-            </a:ln>
-            <a:extLst>
-              <a:ext uri="{91240B29-F687-4f45-9708-019B960494DF}">
-                <a14:hiddenLine xmlns="" xmlns:a16="http://schemas.microsoft.com/office/drawing/2014/main" xmlns:p14="http://schemas.microsoft.com/office/powerpoint/2010/main" xmlns:a14="http://schemas.microsoft.com/office/drawing/2010/main" w="9525">
-                  <a:solidFill>
-                    <a:srgbClr val="000000"/>
-                  </a:solidFill>
-                  <a:round/>
-                  <a:headEnd/>
-                  <a:tailEnd/>
-                </a14:hiddenLine>
-              </a:ext>
-            </a:extLst>
-          </p:spPr>
-        </p:sp>
-        <p:sp>
-          <p:nvSpPr>
-            <p:cNvPr id="217" name="Freeform 28">
-              <a:extLst>
-                <a:ext uri="{FF2B5EF4-FFF2-40B4-BE49-F238E27FC236}">
-                  <a16:creationId xmlns:a16="http://schemas.microsoft.com/office/drawing/2014/main" id="{A4EA0256-5DF5-437A-98A7-B79F3E6BB89A}"/>
-                </a:ext>
-                <a:ext uri="{C183D7F6-B498-43B3-948B-1728B52AA6E4}">
-                  <adec:decorative xmlns:adec="http://schemas.microsoft.com/office/drawing/2017/decorative" val="1"/>
-                </a:ext>
-              </a:extLst>
-            </p:cNvPr>
-            <p:cNvSpPr>
-              <a:spLocks noEditPoints="1"/>
-            </p:cNvSpPr>
-            <p:nvPr>
-              <p:extLst>
-                <p:ext uri="{386F3935-93C4-4BCD-93E2-E3B085C9AB24}">
-                  <p16:designElem xmlns:p16="http://schemas.microsoft.com/office/powerpoint/2015/main" val="1"/>
-                </p:ext>
-              </p:extLst>
-            </p:nvPr>
-          </p:nvSpPr>
-          <p:spPr bwMode="auto">
-            <a:xfrm>
-              <a:off x="612775" y="5246688"/>
-              <a:ext cx="190500" cy="190500"/>
-            </a:xfrm>
-            <a:custGeom>
-              <a:avLst/>
-              <a:gdLst/>
-              <a:ahLst/>
-              <a:cxnLst/>
-              <a:rect l="0" t="0" r="r" b="b"/>
-              <a:pathLst>
-                <a:path w="40" h="40">
-                  <a:moveTo>
-                    <a:pt x="20" y="40"/>
-                  </a:moveTo>
-                  <a:cubicBezTo>
-                    <a:pt x="9" y="40"/>
-                    <a:pt x="0" y="31"/>
-                    <a:pt x="0" y="20"/>
-                  </a:cubicBezTo>
-                  <a:cubicBezTo>
-                    <a:pt x="0" y="9"/>
-                    <a:pt x="9" y="0"/>
-                    <a:pt x="20" y="0"/>
-                  </a:cubicBezTo>
-                  <a:cubicBezTo>
-                    <a:pt x="31" y="0"/>
-                    <a:pt x="40" y="9"/>
-                    <a:pt x="40" y="20"/>
-                  </a:cubicBezTo>
-                  <a:cubicBezTo>
-                    <a:pt x="40" y="31"/>
-                    <a:pt x="31" y="40"/>
-                    <a:pt x="20" y="40"/>
-                  </a:cubicBezTo>
-                  <a:close/>
-                  <a:moveTo>
-                    <a:pt x="20" y="4"/>
-                  </a:moveTo>
-                  <a:cubicBezTo>
-                    <a:pt x="12" y="4"/>
-                    <a:pt x="4" y="11"/>
-                    <a:pt x="4" y="20"/>
-                  </a:cubicBezTo>
-                  <a:cubicBezTo>
-                    <a:pt x="4" y="29"/>
-                    <a:pt x="12" y="36"/>
-                    <a:pt x="20" y="36"/>
-                  </a:cubicBezTo>
-                  <a:cubicBezTo>
-                    <a:pt x="29" y="36"/>
-                    <a:pt x="36" y="29"/>
-                    <a:pt x="36" y="20"/>
-                  </a:cubicBezTo>
-                  <a:cubicBezTo>
-                    <a:pt x="36" y="11"/>
-                    <a:pt x="29" y="4"/>
-                    <a:pt x="20" y="4"/>
-                  </a:cubicBezTo>
-                  <a:close/>
-                </a:path>
-              </a:pathLst>
-            </a:custGeom>
-            <a:grpFill/>
-            <a:ln>
-              <a:noFill/>
-            </a:ln>
-            <a:extLst>
-              <a:ext uri="{91240B29-F687-4f45-9708-019B960494DF}">
-                <a14:hiddenLine xmlns="" xmlns:a16="http://schemas.microsoft.com/office/drawing/2014/main" xmlns:p14="http://schemas.microsoft.com/office/powerpoint/2010/main" xmlns:a14="http://schemas.microsoft.com/office/drawing/2010/main" w="9525">
-                  <a:solidFill>
-                    <a:srgbClr val="000000"/>
-                  </a:solidFill>
-                  <a:round/>
-                  <a:headEnd/>
-                  <a:tailEnd/>
-                </a14:hiddenLine>
-              </a:ext>
-            </a:extLst>
-          </p:spPr>
-        </p:sp>
-        <p:sp>
-          <p:nvSpPr>
-            <p:cNvPr id="218" name="Freeform 29">
-              <a:extLst>
-                <a:ext uri="{FF2B5EF4-FFF2-40B4-BE49-F238E27FC236}">
-                  <a16:creationId xmlns:a16="http://schemas.microsoft.com/office/drawing/2014/main" id="{90C9433D-9E1C-493B-BEBD-C3081FFA328F}"/>
-                </a:ext>
-                <a:ext uri="{C183D7F6-B498-43B3-948B-1728B52AA6E4}">
-                  <adec:decorative xmlns:adec="http://schemas.microsoft.com/office/drawing/2017/decorative" val="1"/>
-                </a:ext>
-              </a:extLst>
-            </p:cNvPr>
-            <p:cNvSpPr>
-              <a:spLocks noEditPoints="1"/>
-            </p:cNvSpPr>
-            <p:nvPr>
-              <p:extLst>
-                <p:ext uri="{386F3935-93C4-4BCD-93E2-E3B085C9AB24}">
-                  <p16:designElem xmlns:p16="http://schemas.microsoft.com/office/powerpoint/2015/main" val="1"/>
-                </p:ext>
-              </p:extLst>
-            </p:nvPr>
-          </p:nvSpPr>
-          <p:spPr bwMode="auto">
-            <a:xfrm>
-              <a:off x="612775" y="5764213"/>
-              <a:ext cx="190500" cy="190500"/>
-            </a:xfrm>
-            <a:custGeom>
-              <a:avLst/>
-              <a:gdLst/>
-              <a:ahLst/>
-              <a:cxnLst/>
-              <a:rect l="0" t="0" r="r" b="b"/>
-              <a:pathLst>
-                <a:path w="40" h="40">
-                  <a:moveTo>
-                    <a:pt x="20" y="40"/>
-                  </a:moveTo>
-                  <a:cubicBezTo>
-                    <a:pt x="9" y="40"/>
-                    <a:pt x="0" y="31"/>
-                    <a:pt x="0" y="20"/>
-                  </a:cubicBezTo>
-                  <a:cubicBezTo>
-                    <a:pt x="0" y="9"/>
-                    <a:pt x="9" y="0"/>
-                    <a:pt x="20" y="0"/>
-                  </a:cubicBezTo>
-                  <a:cubicBezTo>
-                    <a:pt x="31" y="0"/>
-                    <a:pt x="40" y="9"/>
-                    <a:pt x="40" y="20"/>
-                  </a:cubicBezTo>
-                  <a:cubicBezTo>
-                    <a:pt x="40" y="31"/>
-                    <a:pt x="31" y="40"/>
-                    <a:pt x="20" y="40"/>
-                  </a:cubicBezTo>
-                  <a:close/>
-                  <a:moveTo>
-                    <a:pt x="20" y="4"/>
-                  </a:moveTo>
-                  <a:cubicBezTo>
-                    <a:pt x="12" y="4"/>
-                    <a:pt x="4" y="11"/>
-                    <a:pt x="4" y="20"/>
-                  </a:cubicBezTo>
-                  <a:cubicBezTo>
-                    <a:pt x="4" y="29"/>
-                    <a:pt x="12" y="36"/>
-                    <a:pt x="20" y="36"/>
-                  </a:cubicBezTo>
-                  <a:cubicBezTo>
-                    <a:pt x="29" y="36"/>
-                    <a:pt x="36" y="29"/>
-                    <a:pt x="36" y="20"/>
-                  </a:cubicBezTo>
-                  <a:cubicBezTo>
-                    <a:pt x="36" y="11"/>
-                    <a:pt x="29" y="4"/>
-                    <a:pt x="20" y="4"/>
-                  </a:cubicBezTo>
-                  <a:close/>
-                </a:path>
-              </a:pathLst>
-            </a:custGeom>
-            <a:grpFill/>
-            <a:ln>
-              <a:noFill/>
-            </a:ln>
-            <a:extLst>
-              <a:ext uri="{91240B29-F687-4f45-9708-019B960494DF}">
-                <a14:hiddenLine xmlns="" xmlns:a16="http://schemas.microsoft.com/office/drawing/2014/main" xmlns:p14="http://schemas.microsoft.com/office/powerpoint/2010/main" xmlns:a14="http://schemas.microsoft.com/office/drawing/2010/main" w="9525">
-                  <a:solidFill>
-                    <a:srgbClr val="000000"/>
-                  </a:solidFill>
-                  <a:round/>
-                  <a:headEnd/>
-                  <a:tailEnd/>
-                </a14:hiddenLine>
-              </a:ext>
-            </a:extLst>
-          </p:spPr>
-        </p:sp>
-        <p:sp>
-          <p:nvSpPr>
-            <p:cNvPr id="219" name="Freeform 30">
-              <a:extLst>
-                <a:ext uri="{FF2B5EF4-FFF2-40B4-BE49-F238E27FC236}">
-                  <a16:creationId xmlns:a16="http://schemas.microsoft.com/office/drawing/2014/main" id="{352B39BB-F298-4285-A709-1FBA0CB722C9}"/>
-                </a:ext>
-                <a:ext uri="{C183D7F6-B498-43B3-948B-1728B52AA6E4}">
-                  <adec:decorative xmlns:adec="http://schemas.microsoft.com/office/drawing/2017/decorative" val="1"/>
-                </a:ext>
-              </a:extLst>
-            </p:cNvPr>
-            <p:cNvSpPr/>
-            <p:nvPr>
-              <p:extLst>
-                <p:ext uri="{386F3935-93C4-4BCD-93E2-E3B085C9AB24}">
-                  <p16:designElem xmlns:p16="http://schemas.microsoft.com/office/powerpoint/2015/main" val="1"/>
-                </p:ext>
-              </p:extLst>
-            </p:nvPr>
-          </p:nvSpPr>
-          <p:spPr bwMode="auto">
-            <a:xfrm>
-              <a:off x="669925" y="6330950"/>
-              <a:ext cx="417513" cy="517525"/>
-            </a:xfrm>
-            <a:custGeom>
-              <a:avLst/>
-              <a:gdLst/>
-              <a:ahLst/>
-              <a:cxnLst/>
-              <a:rect l="0" t="0" r="r" b="b"/>
-              <a:pathLst>
-                <a:path w="263" h="326">
-                  <a:moveTo>
-                    <a:pt x="15" y="326"/>
-                  </a:moveTo>
-                  <a:lnTo>
-                    <a:pt x="0" y="320"/>
-                  </a:lnTo>
-                  <a:lnTo>
-                    <a:pt x="45" y="206"/>
-                  </a:lnTo>
-                  <a:lnTo>
-                    <a:pt x="48" y="206"/>
-                  </a:lnTo>
-                  <a:lnTo>
-                    <a:pt x="254" y="0"/>
-                  </a:lnTo>
-                  <a:lnTo>
-                    <a:pt x="263" y="12"/>
-                  </a:lnTo>
-                  <a:lnTo>
-                    <a:pt x="60" y="215"/>
-                  </a:lnTo>
-                  <a:lnTo>
-                    <a:pt x="15" y="326"/>
-                  </a:lnTo>
-                  <a:close/>
-                </a:path>
-              </a:pathLst>
-            </a:custGeom>
-            <a:grpFill/>
-            <a:ln>
-              <a:noFill/>
-            </a:ln>
-            <a:extLst>
-              <a:ext uri="{91240B29-F687-4f45-9708-019B960494DF}">
-                <a14:hiddenLine xmlns="" xmlns:a16="http://schemas.microsoft.com/office/drawing/2014/main" xmlns:p14="http://schemas.microsoft.com/office/powerpoint/2010/main" xmlns:a14="http://schemas.microsoft.com/office/drawing/2010/main" w="9525">
-                  <a:solidFill>
-                    <a:srgbClr val="000000"/>
-                  </a:solidFill>
-                  <a:round/>
-                  <a:headEnd/>
-                  <a:tailEnd/>
-                </a14:hiddenLine>
-              </a:ext>
-            </a:extLst>
-          </p:spPr>
-        </p:sp>
-        <p:sp>
-          <p:nvSpPr>
-            <p:cNvPr id="220" name="Freeform 31">
-              <a:extLst>
-                <a:ext uri="{FF2B5EF4-FFF2-40B4-BE49-F238E27FC236}">
-                  <a16:creationId xmlns:a16="http://schemas.microsoft.com/office/drawing/2014/main" id="{31CAF2A0-CBA0-4E86-AA87-8750EC1AFB2E}"/>
-                </a:ext>
-                <a:ext uri="{C183D7F6-B498-43B3-948B-1728B52AA6E4}">
-                  <adec:decorative xmlns:adec="http://schemas.microsoft.com/office/drawing/2017/decorative" val="1"/>
-                </a:ext>
-              </a:extLst>
-            </p:cNvPr>
-            <p:cNvSpPr>
-              <a:spLocks noEditPoints="1"/>
-            </p:cNvSpPr>
-            <p:nvPr>
-              <p:extLst>
-                <p:ext uri="{386F3935-93C4-4BCD-93E2-E3B085C9AB24}">
-                  <p16:designElem xmlns:p16="http://schemas.microsoft.com/office/powerpoint/2015/main" val="1"/>
-                </p:ext>
-              </p:extLst>
-            </p:nvPr>
-          </p:nvSpPr>
-          <p:spPr bwMode="auto">
-            <a:xfrm>
-              <a:off x="1049337" y="6221413"/>
-              <a:ext cx="157163" cy="147638"/>
-            </a:xfrm>
-            <a:custGeom>
-              <a:avLst/>
-              <a:gdLst/>
-              <a:ahLst/>
-              <a:cxnLst/>
-              <a:rect l="0" t="0" r="r" b="b"/>
-              <a:pathLst>
-                <a:path w="33" h="31">
-                  <a:moveTo>
-                    <a:pt x="16" y="31"/>
-                  </a:moveTo>
-                  <a:cubicBezTo>
-                    <a:pt x="12" y="31"/>
-                    <a:pt x="8" y="29"/>
-                    <a:pt x="5" y="26"/>
-                  </a:cubicBezTo>
-                  <a:cubicBezTo>
-                    <a:pt x="2" y="24"/>
-                    <a:pt x="0" y="20"/>
-                    <a:pt x="0" y="15"/>
-                  </a:cubicBezTo>
-                  <a:cubicBezTo>
-                    <a:pt x="0" y="11"/>
-                    <a:pt x="2" y="7"/>
-                    <a:pt x="5" y="4"/>
-                  </a:cubicBezTo>
-                  <a:cubicBezTo>
-                    <a:pt x="8" y="1"/>
-                    <a:pt x="12" y="0"/>
-                    <a:pt x="16" y="0"/>
-                  </a:cubicBezTo>
-                  <a:cubicBezTo>
-                    <a:pt x="20" y="0"/>
-                    <a:pt x="24" y="1"/>
-                    <a:pt x="27" y="4"/>
-                  </a:cubicBezTo>
-                  <a:cubicBezTo>
-                    <a:pt x="33" y="10"/>
-                    <a:pt x="33" y="20"/>
-                    <a:pt x="27" y="26"/>
-                  </a:cubicBezTo>
-                  <a:cubicBezTo>
-                    <a:pt x="24" y="29"/>
-                    <a:pt x="20" y="31"/>
-                    <a:pt x="16" y="31"/>
-                  </a:cubicBezTo>
-                  <a:close/>
-                  <a:moveTo>
-                    <a:pt x="16" y="4"/>
-                  </a:moveTo>
-                  <a:cubicBezTo>
-                    <a:pt x="13" y="4"/>
-                    <a:pt x="10" y="5"/>
-                    <a:pt x="8" y="7"/>
-                  </a:cubicBezTo>
-                  <a:cubicBezTo>
-                    <a:pt x="6" y="9"/>
-                    <a:pt x="4" y="12"/>
-                    <a:pt x="4" y="15"/>
-                  </a:cubicBezTo>
-                  <a:cubicBezTo>
-                    <a:pt x="4" y="19"/>
-                    <a:pt x="6" y="21"/>
-                    <a:pt x="8" y="24"/>
-                  </a:cubicBezTo>
-                  <a:cubicBezTo>
-                    <a:pt x="10" y="26"/>
-                    <a:pt x="13" y="27"/>
-                    <a:pt x="16" y="27"/>
-                  </a:cubicBezTo>
-                  <a:cubicBezTo>
-                    <a:pt x="19" y="27"/>
-                    <a:pt x="22" y="26"/>
-                    <a:pt x="24" y="24"/>
-                  </a:cubicBezTo>
-                  <a:cubicBezTo>
-                    <a:pt x="29" y="19"/>
-                    <a:pt x="29" y="12"/>
-                    <a:pt x="24" y="7"/>
-                  </a:cubicBezTo>
-                  <a:cubicBezTo>
-                    <a:pt x="22" y="5"/>
-                    <a:pt x="19" y="4"/>
-                    <a:pt x="16" y="4"/>
-                  </a:cubicBezTo>
-                  <a:close/>
-                </a:path>
-              </a:pathLst>
-            </a:custGeom>
-            <a:grpFill/>
-            <a:ln>
-              <a:noFill/>
-            </a:ln>
-            <a:extLst>
-              <a:ext uri="{91240B29-F687-4f45-9708-019B960494DF}">
-                <a14:hiddenLine xmlns="" xmlns:a16="http://schemas.microsoft.com/office/drawing/2014/main" xmlns:p14="http://schemas.microsoft.com/office/powerpoint/2010/main" xmlns:a14="http://schemas.microsoft.com/office/drawing/2010/main" w="9525">
-                  <a:solidFill>
-                    <a:srgbClr val="000000"/>
-                  </a:solidFill>
-                  <a:round/>
-                  <a:headEnd/>
-                  <a:tailEnd/>
-                </a14:hiddenLine>
-              </a:ext>
-            </a:extLst>
-          </p:spPr>
-        </p:sp>
-      </p:grpSp>
-      <p:sp useBgFill="1">
-        <p:nvSpPr>
-          <p:cNvPr id="222" name="Round Diagonal Corner Rectangle 7">
-            <a:extLst>
-              <a:ext uri="{FF2B5EF4-FFF2-40B4-BE49-F238E27FC236}">
-                <a16:creationId xmlns:a16="http://schemas.microsoft.com/office/drawing/2014/main" id="{7D1C411D-0818-4640-8657-2AF78250C802}"/>
-              </a:ext>
-              <a:ext uri="{C183D7F6-B498-43B3-948B-1728B52AA6E4}">
-                <adec:decorative xmlns:adec="http://schemas.microsoft.com/office/drawing/2017/decorative" val="1"/>
-              </a:ext>
-            </a:extLst>
-          </p:cNvPr>
-          <p:cNvSpPr>
-            <a:spLocks noGrp="1" noRot="1" noChangeAspect="1" noMove="1" noResize="1" noEditPoints="1" noAdjustHandles="1" noChangeArrowheads="1" noChangeShapeType="1" noTextEdit="1"/>
-          </p:cNvSpPr>
-          <p:nvPr>
-            <p:extLst>
-              <p:ext uri="{386F3935-93C4-4BCD-93E2-E3B085C9AB24}">
-                <p16:designElem xmlns:p16="http://schemas.microsoft.com/office/powerpoint/2015/main" val="1"/>
-              </p:ext>
-            </p:extLst>
-          </p:nvPr>
-        </p:nvSpPr>
-        <p:spPr>
-          <a:xfrm>
-            <a:off x="4625084" y="0"/>
-            <a:ext cx="7566916" cy="6848476"/>
-          </a:xfrm>
-          <a:prstGeom prst="round2DiagRect">
-            <a:avLst>
-              <a:gd name="adj1" fmla="val 0"/>
-              <a:gd name="adj2" fmla="val 0"/>
-            </a:avLst>
-          </a:prstGeom>
-          <a:ln w="19050" cap="sq">
-            <a:noFill/>
-            <a:miter lim="800000"/>
-          </a:ln>
-          <a:effectLst/>
-        </p:spPr>
-        <p:style>
-          <a:lnRef idx="1">
-            <a:schemeClr val="accent1"/>
-          </a:lnRef>
-          <a:fillRef idx="3">
-            <a:schemeClr val="accent1"/>
-          </a:fillRef>
-          <a:effectRef idx="2">
-            <a:schemeClr val="accent1"/>
-          </a:effectRef>
-          <a:fontRef idx="minor">
-            <a:schemeClr val="lt1"/>
-          </a:fontRef>
-        </p:style>
-        <p:txBody>
-          <a:bodyPr rtlCol="0" anchor="ctr"/>
-          <a:lstStyle/>
-          <a:p>
-            <a:pPr algn="ctr"/>
-            <a:endParaRPr lang="en-US"/>
-          </a:p>
-        </p:txBody>
-      </p:sp>
-      <p:pic>
-        <p:nvPicPr>
-          <p:cNvPr id="7" name="Segnaposto contenuto 6" descr="Immagine che contiene mappa&#10;&#10;Descrizione generata automaticamente">
-            <a:extLst>
-              <a:ext uri="{FF2B5EF4-FFF2-40B4-BE49-F238E27FC236}">
-                <a16:creationId xmlns:a16="http://schemas.microsoft.com/office/drawing/2014/main" id="{2F7AB199-0DA6-4B18-A94E-AABEDC33B8BC}"/>
-              </a:ext>
-            </a:extLst>
-          </p:cNvPr>
-          <p:cNvPicPr>
-            <a:picLocks noGrp="1" noChangeAspect="1"/>
-          </p:cNvPicPr>
-          <p:nvPr>
-            <p:ph idx="1"/>
-          </p:nvPr>
-        </p:nvPicPr>
-        <p:blipFill>
-          <a:blip r:embed="rId2">
-            <a:extLst>
-              <a:ext uri="{28A0092B-C50C-407E-A947-70E740481C1C}">
-                <a14:useLocalDpi xmlns:a14="http://schemas.microsoft.com/office/drawing/2010/main" val="0"/>
-              </a:ext>
-            </a:extLst>
-          </a:blip>
-          <a:stretch>
-            <a:fillRect/>
-          </a:stretch>
-        </p:blipFill>
-        <p:spPr>
-          <a:xfrm>
-            <a:off x="4834633" y="1529572"/>
-            <a:ext cx="7176754" cy="4040155"/>
-          </a:xfrm>
-        </p:spPr>
-      </p:pic>
-      <p:sp>
-        <p:nvSpPr>
-          <p:cNvPr id="34" name="Titolo 1">
-            <a:extLst>
-              <a:ext uri="{FF2B5EF4-FFF2-40B4-BE49-F238E27FC236}">
-                <a16:creationId xmlns:a16="http://schemas.microsoft.com/office/drawing/2014/main" id="{72C0091B-0377-4A53-81EE-20560724D58E}"/>
-              </a:ext>
-            </a:extLst>
-          </p:cNvPr>
-          <p:cNvSpPr>
-            <a:spLocks noGrp="1"/>
-          </p:cNvSpPr>
-          <p:nvPr>
-            <p:ph type="title"/>
-          </p:nvPr>
-        </p:nvSpPr>
-        <p:spPr>
-          <a:xfrm>
-            <a:off x="794397" y="2845820"/>
-            <a:ext cx="3059969" cy="1193348"/>
-          </a:xfrm>
-        </p:spPr>
-        <p:txBody>
-          <a:bodyPr>
-            <a:normAutofit/>
-          </a:bodyPr>
-          <a:lstStyle/>
-          <a:p>
-            <a:pPr algn="ctr"/>
-            <a:r>
-              <a:rPr lang="it-IT" dirty="0"/>
-              <a:t>DEMO</a:t>
-            </a:r>
-          </a:p>
-        </p:txBody>
-      </p:sp>
-    </p:spTree>
-    <p:extLst>
-      <p:ext uri="{BB962C8B-B14F-4D97-AF65-F5344CB8AC3E}">
-        <p14:creationId xmlns:p14="http://schemas.microsoft.com/office/powerpoint/2010/main" val="4067222719"/>
       </p:ext>
     </p:extLst>
   </p:cSld>
